--- a/prezentacija/ML_Alzheimer.pptx
+++ b/prezentacija/ML_Alzheimer.pptx
@@ -5,10 +5,10 @@
     <p:sldMasterId id="2147483666" r:id="rId4"/>
   </p:sldMasterIdLst>
   <p:notesMasterIdLst>
-    <p:notesMasterId r:id="rId12"/>
+    <p:notesMasterId r:id="rId14"/>
   </p:notesMasterIdLst>
   <p:handoutMasterIdLst>
-    <p:handoutMasterId r:id="rId13"/>
+    <p:handoutMasterId r:id="rId15"/>
   </p:handoutMasterIdLst>
   <p:sldIdLst>
     <p:sldId id="256" r:id="rId5"/>
@@ -16,8 +16,10 @@
     <p:sldId id="298" r:id="rId7"/>
     <p:sldId id="297" r:id="rId8"/>
     <p:sldId id="299" r:id="rId9"/>
-    <p:sldId id="275" r:id="rId10"/>
-    <p:sldId id="276" r:id="rId11"/>
+    <p:sldId id="301" r:id="rId10"/>
+    <p:sldId id="300" r:id="rId11"/>
+    <p:sldId id="275" r:id="rId12"/>
+    <p:sldId id="276" r:id="rId13"/>
   </p:sldIdLst>
   <p:sldSz cx="12192000" cy="6858000"/>
   <p:notesSz cx="6858000" cy="9144000"/>
@@ -850,7 +852,7 @@
             <a:pPr rtl="0"/>
             <a:fld id="{D4B9A9E5-4F7F-4A7D-9DE1-899232329269}" type="slidenum">
               <a:rPr lang="en-GB" smtClean="0"/>
-              <a:t>6</a:t>
+              <a:t>8</a:t>
             </a:fld>
             <a:endParaRPr lang="en-GB"/>
           </a:p>
@@ -935,7 +937,7 @@
             <a:pPr rtl="0"/>
             <a:fld id="{D4B9A9E5-4F7F-4A7D-9DE1-899232329269}" type="slidenum">
               <a:rPr lang="en-GB" smtClean="0"/>
-              <a:t>7</a:t>
+              <a:t>9</a:t>
             </a:fld>
             <a:endParaRPr lang="en-GB"/>
           </a:p>
@@ -17531,7 +17533,7 @@
         </p:nvSpPr>
         <p:spPr>
           <a:xfrm>
-            <a:off x="1234256" y="816077"/>
+            <a:off x="644320" y="784888"/>
             <a:ext cx="5111750" cy="693790"/>
           </a:xfrm>
         </p:spPr>
@@ -17575,15 +17577,471 @@
         </p:nvSpPr>
         <p:spPr>
           <a:xfrm>
-            <a:off x="1234256" y="1903412"/>
-            <a:ext cx="5111750" cy="1525588"/>
-          </a:xfrm>
-        </p:spPr>
-        <p:txBody>
-          <a:bodyPr/>
+            <a:off x="644320" y="1762971"/>
+            <a:ext cx="8229599" cy="4153259"/>
+          </a:xfrm>
+        </p:spPr>
+        <p:txBody>
+          <a:bodyPr>
+            <a:normAutofit/>
+          </a:bodyPr>
           <a:lstStyle/>
           <a:p>
-            <a:endParaRPr lang="en-GB" dirty="0"/>
+            <a:pPr marL="342900" indent="-342900">
+              <a:buFont typeface="Arial" panose="020B0604020202020204" pitchFamily="34" charset="0"/>
+              <a:buChar char="•"/>
+            </a:pPr>
+            <a:r>
+              <a:rPr lang="hr-HR" sz="2500" dirty="0">
+                <a:latin typeface="Tahoma" panose="020B0604030504040204" pitchFamily="34" charset="0"/>
+                <a:ea typeface="Tahoma" panose="020B0604030504040204" pitchFamily="34" charset="0"/>
+                <a:cs typeface="Tahoma" panose="020B0604030504040204" pitchFamily="34" charset="0"/>
+              </a:rPr>
+              <a:t>G</a:t>
+            </a:r>
+            <a:r>
+              <a:rPr lang="en-GB" sz="2500" dirty="0">
+                <a:latin typeface="Tahoma" panose="020B0604030504040204" pitchFamily="34" charset="0"/>
+                <a:ea typeface="Tahoma" panose="020B0604030504040204" pitchFamily="34" charset="0"/>
+                <a:cs typeface="Tahoma" panose="020B0604030504040204" pitchFamily="34" charset="0"/>
+              </a:rPr>
+              <a:t>rana </a:t>
+            </a:r>
+            <a:r>
+              <a:rPr lang="en-GB" sz="2500" dirty="0" err="1">
+                <a:latin typeface="Tahoma" panose="020B0604030504040204" pitchFamily="34" charset="0"/>
+                <a:ea typeface="Tahoma" panose="020B0604030504040204" pitchFamily="34" charset="0"/>
+                <a:cs typeface="Tahoma" panose="020B0604030504040204" pitchFamily="34" charset="0"/>
+              </a:rPr>
+              <a:t>umjetne</a:t>
+            </a:r>
+            <a:r>
+              <a:rPr lang="en-GB" sz="2500" dirty="0">
+                <a:latin typeface="Tahoma" panose="020B0604030504040204" pitchFamily="34" charset="0"/>
+                <a:ea typeface="Tahoma" panose="020B0604030504040204" pitchFamily="34" charset="0"/>
+                <a:cs typeface="Tahoma" panose="020B0604030504040204" pitchFamily="34" charset="0"/>
+              </a:rPr>
+              <a:t> </a:t>
+            </a:r>
+            <a:r>
+              <a:rPr lang="en-GB" sz="2500" dirty="0" err="1">
+                <a:latin typeface="Tahoma" panose="020B0604030504040204" pitchFamily="34" charset="0"/>
+                <a:ea typeface="Tahoma" panose="020B0604030504040204" pitchFamily="34" charset="0"/>
+                <a:cs typeface="Tahoma" panose="020B0604030504040204" pitchFamily="34" charset="0"/>
+              </a:rPr>
+              <a:t>inteligencije</a:t>
+            </a:r>
+            <a:r>
+              <a:rPr lang="en-GB" sz="2500" dirty="0">
+                <a:latin typeface="Tahoma" panose="020B0604030504040204" pitchFamily="34" charset="0"/>
+                <a:ea typeface="Tahoma" panose="020B0604030504040204" pitchFamily="34" charset="0"/>
+                <a:cs typeface="Tahoma" panose="020B0604030504040204" pitchFamily="34" charset="0"/>
+              </a:rPr>
+              <a:t> </a:t>
+            </a:r>
+            <a:r>
+              <a:rPr lang="en-GB" sz="2500" dirty="0" err="1">
+                <a:latin typeface="Tahoma" panose="020B0604030504040204" pitchFamily="34" charset="0"/>
+                <a:ea typeface="Tahoma" panose="020B0604030504040204" pitchFamily="34" charset="0"/>
+                <a:cs typeface="Tahoma" panose="020B0604030504040204" pitchFamily="34" charset="0"/>
+              </a:rPr>
+              <a:t>koja</a:t>
+            </a:r>
+            <a:r>
+              <a:rPr lang="en-GB" sz="2500" dirty="0">
+                <a:latin typeface="Tahoma" panose="020B0604030504040204" pitchFamily="34" charset="0"/>
+                <a:ea typeface="Tahoma" panose="020B0604030504040204" pitchFamily="34" charset="0"/>
+                <a:cs typeface="Tahoma" panose="020B0604030504040204" pitchFamily="34" charset="0"/>
+              </a:rPr>
+              <a:t> se </a:t>
+            </a:r>
+            <a:r>
+              <a:rPr lang="en-GB" sz="2500" dirty="0" err="1">
+                <a:latin typeface="Tahoma" panose="020B0604030504040204" pitchFamily="34" charset="0"/>
+                <a:ea typeface="Tahoma" panose="020B0604030504040204" pitchFamily="34" charset="0"/>
+                <a:cs typeface="Tahoma" panose="020B0604030504040204" pitchFamily="34" charset="0"/>
+              </a:rPr>
+              <a:t>temelji</a:t>
+            </a:r>
+            <a:r>
+              <a:rPr lang="en-GB" sz="2500" dirty="0">
+                <a:latin typeface="Tahoma" panose="020B0604030504040204" pitchFamily="34" charset="0"/>
+                <a:ea typeface="Tahoma" panose="020B0604030504040204" pitchFamily="34" charset="0"/>
+                <a:cs typeface="Tahoma" panose="020B0604030504040204" pitchFamily="34" charset="0"/>
+              </a:rPr>
+              <a:t> </a:t>
+            </a:r>
+            <a:r>
+              <a:rPr lang="en-GB" sz="2500" dirty="0" err="1">
+                <a:latin typeface="Tahoma" panose="020B0604030504040204" pitchFamily="34" charset="0"/>
+                <a:ea typeface="Tahoma" panose="020B0604030504040204" pitchFamily="34" charset="0"/>
+                <a:cs typeface="Tahoma" panose="020B0604030504040204" pitchFamily="34" charset="0"/>
+              </a:rPr>
+              <a:t>na</a:t>
+            </a:r>
+            <a:r>
+              <a:rPr lang="en-GB" sz="2500" dirty="0">
+                <a:latin typeface="Tahoma" panose="020B0604030504040204" pitchFamily="34" charset="0"/>
+                <a:ea typeface="Tahoma" panose="020B0604030504040204" pitchFamily="34" charset="0"/>
+                <a:cs typeface="Tahoma" panose="020B0604030504040204" pitchFamily="34" charset="0"/>
+              </a:rPr>
+              <a:t> </a:t>
+            </a:r>
+            <a:r>
+              <a:rPr lang="en-GB" sz="2500" dirty="0" err="1">
+                <a:latin typeface="Tahoma" panose="020B0604030504040204" pitchFamily="34" charset="0"/>
+                <a:ea typeface="Tahoma" panose="020B0604030504040204" pitchFamily="34" charset="0"/>
+                <a:cs typeface="Tahoma" panose="020B0604030504040204" pitchFamily="34" charset="0"/>
+              </a:rPr>
+              <a:t>razvijanju</a:t>
+            </a:r>
+            <a:r>
+              <a:rPr lang="en-GB" sz="2500" dirty="0">
+                <a:latin typeface="Tahoma" panose="020B0604030504040204" pitchFamily="34" charset="0"/>
+                <a:ea typeface="Tahoma" panose="020B0604030504040204" pitchFamily="34" charset="0"/>
+                <a:cs typeface="Tahoma" panose="020B0604030504040204" pitchFamily="34" charset="0"/>
+              </a:rPr>
+              <a:t> </a:t>
+            </a:r>
+            <a:r>
+              <a:rPr lang="en-GB" sz="2500" dirty="0" err="1">
+                <a:latin typeface="Tahoma" panose="020B0604030504040204" pitchFamily="34" charset="0"/>
+                <a:ea typeface="Tahoma" panose="020B0604030504040204" pitchFamily="34" charset="0"/>
+                <a:cs typeface="Tahoma" panose="020B0604030504040204" pitchFamily="34" charset="0"/>
+              </a:rPr>
+              <a:t>algoritama</a:t>
+            </a:r>
+            <a:r>
+              <a:rPr lang="en-GB" sz="2500" dirty="0">
+                <a:latin typeface="Tahoma" panose="020B0604030504040204" pitchFamily="34" charset="0"/>
+                <a:ea typeface="Tahoma" panose="020B0604030504040204" pitchFamily="34" charset="0"/>
+                <a:cs typeface="Tahoma" panose="020B0604030504040204" pitchFamily="34" charset="0"/>
+              </a:rPr>
+              <a:t> koji </a:t>
+            </a:r>
+            <a:r>
+              <a:rPr lang="en-GB" sz="2500" dirty="0" err="1">
+                <a:latin typeface="Tahoma" panose="020B0604030504040204" pitchFamily="34" charset="0"/>
+                <a:ea typeface="Tahoma" panose="020B0604030504040204" pitchFamily="34" charset="0"/>
+                <a:cs typeface="Tahoma" panose="020B0604030504040204" pitchFamily="34" charset="0"/>
+              </a:rPr>
+              <a:t>mogu</a:t>
+            </a:r>
+            <a:r>
+              <a:rPr lang="en-GB" sz="2500" dirty="0">
+                <a:latin typeface="Tahoma" panose="020B0604030504040204" pitchFamily="34" charset="0"/>
+                <a:ea typeface="Tahoma" panose="020B0604030504040204" pitchFamily="34" charset="0"/>
+                <a:cs typeface="Tahoma" panose="020B0604030504040204" pitchFamily="34" charset="0"/>
+              </a:rPr>
+              <a:t> </a:t>
+            </a:r>
+            <a:r>
+              <a:rPr lang="en-GB" sz="2500" dirty="0" err="1">
+                <a:latin typeface="Tahoma" panose="020B0604030504040204" pitchFamily="34" charset="0"/>
+                <a:ea typeface="Tahoma" panose="020B0604030504040204" pitchFamily="34" charset="0"/>
+                <a:cs typeface="Tahoma" panose="020B0604030504040204" pitchFamily="34" charset="0"/>
+              </a:rPr>
+              <a:t>učiti</a:t>
+            </a:r>
+            <a:r>
+              <a:rPr lang="en-GB" sz="2500" dirty="0">
+                <a:latin typeface="Tahoma" panose="020B0604030504040204" pitchFamily="34" charset="0"/>
+                <a:ea typeface="Tahoma" panose="020B0604030504040204" pitchFamily="34" charset="0"/>
+                <a:cs typeface="Tahoma" panose="020B0604030504040204" pitchFamily="34" charset="0"/>
+              </a:rPr>
+              <a:t> </a:t>
+            </a:r>
+            <a:r>
+              <a:rPr lang="en-GB" sz="2500" dirty="0" err="1">
+                <a:latin typeface="Tahoma" panose="020B0604030504040204" pitchFamily="34" charset="0"/>
+                <a:ea typeface="Tahoma" panose="020B0604030504040204" pitchFamily="34" charset="0"/>
+                <a:cs typeface="Tahoma" panose="020B0604030504040204" pitchFamily="34" charset="0"/>
+              </a:rPr>
+              <a:t>iz</a:t>
+            </a:r>
+            <a:r>
+              <a:rPr lang="en-GB" sz="2500" dirty="0">
+                <a:latin typeface="Tahoma" panose="020B0604030504040204" pitchFamily="34" charset="0"/>
+                <a:ea typeface="Tahoma" panose="020B0604030504040204" pitchFamily="34" charset="0"/>
+                <a:cs typeface="Tahoma" panose="020B0604030504040204" pitchFamily="34" charset="0"/>
+              </a:rPr>
+              <a:t> </a:t>
+            </a:r>
+            <a:r>
+              <a:rPr lang="en-GB" sz="2500" dirty="0" err="1">
+                <a:latin typeface="Tahoma" panose="020B0604030504040204" pitchFamily="34" charset="0"/>
+                <a:ea typeface="Tahoma" panose="020B0604030504040204" pitchFamily="34" charset="0"/>
+                <a:cs typeface="Tahoma" panose="020B0604030504040204" pitchFamily="34" charset="0"/>
+              </a:rPr>
+              <a:t>podataka</a:t>
+            </a:r>
+            <a:r>
+              <a:rPr lang="en-GB" sz="2500" dirty="0">
+                <a:latin typeface="Tahoma" panose="020B0604030504040204" pitchFamily="34" charset="0"/>
+                <a:ea typeface="Tahoma" panose="020B0604030504040204" pitchFamily="34" charset="0"/>
+                <a:cs typeface="Tahoma" panose="020B0604030504040204" pitchFamily="34" charset="0"/>
+              </a:rPr>
+              <a:t> </a:t>
+            </a:r>
+            <a:r>
+              <a:rPr lang="en-GB" sz="2500" dirty="0" err="1">
+                <a:latin typeface="Tahoma" panose="020B0604030504040204" pitchFamily="34" charset="0"/>
+                <a:ea typeface="Tahoma" panose="020B0604030504040204" pitchFamily="34" charset="0"/>
+                <a:cs typeface="Tahoma" panose="020B0604030504040204" pitchFamily="34" charset="0"/>
+              </a:rPr>
+              <a:t>i</a:t>
+            </a:r>
+            <a:r>
+              <a:rPr lang="en-GB" sz="2500" dirty="0">
+                <a:latin typeface="Tahoma" panose="020B0604030504040204" pitchFamily="34" charset="0"/>
+                <a:ea typeface="Tahoma" panose="020B0604030504040204" pitchFamily="34" charset="0"/>
+                <a:cs typeface="Tahoma" panose="020B0604030504040204" pitchFamily="34" charset="0"/>
+              </a:rPr>
+              <a:t> </a:t>
+            </a:r>
+            <a:r>
+              <a:rPr lang="en-GB" sz="2500" dirty="0" err="1">
+                <a:latin typeface="Tahoma" panose="020B0604030504040204" pitchFamily="34" charset="0"/>
+                <a:ea typeface="Tahoma" panose="020B0604030504040204" pitchFamily="34" charset="0"/>
+                <a:cs typeface="Tahoma" panose="020B0604030504040204" pitchFamily="34" charset="0"/>
+              </a:rPr>
+              <a:t>donositi</a:t>
+            </a:r>
+            <a:r>
+              <a:rPr lang="en-GB" sz="2500" dirty="0">
+                <a:latin typeface="Tahoma" panose="020B0604030504040204" pitchFamily="34" charset="0"/>
+                <a:ea typeface="Tahoma" panose="020B0604030504040204" pitchFamily="34" charset="0"/>
+                <a:cs typeface="Tahoma" panose="020B0604030504040204" pitchFamily="34" charset="0"/>
+              </a:rPr>
+              <a:t> </a:t>
+            </a:r>
+            <a:r>
+              <a:rPr lang="en-GB" sz="2500" dirty="0" err="1">
+                <a:latin typeface="Tahoma" panose="020B0604030504040204" pitchFamily="34" charset="0"/>
+                <a:ea typeface="Tahoma" panose="020B0604030504040204" pitchFamily="34" charset="0"/>
+                <a:cs typeface="Tahoma" panose="020B0604030504040204" pitchFamily="34" charset="0"/>
+              </a:rPr>
+              <a:t>odluke</a:t>
+            </a:r>
+            <a:r>
+              <a:rPr lang="en-GB" sz="2500" dirty="0">
+                <a:latin typeface="Tahoma" panose="020B0604030504040204" pitchFamily="34" charset="0"/>
+                <a:ea typeface="Tahoma" panose="020B0604030504040204" pitchFamily="34" charset="0"/>
+                <a:cs typeface="Tahoma" panose="020B0604030504040204" pitchFamily="34" charset="0"/>
+              </a:rPr>
+              <a:t> </a:t>
+            </a:r>
+            <a:r>
+              <a:rPr lang="en-GB" sz="2500" dirty="0" err="1">
+                <a:latin typeface="Tahoma" panose="020B0604030504040204" pitchFamily="34" charset="0"/>
+                <a:ea typeface="Tahoma" panose="020B0604030504040204" pitchFamily="34" charset="0"/>
+                <a:cs typeface="Tahoma" panose="020B0604030504040204" pitchFamily="34" charset="0"/>
+              </a:rPr>
+              <a:t>na</a:t>
+            </a:r>
+            <a:r>
+              <a:rPr lang="en-GB" sz="2500" dirty="0">
+                <a:latin typeface="Tahoma" panose="020B0604030504040204" pitchFamily="34" charset="0"/>
+                <a:ea typeface="Tahoma" panose="020B0604030504040204" pitchFamily="34" charset="0"/>
+                <a:cs typeface="Tahoma" panose="020B0604030504040204" pitchFamily="34" charset="0"/>
+              </a:rPr>
+              <a:t> </a:t>
+            </a:r>
+            <a:r>
+              <a:rPr lang="en-GB" sz="2500" dirty="0" err="1">
+                <a:latin typeface="Tahoma" panose="020B0604030504040204" pitchFamily="34" charset="0"/>
+                <a:ea typeface="Tahoma" panose="020B0604030504040204" pitchFamily="34" charset="0"/>
+                <a:cs typeface="Tahoma" panose="020B0604030504040204" pitchFamily="34" charset="0"/>
+              </a:rPr>
+              <a:t>temelju</a:t>
+            </a:r>
+            <a:r>
+              <a:rPr lang="en-GB" sz="2500" dirty="0">
+                <a:latin typeface="Tahoma" panose="020B0604030504040204" pitchFamily="34" charset="0"/>
+                <a:ea typeface="Tahoma" panose="020B0604030504040204" pitchFamily="34" charset="0"/>
+                <a:cs typeface="Tahoma" panose="020B0604030504040204" pitchFamily="34" charset="0"/>
+              </a:rPr>
+              <a:t> </a:t>
+            </a:r>
+            <a:r>
+              <a:rPr lang="en-GB" sz="2500" dirty="0" err="1">
+                <a:latin typeface="Tahoma" panose="020B0604030504040204" pitchFamily="34" charset="0"/>
+                <a:ea typeface="Tahoma" panose="020B0604030504040204" pitchFamily="34" charset="0"/>
+                <a:cs typeface="Tahoma" panose="020B0604030504040204" pitchFamily="34" charset="0"/>
+              </a:rPr>
+              <a:t>naučenih</a:t>
+            </a:r>
+            <a:r>
+              <a:rPr lang="en-GB" sz="2500" dirty="0">
+                <a:latin typeface="Tahoma" panose="020B0604030504040204" pitchFamily="34" charset="0"/>
+                <a:ea typeface="Tahoma" panose="020B0604030504040204" pitchFamily="34" charset="0"/>
+                <a:cs typeface="Tahoma" panose="020B0604030504040204" pitchFamily="34" charset="0"/>
+              </a:rPr>
+              <a:t> </a:t>
+            </a:r>
+            <a:r>
+              <a:rPr lang="en-GB" sz="2500" dirty="0" err="1">
+                <a:latin typeface="Tahoma" panose="020B0604030504040204" pitchFamily="34" charset="0"/>
+                <a:ea typeface="Tahoma" panose="020B0604030504040204" pitchFamily="34" charset="0"/>
+                <a:cs typeface="Tahoma" panose="020B0604030504040204" pitchFamily="34" charset="0"/>
+              </a:rPr>
+              <a:t>obrazaca</a:t>
+            </a:r>
+            <a:endParaRPr lang="hr-HR" sz="2500" dirty="0">
+              <a:latin typeface="Tahoma" panose="020B0604030504040204" pitchFamily="34" charset="0"/>
+              <a:ea typeface="Tahoma" panose="020B0604030504040204" pitchFamily="34" charset="0"/>
+              <a:cs typeface="Tahoma" panose="020B0604030504040204" pitchFamily="34" charset="0"/>
+            </a:endParaRPr>
+          </a:p>
+          <a:p>
+            <a:pPr marL="342900" indent="-342900">
+              <a:buFont typeface="Arial" panose="020B0604020202020204" pitchFamily="34" charset="0"/>
+              <a:buChar char="•"/>
+            </a:pPr>
+            <a:r>
+              <a:rPr lang="hr-HR" sz="2500" u="sng" dirty="0">
+                <a:latin typeface="Tahoma" panose="020B0604030504040204" pitchFamily="34" charset="0"/>
+                <a:ea typeface="Tahoma" panose="020B0604030504040204" pitchFamily="34" charset="0"/>
+                <a:cs typeface="Tahoma" panose="020B0604030504040204" pitchFamily="34" charset="0"/>
+              </a:rPr>
+              <a:t>N</a:t>
+            </a:r>
+            <a:r>
+              <a:rPr lang="en-GB" sz="2500" u="sng" dirty="0" err="1">
+                <a:latin typeface="Tahoma" panose="020B0604030504040204" pitchFamily="34" charset="0"/>
+                <a:ea typeface="Tahoma" panose="020B0604030504040204" pitchFamily="34" charset="0"/>
+                <a:cs typeface="Tahoma" panose="020B0604030504040204" pitchFamily="34" charset="0"/>
+              </a:rPr>
+              <a:t>adzirano</a:t>
+            </a:r>
+            <a:r>
+              <a:rPr lang="en-GB" sz="2500" u="sng" dirty="0">
+                <a:latin typeface="Tahoma" panose="020B0604030504040204" pitchFamily="34" charset="0"/>
+                <a:ea typeface="Tahoma" panose="020B0604030504040204" pitchFamily="34" charset="0"/>
+                <a:cs typeface="Tahoma" panose="020B0604030504040204" pitchFamily="34" charset="0"/>
+              </a:rPr>
+              <a:t> </a:t>
+            </a:r>
+            <a:r>
+              <a:rPr lang="en-GB" sz="2500" u="sng" dirty="0" err="1">
+                <a:latin typeface="Tahoma" panose="020B0604030504040204" pitchFamily="34" charset="0"/>
+                <a:ea typeface="Tahoma" panose="020B0604030504040204" pitchFamily="34" charset="0"/>
+                <a:cs typeface="Tahoma" panose="020B0604030504040204" pitchFamily="34" charset="0"/>
+              </a:rPr>
+              <a:t>učenje</a:t>
+            </a:r>
+            <a:r>
+              <a:rPr lang="en-GB" sz="2500" dirty="0">
+                <a:latin typeface="Tahoma" panose="020B0604030504040204" pitchFamily="34" charset="0"/>
+                <a:ea typeface="Tahoma" panose="020B0604030504040204" pitchFamily="34" charset="0"/>
+                <a:cs typeface="Tahoma" panose="020B0604030504040204" pitchFamily="34" charset="0"/>
+              </a:rPr>
+              <a:t>, </a:t>
+            </a:r>
+            <a:r>
+              <a:rPr lang="en-GB" sz="2500" dirty="0" err="1">
+                <a:latin typeface="Tahoma" panose="020B0604030504040204" pitchFamily="34" charset="0"/>
+                <a:ea typeface="Tahoma" panose="020B0604030504040204" pitchFamily="34" charset="0"/>
+                <a:cs typeface="Tahoma" panose="020B0604030504040204" pitchFamily="34" charset="0"/>
+              </a:rPr>
+              <a:t>nenadzirano</a:t>
+            </a:r>
+            <a:r>
+              <a:rPr lang="en-GB" sz="2500" dirty="0">
+                <a:latin typeface="Tahoma" panose="020B0604030504040204" pitchFamily="34" charset="0"/>
+                <a:ea typeface="Tahoma" panose="020B0604030504040204" pitchFamily="34" charset="0"/>
+                <a:cs typeface="Tahoma" panose="020B0604030504040204" pitchFamily="34" charset="0"/>
+              </a:rPr>
+              <a:t> </a:t>
+            </a:r>
+            <a:r>
+              <a:rPr lang="en-GB" sz="2500" dirty="0" err="1">
+                <a:latin typeface="Tahoma" panose="020B0604030504040204" pitchFamily="34" charset="0"/>
+                <a:ea typeface="Tahoma" panose="020B0604030504040204" pitchFamily="34" charset="0"/>
+                <a:cs typeface="Tahoma" panose="020B0604030504040204" pitchFamily="34" charset="0"/>
+              </a:rPr>
+              <a:t>učenje</a:t>
+            </a:r>
+            <a:r>
+              <a:rPr lang="en-GB" sz="2500" dirty="0">
+                <a:latin typeface="Tahoma" panose="020B0604030504040204" pitchFamily="34" charset="0"/>
+                <a:ea typeface="Tahoma" panose="020B0604030504040204" pitchFamily="34" charset="0"/>
+                <a:cs typeface="Tahoma" panose="020B0604030504040204" pitchFamily="34" charset="0"/>
+              </a:rPr>
+              <a:t> </a:t>
+            </a:r>
+            <a:r>
+              <a:rPr lang="en-GB" sz="2500" dirty="0" err="1">
+                <a:latin typeface="Tahoma" panose="020B0604030504040204" pitchFamily="34" charset="0"/>
+                <a:ea typeface="Tahoma" panose="020B0604030504040204" pitchFamily="34" charset="0"/>
+                <a:cs typeface="Tahoma" panose="020B0604030504040204" pitchFamily="34" charset="0"/>
+              </a:rPr>
+              <a:t>i</a:t>
+            </a:r>
+            <a:r>
+              <a:rPr lang="en-GB" sz="2500" dirty="0">
+                <a:latin typeface="Tahoma" panose="020B0604030504040204" pitchFamily="34" charset="0"/>
+                <a:ea typeface="Tahoma" panose="020B0604030504040204" pitchFamily="34" charset="0"/>
+                <a:cs typeface="Tahoma" panose="020B0604030504040204" pitchFamily="34" charset="0"/>
+              </a:rPr>
+              <a:t> </a:t>
+            </a:r>
+            <a:r>
+              <a:rPr lang="en-GB" sz="2500" dirty="0" err="1">
+                <a:latin typeface="Tahoma" panose="020B0604030504040204" pitchFamily="34" charset="0"/>
+                <a:ea typeface="Tahoma" panose="020B0604030504040204" pitchFamily="34" charset="0"/>
+                <a:cs typeface="Tahoma" panose="020B0604030504040204" pitchFamily="34" charset="0"/>
+              </a:rPr>
+              <a:t>učenje</a:t>
+            </a:r>
+            <a:r>
+              <a:rPr lang="en-GB" sz="2500" dirty="0">
+                <a:latin typeface="Tahoma" panose="020B0604030504040204" pitchFamily="34" charset="0"/>
+                <a:ea typeface="Tahoma" panose="020B0604030504040204" pitchFamily="34" charset="0"/>
+                <a:cs typeface="Tahoma" panose="020B0604030504040204" pitchFamily="34" charset="0"/>
+              </a:rPr>
+              <a:t> </a:t>
+            </a:r>
+            <a:r>
+              <a:rPr lang="en-GB" sz="2500" dirty="0" err="1">
+                <a:latin typeface="Tahoma" panose="020B0604030504040204" pitchFamily="34" charset="0"/>
+                <a:ea typeface="Tahoma" panose="020B0604030504040204" pitchFamily="34" charset="0"/>
+                <a:cs typeface="Tahoma" panose="020B0604030504040204" pitchFamily="34" charset="0"/>
+              </a:rPr>
+              <a:t>pojačanjem</a:t>
+            </a:r>
+            <a:r>
+              <a:rPr lang="en-GB" sz="2500" dirty="0">
+                <a:latin typeface="Tahoma" panose="020B0604030504040204" pitchFamily="34" charset="0"/>
+                <a:ea typeface="Tahoma" panose="020B0604030504040204" pitchFamily="34" charset="0"/>
+                <a:cs typeface="Tahoma" panose="020B0604030504040204" pitchFamily="34" charset="0"/>
+              </a:rPr>
+              <a:t>.</a:t>
+            </a:r>
+            <a:endParaRPr lang="hr-HR" sz="2500" dirty="0">
+              <a:latin typeface="Tahoma" panose="020B0604030504040204" pitchFamily="34" charset="0"/>
+              <a:ea typeface="Tahoma" panose="020B0604030504040204" pitchFamily="34" charset="0"/>
+              <a:cs typeface="Tahoma" panose="020B0604030504040204" pitchFamily="34" charset="0"/>
+            </a:endParaRPr>
+          </a:p>
+          <a:p>
+            <a:pPr marL="342900" indent="-342900">
+              <a:buFont typeface="Arial" panose="020B0604020202020204" pitchFamily="34" charset="0"/>
+              <a:buChar char="•"/>
+            </a:pPr>
+            <a:r>
+              <a:rPr lang="hr-HR" sz="2500" i="1" dirty="0">
+                <a:latin typeface="Tahoma" panose="020B0604030504040204" pitchFamily="34" charset="0"/>
+                <a:ea typeface="Tahoma" panose="020B0604030504040204" pitchFamily="34" charset="0"/>
+                <a:cs typeface="Tahoma" panose="020B0604030504040204" pitchFamily="34" charset="0"/>
+              </a:rPr>
+              <a:t>Stablo odluke, Stroj potpornih vektora, Slučajna šuma</a:t>
+            </a:r>
+            <a:endParaRPr lang="en-GB" sz="2500" i="1" dirty="0">
+              <a:latin typeface="Tahoma" panose="020B0604030504040204" pitchFamily="34" charset="0"/>
+              <a:ea typeface="Tahoma" panose="020B0604030504040204" pitchFamily="34" charset="0"/>
+              <a:cs typeface="Tahoma" panose="020B0604030504040204" pitchFamily="34" charset="0"/>
+            </a:endParaRPr>
           </a:p>
         </p:txBody>
       </p:sp>
@@ -17649,182 +18107,440 @@
       </p:grpSpPr>
       <p:sp>
         <p:nvSpPr>
-          <p:cNvPr id="2" name="Title 1">
-            <a:extLst>
-              <a:ext uri="{FF2B5EF4-FFF2-40B4-BE49-F238E27FC236}">
-                <a16:creationId xmlns:a16="http://schemas.microsoft.com/office/drawing/2014/main" id="{38FFA191-5CCC-43CB-BD83-4F80ED362608}"/>
-              </a:ext>
-            </a:extLst>
-          </p:cNvPr>
-          <p:cNvSpPr>
-            <a:spLocks noGrp="1"/>
-          </p:cNvSpPr>
-          <p:nvPr>
-            <p:ph type="title"/>
-          </p:nvPr>
-        </p:nvSpPr>
-        <p:spPr>
-          <a:xfrm>
-            <a:off x="5476875" y="1671639"/>
-            <a:ext cx="5111750" cy="1204912"/>
-          </a:xfrm>
-        </p:spPr>
-        <p:txBody>
-          <a:bodyPr rtlCol="0"/>
-          <a:lstStyle/>
-          <a:p>
-            <a:pPr rtl="0"/>
-            <a:r>
-              <a:rPr lang="en-GB"/>
-              <a:t>SUMMARY</a:t>
-            </a:r>
-          </a:p>
-        </p:txBody>
-      </p:sp>
-      <p:sp>
-        <p:nvSpPr>
-          <p:cNvPr id="3" name="Content Placeholder 2">
-            <a:extLst>
-              <a:ext uri="{FF2B5EF4-FFF2-40B4-BE49-F238E27FC236}">
-                <a16:creationId xmlns:a16="http://schemas.microsoft.com/office/drawing/2014/main" id="{E14BBEAF-B516-45F4-9EF6-A9F65111580F}"/>
-              </a:ext>
-            </a:extLst>
-          </p:cNvPr>
-          <p:cNvSpPr>
-            <a:spLocks noGrp="1"/>
-          </p:cNvSpPr>
-          <p:nvPr>
-            <p:ph type="body" idx="1"/>
-          </p:nvPr>
-        </p:nvSpPr>
-        <p:spPr>
-          <a:xfrm>
-            <a:off x="5476875" y="3682546"/>
-            <a:ext cx="5111750" cy="1525588"/>
-          </a:xfrm>
-        </p:spPr>
-        <p:txBody>
-          <a:bodyPr vert="horz" lIns="91440" tIns="45720" rIns="91440" bIns="45720" rtlCol="0" anchor="b">
-            <a:normAutofit/>
+          <p:cNvPr id="5" name="Rezervirano mjesto teksta 4">
+            <a:extLst>
+              <a:ext uri="{FF2B5EF4-FFF2-40B4-BE49-F238E27FC236}">
+                <a16:creationId xmlns:a16="http://schemas.microsoft.com/office/drawing/2014/main" id="{72531532-4B41-F81D-B9D8-472F90BA756E}"/>
+              </a:ext>
+            </a:extLst>
+          </p:cNvPr>
+          <p:cNvSpPr>
+            <a:spLocks noGrp="1"/>
+          </p:cNvSpPr>
+          <p:nvPr>
+            <p:ph type="body" sz="quarter" idx="23"/>
+          </p:nvPr>
+        </p:nvSpPr>
+        <p:spPr>
+          <a:xfrm>
+            <a:off x="4460240" y="521506"/>
+            <a:ext cx="7579360" cy="1073614"/>
+          </a:xfrm>
+        </p:spPr>
+        <p:txBody>
+          <a:bodyPr>
+            <a:noAutofit/>
           </a:bodyPr>
           <a:lstStyle/>
           <a:p>
-            <a:pPr rtl="0"/>
-            <a:r>
-              <a:rPr lang="en-GB" dirty="0"/>
-              <a:t>At Contoso, we believe in giving 110%. By using our next-generation data architecture, we help organisations virtually manage agile workflows. We thrive because of our market knowledge and great team behind our product. As our CEO says, "Efficiencies will come from proactively transforming how we do business.”</a:t>
-            </a:r>
-          </a:p>
-        </p:txBody>
-      </p:sp>
-      <p:sp>
-        <p:nvSpPr>
-          <p:cNvPr id="4" name="Date Placeholder 3">
-            <a:extLst>
-              <a:ext uri="{FF2B5EF4-FFF2-40B4-BE49-F238E27FC236}">
-                <a16:creationId xmlns:a16="http://schemas.microsoft.com/office/drawing/2014/main" id="{13F8C8B5-F6EC-489B-BD0F-CD89A73CAB3A}"/>
-              </a:ext>
-            </a:extLst>
-          </p:cNvPr>
-          <p:cNvSpPr>
-            <a:spLocks noGrp="1"/>
-          </p:cNvSpPr>
-          <p:nvPr>
-            <p:ph type="dt" sz="half" idx="10"/>
-          </p:nvPr>
-        </p:nvSpPr>
-        <p:spPr>
-          <a:xfrm>
-            <a:off x="838200" y="6356350"/>
-            <a:ext cx="2743200" cy="365125"/>
-          </a:xfrm>
-        </p:spPr>
-        <p:txBody>
-          <a:bodyPr rtlCol="0"/>
+            <a:r>
+              <a:rPr lang="en-GB" sz="3200" dirty="0">
+                <a:latin typeface="Tahoma" panose="020B0604030504040204" pitchFamily="34" charset="0"/>
+                <a:ea typeface="Tahoma" panose="020B0604030504040204" pitchFamily="34" charset="0"/>
+                <a:cs typeface="Tahoma" panose="020B0604030504040204" pitchFamily="34" charset="0"/>
+              </a:rPr>
+              <a:t>Alzheimer’s Disease Neuroimaging Initiative (</a:t>
+            </a:r>
+            <a:r>
+              <a:rPr lang="en-GB" sz="3200" i="1" dirty="0">
+                <a:latin typeface="Tahoma" panose="020B0604030504040204" pitchFamily="34" charset="0"/>
+                <a:ea typeface="Tahoma" panose="020B0604030504040204" pitchFamily="34" charset="0"/>
+                <a:cs typeface="Tahoma" panose="020B0604030504040204" pitchFamily="34" charset="0"/>
+              </a:rPr>
+              <a:t>ADNI</a:t>
+            </a:r>
+            <a:r>
+              <a:rPr lang="en-GB" sz="3200" dirty="0">
+                <a:latin typeface="Tahoma" panose="020B0604030504040204" pitchFamily="34" charset="0"/>
+                <a:ea typeface="Tahoma" panose="020B0604030504040204" pitchFamily="34" charset="0"/>
+                <a:cs typeface="Tahoma" panose="020B0604030504040204" pitchFamily="34" charset="0"/>
+              </a:rPr>
+              <a:t>)</a:t>
+            </a:r>
+          </a:p>
+        </p:txBody>
+      </p:sp>
+      <p:sp>
+        <p:nvSpPr>
+          <p:cNvPr id="6" name="Rezervirano mjesto teksta 5">
+            <a:extLst>
+              <a:ext uri="{FF2B5EF4-FFF2-40B4-BE49-F238E27FC236}">
+                <a16:creationId xmlns:a16="http://schemas.microsoft.com/office/drawing/2014/main" id="{FF6E0804-681E-5FA8-C271-D1441E4E5A9B}"/>
+              </a:ext>
+            </a:extLst>
+          </p:cNvPr>
+          <p:cNvSpPr>
+            <a:spLocks noGrp="1"/>
+          </p:cNvSpPr>
+          <p:nvPr>
+            <p:ph type="body" sz="quarter" idx="24"/>
+          </p:nvPr>
+        </p:nvSpPr>
+        <p:spPr>
+          <a:xfrm>
+            <a:off x="4043680" y="1619031"/>
+            <a:ext cx="7863840" cy="4367968"/>
+          </a:xfrm>
+        </p:spPr>
+        <p:txBody>
+          <a:bodyPr>
+            <a:noAutofit/>
+          </a:bodyPr>
           <a:lstStyle/>
           <a:p>
-            <a:pPr rtl="0"/>
-            <a:r>
-              <a:rPr lang="en-GB"/>
-              <a:t>20XX</a:t>
-            </a:r>
-          </a:p>
-        </p:txBody>
-      </p:sp>
-      <p:sp>
-        <p:nvSpPr>
-          <p:cNvPr id="5" name="Footer Placeholder 4">
-            <a:extLst>
-              <a:ext uri="{FF2B5EF4-FFF2-40B4-BE49-F238E27FC236}">
-                <a16:creationId xmlns:a16="http://schemas.microsoft.com/office/drawing/2014/main" id="{11AEA823-8519-4F9D-81FA-3673131076FC}"/>
-              </a:ext>
-            </a:extLst>
-          </p:cNvPr>
-          <p:cNvSpPr>
-            <a:spLocks noGrp="1"/>
-          </p:cNvSpPr>
-          <p:nvPr>
-            <p:ph type="ftr" sz="quarter" idx="11"/>
-          </p:nvPr>
-        </p:nvSpPr>
-        <p:spPr>
-          <a:xfrm>
-            <a:off x="4038600" y="6356350"/>
-            <a:ext cx="4114800" cy="365125"/>
-          </a:xfrm>
-        </p:spPr>
-        <p:txBody>
-          <a:bodyPr rtlCol="0"/>
-          <a:lstStyle/>
-          <a:p>
-            <a:pPr rtl="0"/>
-            <a:r>
-              <a:rPr lang="en-GB"/>
-              <a:t>Pitch Deck</a:t>
-            </a:r>
-          </a:p>
-        </p:txBody>
-      </p:sp>
-      <p:sp>
-        <p:nvSpPr>
-          <p:cNvPr id="6" name="Slide Number Placeholder 5">
-            <a:extLst>
-              <a:ext uri="{FF2B5EF4-FFF2-40B4-BE49-F238E27FC236}">
-                <a16:creationId xmlns:a16="http://schemas.microsoft.com/office/drawing/2014/main" id="{BAEFF51B-0E28-4171-AE7C-A31AAB42BC73}"/>
-              </a:ext>
-            </a:extLst>
-          </p:cNvPr>
-          <p:cNvSpPr>
-            <a:spLocks noGrp="1"/>
-          </p:cNvSpPr>
-          <p:nvPr>
-            <p:ph type="sldNum" sz="quarter" idx="12"/>
-          </p:nvPr>
-        </p:nvSpPr>
-        <p:spPr>
-          <a:xfrm>
-            <a:off x="8610600" y="6356350"/>
-            <a:ext cx="2743200" cy="365125"/>
-          </a:xfrm>
-        </p:spPr>
-        <p:txBody>
-          <a:bodyPr rtlCol="0"/>
+            <a:pPr marL="342900" indent="-342900">
+              <a:buFont typeface="Arial" panose="020B0604020202020204" pitchFamily="34" charset="0"/>
+              <a:buChar char="•"/>
+            </a:pPr>
+            <a:r>
+              <a:rPr lang="hr-HR" sz="2500" dirty="0">
+                <a:latin typeface="Tahoma" panose="020B0604030504040204" pitchFamily="34" charset="0"/>
+                <a:ea typeface="Tahoma" panose="020B0604030504040204" pitchFamily="34" charset="0"/>
+                <a:cs typeface="Tahoma" panose="020B0604030504040204" pitchFamily="34" charset="0"/>
+              </a:rPr>
+              <a:t>S</a:t>
+            </a:r>
+            <a:r>
+              <a:rPr lang="en-GB" sz="2500" dirty="0" err="1">
+                <a:latin typeface="Tahoma" panose="020B0604030504040204" pitchFamily="34" charset="0"/>
+                <a:ea typeface="Tahoma" panose="020B0604030504040204" pitchFamily="34" charset="0"/>
+                <a:cs typeface="Tahoma" panose="020B0604030504040204" pitchFamily="34" charset="0"/>
+              </a:rPr>
+              <a:t>tudija</a:t>
+            </a:r>
+            <a:r>
+              <a:rPr lang="en-GB" sz="2500" dirty="0">
+                <a:latin typeface="Tahoma" panose="020B0604030504040204" pitchFamily="34" charset="0"/>
+                <a:ea typeface="Tahoma" panose="020B0604030504040204" pitchFamily="34" charset="0"/>
+                <a:cs typeface="Tahoma" panose="020B0604030504040204" pitchFamily="34" charset="0"/>
+              </a:rPr>
+              <a:t> </a:t>
+            </a:r>
+            <a:r>
+              <a:rPr lang="en-GB" sz="2500" dirty="0" err="1">
+                <a:latin typeface="Tahoma" panose="020B0604030504040204" pitchFamily="34" charset="0"/>
+                <a:ea typeface="Tahoma" panose="020B0604030504040204" pitchFamily="34" charset="0"/>
+                <a:cs typeface="Tahoma" panose="020B0604030504040204" pitchFamily="34" charset="0"/>
+              </a:rPr>
+              <a:t>pokrenuta</a:t>
+            </a:r>
+            <a:r>
+              <a:rPr lang="en-GB" sz="2500" dirty="0">
+                <a:latin typeface="Tahoma" panose="020B0604030504040204" pitchFamily="34" charset="0"/>
+                <a:ea typeface="Tahoma" panose="020B0604030504040204" pitchFamily="34" charset="0"/>
+                <a:cs typeface="Tahoma" panose="020B0604030504040204" pitchFamily="34" charset="0"/>
+              </a:rPr>
+              <a:t> 2004. </a:t>
+            </a:r>
+            <a:r>
+              <a:rPr lang="en-GB" sz="2500" dirty="0" err="1">
+                <a:latin typeface="Tahoma" panose="020B0604030504040204" pitchFamily="34" charset="0"/>
+                <a:ea typeface="Tahoma" panose="020B0604030504040204" pitchFamily="34" charset="0"/>
+                <a:cs typeface="Tahoma" panose="020B0604030504040204" pitchFamily="34" charset="0"/>
+              </a:rPr>
+              <a:t>godine</a:t>
+            </a:r>
+            <a:endParaRPr lang="en-GB" sz="2500" dirty="0">
+              <a:latin typeface="Tahoma" panose="020B0604030504040204" pitchFamily="34" charset="0"/>
+              <a:ea typeface="Tahoma" panose="020B0604030504040204" pitchFamily="34" charset="0"/>
+              <a:cs typeface="Tahoma" panose="020B0604030504040204" pitchFamily="34" charset="0"/>
+            </a:endParaRPr>
+          </a:p>
+          <a:p>
+            <a:pPr marL="342900" indent="-342900">
+              <a:buFont typeface="Arial" panose="020B0604020202020204" pitchFamily="34" charset="0"/>
+              <a:buChar char="•"/>
+            </a:pPr>
+            <a:r>
+              <a:rPr lang="hr-HR" sz="2500" dirty="0">
+                <a:latin typeface="Tahoma" panose="020B0604030504040204" pitchFamily="34" charset="0"/>
+                <a:ea typeface="Tahoma" panose="020B0604030504040204" pitchFamily="34" charset="0"/>
+                <a:cs typeface="Tahoma" panose="020B0604030504040204" pitchFamily="34" charset="0"/>
+              </a:rPr>
+              <a:t>Cilj: </a:t>
+            </a:r>
+            <a:r>
+              <a:rPr lang="en-GB" sz="2500" dirty="0" err="1">
+                <a:latin typeface="Tahoma" panose="020B0604030504040204" pitchFamily="34" charset="0"/>
+                <a:ea typeface="Tahoma" panose="020B0604030504040204" pitchFamily="34" charset="0"/>
+                <a:cs typeface="Tahoma" panose="020B0604030504040204" pitchFamily="34" charset="0"/>
+              </a:rPr>
+              <a:t>razvoj</a:t>
+            </a:r>
+            <a:r>
+              <a:rPr lang="en-GB" sz="2500" dirty="0">
+                <a:latin typeface="Tahoma" panose="020B0604030504040204" pitchFamily="34" charset="0"/>
+                <a:ea typeface="Tahoma" panose="020B0604030504040204" pitchFamily="34" charset="0"/>
+                <a:cs typeface="Tahoma" panose="020B0604030504040204" pitchFamily="34" charset="0"/>
+              </a:rPr>
+              <a:t> </a:t>
+            </a:r>
+            <a:r>
+              <a:rPr lang="en-GB" sz="2500" dirty="0" err="1">
+                <a:latin typeface="Tahoma" panose="020B0604030504040204" pitchFamily="34" charset="0"/>
+                <a:ea typeface="Tahoma" panose="020B0604030504040204" pitchFamily="34" charset="0"/>
+                <a:cs typeface="Tahoma" panose="020B0604030504040204" pitchFamily="34" charset="0"/>
+              </a:rPr>
+              <a:t>biomarkera</a:t>
+            </a:r>
+            <a:r>
+              <a:rPr lang="en-GB" sz="2500" dirty="0">
+                <a:latin typeface="Tahoma" panose="020B0604030504040204" pitchFamily="34" charset="0"/>
+                <a:ea typeface="Tahoma" panose="020B0604030504040204" pitchFamily="34" charset="0"/>
+                <a:cs typeface="Tahoma" panose="020B0604030504040204" pitchFamily="34" charset="0"/>
+              </a:rPr>
+              <a:t> za </a:t>
+            </a:r>
+            <a:r>
+              <a:rPr lang="en-GB" sz="2500" dirty="0" err="1">
+                <a:latin typeface="Tahoma" panose="020B0604030504040204" pitchFamily="34" charset="0"/>
+                <a:ea typeface="Tahoma" panose="020B0604030504040204" pitchFamily="34" charset="0"/>
+                <a:cs typeface="Tahoma" panose="020B0604030504040204" pitchFamily="34" charset="0"/>
+              </a:rPr>
+              <a:t>rano</a:t>
+            </a:r>
+            <a:r>
+              <a:rPr lang="en-GB" sz="2500" dirty="0">
+                <a:latin typeface="Tahoma" panose="020B0604030504040204" pitchFamily="34" charset="0"/>
+                <a:ea typeface="Tahoma" panose="020B0604030504040204" pitchFamily="34" charset="0"/>
+                <a:cs typeface="Tahoma" panose="020B0604030504040204" pitchFamily="34" charset="0"/>
+              </a:rPr>
+              <a:t> </a:t>
+            </a:r>
+            <a:r>
+              <a:rPr lang="en-GB" sz="2500" dirty="0" err="1">
+                <a:latin typeface="Tahoma" panose="020B0604030504040204" pitchFamily="34" charset="0"/>
+                <a:ea typeface="Tahoma" panose="020B0604030504040204" pitchFamily="34" charset="0"/>
+                <a:cs typeface="Tahoma" panose="020B0604030504040204" pitchFamily="34" charset="0"/>
+              </a:rPr>
+              <a:t>otkrivanje</a:t>
+            </a:r>
+            <a:r>
+              <a:rPr lang="en-GB" sz="2500" dirty="0">
+                <a:latin typeface="Tahoma" panose="020B0604030504040204" pitchFamily="34" charset="0"/>
+                <a:ea typeface="Tahoma" panose="020B0604030504040204" pitchFamily="34" charset="0"/>
+                <a:cs typeface="Tahoma" panose="020B0604030504040204" pitchFamily="34" charset="0"/>
+              </a:rPr>
+              <a:t> </a:t>
+            </a:r>
+            <a:r>
+              <a:rPr lang="en-GB" sz="2500" dirty="0" err="1">
+                <a:latin typeface="Tahoma" panose="020B0604030504040204" pitchFamily="34" charset="0"/>
+                <a:ea typeface="Tahoma" panose="020B0604030504040204" pitchFamily="34" charset="0"/>
+                <a:cs typeface="Tahoma" panose="020B0604030504040204" pitchFamily="34" charset="0"/>
+              </a:rPr>
+              <a:t>i</a:t>
+            </a:r>
+            <a:r>
+              <a:rPr lang="en-GB" sz="2500" dirty="0">
+                <a:latin typeface="Tahoma" panose="020B0604030504040204" pitchFamily="34" charset="0"/>
+                <a:ea typeface="Tahoma" panose="020B0604030504040204" pitchFamily="34" charset="0"/>
+                <a:cs typeface="Tahoma" panose="020B0604030504040204" pitchFamily="34" charset="0"/>
+              </a:rPr>
+              <a:t> </a:t>
+            </a:r>
+            <a:r>
+              <a:rPr lang="en-GB" sz="2500" dirty="0" err="1">
+                <a:latin typeface="Tahoma" panose="020B0604030504040204" pitchFamily="34" charset="0"/>
+                <a:ea typeface="Tahoma" panose="020B0604030504040204" pitchFamily="34" charset="0"/>
+                <a:cs typeface="Tahoma" panose="020B0604030504040204" pitchFamily="34" charset="0"/>
+              </a:rPr>
+              <a:t>praćenje</a:t>
+            </a:r>
+            <a:r>
+              <a:rPr lang="en-GB" sz="2500" dirty="0">
+                <a:latin typeface="Tahoma" panose="020B0604030504040204" pitchFamily="34" charset="0"/>
+                <a:ea typeface="Tahoma" panose="020B0604030504040204" pitchFamily="34" charset="0"/>
+                <a:cs typeface="Tahoma" panose="020B0604030504040204" pitchFamily="34" charset="0"/>
+              </a:rPr>
+              <a:t> </a:t>
+            </a:r>
+            <a:r>
+              <a:rPr lang="en-GB" sz="2500" dirty="0" err="1">
+                <a:latin typeface="Tahoma" panose="020B0604030504040204" pitchFamily="34" charset="0"/>
+                <a:ea typeface="Tahoma" panose="020B0604030504040204" pitchFamily="34" charset="0"/>
+                <a:cs typeface="Tahoma" panose="020B0604030504040204" pitchFamily="34" charset="0"/>
+              </a:rPr>
+              <a:t>Alzheimerove</a:t>
+            </a:r>
+            <a:r>
+              <a:rPr lang="en-GB" sz="2500" dirty="0">
+                <a:latin typeface="Tahoma" panose="020B0604030504040204" pitchFamily="34" charset="0"/>
+                <a:ea typeface="Tahoma" panose="020B0604030504040204" pitchFamily="34" charset="0"/>
+                <a:cs typeface="Tahoma" panose="020B0604030504040204" pitchFamily="34" charset="0"/>
+              </a:rPr>
+              <a:t> bole</a:t>
+            </a:r>
+            <a:r>
+              <a:rPr lang="hr-HR" sz="2500" dirty="0">
+                <a:latin typeface="Tahoma" panose="020B0604030504040204" pitchFamily="34" charset="0"/>
+                <a:ea typeface="Tahoma" panose="020B0604030504040204" pitchFamily="34" charset="0"/>
+                <a:cs typeface="Tahoma" panose="020B0604030504040204" pitchFamily="34" charset="0"/>
+              </a:rPr>
+              <a:t>s</a:t>
+            </a:r>
+            <a:r>
+              <a:rPr lang="en-GB" sz="2500" dirty="0" err="1">
+                <a:latin typeface="Tahoma" panose="020B0604030504040204" pitchFamily="34" charset="0"/>
+                <a:ea typeface="Tahoma" panose="020B0604030504040204" pitchFamily="34" charset="0"/>
+                <a:cs typeface="Tahoma" panose="020B0604030504040204" pitchFamily="34" charset="0"/>
+              </a:rPr>
+              <a:t>ti</a:t>
+            </a:r>
+            <a:endParaRPr lang="hr-HR" sz="2500" dirty="0">
+              <a:latin typeface="Tahoma" panose="020B0604030504040204" pitchFamily="34" charset="0"/>
+              <a:ea typeface="Tahoma" panose="020B0604030504040204" pitchFamily="34" charset="0"/>
+              <a:cs typeface="Tahoma" panose="020B0604030504040204" pitchFamily="34" charset="0"/>
+            </a:endParaRPr>
+          </a:p>
+          <a:p>
+            <a:pPr marL="342900" indent="-342900">
+              <a:buFont typeface="Arial" panose="020B0604020202020204" pitchFamily="34" charset="0"/>
+              <a:buChar char="•"/>
+            </a:pPr>
+            <a:r>
+              <a:rPr lang="hr-HR" sz="2500" dirty="0">
+                <a:latin typeface="Tahoma" panose="020B0604030504040204" pitchFamily="34" charset="0"/>
+                <a:ea typeface="Tahoma" panose="020B0604030504040204" pitchFamily="34" charset="0"/>
+                <a:cs typeface="Tahoma" panose="020B0604030504040204" pitchFamily="34" charset="0"/>
+              </a:rPr>
+              <a:t>Podaci: slike mozga (MRI i PET), genetske podatke, kognitivne testove, </a:t>
+            </a:r>
+            <a:r>
+              <a:rPr lang="hr-HR" sz="2500" dirty="0" err="1">
+                <a:latin typeface="Tahoma" panose="020B0604030504040204" pitchFamily="34" charset="0"/>
+                <a:ea typeface="Tahoma" panose="020B0604030504040204" pitchFamily="34" charset="0"/>
+                <a:cs typeface="Tahoma" panose="020B0604030504040204" pitchFamily="34" charset="0"/>
+              </a:rPr>
+              <a:t>biomarkere</a:t>
+            </a:r>
+            <a:r>
+              <a:rPr lang="hr-HR" sz="2500" dirty="0">
+                <a:latin typeface="Tahoma" panose="020B0604030504040204" pitchFamily="34" charset="0"/>
+                <a:ea typeface="Tahoma" panose="020B0604030504040204" pitchFamily="34" charset="0"/>
+                <a:cs typeface="Tahoma" panose="020B0604030504040204" pitchFamily="34" charset="0"/>
+              </a:rPr>
+              <a:t> iz cerebrospinalne tekućine i krvi</a:t>
+            </a:r>
+          </a:p>
+          <a:p>
+            <a:pPr marL="342900" indent="-342900">
+              <a:buFont typeface="Arial" panose="020B0604020202020204" pitchFamily="34" charset="0"/>
+              <a:buChar char="•"/>
+            </a:pPr>
+            <a:r>
+              <a:rPr lang="hr-HR" sz="2500" dirty="0">
+                <a:latin typeface="Tahoma" panose="020B0604030504040204" pitchFamily="34" charset="0"/>
+                <a:ea typeface="Tahoma" panose="020B0604030504040204" pitchFamily="34" charset="0"/>
+                <a:cs typeface="Tahoma" panose="020B0604030504040204" pitchFamily="34" charset="0"/>
+              </a:rPr>
+              <a:t>3 dijagnostičke grupe: CN, MCI, AD </a:t>
+            </a:r>
+          </a:p>
+          <a:p>
+            <a:pPr marL="342900" indent="-342900">
+              <a:buFont typeface="Arial" panose="020B0604020202020204" pitchFamily="34" charset="0"/>
+              <a:buChar char="•"/>
+            </a:pPr>
+            <a:r>
+              <a:rPr lang="en-GB" sz="2500" dirty="0" err="1">
+                <a:latin typeface="Tahoma" panose="020B0604030504040204" pitchFamily="34" charset="0"/>
+                <a:ea typeface="Tahoma" panose="020B0604030504040204" pitchFamily="34" charset="0"/>
+                <a:cs typeface="Tahoma" panose="020B0604030504040204" pitchFamily="34" charset="0"/>
+              </a:rPr>
+              <a:t>su</a:t>
+            </a:r>
+            <a:r>
+              <a:rPr lang="hr-HR" sz="2500" dirty="0">
+                <a:latin typeface="Tahoma" panose="020B0604030504040204" pitchFamily="34" charset="0"/>
+                <a:ea typeface="Tahoma" panose="020B0604030504040204" pitchFamily="34" charset="0"/>
+                <a:cs typeface="Tahoma" panose="020B0604030504040204" pitchFamily="34" charset="0"/>
+              </a:rPr>
+              <a:t>dionici</a:t>
+            </a:r>
+            <a:r>
+              <a:rPr lang="en-GB" sz="2500" dirty="0">
+                <a:latin typeface="Tahoma" panose="020B0604030504040204" pitchFamily="34" charset="0"/>
+                <a:ea typeface="Tahoma" panose="020B0604030504040204" pitchFamily="34" charset="0"/>
+                <a:cs typeface="Tahoma" panose="020B0604030504040204" pitchFamily="34" charset="0"/>
+              </a:rPr>
+              <a:t> u </a:t>
+            </a:r>
+            <a:r>
+              <a:rPr lang="en-GB" sz="2500" dirty="0" err="1">
+                <a:latin typeface="Tahoma" panose="020B0604030504040204" pitchFamily="34" charset="0"/>
+                <a:ea typeface="Tahoma" panose="020B0604030504040204" pitchFamily="34" charset="0"/>
+                <a:cs typeface="Tahoma" panose="020B0604030504040204" pitchFamily="34" charset="0"/>
+              </a:rPr>
+              <a:t>dobi</a:t>
+            </a:r>
+            <a:r>
+              <a:rPr lang="en-GB" sz="2500" dirty="0">
+                <a:latin typeface="Tahoma" panose="020B0604030504040204" pitchFamily="34" charset="0"/>
+                <a:ea typeface="Tahoma" panose="020B0604030504040204" pitchFamily="34" charset="0"/>
+                <a:cs typeface="Tahoma" panose="020B0604030504040204" pitchFamily="34" charset="0"/>
+              </a:rPr>
+              <a:t> od 55 do 90</a:t>
+            </a:r>
+            <a:r>
+              <a:rPr lang="hr-HR" sz="2500" dirty="0">
+                <a:latin typeface="Tahoma" panose="020B0604030504040204" pitchFamily="34" charset="0"/>
+                <a:ea typeface="Tahoma" panose="020B0604030504040204" pitchFamily="34" charset="0"/>
+                <a:cs typeface="Tahoma" panose="020B0604030504040204" pitchFamily="34" charset="0"/>
+              </a:rPr>
+              <a:t> </a:t>
+            </a:r>
+            <a:r>
+              <a:rPr lang="en-GB" sz="2500" dirty="0" err="1">
+                <a:latin typeface="Tahoma" panose="020B0604030504040204" pitchFamily="34" charset="0"/>
+                <a:ea typeface="Tahoma" panose="020B0604030504040204" pitchFamily="34" charset="0"/>
+                <a:cs typeface="Tahoma" panose="020B0604030504040204" pitchFamily="34" charset="0"/>
+              </a:rPr>
+              <a:t>godina</a:t>
+            </a:r>
+            <a:endParaRPr lang="en-GB" sz="2500" dirty="0">
+              <a:latin typeface="Tahoma" panose="020B0604030504040204" pitchFamily="34" charset="0"/>
+              <a:ea typeface="Tahoma" panose="020B0604030504040204" pitchFamily="34" charset="0"/>
+              <a:cs typeface="Tahoma" panose="020B0604030504040204" pitchFamily="34" charset="0"/>
+            </a:endParaRPr>
+          </a:p>
+        </p:txBody>
+      </p:sp>
+      <p:sp>
+        <p:nvSpPr>
+          <p:cNvPr id="11" name="Rezervirano mjesto broja slajda 10">
+            <a:extLst>
+              <a:ext uri="{FF2B5EF4-FFF2-40B4-BE49-F238E27FC236}">
+                <a16:creationId xmlns:a16="http://schemas.microsoft.com/office/drawing/2014/main" id="{8734877C-EB3A-DF68-6C09-4BB0C41303AF}"/>
+              </a:ext>
+            </a:extLst>
+          </p:cNvPr>
+          <p:cNvSpPr>
+            <a:spLocks noGrp="1"/>
+          </p:cNvSpPr>
+          <p:nvPr>
+            <p:ph type="sldNum" sz="quarter" idx="22"/>
+          </p:nvPr>
+        </p:nvSpPr>
+        <p:spPr/>
+        <p:txBody>
+          <a:bodyPr/>
           <a:lstStyle/>
           <a:p>
             <a:pPr rtl="0"/>
             <a:fld id="{B5CEABB6-07DC-46E8-9B57-56EC44A396E5}" type="slidenum">
-              <a:rPr lang="en-GB" smtClean="0"/>
+              <a:rPr lang="en-GB" noProof="0" smtClean="0"/>
               <a:pPr rtl="0"/>
               <a:t>6</a:t>
             </a:fld>
-            <a:endParaRPr lang="en-GB"/>
+            <a:endParaRPr lang="en-GB" noProof="0" dirty="0"/>
           </a:p>
         </p:txBody>
       </p:sp>
     </p:spTree>
     <p:extLst>
       <p:ext uri="{BB962C8B-B14F-4D97-AF65-F5344CB8AC3E}">
-        <p14:creationId xmlns:p14="http://schemas.microsoft.com/office/powerpoint/2010/main" val="920173932"/>
+        <p14:creationId xmlns:p14="http://schemas.microsoft.com/office/powerpoint/2010/main" val="1298583019"/>
       </p:ext>
     </p:extLst>
   </p:cSld>
@@ -17853,6 +18569,450 @@
       </p:grpSpPr>
       <p:sp>
         <p:nvSpPr>
+          <p:cNvPr id="2" name="Naslov 1">
+            <a:extLst>
+              <a:ext uri="{FF2B5EF4-FFF2-40B4-BE49-F238E27FC236}">
+                <a16:creationId xmlns:a16="http://schemas.microsoft.com/office/drawing/2014/main" id="{7712E84F-0EED-27F8-2530-3898BC03C21C}"/>
+              </a:ext>
+            </a:extLst>
+          </p:cNvPr>
+          <p:cNvSpPr>
+            <a:spLocks noGrp="1"/>
+          </p:cNvSpPr>
+          <p:nvPr>
+            <p:ph type="title"/>
+          </p:nvPr>
+        </p:nvSpPr>
+        <p:spPr>
+          <a:xfrm>
+            <a:off x="5306020" y="630521"/>
+            <a:ext cx="5431971" cy="846301"/>
+          </a:xfrm>
+        </p:spPr>
+        <p:txBody>
+          <a:bodyPr/>
+          <a:lstStyle/>
+          <a:p>
+            <a:endParaRPr lang="en-GB" dirty="0"/>
+          </a:p>
+        </p:txBody>
+      </p:sp>
+      <p:sp>
+        <p:nvSpPr>
+          <p:cNvPr id="3" name="Rezervirano mjesto teksta 2">
+            <a:extLst>
+              <a:ext uri="{FF2B5EF4-FFF2-40B4-BE49-F238E27FC236}">
+                <a16:creationId xmlns:a16="http://schemas.microsoft.com/office/drawing/2014/main" id="{2A4928C4-3E84-945A-87F2-9EEB31A83943}"/>
+              </a:ext>
+            </a:extLst>
+          </p:cNvPr>
+          <p:cNvSpPr>
+            <a:spLocks noGrp="1"/>
+          </p:cNvSpPr>
+          <p:nvPr>
+            <p:ph type="body" sz="quarter" idx="13"/>
+          </p:nvPr>
+        </p:nvSpPr>
+        <p:spPr/>
+        <p:txBody>
+          <a:bodyPr/>
+          <a:lstStyle/>
+          <a:p>
+            <a:endParaRPr lang="en-GB"/>
+          </a:p>
+        </p:txBody>
+      </p:sp>
+      <p:sp>
+        <p:nvSpPr>
+          <p:cNvPr id="4" name="Rezervirano mjesto teksta 3">
+            <a:extLst>
+              <a:ext uri="{FF2B5EF4-FFF2-40B4-BE49-F238E27FC236}">
+                <a16:creationId xmlns:a16="http://schemas.microsoft.com/office/drawing/2014/main" id="{6BDD095C-B22C-CB25-7F61-F3158E07297E}"/>
+              </a:ext>
+            </a:extLst>
+          </p:cNvPr>
+          <p:cNvSpPr>
+            <a:spLocks noGrp="1"/>
+          </p:cNvSpPr>
+          <p:nvPr>
+            <p:ph type="body" sz="quarter" idx="15"/>
+          </p:nvPr>
+        </p:nvSpPr>
+        <p:spPr/>
+        <p:txBody>
+          <a:bodyPr/>
+          <a:lstStyle/>
+          <a:p>
+            <a:endParaRPr lang="en-GB"/>
+          </a:p>
+        </p:txBody>
+      </p:sp>
+      <p:sp>
+        <p:nvSpPr>
+          <p:cNvPr id="5" name="Rezervirano mjesto teksta 4">
+            <a:extLst>
+              <a:ext uri="{FF2B5EF4-FFF2-40B4-BE49-F238E27FC236}">
+                <a16:creationId xmlns:a16="http://schemas.microsoft.com/office/drawing/2014/main" id="{0D890688-863A-9E82-2285-71D1F76E1CFA}"/>
+              </a:ext>
+            </a:extLst>
+          </p:cNvPr>
+          <p:cNvSpPr>
+            <a:spLocks noGrp="1"/>
+          </p:cNvSpPr>
+          <p:nvPr>
+            <p:ph type="body" sz="quarter" idx="23"/>
+          </p:nvPr>
+        </p:nvSpPr>
+        <p:spPr/>
+        <p:txBody>
+          <a:bodyPr/>
+          <a:lstStyle/>
+          <a:p>
+            <a:endParaRPr lang="en-GB"/>
+          </a:p>
+        </p:txBody>
+      </p:sp>
+      <p:sp>
+        <p:nvSpPr>
+          <p:cNvPr id="6" name="Rezervirano mjesto teksta 5">
+            <a:extLst>
+              <a:ext uri="{FF2B5EF4-FFF2-40B4-BE49-F238E27FC236}">
+                <a16:creationId xmlns:a16="http://schemas.microsoft.com/office/drawing/2014/main" id="{4452DD2C-BD05-B48F-DF3C-66CE2CBA20A9}"/>
+              </a:ext>
+            </a:extLst>
+          </p:cNvPr>
+          <p:cNvSpPr>
+            <a:spLocks noGrp="1"/>
+          </p:cNvSpPr>
+          <p:nvPr>
+            <p:ph type="body" sz="quarter" idx="24"/>
+          </p:nvPr>
+        </p:nvSpPr>
+        <p:spPr/>
+        <p:txBody>
+          <a:bodyPr/>
+          <a:lstStyle/>
+          <a:p>
+            <a:endParaRPr lang="en-GB"/>
+          </a:p>
+        </p:txBody>
+      </p:sp>
+      <p:sp>
+        <p:nvSpPr>
+          <p:cNvPr id="7" name="Rezervirano mjesto teksta 6">
+            <a:extLst>
+              <a:ext uri="{FF2B5EF4-FFF2-40B4-BE49-F238E27FC236}">
+                <a16:creationId xmlns:a16="http://schemas.microsoft.com/office/drawing/2014/main" id="{161E4E9C-8AA4-A653-83B4-E9375AF27BF1}"/>
+              </a:ext>
+            </a:extLst>
+          </p:cNvPr>
+          <p:cNvSpPr>
+            <a:spLocks noGrp="1"/>
+          </p:cNvSpPr>
+          <p:nvPr>
+            <p:ph type="body" sz="quarter" idx="25"/>
+          </p:nvPr>
+        </p:nvSpPr>
+        <p:spPr/>
+        <p:txBody>
+          <a:bodyPr/>
+          <a:lstStyle/>
+          <a:p>
+            <a:endParaRPr lang="en-GB"/>
+          </a:p>
+        </p:txBody>
+      </p:sp>
+      <p:sp>
+        <p:nvSpPr>
+          <p:cNvPr id="8" name="Rezervirano mjesto teksta 7">
+            <a:extLst>
+              <a:ext uri="{FF2B5EF4-FFF2-40B4-BE49-F238E27FC236}">
+                <a16:creationId xmlns:a16="http://schemas.microsoft.com/office/drawing/2014/main" id="{C47C9039-078D-B54E-5414-07F47171934E}"/>
+              </a:ext>
+            </a:extLst>
+          </p:cNvPr>
+          <p:cNvSpPr>
+            <a:spLocks noGrp="1"/>
+          </p:cNvSpPr>
+          <p:nvPr>
+            <p:ph type="body" sz="quarter" idx="26"/>
+          </p:nvPr>
+        </p:nvSpPr>
+        <p:spPr/>
+        <p:txBody>
+          <a:bodyPr/>
+          <a:lstStyle/>
+          <a:p>
+            <a:endParaRPr lang="en-GB"/>
+          </a:p>
+        </p:txBody>
+      </p:sp>
+      <p:sp>
+        <p:nvSpPr>
+          <p:cNvPr id="11" name="Rezervirano mjesto broja slajda 10">
+            <a:extLst>
+              <a:ext uri="{FF2B5EF4-FFF2-40B4-BE49-F238E27FC236}">
+                <a16:creationId xmlns:a16="http://schemas.microsoft.com/office/drawing/2014/main" id="{5E2A970F-40D3-443D-35F8-7EE2CEBE0815}"/>
+              </a:ext>
+            </a:extLst>
+          </p:cNvPr>
+          <p:cNvSpPr>
+            <a:spLocks noGrp="1"/>
+          </p:cNvSpPr>
+          <p:nvPr>
+            <p:ph type="sldNum" sz="quarter" idx="12"/>
+          </p:nvPr>
+        </p:nvSpPr>
+        <p:spPr/>
+        <p:txBody>
+          <a:bodyPr/>
+          <a:lstStyle/>
+          <a:p>
+            <a:pPr rtl="0"/>
+            <a:fld id="{B5CEABB6-07DC-46E8-9B57-56EC44A396E5}" type="slidenum">
+              <a:rPr lang="en-GB" noProof="0" smtClean="0"/>
+              <a:t>7</a:t>
+            </a:fld>
+            <a:endParaRPr lang="en-GB" noProof="0"/>
+          </a:p>
+        </p:txBody>
+      </p:sp>
+    </p:spTree>
+    <p:extLst>
+      <p:ext uri="{BB962C8B-B14F-4D97-AF65-F5344CB8AC3E}">
+        <p14:creationId xmlns:p14="http://schemas.microsoft.com/office/powerpoint/2010/main" val="847469180"/>
+      </p:ext>
+    </p:extLst>
+  </p:cSld>
+  <p:clrMapOvr>
+    <a:masterClrMapping/>
+  </p:clrMapOvr>
+</p:sld>
+</file>
+
+<file path=ppt/slides/slide8.xml><?xml version="1.0" encoding="utf-8"?>
+<p:sld xmlns:a="http://schemas.openxmlformats.org/drawingml/2006/main" xmlns:r="http://schemas.openxmlformats.org/officeDocument/2006/relationships" xmlns:p="http://schemas.openxmlformats.org/presentationml/2006/main">
+  <p:cSld>
+    <p:spTree>
+      <p:nvGrpSpPr>
+        <p:cNvPr id="1" name=""/>
+        <p:cNvGrpSpPr/>
+        <p:nvPr/>
+      </p:nvGrpSpPr>
+      <p:grpSpPr>
+        <a:xfrm>
+          <a:off x="0" y="0"/>
+          <a:ext cx="0" cy="0"/>
+          <a:chOff x="0" y="0"/>
+          <a:chExt cx="0" cy="0"/>
+        </a:xfrm>
+      </p:grpSpPr>
+      <p:sp>
+        <p:nvSpPr>
+          <p:cNvPr id="2" name="Title 1">
+            <a:extLst>
+              <a:ext uri="{FF2B5EF4-FFF2-40B4-BE49-F238E27FC236}">
+                <a16:creationId xmlns:a16="http://schemas.microsoft.com/office/drawing/2014/main" id="{38FFA191-5CCC-43CB-BD83-4F80ED362608}"/>
+              </a:ext>
+            </a:extLst>
+          </p:cNvPr>
+          <p:cNvSpPr>
+            <a:spLocks noGrp="1"/>
+          </p:cNvSpPr>
+          <p:nvPr>
+            <p:ph type="title"/>
+          </p:nvPr>
+        </p:nvSpPr>
+        <p:spPr>
+          <a:xfrm>
+            <a:off x="5476875" y="1671639"/>
+            <a:ext cx="5111750" cy="1204912"/>
+          </a:xfrm>
+        </p:spPr>
+        <p:txBody>
+          <a:bodyPr rtlCol="0"/>
+          <a:lstStyle/>
+          <a:p>
+            <a:pPr rtl="0"/>
+            <a:r>
+              <a:rPr lang="en-GB"/>
+              <a:t>SUMMARY</a:t>
+            </a:r>
+          </a:p>
+        </p:txBody>
+      </p:sp>
+      <p:sp>
+        <p:nvSpPr>
+          <p:cNvPr id="3" name="Content Placeholder 2">
+            <a:extLst>
+              <a:ext uri="{FF2B5EF4-FFF2-40B4-BE49-F238E27FC236}">
+                <a16:creationId xmlns:a16="http://schemas.microsoft.com/office/drawing/2014/main" id="{E14BBEAF-B516-45F4-9EF6-A9F65111580F}"/>
+              </a:ext>
+            </a:extLst>
+          </p:cNvPr>
+          <p:cNvSpPr>
+            <a:spLocks noGrp="1"/>
+          </p:cNvSpPr>
+          <p:nvPr>
+            <p:ph type="body" idx="1"/>
+          </p:nvPr>
+        </p:nvSpPr>
+        <p:spPr>
+          <a:xfrm>
+            <a:off x="5476875" y="3682546"/>
+            <a:ext cx="5111750" cy="1525588"/>
+          </a:xfrm>
+        </p:spPr>
+        <p:txBody>
+          <a:bodyPr vert="horz" lIns="91440" tIns="45720" rIns="91440" bIns="45720" rtlCol="0" anchor="b">
+            <a:normAutofit/>
+          </a:bodyPr>
+          <a:lstStyle/>
+          <a:p>
+            <a:pPr rtl="0"/>
+            <a:r>
+              <a:rPr lang="en-GB" dirty="0"/>
+              <a:t>At Contoso, we believe in giving 110%. By using our next-generation data architecture, we help organisations virtually manage agile workflows. We thrive because of our market knowledge and great team behind our product. As our CEO says, "Efficiencies will come from proactively transforming how we do business.”</a:t>
+            </a:r>
+          </a:p>
+        </p:txBody>
+      </p:sp>
+      <p:sp>
+        <p:nvSpPr>
+          <p:cNvPr id="4" name="Date Placeholder 3">
+            <a:extLst>
+              <a:ext uri="{FF2B5EF4-FFF2-40B4-BE49-F238E27FC236}">
+                <a16:creationId xmlns:a16="http://schemas.microsoft.com/office/drawing/2014/main" id="{13F8C8B5-F6EC-489B-BD0F-CD89A73CAB3A}"/>
+              </a:ext>
+            </a:extLst>
+          </p:cNvPr>
+          <p:cNvSpPr>
+            <a:spLocks noGrp="1"/>
+          </p:cNvSpPr>
+          <p:nvPr>
+            <p:ph type="dt" sz="half" idx="10"/>
+          </p:nvPr>
+        </p:nvSpPr>
+        <p:spPr>
+          <a:xfrm>
+            <a:off x="838200" y="6356350"/>
+            <a:ext cx="2743200" cy="365125"/>
+          </a:xfrm>
+        </p:spPr>
+        <p:txBody>
+          <a:bodyPr rtlCol="0"/>
+          <a:lstStyle/>
+          <a:p>
+            <a:pPr rtl="0"/>
+            <a:r>
+              <a:rPr lang="en-GB"/>
+              <a:t>20XX</a:t>
+            </a:r>
+          </a:p>
+        </p:txBody>
+      </p:sp>
+      <p:sp>
+        <p:nvSpPr>
+          <p:cNvPr id="5" name="Footer Placeholder 4">
+            <a:extLst>
+              <a:ext uri="{FF2B5EF4-FFF2-40B4-BE49-F238E27FC236}">
+                <a16:creationId xmlns:a16="http://schemas.microsoft.com/office/drawing/2014/main" id="{11AEA823-8519-4F9D-81FA-3673131076FC}"/>
+              </a:ext>
+            </a:extLst>
+          </p:cNvPr>
+          <p:cNvSpPr>
+            <a:spLocks noGrp="1"/>
+          </p:cNvSpPr>
+          <p:nvPr>
+            <p:ph type="ftr" sz="quarter" idx="11"/>
+          </p:nvPr>
+        </p:nvSpPr>
+        <p:spPr>
+          <a:xfrm>
+            <a:off x="4038600" y="6356350"/>
+            <a:ext cx="4114800" cy="365125"/>
+          </a:xfrm>
+        </p:spPr>
+        <p:txBody>
+          <a:bodyPr rtlCol="0"/>
+          <a:lstStyle/>
+          <a:p>
+            <a:pPr rtl="0"/>
+            <a:r>
+              <a:rPr lang="en-GB"/>
+              <a:t>Pitch Deck</a:t>
+            </a:r>
+          </a:p>
+        </p:txBody>
+      </p:sp>
+      <p:sp>
+        <p:nvSpPr>
+          <p:cNvPr id="6" name="Slide Number Placeholder 5">
+            <a:extLst>
+              <a:ext uri="{FF2B5EF4-FFF2-40B4-BE49-F238E27FC236}">
+                <a16:creationId xmlns:a16="http://schemas.microsoft.com/office/drawing/2014/main" id="{BAEFF51B-0E28-4171-AE7C-A31AAB42BC73}"/>
+              </a:ext>
+            </a:extLst>
+          </p:cNvPr>
+          <p:cNvSpPr>
+            <a:spLocks noGrp="1"/>
+          </p:cNvSpPr>
+          <p:nvPr>
+            <p:ph type="sldNum" sz="quarter" idx="12"/>
+          </p:nvPr>
+        </p:nvSpPr>
+        <p:spPr>
+          <a:xfrm>
+            <a:off x="8610600" y="6356350"/>
+            <a:ext cx="2743200" cy="365125"/>
+          </a:xfrm>
+        </p:spPr>
+        <p:txBody>
+          <a:bodyPr rtlCol="0"/>
+          <a:lstStyle/>
+          <a:p>
+            <a:pPr rtl="0"/>
+            <a:fld id="{B5CEABB6-07DC-46E8-9B57-56EC44A396E5}" type="slidenum">
+              <a:rPr lang="en-GB" smtClean="0"/>
+              <a:pPr rtl="0"/>
+              <a:t>8</a:t>
+            </a:fld>
+            <a:endParaRPr lang="en-GB"/>
+          </a:p>
+        </p:txBody>
+      </p:sp>
+    </p:spTree>
+    <p:extLst>
+      <p:ext uri="{BB962C8B-B14F-4D97-AF65-F5344CB8AC3E}">
+        <p14:creationId xmlns:p14="http://schemas.microsoft.com/office/powerpoint/2010/main" val="920173932"/>
+      </p:ext>
+    </p:extLst>
+  </p:cSld>
+  <p:clrMapOvr>
+    <a:masterClrMapping/>
+  </p:clrMapOvr>
+</p:sld>
+</file>
+
+<file path=ppt/slides/slide9.xml><?xml version="1.0" encoding="utf-8"?>
+<p:sld xmlns:a="http://schemas.openxmlformats.org/drawingml/2006/main" xmlns:r="http://schemas.openxmlformats.org/officeDocument/2006/relationships" xmlns:p="http://schemas.openxmlformats.org/presentationml/2006/main">
+  <p:cSld>
+    <p:spTree>
+      <p:nvGrpSpPr>
+        <p:cNvPr id="1" name=""/>
+        <p:cNvGrpSpPr/>
+        <p:nvPr/>
+      </p:nvGrpSpPr>
+      <p:grpSpPr>
+        <a:xfrm>
+          <a:off x="0" y="0"/>
+          <a:ext cx="0" cy="0"/>
+          <a:chOff x="0" y="0"/>
+          <a:chExt cx="0" cy="0"/>
+        </a:xfrm>
+      </p:grpSpPr>
+      <p:sp>
+        <p:nvSpPr>
           <p:cNvPr id="2" name="Title 1">
             <a:extLst>
               <a:ext uri="{FF2B5EF4-FFF2-40B4-BE49-F238E27FC236}">
@@ -18040,7 +19200,7 @@
             <a:fld id="{B5CEABB6-07DC-46E8-9B57-56EC44A396E5}" type="slidenum">
               <a:rPr lang="en-GB" smtClean="0"/>
               <a:pPr rtl="0"/>
-              <a:t>7</a:t>
+              <a:t>9</a:t>
             </a:fld>
             <a:endParaRPr lang="en-GB"/>
           </a:p>
@@ -18851,6 +20011,34 @@
 </file>
 
 <file path=customXml/item1.xml><?xml version="1.0" encoding="utf-8"?>
+<?mso-contentType ?>
+<FormTemplates xmlns="http://schemas.microsoft.com/sharepoint/v3/contenttype/forms">
+  <Display>DocumentLibraryForm</Display>
+  <Edit>DocumentLibraryForm</Edit>
+  <New>DocumentLibraryForm</New>
+</FormTemplates>
+</file>
+
+<file path=customXml/item2.xml><?xml version="1.0" encoding="utf-8"?>
+<p:properties xmlns:p="http://schemas.microsoft.com/office/2006/metadata/properties" xmlns:xsi="http://www.w3.org/2001/XMLSchema-instance" xmlns:pc="http://schemas.microsoft.com/office/infopath/2007/PartnerControls">
+  <documentManagement>
+    <_ip_UnifiedCompliancePolicyUIAction xmlns="http://schemas.microsoft.com/sharepoint/v3" xsi:nil="true"/>
+    <Image xmlns="71af3243-3dd4-4a8d-8c0d-dd76da1f02a5">
+      <Url xsi:nil="true"/>
+      <Description xsi:nil="true"/>
+    </Image>
+    <Status xmlns="71af3243-3dd4-4a8d-8c0d-dd76da1f02a5">Not started</Status>
+    <_ip_UnifiedCompliancePolicyProperties xmlns="http://schemas.microsoft.com/sharepoint/v3" xsi:nil="true"/>
+    <ImageTagsTaxHTField xmlns="71af3243-3dd4-4a8d-8c0d-dd76da1f02a5">
+      <Terms xmlns="http://schemas.microsoft.com/office/infopath/2007/PartnerControls"/>
+    </ImageTagsTaxHTField>
+    <TaxCatchAll xmlns="230e9df3-be65-4c73-a93b-d1236ebd677e"/>
+    <MediaServiceKeyPoints xmlns="71af3243-3dd4-4a8d-8c0d-dd76da1f02a5" xsi:nil="true"/>
+  </documentManagement>
+</p:properties>
+</file>
+
+<file path=customXml/item3.xml><?xml version="1.0" encoding="utf-8"?>
 <ct:contentTypeSchema xmlns:ct="http://schemas.microsoft.com/office/2006/metadata/contentType" xmlns:ma="http://schemas.microsoft.com/office/2006/metadata/properties/metaAttributes" ct:_="" ma:_="" ma:contentTypeName="Document" ma:contentTypeID="0x01010079F111ED35F8CC479449609E8A0923A6" ma:contentTypeVersion="20" ma:contentTypeDescription="Create a new document." ma:contentTypeScope="" ma:versionID="1267097ee5f5874adfcc408041ae252e">
   <xsd:schema xmlns:xsd="http://www.w3.org/2001/XMLSchema" xmlns:xs="http://www.w3.org/2001/XMLSchema" xmlns:p="http://schemas.microsoft.com/office/2006/metadata/properties" xmlns:ns1="http://schemas.microsoft.com/sharepoint/v3" xmlns:ns2="71af3243-3dd4-4a8d-8c0d-dd76da1f02a5" xmlns:ns3="16c05727-aa75-4e4a-9b5f-8a80a1165891" xmlns:ns4="230e9df3-be65-4c73-a93b-d1236ebd677e" targetNamespace="http://schemas.microsoft.com/office/2006/metadata/properties" ma:root="true" ma:fieldsID="395891a93df65b14727750f2c06c306c" ns1:_="" ns2:_="" ns3:_="" ns4:_="">
     <xsd:import namespace="http://schemas.microsoft.com/sharepoint/v3"/>
@@ -19126,35 +20314,27 @@
 </ct:contentTypeSchema>
 </file>
 
-<file path=customXml/item2.xml><?xml version="1.0" encoding="utf-8"?>
-<p:properties xmlns:p="http://schemas.microsoft.com/office/2006/metadata/properties" xmlns:xsi="http://www.w3.org/2001/XMLSchema-instance" xmlns:pc="http://schemas.microsoft.com/office/infopath/2007/PartnerControls">
-  <documentManagement>
-    <_ip_UnifiedCompliancePolicyUIAction xmlns="http://schemas.microsoft.com/sharepoint/v3" xsi:nil="true"/>
-    <Image xmlns="71af3243-3dd4-4a8d-8c0d-dd76da1f02a5">
-      <Url xsi:nil="true"/>
-      <Description xsi:nil="true"/>
-    </Image>
-    <Status xmlns="71af3243-3dd4-4a8d-8c0d-dd76da1f02a5">Not started</Status>
-    <_ip_UnifiedCompliancePolicyProperties xmlns="http://schemas.microsoft.com/sharepoint/v3" xsi:nil="true"/>
-    <ImageTagsTaxHTField xmlns="71af3243-3dd4-4a8d-8c0d-dd76da1f02a5">
-      <Terms xmlns="http://schemas.microsoft.com/office/infopath/2007/PartnerControls"/>
-    </ImageTagsTaxHTField>
-    <TaxCatchAll xmlns="230e9df3-be65-4c73-a93b-d1236ebd677e"/>
-    <MediaServiceKeyPoints xmlns="71af3243-3dd4-4a8d-8c0d-dd76da1f02a5" xsi:nil="true"/>
-  </documentManagement>
-</p:properties>
+<file path=customXml/itemProps1.xml><?xml version="1.0" encoding="utf-8"?>
+<ds:datastoreItem xmlns:ds="http://schemas.openxmlformats.org/officeDocument/2006/customXml" ds:itemID="{2D446390-8521-40A2-A462-EA068123BED9}">
+  <ds:schemaRefs>
+    <ds:schemaRef ds:uri="http://schemas.microsoft.com/sharepoint/v3/contenttype/forms"/>
+  </ds:schemaRefs>
+</ds:datastoreItem>
 </file>
 
-<file path=customXml/item3.xml><?xml version="1.0" encoding="utf-8"?>
-<?mso-contentType ?>
-<FormTemplates xmlns="http://schemas.microsoft.com/sharepoint/v3/contenttype/forms">
-  <Display>DocumentLibraryForm</Display>
-  <Edit>DocumentLibraryForm</Edit>
-  <New>DocumentLibraryForm</New>
-</FormTemplates>
+<file path=customXml/itemProps2.xml><?xml version="1.0" encoding="utf-8"?>
+<ds:datastoreItem xmlns:ds="http://schemas.openxmlformats.org/officeDocument/2006/customXml" ds:itemID="{B5BA3906-9696-4247-AC0D-DD5C26B2A70A}">
+  <ds:schemaRefs>
+    <ds:schemaRef ds:uri="http://schemas.microsoft.com/office/2006/metadata/properties"/>
+    <ds:schemaRef ds:uri="http://schemas.microsoft.com/office/infopath/2007/PartnerControls"/>
+    <ds:schemaRef ds:uri="http://schemas.microsoft.com/sharepoint/v3"/>
+    <ds:schemaRef ds:uri="71af3243-3dd4-4a8d-8c0d-dd76da1f02a5"/>
+    <ds:schemaRef ds:uri="230e9df3-be65-4c73-a93b-d1236ebd677e"/>
+  </ds:schemaRefs>
+</ds:datastoreItem>
 </file>
 
-<file path=customXml/itemProps1.xml><?xml version="1.0" encoding="utf-8"?>
+<file path=customXml/itemProps3.xml><?xml version="1.0" encoding="utf-8"?>
 <ds:datastoreItem xmlns:ds="http://schemas.openxmlformats.org/officeDocument/2006/customXml" ds:itemID="{01E84A1C-2814-43A7-9448-348326113A45}">
   <ds:schemaRefs>
     <ds:schemaRef ds:uri="http://schemas.microsoft.com/office/2006/metadata/contentType"/>
@@ -19175,26 +20355,6 @@
 </ds:datastoreItem>
 </file>
 
-<file path=customXml/itemProps2.xml><?xml version="1.0" encoding="utf-8"?>
-<ds:datastoreItem xmlns:ds="http://schemas.openxmlformats.org/officeDocument/2006/customXml" ds:itemID="{B5BA3906-9696-4247-AC0D-DD5C26B2A70A}">
-  <ds:schemaRefs>
-    <ds:schemaRef ds:uri="http://schemas.microsoft.com/office/2006/metadata/properties"/>
-    <ds:schemaRef ds:uri="http://schemas.microsoft.com/office/infopath/2007/PartnerControls"/>
-    <ds:schemaRef ds:uri="http://schemas.microsoft.com/sharepoint/v3"/>
-    <ds:schemaRef ds:uri="71af3243-3dd4-4a8d-8c0d-dd76da1f02a5"/>
-    <ds:schemaRef ds:uri="230e9df3-be65-4c73-a93b-d1236ebd677e"/>
-  </ds:schemaRefs>
-</ds:datastoreItem>
-</file>
-
-<file path=customXml/itemProps3.xml><?xml version="1.0" encoding="utf-8"?>
-<ds:datastoreItem xmlns:ds="http://schemas.openxmlformats.org/officeDocument/2006/customXml" ds:itemID="{2D446390-8521-40A2-A462-EA068123BED9}">
-  <ds:schemaRefs>
-    <ds:schemaRef ds:uri="http://schemas.microsoft.com/sharepoint/v3/contenttype/forms"/>
-  </ds:schemaRefs>
-</ds:datastoreItem>
-</file>
-
 <file path=docMetadata/LabelInfo.xml><?xml version="1.0" encoding="utf-8"?>
 <clbl:labelList xmlns:clbl="http://schemas.microsoft.com/office/2020/mipLabelMetadata">
   <clbl:label id="{f42aa342-8706-4288-bd11-ebb85995028c}" enabled="1" method="Standard" siteId="{72f988bf-86f1-41af-91ab-2d7cd011db47}" removed="0"/>

--- a/prezentacija/ML_Alzheimer.pptx
+++ b/prezentacija/ML_Alzheimer.pptx
@@ -5,21 +5,29 @@
     <p:sldMasterId id="2147483666" r:id="rId4"/>
   </p:sldMasterIdLst>
   <p:notesMasterIdLst>
-    <p:notesMasterId r:id="rId14"/>
+    <p:notesMasterId r:id="rId22"/>
   </p:notesMasterIdLst>
   <p:handoutMasterIdLst>
-    <p:handoutMasterId r:id="rId15"/>
+    <p:handoutMasterId r:id="rId23"/>
   </p:handoutMasterIdLst>
   <p:sldIdLst>
     <p:sldId id="256" r:id="rId5"/>
     <p:sldId id="294" r:id="rId6"/>
     <p:sldId id="298" r:id="rId7"/>
     <p:sldId id="297" r:id="rId8"/>
-    <p:sldId id="299" r:id="rId9"/>
-    <p:sldId id="301" r:id="rId10"/>
-    <p:sldId id="300" r:id="rId11"/>
-    <p:sldId id="275" r:id="rId12"/>
-    <p:sldId id="276" r:id="rId13"/>
+    <p:sldId id="302" r:id="rId9"/>
+    <p:sldId id="303" r:id="rId10"/>
+    <p:sldId id="299" r:id="rId11"/>
+    <p:sldId id="306" r:id="rId12"/>
+    <p:sldId id="307" r:id="rId13"/>
+    <p:sldId id="308" r:id="rId14"/>
+    <p:sldId id="309" r:id="rId15"/>
+    <p:sldId id="311" r:id="rId16"/>
+    <p:sldId id="310" r:id="rId17"/>
+    <p:sldId id="312" r:id="rId18"/>
+    <p:sldId id="313" r:id="rId19"/>
+    <p:sldId id="275" r:id="rId20"/>
+    <p:sldId id="276" r:id="rId21"/>
   </p:sldIdLst>
   <p:sldSz cx="12192000" cy="6858000"/>
   <p:notesSz cx="6858000" cy="9144000"/>
@@ -248,7 +256,7 @@
             <a:pPr rtl="0"/>
             <a:fld id="{4245C065-7973-41A8-A2CC-441A8BA3384C}" type="datetime1">
               <a:rPr lang="en-GB" smtClean="0"/>
-              <a:t>07/07/2024</a:t>
+              <a:t>09/07/2024</a:t>
             </a:fld>
             <a:endParaRPr lang="en-GB"/>
           </a:p>
@@ -430,7 +438,7 @@
             <a:fld id="{A087A586-3225-45EC-B90F-43F9676D14C2}" type="datetime1">
               <a:rPr lang="en-GB" smtClean="0"/>
               <a:pPr/>
-              <a:t>07/07/2024</a:t>
+              <a:t>09/07/2024</a:t>
             </a:fld>
             <a:endParaRPr lang="en-GB" dirty="0"/>
           </a:p>
@@ -852,7 +860,7 @@
             <a:pPr rtl="0"/>
             <a:fld id="{D4B9A9E5-4F7F-4A7D-9DE1-899232329269}" type="slidenum">
               <a:rPr lang="en-GB" smtClean="0"/>
-              <a:t>8</a:t>
+              <a:t>16</a:t>
             </a:fld>
             <a:endParaRPr lang="en-GB"/>
           </a:p>
@@ -937,7 +945,7 @@
             <a:pPr rtl="0"/>
             <a:fld id="{D4B9A9E5-4F7F-4A7D-9DE1-899232329269}" type="slidenum">
               <a:rPr lang="en-GB" smtClean="0"/>
-              <a:t>9</a:t>
+              <a:t>17</a:t>
             </a:fld>
             <a:endParaRPr lang="en-GB"/>
           </a:p>
@@ -15992,6 +16000,1446 @@
 </p:sld>
 </file>
 
+<file path=ppt/slides/slide10.xml><?xml version="1.0" encoding="utf-8"?>
+<p:sld xmlns:a="http://schemas.openxmlformats.org/drawingml/2006/main" xmlns:r="http://schemas.openxmlformats.org/officeDocument/2006/relationships" xmlns:p="http://schemas.openxmlformats.org/presentationml/2006/main">
+  <p:cSld>
+    <p:spTree>
+      <p:nvGrpSpPr>
+        <p:cNvPr id="1" name=""/>
+        <p:cNvGrpSpPr/>
+        <p:nvPr/>
+      </p:nvGrpSpPr>
+      <p:grpSpPr>
+        <a:xfrm>
+          <a:off x="0" y="0"/>
+          <a:ext cx="0" cy="0"/>
+          <a:chOff x="0" y="0"/>
+          <a:chExt cx="0" cy="0"/>
+        </a:xfrm>
+      </p:grpSpPr>
+      <p:sp>
+        <p:nvSpPr>
+          <p:cNvPr id="6" name="Rezervirano mjesto broja slajda 5">
+            <a:extLst>
+              <a:ext uri="{FF2B5EF4-FFF2-40B4-BE49-F238E27FC236}">
+                <a16:creationId xmlns:a16="http://schemas.microsoft.com/office/drawing/2014/main" id="{83BA8515-230E-514B-3E9C-E927149A3A51}"/>
+              </a:ext>
+            </a:extLst>
+          </p:cNvPr>
+          <p:cNvSpPr>
+            <a:spLocks noGrp="1"/>
+          </p:cNvSpPr>
+          <p:nvPr>
+            <p:ph type="sldNum" sz="quarter" idx="12"/>
+          </p:nvPr>
+        </p:nvSpPr>
+        <p:spPr/>
+        <p:txBody>
+          <a:bodyPr/>
+          <a:lstStyle/>
+          <a:p>
+            <a:pPr rtl="0"/>
+            <a:fld id="{B5CEABB6-07DC-46E8-9B57-56EC44A396E5}" type="slidenum">
+              <a:rPr lang="en-GB" noProof="0" smtClean="0"/>
+              <a:t>10</a:t>
+            </a:fld>
+            <a:endParaRPr lang="en-GB" noProof="0"/>
+          </a:p>
+        </p:txBody>
+      </p:sp>
+      <p:sp>
+        <p:nvSpPr>
+          <p:cNvPr id="7" name="Naslov 1">
+            <a:extLst>
+              <a:ext uri="{FF2B5EF4-FFF2-40B4-BE49-F238E27FC236}">
+                <a16:creationId xmlns:a16="http://schemas.microsoft.com/office/drawing/2014/main" id="{19CDA6E1-89F4-E234-2AB3-2B4675E8BB95}"/>
+              </a:ext>
+            </a:extLst>
+          </p:cNvPr>
+          <p:cNvSpPr>
+            <a:spLocks noGrp="1"/>
+          </p:cNvSpPr>
+          <p:nvPr>
+            <p:ph type="title"/>
+          </p:nvPr>
+        </p:nvSpPr>
+        <p:spPr>
+          <a:xfrm>
+            <a:off x="445117" y="293841"/>
+            <a:ext cx="6837920" cy="629266"/>
+          </a:xfrm>
+        </p:spPr>
+        <p:txBody>
+          <a:bodyPr>
+            <a:normAutofit/>
+          </a:bodyPr>
+          <a:lstStyle/>
+          <a:p>
+            <a:r>
+              <a:rPr lang="hr-HR" sz="2500" dirty="0">
+                <a:latin typeface="Tahoma" panose="020B0604030504040204" pitchFamily="34" charset="0"/>
+                <a:ea typeface="Tahoma" panose="020B0604030504040204" pitchFamily="34" charset="0"/>
+                <a:cs typeface="Tahoma" panose="020B0604030504040204" pitchFamily="34" charset="0"/>
+              </a:rPr>
+              <a:t>3. </a:t>
+            </a:r>
+            <a:r>
+              <a:rPr lang="hr-HR" sz="2500" dirty="0" err="1">
+                <a:latin typeface="Tahoma" panose="020B0604030504040204" pitchFamily="34" charset="0"/>
+                <a:ea typeface="Tahoma" panose="020B0604030504040204" pitchFamily="34" charset="0"/>
+                <a:cs typeface="Tahoma" panose="020B0604030504040204" pitchFamily="34" charset="0"/>
+              </a:rPr>
+              <a:t>Predprocesiranje</a:t>
+            </a:r>
+            <a:r>
+              <a:rPr lang="hr-HR" sz="2500" dirty="0">
+                <a:latin typeface="Tahoma" panose="020B0604030504040204" pitchFamily="34" charset="0"/>
+                <a:ea typeface="Tahoma" panose="020B0604030504040204" pitchFamily="34" charset="0"/>
+                <a:cs typeface="Tahoma" panose="020B0604030504040204" pitchFamily="34" charset="0"/>
+              </a:rPr>
+              <a:t> podataka</a:t>
+            </a:r>
+            <a:endParaRPr lang="en-GB" sz="2500" dirty="0">
+              <a:latin typeface="Tahoma" panose="020B0604030504040204" pitchFamily="34" charset="0"/>
+              <a:ea typeface="Tahoma" panose="020B0604030504040204" pitchFamily="34" charset="0"/>
+              <a:cs typeface="Tahoma" panose="020B0604030504040204" pitchFamily="34" charset="0"/>
+            </a:endParaRPr>
+          </a:p>
+        </p:txBody>
+      </p:sp>
+      <p:pic>
+        <p:nvPicPr>
+          <p:cNvPr id="3" name="Slika 2">
+            <a:extLst>
+              <a:ext uri="{FF2B5EF4-FFF2-40B4-BE49-F238E27FC236}">
+                <a16:creationId xmlns:a16="http://schemas.microsoft.com/office/drawing/2014/main" id="{9C930F26-2286-9F3D-88ED-C271B130DC0D}"/>
+              </a:ext>
+            </a:extLst>
+          </p:cNvPr>
+          <p:cNvPicPr>
+            <a:picLocks noChangeAspect="1"/>
+          </p:cNvPicPr>
+          <p:nvPr/>
+        </p:nvPicPr>
+        <p:blipFill>
+          <a:blip r:embed="rId2"/>
+          <a:stretch>
+            <a:fillRect/>
+          </a:stretch>
+        </p:blipFill>
+        <p:spPr>
+          <a:xfrm>
+            <a:off x="709892" y="2279049"/>
+            <a:ext cx="10185728" cy="1081166"/>
+          </a:xfrm>
+          <a:prstGeom prst="rect">
+            <a:avLst/>
+          </a:prstGeom>
+        </p:spPr>
+      </p:pic>
+      <p:sp>
+        <p:nvSpPr>
+          <p:cNvPr id="14" name="Text Placeholder 2">
+            <a:extLst>
+              <a:ext uri="{FF2B5EF4-FFF2-40B4-BE49-F238E27FC236}">
+                <a16:creationId xmlns:a16="http://schemas.microsoft.com/office/drawing/2014/main" id="{E1B9B168-CC8F-E33C-968A-73140B4C6D1D}"/>
+              </a:ext>
+            </a:extLst>
+          </p:cNvPr>
+          <p:cNvSpPr>
+            <a:spLocks noGrp="1"/>
+          </p:cNvSpPr>
+          <p:nvPr>
+            <p:ph type="body" idx="1"/>
+          </p:nvPr>
+        </p:nvSpPr>
+        <p:spPr>
+          <a:xfrm>
+            <a:off x="353960" y="1107173"/>
+            <a:ext cx="8868698" cy="987810"/>
+          </a:xfrm>
+        </p:spPr>
+        <p:txBody>
+          <a:bodyPr>
+            <a:normAutofit/>
+          </a:bodyPr>
+          <a:lstStyle/>
+          <a:p>
+            <a:pPr marL="342900" indent="-342900">
+              <a:buFont typeface="Arial" panose="020B0604020202020204" pitchFamily="34" charset="0"/>
+              <a:buChar char="•"/>
+            </a:pPr>
+            <a:r>
+              <a:rPr lang="hr-HR" sz="2200" dirty="0" err="1">
+                <a:latin typeface="Tahoma" panose="020B0604030504040204" pitchFamily="34" charset="0"/>
+                <a:ea typeface="Tahoma" panose="020B0604030504040204" pitchFamily="34" charset="0"/>
+                <a:cs typeface="Tahoma" panose="020B0604030504040204" pitchFamily="34" charset="0"/>
+              </a:rPr>
+              <a:t>from</a:t>
+            </a:r>
+            <a:r>
+              <a:rPr lang="hr-HR" sz="2200" dirty="0">
+                <a:latin typeface="Tahoma" panose="020B0604030504040204" pitchFamily="34" charset="0"/>
+                <a:ea typeface="Tahoma" panose="020B0604030504040204" pitchFamily="34" charset="0"/>
+                <a:cs typeface="Tahoma" panose="020B0604030504040204" pitchFamily="34" charset="0"/>
+              </a:rPr>
+              <a:t> </a:t>
+            </a:r>
+            <a:r>
+              <a:rPr lang="hr-HR" sz="2200" i="1" u="sng" dirty="0" err="1">
+                <a:latin typeface="Tahoma" panose="020B0604030504040204" pitchFamily="34" charset="0"/>
+                <a:ea typeface="Tahoma" panose="020B0604030504040204" pitchFamily="34" charset="0"/>
+                <a:cs typeface="Tahoma" panose="020B0604030504040204" pitchFamily="34" charset="0"/>
+              </a:rPr>
+              <a:t>sklearn.preprocessing</a:t>
+            </a:r>
+            <a:r>
+              <a:rPr lang="hr-HR" sz="2200" i="1" u="sng" dirty="0">
+                <a:latin typeface="Tahoma" panose="020B0604030504040204" pitchFamily="34" charset="0"/>
+                <a:ea typeface="Tahoma" panose="020B0604030504040204" pitchFamily="34" charset="0"/>
+                <a:cs typeface="Tahoma" panose="020B0604030504040204" pitchFamily="34" charset="0"/>
+              </a:rPr>
+              <a:t> </a:t>
+            </a:r>
+            <a:r>
+              <a:rPr lang="hr-HR" sz="2200" dirty="0">
+                <a:latin typeface="Tahoma" panose="020B0604030504040204" pitchFamily="34" charset="0"/>
+                <a:ea typeface="Tahoma" panose="020B0604030504040204" pitchFamily="34" charset="0"/>
+                <a:cs typeface="Tahoma" panose="020B0604030504040204" pitchFamily="34" charset="0"/>
+              </a:rPr>
+              <a:t>import </a:t>
+            </a:r>
+            <a:r>
+              <a:rPr lang="hr-HR" sz="2200" i="1" dirty="0" err="1">
+                <a:latin typeface="Tahoma" panose="020B0604030504040204" pitchFamily="34" charset="0"/>
+                <a:ea typeface="Tahoma" panose="020B0604030504040204" pitchFamily="34" charset="0"/>
+                <a:cs typeface="Tahoma" panose="020B0604030504040204" pitchFamily="34" charset="0"/>
+              </a:rPr>
+              <a:t>LabelEncoder</a:t>
+            </a:r>
+            <a:endParaRPr lang="hr-HR" sz="2200" i="1" dirty="0">
+              <a:latin typeface="Tahoma" panose="020B0604030504040204" pitchFamily="34" charset="0"/>
+              <a:ea typeface="Tahoma" panose="020B0604030504040204" pitchFamily="34" charset="0"/>
+              <a:cs typeface="Tahoma" panose="020B0604030504040204" pitchFamily="34" charset="0"/>
+            </a:endParaRPr>
+          </a:p>
+          <a:p>
+            <a:pPr marL="342900" indent="-342900">
+              <a:buFont typeface="Arial" panose="020B0604020202020204" pitchFamily="34" charset="0"/>
+              <a:buChar char="•"/>
+            </a:pPr>
+            <a:r>
+              <a:rPr lang="hr-HR" sz="2200" dirty="0" err="1">
+                <a:latin typeface="Tahoma" panose="020B0604030504040204" pitchFamily="34" charset="0"/>
+                <a:ea typeface="Tahoma" panose="020B0604030504040204" pitchFamily="34" charset="0"/>
+                <a:cs typeface="Tahoma" panose="020B0604030504040204" pitchFamily="34" charset="0"/>
+              </a:rPr>
+              <a:t>from</a:t>
+            </a:r>
+            <a:r>
+              <a:rPr lang="hr-HR" sz="2200" dirty="0">
+                <a:latin typeface="Tahoma" panose="020B0604030504040204" pitchFamily="34" charset="0"/>
+                <a:ea typeface="Tahoma" panose="020B0604030504040204" pitchFamily="34" charset="0"/>
+                <a:cs typeface="Tahoma" panose="020B0604030504040204" pitchFamily="34" charset="0"/>
+              </a:rPr>
+              <a:t> </a:t>
+            </a:r>
+            <a:r>
+              <a:rPr lang="hr-HR" sz="2200" i="1" u="sng" dirty="0" err="1">
+                <a:latin typeface="Tahoma" panose="020B0604030504040204" pitchFamily="34" charset="0"/>
+                <a:ea typeface="Tahoma" panose="020B0604030504040204" pitchFamily="34" charset="0"/>
+                <a:cs typeface="Tahoma" panose="020B0604030504040204" pitchFamily="34" charset="0"/>
+              </a:rPr>
+              <a:t>imblearn.over_sampling</a:t>
+            </a:r>
+            <a:r>
+              <a:rPr lang="hr-HR" sz="2200" i="1" u="sng" dirty="0">
+                <a:latin typeface="Tahoma" panose="020B0604030504040204" pitchFamily="34" charset="0"/>
+                <a:ea typeface="Tahoma" panose="020B0604030504040204" pitchFamily="34" charset="0"/>
+                <a:cs typeface="Tahoma" panose="020B0604030504040204" pitchFamily="34" charset="0"/>
+              </a:rPr>
+              <a:t> </a:t>
+            </a:r>
+            <a:r>
+              <a:rPr lang="hr-HR" sz="2200" dirty="0">
+                <a:latin typeface="Tahoma" panose="020B0604030504040204" pitchFamily="34" charset="0"/>
+                <a:ea typeface="Tahoma" panose="020B0604030504040204" pitchFamily="34" charset="0"/>
+                <a:cs typeface="Tahoma" panose="020B0604030504040204" pitchFamily="34" charset="0"/>
+              </a:rPr>
+              <a:t>import </a:t>
+            </a:r>
+            <a:r>
+              <a:rPr lang="hr-HR" sz="2200" i="1" dirty="0" err="1">
+                <a:latin typeface="Tahoma" panose="020B0604030504040204" pitchFamily="34" charset="0"/>
+                <a:ea typeface="Tahoma" panose="020B0604030504040204" pitchFamily="34" charset="0"/>
+                <a:cs typeface="Tahoma" panose="020B0604030504040204" pitchFamily="34" charset="0"/>
+              </a:rPr>
+              <a:t>RandomOverSampler</a:t>
+            </a:r>
+            <a:endParaRPr lang="hr-HR" sz="2200" i="1" dirty="0">
+              <a:latin typeface="Tahoma" panose="020B0604030504040204" pitchFamily="34" charset="0"/>
+              <a:ea typeface="Tahoma" panose="020B0604030504040204" pitchFamily="34" charset="0"/>
+              <a:cs typeface="Tahoma" panose="020B0604030504040204" pitchFamily="34" charset="0"/>
+            </a:endParaRPr>
+          </a:p>
+        </p:txBody>
+      </p:sp>
+      <p:pic>
+        <p:nvPicPr>
+          <p:cNvPr id="16" name="Slika 15">
+            <a:extLst>
+              <a:ext uri="{FF2B5EF4-FFF2-40B4-BE49-F238E27FC236}">
+                <a16:creationId xmlns:a16="http://schemas.microsoft.com/office/drawing/2014/main" id="{A208EFB4-1F9C-45FE-4698-4EF9F181B4D3}"/>
+              </a:ext>
+            </a:extLst>
+          </p:cNvPr>
+          <p:cNvPicPr>
+            <a:picLocks noChangeAspect="1"/>
+          </p:cNvPicPr>
+          <p:nvPr/>
+        </p:nvPicPr>
+        <p:blipFill>
+          <a:blip r:embed="rId3"/>
+          <a:stretch>
+            <a:fillRect/>
+          </a:stretch>
+        </p:blipFill>
+        <p:spPr>
+          <a:xfrm>
+            <a:off x="760751" y="3544281"/>
+            <a:ext cx="10134869" cy="2812069"/>
+          </a:xfrm>
+          <a:prstGeom prst="rect">
+            <a:avLst/>
+          </a:prstGeom>
+        </p:spPr>
+      </p:pic>
+    </p:spTree>
+    <p:extLst>
+      <p:ext uri="{BB962C8B-B14F-4D97-AF65-F5344CB8AC3E}">
+        <p14:creationId xmlns:p14="http://schemas.microsoft.com/office/powerpoint/2010/main" val="2188549476"/>
+      </p:ext>
+    </p:extLst>
+  </p:cSld>
+  <p:clrMapOvr>
+    <a:masterClrMapping/>
+  </p:clrMapOvr>
+</p:sld>
+</file>
+
+<file path=ppt/slides/slide11.xml><?xml version="1.0" encoding="utf-8"?>
+<p:sld xmlns:a="http://schemas.openxmlformats.org/drawingml/2006/main" xmlns:r="http://schemas.openxmlformats.org/officeDocument/2006/relationships" xmlns:p="http://schemas.openxmlformats.org/presentationml/2006/main">
+  <p:cSld>
+    <p:spTree>
+      <p:nvGrpSpPr>
+        <p:cNvPr id="1" name=""/>
+        <p:cNvGrpSpPr/>
+        <p:nvPr/>
+      </p:nvGrpSpPr>
+      <p:grpSpPr>
+        <a:xfrm>
+          <a:off x="0" y="0"/>
+          <a:ext cx="0" cy="0"/>
+          <a:chOff x="0" y="0"/>
+          <a:chExt cx="0" cy="0"/>
+        </a:xfrm>
+      </p:grpSpPr>
+      <p:sp>
+        <p:nvSpPr>
+          <p:cNvPr id="6" name="Rezervirano mjesto broja slajda 5">
+            <a:extLst>
+              <a:ext uri="{FF2B5EF4-FFF2-40B4-BE49-F238E27FC236}">
+                <a16:creationId xmlns:a16="http://schemas.microsoft.com/office/drawing/2014/main" id="{83BA8515-230E-514B-3E9C-E927149A3A51}"/>
+              </a:ext>
+            </a:extLst>
+          </p:cNvPr>
+          <p:cNvSpPr>
+            <a:spLocks noGrp="1"/>
+          </p:cNvSpPr>
+          <p:nvPr>
+            <p:ph type="sldNum" sz="quarter" idx="12"/>
+          </p:nvPr>
+        </p:nvSpPr>
+        <p:spPr/>
+        <p:txBody>
+          <a:bodyPr/>
+          <a:lstStyle/>
+          <a:p>
+            <a:pPr rtl="0"/>
+            <a:fld id="{B5CEABB6-07DC-46E8-9B57-56EC44A396E5}" type="slidenum">
+              <a:rPr lang="en-GB" noProof="0" smtClean="0"/>
+              <a:t>11</a:t>
+            </a:fld>
+            <a:endParaRPr lang="en-GB" noProof="0"/>
+          </a:p>
+        </p:txBody>
+      </p:sp>
+      <p:sp>
+        <p:nvSpPr>
+          <p:cNvPr id="7" name="Naslov 1">
+            <a:extLst>
+              <a:ext uri="{FF2B5EF4-FFF2-40B4-BE49-F238E27FC236}">
+                <a16:creationId xmlns:a16="http://schemas.microsoft.com/office/drawing/2014/main" id="{19CDA6E1-89F4-E234-2AB3-2B4675E8BB95}"/>
+              </a:ext>
+            </a:extLst>
+          </p:cNvPr>
+          <p:cNvSpPr>
+            <a:spLocks noGrp="1"/>
+          </p:cNvSpPr>
+          <p:nvPr>
+            <p:ph type="title"/>
+          </p:nvPr>
+        </p:nvSpPr>
+        <p:spPr>
+          <a:xfrm>
+            <a:off x="437951" y="319088"/>
+            <a:ext cx="8401358" cy="900113"/>
+          </a:xfrm>
+        </p:spPr>
+        <p:txBody>
+          <a:bodyPr>
+            <a:normAutofit/>
+          </a:bodyPr>
+          <a:lstStyle/>
+          <a:p>
+            <a:r>
+              <a:rPr lang="hr-HR" sz="2500" dirty="0">
+                <a:latin typeface="Tahoma" panose="020B0604030504040204" pitchFamily="34" charset="0"/>
+                <a:ea typeface="Tahoma" panose="020B0604030504040204" pitchFamily="34" charset="0"/>
+                <a:cs typeface="Tahoma" panose="020B0604030504040204" pitchFamily="34" charset="0"/>
+              </a:rPr>
+              <a:t>4. Trening i evaluacija modela</a:t>
+            </a:r>
+            <a:endParaRPr lang="en-GB" sz="2500" dirty="0">
+              <a:latin typeface="Tahoma" panose="020B0604030504040204" pitchFamily="34" charset="0"/>
+              <a:ea typeface="Tahoma" panose="020B0604030504040204" pitchFamily="34" charset="0"/>
+              <a:cs typeface="Tahoma" panose="020B0604030504040204" pitchFamily="34" charset="0"/>
+            </a:endParaRPr>
+          </a:p>
+        </p:txBody>
+      </p:sp>
+      <p:pic>
+        <p:nvPicPr>
+          <p:cNvPr id="5" name="Slika 4">
+            <a:extLst>
+              <a:ext uri="{FF2B5EF4-FFF2-40B4-BE49-F238E27FC236}">
+                <a16:creationId xmlns:a16="http://schemas.microsoft.com/office/drawing/2014/main" id="{CAA983EF-4E70-BC19-32DC-E5EC80C4FE3C}"/>
+              </a:ext>
+            </a:extLst>
+          </p:cNvPr>
+          <p:cNvPicPr>
+            <a:picLocks noChangeAspect="1"/>
+          </p:cNvPicPr>
+          <p:nvPr/>
+        </p:nvPicPr>
+        <p:blipFill rotWithShape="1">
+          <a:blip r:embed="rId2"/>
+          <a:srcRect l="1540" t="101" r="1299" b="-1"/>
+          <a:stretch/>
+        </p:blipFill>
+        <p:spPr>
+          <a:xfrm>
+            <a:off x="1016396" y="1576325"/>
+            <a:ext cx="9891319" cy="1988035"/>
+          </a:xfrm>
+          <a:prstGeom prst="rect">
+            <a:avLst/>
+          </a:prstGeom>
+        </p:spPr>
+      </p:pic>
+      <p:pic>
+        <p:nvPicPr>
+          <p:cNvPr id="11" name="Slika 10">
+            <a:extLst>
+              <a:ext uri="{FF2B5EF4-FFF2-40B4-BE49-F238E27FC236}">
+                <a16:creationId xmlns:a16="http://schemas.microsoft.com/office/drawing/2014/main" id="{9B609D50-E972-E12E-D962-5A9CF91E5816}"/>
+              </a:ext>
+            </a:extLst>
+          </p:cNvPr>
+          <p:cNvPicPr>
+            <a:picLocks noChangeAspect="1"/>
+          </p:cNvPicPr>
+          <p:nvPr/>
+        </p:nvPicPr>
+        <p:blipFill rotWithShape="1">
+          <a:blip r:embed="rId3"/>
+          <a:srcRect l="1111" r="-1112" b="21229"/>
+          <a:stretch/>
+        </p:blipFill>
+        <p:spPr>
+          <a:xfrm>
+            <a:off x="1016396" y="3806623"/>
+            <a:ext cx="10023550" cy="2549727"/>
+          </a:xfrm>
+          <a:prstGeom prst="rect">
+            <a:avLst/>
+          </a:prstGeom>
+        </p:spPr>
+      </p:pic>
+    </p:spTree>
+    <p:extLst>
+      <p:ext uri="{BB962C8B-B14F-4D97-AF65-F5344CB8AC3E}">
+        <p14:creationId xmlns:p14="http://schemas.microsoft.com/office/powerpoint/2010/main" val="4241972121"/>
+      </p:ext>
+    </p:extLst>
+  </p:cSld>
+  <p:clrMapOvr>
+    <a:masterClrMapping/>
+  </p:clrMapOvr>
+</p:sld>
+</file>
+
+<file path=ppt/slides/slide12.xml><?xml version="1.0" encoding="utf-8"?>
+<p:sld xmlns:a="http://schemas.openxmlformats.org/drawingml/2006/main" xmlns:r="http://schemas.openxmlformats.org/officeDocument/2006/relationships" xmlns:p="http://schemas.openxmlformats.org/presentationml/2006/main">
+  <p:cSld>
+    <p:spTree>
+      <p:nvGrpSpPr>
+        <p:cNvPr id="1" name=""/>
+        <p:cNvGrpSpPr/>
+        <p:nvPr/>
+      </p:nvGrpSpPr>
+      <p:grpSpPr>
+        <a:xfrm>
+          <a:off x="0" y="0"/>
+          <a:ext cx="0" cy="0"/>
+          <a:chOff x="0" y="0"/>
+          <a:chExt cx="0" cy="0"/>
+        </a:xfrm>
+      </p:grpSpPr>
+      <p:sp>
+        <p:nvSpPr>
+          <p:cNvPr id="6" name="Rezervirano mjesto broja slajda 5">
+            <a:extLst>
+              <a:ext uri="{FF2B5EF4-FFF2-40B4-BE49-F238E27FC236}">
+                <a16:creationId xmlns:a16="http://schemas.microsoft.com/office/drawing/2014/main" id="{83BA8515-230E-514B-3E9C-E927149A3A51}"/>
+              </a:ext>
+            </a:extLst>
+          </p:cNvPr>
+          <p:cNvSpPr>
+            <a:spLocks noGrp="1"/>
+          </p:cNvSpPr>
+          <p:nvPr>
+            <p:ph type="sldNum" sz="quarter" idx="12"/>
+          </p:nvPr>
+        </p:nvSpPr>
+        <p:spPr/>
+        <p:txBody>
+          <a:bodyPr/>
+          <a:lstStyle/>
+          <a:p>
+            <a:pPr rtl="0"/>
+            <a:fld id="{B5CEABB6-07DC-46E8-9B57-56EC44A396E5}" type="slidenum">
+              <a:rPr lang="en-GB" noProof="0" smtClean="0"/>
+              <a:t>12</a:t>
+            </a:fld>
+            <a:endParaRPr lang="en-GB" noProof="0"/>
+          </a:p>
+        </p:txBody>
+      </p:sp>
+      <p:pic>
+        <p:nvPicPr>
+          <p:cNvPr id="8" name="Slika 7">
+            <a:extLst>
+              <a:ext uri="{FF2B5EF4-FFF2-40B4-BE49-F238E27FC236}">
+                <a16:creationId xmlns:a16="http://schemas.microsoft.com/office/drawing/2014/main" id="{3916F19A-FB1F-1003-574A-70DD1C59D125}"/>
+              </a:ext>
+            </a:extLst>
+          </p:cNvPr>
+          <p:cNvPicPr>
+            <a:picLocks noChangeAspect="1"/>
+          </p:cNvPicPr>
+          <p:nvPr/>
+        </p:nvPicPr>
+        <p:blipFill>
+          <a:blip r:embed="rId2"/>
+          <a:stretch>
+            <a:fillRect/>
+          </a:stretch>
+        </p:blipFill>
+        <p:spPr>
+          <a:xfrm>
+            <a:off x="669123" y="1436893"/>
+            <a:ext cx="10779601" cy="309252"/>
+          </a:xfrm>
+          <a:prstGeom prst="rect">
+            <a:avLst/>
+          </a:prstGeom>
+        </p:spPr>
+      </p:pic>
+      <p:pic>
+        <p:nvPicPr>
+          <p:cNvPr id="10" name="Slika 9">
+            <a:extLst>
+              <a:ext uri="{FF2B5EF4-FFF2-40B4-BE49-F238E27FC236}">
+                <a16:creationId xmlns:a16="http://schemas.microsoft.com/office/drawing/2014/main" id="{09E7EEED-CF97-F8D5-E8D2-305FC12736D2}"/>
+              </a:ext>
+            </a:extLst>
+          </p:cNvPr>
+          <p:cNvPicPr>
+            <a:picLocks noChangeAspect="1"/>
+          </p:cNvPicPr>
+          <p:nvPr/>
+        </p:nvPicPr>
+        <p:blipFill>
+          <a:blip r:embed="rId3"/>
+          <a:stretch>
+            <a:fillRect/>
+          </a:stretch>
+        </p:blipFill>
+        <p:spPr>
+          <a:xfrm>
+            <a:off x="669123" y="1805651"/>
+            <a:ext cx="10853754" cy="3460830"/>
+          </a:xfrm>
+          <a:prstGeom prst="rect">
+            <a:avLst/>
+          </a:prstGeom>
+        </p:spPr>
+      </p:pic>
+    </p:spTree>
+    <p:extLst>
+      <p:ext uri="{BB962C8B-B14F-4D97-AF65-F5344CB8AC3E}">
+        <p14:creationId xmlns:p14="http://schemas.microsoft.com/office/powerpoint/2010/main" val="25171909"/>
+      </p:ext>
+    </p:extLst>
+  </p:cSld>
+  <p:clrMapOvr>
+    <a:masterClrMapping/>
+  </p:clrMapOvr>
+</p:sld>
+</file>
+
+<file path=ppt/slides/slide13.xml><?xml version="1.0" encoding="utf-8"?>
+<p:sld xmlns:a="http://schemas.openxmlformats.org/drawingml/2006/main" xmlns:r="http://schemas.openxmlformats.org/officeDocument/2006/relationships" xmlns:p="http://schemas.openxmlformats.org/presentationml/2006/main">
+  <p:cSld>
+    <p:spTree>
+      <p:nvGrpSpPr>
+        <p:cNvPr id="1" name=""/>
+        <p:cNvGrpSpPr/>
+        <p:nvPr/>
+      </p:nvGrpSpPr>
+      <p:grpSpPr>
+        <a:xfrm>
+          <a:off x="0" y="0"/>
+          <a:ext cx="0" cy="0"/>
+          <a:chOff x="0" y="0"/>
+          <a:chExt cx="0" cy="0"/>
+        </a:xfrm>
+      </p:grpSpPr>
+      <p:sp>
+        <p:nvSpPr>
+          <p:cNvPr id="6" name="Rezervirano mjesto broja slajda 5">
+            <a:extLst>
+              <a:ext uri="{FF2B5EF4-FFF2-40B4-BE49-F238E27FC236}">
+                <a16:creationId xmlns:a16="http://schemas.microsoft.com/office/drawing/2014/main" id="{CDD5E599-7B02-97C0-173F-B2F9249DD5BF}"/>
+              </a:ext>
+            </a:extLst>
+          </p:cNvPr>
+          <p:cNvSpPr>
+            <a:spLocks noGrp="1"/>
+          </p:cNvSpPr>
+          <p:nvPr>
+            <p:ph type="sldNum" sz="quarter" idx="12"/>
+          </p:nvPr>
+        </p:nvSpPr>
+        <p:spPr/>
+        <p:txBody>
+          <a:bodyPr/>
+          <a:lstStyle/>
+          <a:p>
+            <a:pPr rtl="0"/>
+            <a:fld id="{B5CEABB6-07DC-46E8-9B57-56EC44A396E5}" type="slidenum">
+              <a:rPr lang="en-GB" noProof="0" smtClean="0"/>
+              <a:t>13</a:t>
+            </a:fld>
+            <a:endParaRPr lang="en-GB" noProof="0"/>
+          </a:p>
+        </p:txBody>
+      </p:sp>
+      <p:pic>
+        <p:nvPicPr>
+          <p:cNvPr id="8" name="Slika 7">
+            <a:extLst>
+              <a:ext uri="{FF2B5EF4-FFF2-40B4-BE49-F238E27FC236}">
+                <a16:creationId xmlns:a16="http://schemas.microsoft.com/office/drawing/2014/main" id="{A97459B8-EBDF-BC70-B8AE-8D596CA594AB}"/>
+              </a:ext>
+            </a:extLst>
+          </p:cNvPr>
+          <p:cNvPicPr>
+            <a:picLocks noChangeAspect="1"/>
+          </p:cNvPicPr>
+          <p:nvPr/>
+        </p:nvPicPr>
+        <p:blipFill>
+          <a:blip r:embed="rId2"/>
+          <a:stretch>
+            <a:fillRect/>
+          </a:stretch>
+        </p:blipFill>
+        <p:spPr>
+          <a:xfrm>
+            <a:off x="698941" y="1750736"/>
+            <a:ext cx="10794117" cy="3356527"/>
+          </a:xfrm>
+          <a:prstGeom prst="rect">
+            <a:avLst/>
+          </a:prstGeom>
+        </p:spPr>
+      </p:pic>
+      <p:sp>
+        <p:nvSpPr>
+          <p:cNvPr id="9" name="Naslov 1">
+            <a:extLst>
+              <a:ext uri="{FF2B5EF4-FFF2-40B4-BE49-F238E27FC236}">
+                <a16:creationId xmlns:a16="http://schemas.microsoft.com/office/drawing/2014/main" id="{2327BA74-9820-D54D-7BAF-7A7C67D4880D}"/>
+              </a:ext>
+            </a:extLst>
+          </p:cNvPr>
+          <p:cNvSpPr>
+            <a:spLocks noGrp="1"/>
+          </p:cNvSpPr>
+          <p:nvPr>
+            <p:ph type="title"/>
+          </p:nvPr>
+        </p:nvSpPr>
+        <p:spPr>
+          <a:xfrm>
+            <a:off x="437951" y="319088"/>
+            <a:ext cx="8401358" cy="900113"/>
+          </a:xfrm>
+        </p:spPr>
+        <p:txBody>
+          <a:bodyPr>
+            <a:normAutofit/>
+          </a:bodyPr>
+          <a:lstStyle/>
+          <a:p>
+            <a:r>
+              <a:rPr lang="hr-HR" sz="2500" dirty="0">
+                <a:latin typeface="Tahoma" panose="020B0604030504040204" pitchFamily="34" charset="0"/>
+                <a:ea typeface="Tahoma" panose="020B0604030504040204" pitchFamily="34" charset="0"/>
+                <a:cs typeface="Tahoma" panose="020B0604030504040204" pitchFamily="34" charset="0"/>
+              </a:rPr>
+              <a:t>4.1 Trening i evaluacija – stablo odluke</a:t>
+            </a:r>
+            <a:endParaRPr lang="en-GB" sz="2500" dirty="0">
+              <a:latin typeface="Tahoma" panose="020B0604030504040204" pitchFamily="34" charset="0"/>
+              <a:ea typeface="Tahoma" panose="020B0604030504040204" pitchFamily="34" charset="0"/>
+              <a:cs typeface="Tahoma" panose="020B0604030504040204" pitchFamily="34" charset="0"/>
+            </a:endParaRPr>
+          </a:p>
+        </p:txBody>
+      </p:sp>
+    </p:spTree>
+    <p:extLst>
+      <p:ext uri="{BB962C8B-B14F-4D97-AF65-F5344CB8AC3E}">
+        <p14:creationId xmlns:p14="http://schemas.microsoft.com/office/powerpoint/2010/main" val="3102850562"/>
+      </p:ext>
+    </p:extLst>
+  </p:cSld>
+  <p:clrMapOvr>
+    <a:masterClrMapping/>
+  </p:clrMapOvr>
+</p:sld>
+</file>
+
+<file path=ppt/slides/slide14.xml><?xml version="1.0" encoding="utf-8"?>
+<p:sld xmlns:a="http://schemas.openxmlformats.org/drawingml/2006/main" xmlns:r="http://schemas.openxmlformats.org/officeDocument/2006/relationships" xmlns:p="http://schemas.openxmlformats.org/presentationml/2006/main">
+  <p:cSld>
+    <p:spTree>
+      <p:nvGrpSpPr>
+        <p:cNvPr id="1" name=""/>
+        <p:cNvGrpSpPr/>
+        <p:nvPr/>
+      </p:nvGrpSpPr>
+      <p:grpSpPr>
+        <a:xfrm>
+          <a:off x="0" y="0"/>
+          <a:ext cx="0" cy="0"/>
+          <a:chOff x="0" y="0"/>
+          <a:chExt cx="0" cy="0"/>
+        </a:xfrm>
+      </p:grpSpPr>
+      <p:sp>
+        <p:nvSpPr>
+          <p:cNvPr id="6" name="Rezervirano mjesto broja slajda 5">
+            <a:extLst>
+              <a:ext uri="{FF2B5EF4-FFF2-40B4-BE49-F238E27FC236}">
+                <a16:creationId xmlns:a16="http://schemas.microsoft.com/office/drawing/2014/main" id="{CDD5E599-7B02-97C0-173F-B2F9249DD5BF}"/>
+              </a:ext>
+            </a:extLst>
+          </p:cNvPr>
+          <p:cNvSpPr>
+            <a:spLocks noGrp="1"/>
+          </p:cNvSpPr>
+          <p:nvPr>
+            <p:ph type="sldNum" sz="quarter" idx="12"/>
+          </p:nvPr>
+        </p:nvSpPr>
+        <p:spPr/>
+        <p:txBody>
+          <a:bodyPr/>
+          <a:lstStyle/>
+          <a:p>
+            <a:pPr rtl="0"/>
+            <a:fld id="{B5CEABB6-07DC-46E8-9B57-56EC44A396E5}" type="slidenum">
+              <a:rPr lang="en-GB" noProof="0" smtClean="0"/>
+              <a:t>14</a:t>
+            </a:fld>
+            <a:endParaRPr lang="en-GB" noProof="0"/>
+          </a:p>
+        </p:txBody>
+      </p:sp>
+      <p:sp>
+        <p:nvSpPr>
+          <p:cNvPr id="9" name="Naslov 1">
+            <a:extLst>
+              <a:ext uri="{FF2B5EF4-FFF2-40B4-BE49-F238E27FC236}">
+                <a16:creationId xmlns:a16="http://schemas.microsoft.com/office/drawing/2014/main" id="{2327BA74-9820-D54D-7BAF-7A7C67D4880D}"/>
+              </a:ext>
+            </a:extLst>
+          </p:cNvPr>
+          <p:cNvSpPr>
+            <a:spLocks noGrp="1"/>
+          </p:cNvSpPr>
+          <p:nvPr>
+            <p:ph type="title"/>
+          </p:nvPr>
+        </p:nvSpPr>
+        <p:spPr>
+          <a:xfrm>
+            <a:off x="437951" y="319088"/>
+            <a:ext cx="8401358" cy="900113"/>
+          </a:xfrm>
+        </p:spPr>
+        <p:txBody>
+          <a:bodyPr>
+            <a:normAutofit/>
+          </a:bodyPr>
+          <a:lstStyle/>
+          <a:p>
+            <a:r>
+              <a:rPr lang="hr-HR" sz="2500" dirty="0">
+                <a:latin typeface="Tahoma" panose="020B0604030504040204" pitchFamily="34" charset="0"/>
+                <a:ea typeface="Tahoma" panose="020B0604030504040204" pitchFamily="34" charset="0"/>
+                <a:cs typeface="Tahoma" panose="020B0604030504040204" pitchFamily="34" charset="0"/>
+              </a:rPr>
+              <a:t>4.2 Trening i evaluacija – slučajna šuma</a:t>
+            </a:r>
+            <a:endParaRPr lang="en-GB" sz="2500" dirty="0">
+              <a:latin typeface="Tahoma" panose="020B0604030504040204" pitchFamily="34" charset="0"/>
+              <a:ea typeface="Tahoma" panose="020B0604030504040204" pitchFamily="34" charset="0"/>
+              <a:cs typeface="Tahoma" panose="020B0604030504040204" pitchFamily="34" charset="0"/>
+            </a:endParaRPr>
+          </a:p>
+        </p:txBody>
+      </p:sp>
+      <p:pic>
+        <p:nvPicPr>
+          <p:cNvPr id="3" name="Slika 2">
+            <a:extLst>
+              <a:ext uri="{FF2B5EF4-FFF2-40B4-BE49-F238E27FC236}">
+                <a16:creationId xmlns:a16="http://schemas.microsoft.com/office/drawing/2014/main" id="{2CBD7552-97BC-EEB5-CDA1-9B25B09222C7}"/>
+              </a:ext>
+            </a:extLst>
+          </p:cNvPr>
+          <p:cNvPicPr>
+            <a:picLocks noChangeAspect="1"/>
+          </p:cNvPicPr>
+          <p:nvPr/>
+        </p:nvPicPr>
+        <p:blipFill>
+          <a:blip r:embed="rId2"/>
+          <a:stretch>
+            <a:fillRect/>
+          </a:stretch>
+        </p:blipFill>
+        <p:spPr>
+          <a:xfrm>
+            <a:off x="572375" y="1694635"/>
+            <a:ext cx="10647122" cy="3652868"/>
+          </a:xfrm>
+          <a:prstGeom prst="rect">
+            <a:avLst/>
+          </a:prstGeom>
+        </p:spPr>
+      </p:pic>
+    </p:spTree>
+    <p:extLst>
+      <p:ext uri="{BB962C8B-B14F-4D97-AF65-F5344CB8AC3E}">
+        <p14:creationId xmlns:p14="http://schemas.microsoft.com/office/powerpoint/2010/main" val="2979656619"/>
+      </p:ext>
+    </p:extLst>
+  </p:cSld>
+  <p:clrMapOvr>
+    <a:masterClrMapping/>
+  </p:clrMapOvr>
+</p:sld>
+</file>
+
+<file path=ppt/slides/slide15.xml><?xml version="1.0" encoding="utf-8"?>
+<p:sld xmlns:a="http://schemas.openxmlformats.org/drawingml/2006/main" xmlns:r="http://schemas.openxmlformats.org/officeDocument/2006/relationships" xmlns:p="http://schemas.openxmlformats.org/presentationml/2006/main">
+  <p:cSld>
+    <p:spTree>
+      <p:nvGrpSpPr>
+        <p:cNvPr id="1" name=""/>
+        <p:cNvGrpSpPr/>
+        <p:nvPr/>
+      </p:nvGrpSpPr>
+      <p:grpSpPr>
+        <a:xfrm>
+          <a:off x="0" y="0"/>
+          <a:ext cx="0" cy="0"/>
+          <a:chOff x="0" y="0"/>
+          <a:chExt cx="0" cy="0"/>
+        </a:xfrm>
+      </p:grpSpPr>
+      <p:sp>
+        <p:nvSpPr>
+          <p:cNvPr id="6" name="Rezervirano mjesto broja slajda 5">
+            <a:extLst>
+              <a:ext uri="{FF2B5EF4-FFF2-40B4-BE49-F238E27FC236}">
+                <a16:creationId xmlns:a16="http://schemas.microsoft.com/office/drawing/2014/main" id="{CDD5E599-7B02-97C0-173F-B2F9249DD5BF}"/>
+              </a:ext>
+            </a:extLst>
+          </p:cNvPr>
+          <p:cNvSpPr>
+            <a:spLocks noGrp="1"/>
+          </p:cNvSpPr>
+          <p:nvPr>
+            <p:ph type="sldNum" sz="quarter" idx="12"/>
+          </p:nvPr>
+        </p:nvSpPr>
+        <p:spPr/>
+        <p:txBody>
+          <a:bodyPr/>
+          <a:lstStyle/>
+          <a:p>
+            <a:pPr rtl="0"/>
+            <a:fld id="{B5CEABB6-07DC-46E8-9B57-56EC44A396E5}" type="slidenum">
+              <a:rPr lang="en-GB" noProof="0" smtClean="0"/>
+              <a:t>15</a:t>
+            </a:fld>
+            <a:endParaRPr lang="en-GB" noProof="0"/>
+          </a:p>
+        </p:txBody>
+      </p:sp>
+      <p:sp>
+        <p:nvSpPr>
+          <p:cNvPr id="9" name="Naslov 1">
+            <a:extLst>
+              <a:ext uri="{FF2B5EF4-FFF2-40B4-BE49-F238E27FC236}">
+                <a16:creationId xmlns:a16="http://schemas.microsoft.com/office/drawing/2014/main" id="{2327BA74-9820-D54D-7BAF-7A7C67D4880D}"/>
+              </a:ext>
+            </a:extLst>
+          </p:cNvPr>
+          <p:cNvSpPr>
+            <a:spLocks noGrp="1"/>
+          </p:cNvSpPr>
+          <p:nvPr>
+            <p:ph type="title"/>
+          </p:nvPr>
+        </p:nvSpPr>
+        <p:spPr>
+          <a:xfrm>
+            <a:off x="437951" y="501649"/>
+            <a:ext cx="8401358" cy="900113"/>
+          </a:xfrm>
+        </p:spPr>
+        <p:txBody>
+          <a:bodyPr>
+            <a:normAutofit/>
+          </a:bodyPr>
+          <a:lstStyle/>
+          <a:p>
+            <a:r>
+              <a:rPr lang="hr-HR" sz="2500" dirty="0">
+                <a:latin typeface="Tahoma" panose="020B0604030504040204" pitchFamily="34" charset="0"/>
+                <a:ea typeface="Tahoma" panose="020B0604030504040204" pitchFamily="34" charset="0"/>
+                <a:cs typeface="Tahoma" panose="020B0604030504040204" pitchFamily="34" charset="0"/>
+              </a:rPr>
+              <a:t>4.3 Trening i evaluacija – stroj potpornih vektora</a:t>
+            </a:r>
+            <a:endParaRPr lang="en-GB" sz="2500" dirty="0">
+              <a:latin typeface="Tahoma" panose="020B0604030504040204" pitchFamily="34" charset="0"/>
+              <a:ea typeface="Tahoma" panose="020B0604030504040204" pitchFamily="34" charset="0"/>
+              <a:cs typeface="Tahoma" panose="020B0604030504040204" pitchFamily="34" charset="0"/>
+            </a:endParaRPr>
+          </a:p>
+        </p:txBody>
+      </p:sp>
+      <p:pic>
+        <p:nvPicPr>
+          <p:cNvPr id="3" name="Slika 2">
+            <a:extLst>
+              <a:ext uri="{FF2B5EF4-FFF2-40B4-BE49-F238E27FC236}">
+                <a16:creationId xmlns:a16="http://schemas.microsoft.com/office/drawing/2014/main" id="{CECFEDF0-B578-3C75-32AB-4E00B91BA97D}"/>
+              </a:ext>
+            </a:extLst>
+          </p:cNvPr>
+          <p:cNvPicPr>
+            <a:picLocks noChangeAspect="1"/>
+          </p:cNvPicPr>
+          <p:nvPr/>
+        </p:nvPicPr>
+        <p:blipFill>
+          <a:blip r:embed="rId2"/>
+          <a:stretch>
+            <a:fillRect/>
+          </a:stretch>
+        </p:blipFill>
+        <p:spPr>
+          <a:xfrm>
+            <a:off x="623146" y="1838094"/>
+            <a:ext cx="10586754" cy="3181811"/>
+          </a:xfrm>
+          <a:prstGeom prst="rect">
+            <a:avLst/>
+          </a:prstGeom>
+        </p:spPr>
+      </p:pic>
+    </p:spTree>
+    <p:extLst>
+      <p:ext uri="{BB962C8B-B14F-4D97-AF65-F5344CB8AC3E}">
+        <p14:creationId xmlns:p14="http://schemas.microsoft.com/office/powerpoint/2010/main" val="2269604401"/>
+      </p:ext>
+    </p:extLst>
+  </p:cSld>
+  <p:clrMapOvr>
+    <a:masterClrMapping/>
+  </p:clrMapOvr>
+</p:sld>
+</file>
+
+<file path=ppt/slides/slide16.xml><?xml version="1.0" encoding="utf-8"?>
+<p:sld xmlns:a="http://schemas.openxmlformats.org/drawingml/2006/main" xmlns:r="http://schemas.openxmlformats.org/officeDocument/2006/relationships" xmlns:p="http://schemas.openxmlformats.org/presentationml/2006/main">
+  <p:cSld>
+    <p:spTree>
+      <p:nvGrpSpPr>
+        <p:cNvPr id="1" name=""/>
+        <p:cNvGrpSpPr/>
+        <p:nvPr/>
+      </p:nvGrpSpPr>
+      <p:grpSpPr>
+        <a:xfrm>
+          <a:off x="0" y="0"/>
+          <a:ext cx="0" cy="0"/>
+          <a:chOff x="0" y="0"/>
+          <a:chExt cx="0" cy="0"/>
+        </a:xfrm>
+      </p:grpSpPr>
+      <p:sp>
+        <p:nvSpPr>
+          <p:cNvPr id="2" name="Title 1">
+            <a:extLst>
+              <a:ext uri="{FF2B5EF4-FFF2-40B4-BE49-F238E27FC236}">
+                <a16:creationId xmlns:a16="http://schemas.microsoft.com/office/drawing/2014/main" id="{38FFA191-5CCC-43CB-BD83-4F80ED362608}"/>
+              </a:ext>
+            </a:extLst>
+          </p:cNvPr>
+          <p:cNvSpPr>
+            <a:spLocks noGrp="1"/>
+          </p:cNvSpPr>
+          <p:nvPr>
+            <p:ph type="title"/>
+          </p:nvPr>
+        </p:nvSpPr>
+        <p:spPr>
+          <a:xfrm>
+            <a:off x="5476875" y="1671639"/>
+            <a:ext cx="5111750" cy="1204912"/>
+          </a:xfrm>
+        </p:spPr>
+        <p:txBody>
+          <a:bodyPr rtlCol="0"/>
+          <a:lstStyle/>
+          <a:p>
+            <a:pPr rtl="0"/>
+            <a:r>
+              <a:rPr lang="en-GB"/>
+              <a:t>SUMMARY</a:t>
+            </a:r>
+          </a:p>
+        </p:txBody>
+      </p:sp>
+      <p:sp>
+        <p:nvSpPr>
+          <p:cNvPr id="3" name="Content Placeholder 2">
+            <a:extLst>
+              <a:ext uri="{FF2B5EF4-FFF2-40B4-BE49-F238E27FC236}">
+                <a16:creationId xmlns:a16="http://schemas.microsoft.com/office/drawing/2014/main" id="{E14BBEAF-B516-45F4-9EF6-A9F65111580F}"/>
+              </a:ext>
+            </a:extLst>
+          </p:cNvPr>
+          <p:cNvSpPr>
+            <a:spLocks noGrp="1"/>
+          </p:cNvSpPr>
+          <p:nvPr>
+            <p:ph type="body" idx="1"/>
+          </p:nvPr>
+        </p:nvSpPr>
+        <p:spPr>
+          <a:xfrm>
+            <a:off x="5476875" y="3682546"/>
+            <a:ext cx="5111750" cy="1525588"/>
+          </a:xfrm>
+        </p:spPr>
+        <p:txBody>
+          <a:bodyPr vert="horz" lIns="91440" tIns="45720" rIns="91440" bIns="45720" rtlCol="0" anchor="b">
+            <a:normAutofit/>
+          </a:bodyPr>
+          <a:lstStyle/>
+          <a:p>
+            <a:pPr rtl="0"/>
+            <a:r>
+              <a:rPr lang="en-GB" dirty="0"/>
+              <a:t>At Contoso, we believe in giving 110%. By using our next-generation data architecture, we help organisations virtually manage agile workflows. We thrive because of our market knowledge and great team behind our product. As our CEO says, "Efficiencies will come from proactively transforming how we do business.”</a:t>
+            </a:r>
+          </a:p>
+        </p:txBody>
+      </p:sp>
+      <p:sp>
+        <p:nvSpPr>
+          <p:cNvPr id="4" name="Date Placeholder 3">
+            <a:extLst>
+              <a:ext uri="{FF2B5EF4-FFF2-40B4-BE49-F238E27FC236}">
+                <a16:creationId xmlns:a16="http://schemas.microsoft.com/office/drawing/2014/main" id="{13F8C8B5-F6EC-489B-BD0F-CD89A73CAB3A}"/>
+              </a:ext>
+            </a:extLst>
+          </p:cNvPr>
+          <p:cNvSpPr>
+            <a:spLocks noGrp="1"/>
+          </p:cNvSpPr>
+          <p:nvPr>
+            <p:ph type="dt" sz="half" idx="10"/>
+          </p:nvPr>
+        </p:nvSpPr>
+        <p:spPr>
+          <a:xfrm>
+            <a:off x="838200" y="6356350"/>
+            <a:ext cx="2743200" cy="365125"/>
+          </a:xfrm>
+        </p:spPr>
+        <p:txBody>
+          <a:bodyPr rtlCol="0"/>
+          <a:lstStyle/>
+          <a:p>
+            <a:pPr rtl="0"/>
+            <a:r>
+              <a:rPr lang="en-GB"/>
+              <a:t>20XX</a:t>
+            </a:r>
+          </a:p>
+        </p:txBody>
+      </p:sp>
+      <p:sp>
+        <p:nvSpPr>
+          <p:cNvPr id="5" name="Footer Placeholder 4">
+            <a:extLst>
+              <a:ext uri="{FF2B5EF4-FFF2-40B4-BE49-F238E27FC236}">
+                <a16:creationId xmlns:a16="http://schemas.microsoft.com/office/drawing/2014/main" id="{11AEA823-8519-4F9D-81FA-3673131076FC}"/>
+              </a:ext>
+            </a:extLst>
+          </p:cNvPr>
+          <p:cNvSpPr>
+            <a:spLocks noGrp="1"/>
+          </p:cNvSpPr>
+          <p:nvPr>
+            <p:ph type="ftr" sz="quarter" idx="11"/>
+          </p:nvPr>
+        </p:nvSpPr>
+        <p:spPr>
+          <a:xfrm>
+            <a:off x="4038600" y="6356350"/>
+            <a:ext cx="4114800" cy="365125"/>
+          </a:xfrm>
+        </p:spPr>
+        <p:txBody>
+          <a:bodyPr rtlCol="0"/>
+          <a:lstStyle/>
+          <a:p>
+            <a:pPr rtl="0"/>
+            <a:r>
+              <a:rPr lang="en-GB"/>
+              <a:t>Pitch Deck</a:t>
+            </a:r>
+          </a:p>
+        </p:txBody>
+      </p:sp>
+      <p:sp>
+        <p:nvSpPr>
+          <p:cNvPr id="6" name="Slide Number Placeholder 5">
+            <a:extLst>
+              <a:ext uri="{FF2B5EF4-FFF2-40B4-BE49-F238E27FC236}">
+                <a16:creationId xmlns:a16="http://schemas.microsoft.com/office/drawing/2014/main" id="{BAEFF51B-0E28-4171-AE7C-A31AAB42BC73}"/>
+              </a:ext>
+            </a:extLst>
+          </p:cNvPr>
+          <p:cNvSpPr>
+            <a:spLocks noGrp="1"/>
+          </p:cNvSpPr>
+          <p:nvPr>
+            <p:ph type="sldNum" sz="quarter" idx="12"/>
+          </p:nvPr>
+        </p:nvSpPr>
+        <p:spPr>
+          <a:xfrm>
+            <a:off x="8610600" y="6356350"/>
+            <a:ext cx="2743200" cy="365125"/>
+          </a:xfrm>
+        </p:spPr>
+        <p:txBody>
+          <a:bodyPr rtlCol="0"/>
+          <a:lstStyle/>
+          <a:p>
+            <a:pPr rtl="0"/>
+            <a:fld id="{B5CEABB6-07DC-46E8-9B57-56EC44A396E5}" type="slidenum">
+              <a:rPr lang="en-GB" smtClean="0"/>
+              <a:pPr rtl="0"/>
+              <a:t>16</a:t>
+            </a:fld>
+            <a:endParaRPr lang="en-GB"/>
+          </a:p>
+        </p:txBody>
+      </p:sp>
+    </p:spTree>
+    <p:extLst>
+      <p:ext uri="{BB962C8B-B14F-4D97-AF65-F5344CB8AC3E}">
+        <p14:creationId xmlns:p14="http://schemas.microsoft.com/office/powerpoint/2010/main" val="920173932"/>
+      </p:ext>
+    </p:extLst>
+  </p:cSld>
+  <p:clrMapOvr>
+    <a:masterClrMapping/>
+  </p:clrMapOvr>
+</p:sld>
+</file>
+
+<file path=ppt/slides/slide17.xml><?xml version="1.0" encoding="utf-8"?>
+<p:sld xmlns:a="http://schemas.openxmlformats.org/drawingml/2006/main" xmlns:r="http://schemas.openxmlformats.org/officeDocument/2006/relationships" xmlns:p="http://schemas.openxmlformats.org/presentationml/2006/main">
+  <p:cSld>
+    <p:spTree>
+      <p:nvGrpSpPr>
+        <p:cNvPr id="1" name=""/>
+        <p:cNvGrpSpPr/>
+        <p:nvPr/>
+      </p:nvGrpSpPr>
+      <p:grpSpPr>
+        <a:xfrm>
+          <a:off x="0" y="0"/>
+          <a:ext cx="0" cy="0"/>
+          <a:chOff x="0" y="0"/>
+          <a:chExt cx="0" cy="0"/>
+        </a:xfrm>
+      </p:grpSpPr>
+      <p:sp>
+        <p:nvSpPr>
+          <p:cNvPr id="2" name="Title 1">
+            <a:extLst>
+              <a:ext uri="{FF2B5EF4-FFF2-40B4-BE49-F238E27FC236}">
+                <a16:creationId xmlns:a16="http://schemas.microsoft.com/office/drawing/2014/main" id="{BCCAEE93-8585-46D4-A7EC-F184E317CB2E}"/>
+              </a:ext>
+            </a:extLst>
+          </p:cNvPr>
+          <p:cNvSpPr>
+            <a:spLocks noGrp="1"/>
+          </p:cNvSpPr>
+          <p:nvPr>
+            <p:ph type="ctrTitle"/>
+          </p:nvPr>
+        </p:nvSpPr>
+        <p:spPr>
+          <a:xfrm>
+            <a:off x="4267200" y="1615736"/>
+            <a:ext cx="4179570" cy="1524735"/>
+          </a:xfrm>
+        </p:spPr>
+        <p:txBody>
+          <a:bodyPr rtlCol="0"/>
+          <a:lstStyle/>
+          <a:p>
+            <a:pPr rtl="0"/>
+            <a:r>
+              <a:rPr lang="en-GB"/>
+              <a:t>THANK YOU</a:t>
+            </a:r>
+          </a:p>
+        </p:txBody>
+      </p:sp>
+      <p:sp>
+        <p:nvSpPr>
+          <p:cNvPr id="3" name="Content Placeholder 2">
+            <a:extLst>
+              <a:ext uri="{FF2B5EF4-FFF2-40B4-BE49-F238E27FC236}">
+                <a16:creationId xmlns:a16="http://schemas.microsoft.com/office/drawing/2014/main" id="{24AFFC60-19C3-4901-93F7-7AAF4C09F8C6}"/>
+              </a:ext>
+            </a:extLst>
+          </p:cNvPr>
+          <p:cNvSpPr>
+            <a:spLocks noGrp="1"/>
+          </p:cNvSpPr>
+          <p:nvPr>
+            <p:ph type="subTitle" idx="1"/>
+          </p:nvPr>
+        </p:nvSpPr>
+        <p:spPr>
+          <a:xfrm>
+            <a:off x="4267200" y="3238103"/>
+            <a:ext cx="4179570" cy="2004161"/>
+          </a:xfrm>
+        </p:spPr>
+        <p:txBody>
+          <a:bodyPr rtlCol="0">
+            <a:normAutofit/>
+          </a:bodyPr>
+          <a:lstStyle/>
+          <a:p>
+            <a:pPr rtl="0"/>
+            <a:r>
+              <a:rPr lang="en-GB"/>
+              <a:t>Mirjam Nilsson​</a:t>
+            </a:r>
+          </a:p>
+          <a:p>
+            <a:pPr rtl="0"/>
+            <a:r>
+              <a:rPr lang="en-GB"/>
+              <a:t>206-555-0146</a:t>
+            </a:r>
+          </a:p>
+          <a:p>
+            <a:pPr rtl="0"/>
+            <a:r>
+              <a:rPr lang="en-GB"/>
+              <a:t>mirjam@contoso.com</a:t>
+            </a:r>
+          </a:p>
+          <a:p>
+            <a:pPr rtl="0"/>
+            <a:r>
+              <a:rPr lang="en-GB"/>
+              <a:t>www.contoso.com</a:t>
+            </a:r>
+          </a:p>
+        </p:txBody>
+      </p:sp>
+      <p:sp>
+        <p:nvSpPr>
+          <p:cNvPr id="4" name="Date Placeholder 3">
+            <a:extLst>
+              <a:ext uri="{FF2B5EF4-FFF2-40B4-BE49-F238E27FC236}">
+                <a16:creationId xmlns:a16="http://schemas.microsoft.com/office/drawing/2014/main" id="{72DA7980-C870-4C9A-84FA-4120D8AF5DE8}"/>
+              </a:ext>
+            </a:extLst>
+          </p:cNvPr>
+          <p:cNvSpPr>
+            <a:spLocks noGrp="1"/>
+          </p:cNvSpPr>
+          <p:nvPr>
+            <p:ph type="dt" sz="half" idx="10"/>
+          </p:nvPr>
+        </p:nvSpPr>
+        <p:spPr>
+          <a:xfrm>
+            <a:off x="4267200" y="6356350"/>
+            <a:ext cx="1774371" cy="365125"/>
+          </a:xfrm>
+        </p:spPr>
+        <p:txBody>
+          <a:bodyPr rtlCol="0"/>
+          <a:lstStyle/>
+          <a:p>
+            <a:pPr rtl="0"/>
+            <a:r>
+              <a:rPr lang="en-GB"/>
+              <a:t>20XX</a:t>
+            </a:r>
+          </a:p>
+        </p:txBody>
+      </p:sp>
+      <p:sp>
+        <p:nvSpPr>
+          <p:cNvPr id="5" name="Footer Placeholder 4">
+            <a:extLst>
+              <a:ext uri="{FF2B5EF4-FFF2-40B4-BE49-F238E27FC236}">
+                <a16:creationId xmlns:a16="http://schemas.microsoft.com/office/drawing/2014/main" id="{0DFADE42-1A3F-40C8-A071-E57644F3D843}"/>
+              </a:ext>
+            </a:extLst>
+          </p:cNvPr>
+          <p:cNvSpPr>
+            <a:spLocks noGrp="1"/>
+          </p:cNvSpPr>
+          <p:nvPr>
+            <p:ph type="ftr" sz="quarter" idx="11"/>
+          </p:nvPr>
+        </p:nvSpPr>
+        <p:spPr>
+          <a:xfrm>
+            <a:off x="6479721" y="6356350"/>
+            <a:ext cx="2661557" cy="365125"/>
+          </a:xfrm>
+        </p:spPr>
+        <p:txBody>
+          <a:bodyPr rtlCol="0"/>
+          <a:lstStyle/>
+          <a:p>
+            <a:pPr rtl="0"/>
+            <a:r>
+              <a:rPr lang="en-GB"/>
+              <a:t>Pitch Deck</a:t>
+            </a:r>
+          </a:p>
+        </p:txBody>
+      </p:sp>
+      <p:sp>
+        <p:nvSpPr>
+          <p:cNvPr id="6" name="Slide Number Placeholder 5">
+            <a:extLst>
+              <a:ext uri="{FF2B5EF4-FFF2-40B4-BE49-F238E27FC236}">
+                <a16:creationId xmlns:a16="http://schemas.microsoft.com/office/drawing/2014/main" id="{5EDCFF82-B70F-4971-9182-7C3AEA3CFD26}"/>
+              </a:ext>
+            </a:extLst>
+          </p:cNvPr>
+          <p:cNvSpPr>
+            <a:spLocks noGrp="1"/>
+          </p:cNvSpPr>
+          <p:nvPr>
+            <p:ph type="sldNum" sz="quarter" idx="12"/>
+          </p:nvPr>
+        </p:nvSpPr>
+        <p:spPr>
+          <a:xfrm>
+            <a:off x="9579428" y="6356350"/>
+            <a:ext cx="1774371" cy="365125"/>
+          </a:xfrm>
+        </p:spPr>
+        <p:txBody>
+          <a:bodyPr rtlCol="0"/>
+          <a:lstStyle/>
+          <a:p>
+            <a:pPr rtl="0"/>
+            <a:fld id="{B5CEABB6-07DC-46E8-9B57-56EC44A396E5}" type="slidenum">
+              <a:rPr lang="en-GB" smtClean="0"/>
+              <a:pPr rtl="0"/>
+              <a:t>17</a:t>
+            </a:fld>
+            <a:endParaRPr lang="en-GB"/>
+          </a:p>
+        </p:txBody>
+      </p:sp>
+    </p:spTree>
+    <p:extLst>
+      <p:ext uri="{BB962C8B-B14F-4D97-AF65-F5344CB8AC3E}">
+        <p14:creationId xmlns:p14="http://schemas.microsoft.com/office/powerpoint/2010/main" val="2436493926"/>
+      </p:ext>
+    </p:extLst>
+  </p:cSld>
+  <p:clrMapOvr>
+    <a:masterClrMapping/>
+  </p:clrMapOvr>
+</p:sld>
+</file>
+
 <file path=ppt/slides/slide2.xml><?xml version="1.0" encoding="utf-8"?>
 <p:sld xmlns:a="http://schemas.openxmlformats.org/drawingml/2006/main" xmlns:r="http://schemas.openxmlformats.org/officeDocument/2006/relationships" xmlns:p="http://schemas.openxmlformats.org/presentationml/2006/main">
   <p:cSld>
@@ -17517,540 +18965,10 @@
       </p:grpSpPr>
       <p:sp>
         <p:nvSpPr>
-          <p:cNvPr id="2" name="Naslov 1">
-            <a:extLst>
-              <a:ext uri="{FF2B5EF4-FFF2-40B4-BE49-F238E27FC236}">
-                <a16:creationId xmlns:a16="http://schemas.microsoft.com/office/drawing/2014/main" id="{50D5155D-22D9-FD7D-BAD2-29A55EDBE3B6}"/>
-              </a:ext>
-            </a:extLst>
-          </p:cNvPr>
-          <p:cNvSpPr>
-            <a:spLocks noGrp="1"/>
-          </p:cNvSpPr>
-          <p:nvPr>
-            <p:ph type="title"/>
-          </p:nvPr>
-        </p:nvSpPr>
-        <p:spPr>
-          <a:xfrm>
-            <a:off x="644320" y="784888"/>
-            <a:ext cx="5111750" cy="693790"/>
-          </a:xfrm>
-        </p:spPr>
-        <p:txBody>
-          <a:bodyPr>
-            <a:normAutofit/>
-          </a:bodyPr>
-          <a:lstStyle/>
-          <a:p>
-            <a:r>
-              <a:rPr lang="hr-HR" sz="3500" dirty="0">
-                <a:latin typeface="Tahoma" panose="020B0604030504040204" pitchFamily="34" charset="0"/>
-                <a:ea typeface="Tahoma" panose="020B0604030504040204" pitchFamily="34" charset="0"/>
-                <a:cs typeface="Tahoma" panose="020B0604030504040204" pitchFamily="34" charset="0"/>
-              </a:rPr>
-              <a:t>Strojno učenje</a:t>
-            </a:r>
-            <a:endParaRPr lang="en-GB" sz="3500" dirty="0">
-              <a:latin typeface="Tahoma" panose="020B0604030504040204" pitchFamily="34" charset="0"/>
-              <a:ea typeface="Tahoma" panose="020B0604030504040204" pitchFamily="34" charset="0"/>
-              <a:cs typeface="Tahoma" panose="020B0604030504040204" pitchFamily="34" charset="0"/>
-            </a:endParaRPr>
-          </a:p>
-        </p:txBody>
-      </p:sp>
-      <p:sp>
-        <p:nvSpPr>
-          <p:cNvPr id="3" name="Rezervirano mjesto teksta 2">
-            <a:extLst>
-              <a:ext uri="{FF2B5EF4-FFF2-40B4-BE49-F238E27FC236}">
-                <a16:creationId xmlns:a16="http://schemas.microsoft.com/office/drawing/2014/main" id="{AF3D3C3F-086D-36C8-1837-A84CC6070DF5}"/>
-              </a:ext>
-            </a:extLst>
-          </p:cNvPr>
-          <p:cNvSpPr>
-            <a:spLocks noGrp="1"/>
-          </p:cNvSpPr>
-          <p:nvPr>
-            <p:ph type="body" idx="1"/>
-          </p:nvPr>
-        </p:nvSpPr>
-        <p:spPr>
-          <a:xfrm>
-            <a:off x="644320" y="1762971"/>
-            <a:ext cx="8229599" cy="4153259"/>
-          </a:xfrm>
-        </p:spPr>
-        <p:txBody>
-          <a:bodyPr>
-            <a:normAutofit/>
-          </a:bodyPr>
-          <a:lstStyle/>
-          <a:p>
-            <a:pPr marL="342900" indent="-342900">
-              <a:buFont typeface="Arial" panose="020B0604020202020204" pitchFamily="34" charset="0"/>
-              <a:buChar char="•"/>
-            </a:pPr>
-            <a:r>
-              <a:rPr lang="hr-HR" sz="2500" dirty="0">
-                <a:latin typeface="Tahoma" panose="020B0604030504040204" pitchFamily="34" charset="0"/>
-                <a:ea typeface="Tahoma" panose="020B0604030504040204" pitchFamily="34" charset="0"/>
-                <a:cs typeface="Tahoma" panose="020B0604030504040204" pitchFamily="34" charset="0"/>
-              </a:rPr>
-              <a:t>G</a:t>
-            </a:r>
-            <a:r>
-              <a:rPr lang="en-GB" sz="2500" dirty="0">
-                <a:latin typeface="Tahoma" panose="020B0604030504040204" pitchFamily="34" charset="0"/>
-                <a:ea typeface="Tahoma" panose="020B0604030504040204" pitchFamily="34" charset="0"/>
-                <a:cs typeface="Tahoma" panose="020B0604030504040204" pitchFamily="34" charset="0"/>
-              </a:rPr>
-              <a:t>rana </a:t>
-            </a:r>
-            <a:r>
-              <a:rPr lang="en-GB" sz="2500" dirty="0" err="1">
-                <a:latin typeface="Tahoma" panose="020B0604030504040204" pitchFamily="34" charset="0"/>
-                <a:ea typeface="Tahoma" panose="020B0604030504040204" pitchFamily="34" charset="0"/>
-                <a:cs typeface="Tahoma" panose="020B0604030504040204" pitchFamily="34" charset="0"/>
-              </a:rPr>
-              <a:t>umjetne</a:t>
-            </a:r>
-            <a:r>
-              <a:rPr lang="en-GB" sz="2500" dirty="0">
-                <a:latin typeface="Tahoma" panose="020B0604030504040204" pitchFamily="34" charset="0"/>
-                <a:ea typeface="Tahoma" panose="020B0604030504040204" pitchFamily="34" charset="0"/>
-                <a:cs typeface="Tahoma" panose="020B0604030504040204" pitchFamily="34" charset="0"/>
-              </a:rPr>
-              <a:t> </a:t>
-            </a:r>
-            <a:r>
-              <a:rPr lang="en-GB" sz="2500" dirty="0" err="1">
-                <a:latin typeface="Tahoma" panose="020B0604030504040204" pitchFamily="34" charset="0"/>
-                <a:ea typeface="Tahoma" panose="020B0604030504040204" pitchFamily="34" charset="0"/>
-                <a:cs typeface="Tahoma" panose="020B0604030504040204" pitchFamily="34" charset="0"/>
-              </a:rPr>
-              <a:t>inteligencije</a:t>
-            </a:r>
-            <a:r>
-              <a:rPr lang="en-GB" sz="2500" dirty="0">
-                <a:latin typeface="Tahoma" panose="020B0604030504040204" pitchFamily="34" charset="0"/>
-                <a:ea typeface="Tahoma" panose="020B0604030504040204" pitchFamily="34" charset="0"/>
-                <a:cs typeface="Tahoma" panose="020B0604030504040204" pitchFamily="34" charset="0"/>
-              </a:rPr>
-              <a:t> </a:t>
-            </a:r>
-            <a:r>
-              <a:rPr lang="en-GB" sz="2500" dirty="0" err="1">
-                <a:latin typeface="Tahoma" panose="020B0604030504040204" pitchFamily="34" charset="0"/>
-                <a:ea typeface="Tahoma" panose="020B0604030504040204" pitchFamily="34" charset="0"/>
-                <a:cs typeface="Tahoma" panose="020B0604030504040204" pitchFamily="34" charset="0"/>
-              </a:rPr>
-              <a:t>koja</a:t>
-            </a:r>
-            <a:r>
-              <a:rPr lang="en-GB" sz="2500" dirty="0">
-                <a:latin typeface="Tahoma" panose="020B0604030504040204" pitchFamily="34" charset="0"/>
-                <a:ea typeface="Tahoma" panose="020B0604030504040204" pitchFamily="34" charset="0"/>
-                <a:cs typeface="Tahoma" panose="020B0604030504040204" pitchFamily="34" charset="0"/>
-              </a:rPr>
-              <a:t> se </a:t>
-            </a:r>
-            <a:r>
-              <a:rPr lang="en-GB" sz="2500" dirty="0" err="1">
-                <a:latin typeface="Tahoma" panose="020B0604030504040204" pitchFamily="34" charset="0"/>
-                <a:ea typeface="Tahoma" panose="020B0604030504040204" pitchFamily="34" charset="0"/>
-                <a:cs typeface="Tahoma" panose="020B0604030504040204" pitchFamily="34" charset="0"/>
-              </a:rPr>
-              <a:t>temelji</a:t>
-            </a:r>
-            <a:r>
-              <a:rPr lang="en-GB" sz="2500" dirty="0">
-                <a:latin typeface="Tahoma" panose="020B0604030504040204" pitchFamily="34" charset="0"/>
-                <a:ea typeface="Tahoma" panose="020B0604030504040204" pitchFamily="34" charset="0"/>
-                <a:cs typeface="Tahoma" panose="020B0604030504040204" pitchFamily="34" charset="0"/>
-              </a:rPr>
-              <a:t> </a:t>
-            </a:r>
-            <a:r>
-              <a:rPr lang="en-GB" sz="2500" dirty="0" err="1">
-                <a:latin typeface="Tahoma" panose="020B0604030504040204" pitchFamily="34" charset="0"/>
-                <a:ea typeface="Tahoma" panose="020B0604030504040204" pitchFamily="34" charset="0"/>
-                <a:cs typeface="Tahoma" panose="020B0604030504040204" pitchFamily="34" charset="0"/>
-              </a:rPr>
-              <a:t>na</a:t>
-            </a:r>
-            <a:r>
-              <a:rPr lang="en-GB" sz="2500" dirty="0">
-                <a:latin typeface="Tahoma" panose="020B0604030504040204" pitchFamily="34" charset="0"/>
-                <a:ea typeface="Tahoma" panose="020B0604030504040204" pitchFamily="34" charset="0"/>
-                <a:cs typeface="Tahoma" panose="020B0604030504040204" pitchFamily="34" charset="0"/>
-              </a:rPr>
-              <a:t> </a:t>
-            </a:r>
-            <a:r>
-              <a:rPr lang="en-GB" sz="2500" dirty="0" err="1">
-                <a:latin typeface="Tahoma" panose="020B0604030504040204" pitchFamily="34" charset="0"/>
-                <a:ea typeface="Tahoma" panose="020B0604030504040204" pitchFamily="34" charset="0"/>
-                <a:cs typeface="Tahoma" panose="020B0604030504040204" pitchFamily="34" charset="0"/>
-              </a:rPr>
-              <a:t>razvijanju</a:t>
-            </a:r>
-            <a:r>
-              <a:rPr lang="en-GB" sz="2500" dirty="0">
-                <a:latin typeface="Tahoma" panose="020B0604030504040204" pitchFamily="34" charset="0"/>
-                <a:ea typeface="Tahoma" panose="020B0604030504040204" pitchFamily="34" charset="0"/>
-                <a:cs typeface="Tahoma" panose="020B0604030504040204" pitchFamily="34" charset="0"/>
-              </a:rPr>
-              <a:t> </a:t>
-            </a:r>
-            <a:r>
-              <a:rPr lang="en-GB" sz="2500" dirty="0" err="1">
-                <a:latin typeface="Tahoma" panose="020B0604030504040204" pitchFamily="34" charset="0"/>
-                <a:ea typeface="Tahoma" panose="020B0604030504040204" pitchFamily="34" charset="0"/>
-                <a:cs typeface="Tahoma" panose="020B0604030504040204" pitchFamily="34" charset="0"/>
-              </a:rPr>
-              <a:t>algoritama</a:t>
-            </a:r>
-            <a:r>
-              <a:rPr lang="en-GB" sz="2500" dirty="0">
-                <a:latin typeface="Tahoma" panose="020B0604030504040204" pitchFamily="34" charset="0"/>
-                <a:ea typeface="Tahoma" panose="020B0604030504040204" pitchFamily="34" charset="0"/>
-                <a:cs typeface="Tahoma" panose="020B0604030504040204" pitchFamily="34" charset="0"/>
-              </a:rPr>
-              <a:t> koji </a:t>
-            </a:r>
-            <a:r>
-              <a:rPr lang="en-GB" sz="2500" dirty="0" err="1">
-                <a:latin typeface="Tahoma" panose="020B0604030504040204" pitchFamily="34" charset="0"/>
-                <a:ea typeface="Tahoma" panose="020B0604030504040204" pitchFamily="34" charset="0"/>
-                <a:cs typeface="Tahoma" panose="020B0604030504040204" pitchFamily="34" charset="0"/>
-              </a:rPr>
-              <a:t>mogu</a:t>
-            </a:r>
-            <a:r>
-              <a:rPr lang="en-GB" sz="2500" dirty="0">
-                <a:latin typeface="Tahoma" panose="020B0604030504040204" pitchFamily="34" charset="0"/>
-                <a:ea typeface="Tahoma" panose="020B0604030504040204" pitchFamily="34" charset="0"/>
-                <a:cs typeface="Tahoma" panose="020B0604030504040204" pitchFamily="34" charset="0"/>
-              </a:rPr>
-              <a:t> </a:t>
-            </a:r>
-            <a:r>
-              <a:rPr lang="en-GB" sz="2500" dirty="0" err="1">
-                <a:latin typeface="Tahoma" panose="020B0604030504040204" pitchFamily="34" charset="0"/>
-                <a:ea typeface="Tahoma" panose="020B0604030504040204" pitchFamily="34" charset="0"/>
-                <a:cs typeface="Tahoma" panose="020B0604030504040204" pitchFamily="34" charset="0"/>
-              </a:rPr>
-              <a:t>učiti</a:t>
-            </a:r>
-            <a:r>
-              <a:rPr lang="en-GB" sz="2500" dirty="0">
-                <a:latin typeface="Tahoma" panose="020B0604030504040204" pitchFamily="34" charset="0"/>
-                <a:ea typeface="Tahoma" panose="020B0604030504040204" pitchFamily="34" charset="0"/>
-                <a:cs typeface="Tahoma" panose="020B0604030504040204" pitchFamily="34" charset="0"/>
-              </a:rPr>
-              <a:t> </a:t>
-            </a:r>
-            <a:r>
-              <a:rPr lang="en-GB" sz="2500" dirty="0" err="1">
-                <a:latin typeface="Tahoma" panose="020B0604030504040204" pitchFamily="34" charset="0"/>
-                <a:ea typeface="Tahoma" panose="020B0604030504040204" pitchFamily="34" charset="0"/>
-                <a:cs typeface="Tahoma" panose="020B0604030504040204" pitchFamily="34" charset="0"/>
-              </a:rPr>
-              <a:t>iz</a:t>
-            </a:r>
-            <a:r>
-              <a:rPr lang="en-GB" sz="2500" dirty="0">
-                <a:latin typeface="Tahoma" panose="020B0604030504040204" pitchFamily="34" charset="0"/>
-                <a:ea typeface="Tahoma" panose="020B0604030504040204" pitchFamily="34" charset="0"/>
-                <a:cs typeface="Tahoma" panose="020B0604030504040204" pitchFamily="34" charset="0"/>
-              </a:rPr>
-              <a:t> </a:t>
-            </a:r>
-            <a:r>
-              <a:rPr lang="en-GB" sz="2500" dirty="0" err="1">
-                <a:latin typeface="Tahoma" panose="020B0604030504040204" pitchFamily="34" charset="0"/>
-                <a:ea typeface="Tahoma" panose="020B0604030504040204" pitchFamily="34" charset="0"/>
-                <a:cs typeface="Tahoma" panose="020B0604030504040204" pitchFamily="34" charset="0"/>
-              </a:rPr>
-              <a:t>podataka</a:t>
-            </a:r>
-            <a:r>
-              <a:rPr lang="en-GB" sz="2500" dirty="0">
-                <a:latin typeface="Tahoma" panose="020B0604030504040204" pitchFamily="34" charset="0"/>
-                <a:ea typeface="Tahoma" panose="020B0604030504040204" pitchFamily="34" charset="0"/>
-                <a:cs typeface="Tahoma" panose="020B0604030504040204" pitchFamily="34" charset="0"/>
-              </a:rPr>
-              <a:t> </a:t>
-            </a:r>
-            <a:r>
-              <a:rPr lang="en-GB" sz="2500" dirty="0" err="1">
-                <a:latin typeface="Tahoma" panose="020B0604030504040204" pitchFamily="34" charset="0"/>
-                <a:ea typeface="Tahoma" panose="020B0604030504040204" pitchFamily="34" charset="0"/>
-                <a:cs typeface="Tahoma" panose="020B0604030504040204" pitchFamily="34" charset="0"/>
-              </a:rPr>
-              <a:t>i</a:t>
-            </a:r>
-            <a:r>
-              <a:rPr lang="en-GB" sz="2500" dirty="0">
-                <a:latin typeface="Tahoma" panose="020B0604030504040204" pitchFamily="34" charset="0"/>
-                <a:ea typeface="Tahoma" panose="020B0604030504040204" pitchFamily="34" charset="0"/>
-                <a:cs typeface="Tahoma" panose="020B0604030504040204" pitchFamily="34" charset="0"/>
-              </a:rPr>
-              <a:t> </a:t>
-            </a:r>
-            <a:r>
-              <a:rPr lang="en-GB" sz="2500" dirty="0" err="1">
-                <a:latin typeface="Tahoma" panose="020B0604030504040204" pitchFamily="34" charset="0"/>
-                <a:ea typeface="Tahoma" panose="020B0604030504040204" pitchFamily="34" charset="0"/>
-                <a:cs typeface="Tahoma" panose="020B0604030504040204" pitchFamily="34" charset="0"/>
-              </a:rPr>
-              <a:t>donositi</a:t>
-            </a:r>
-            <a:r>
-              <a:rPr lang="en-GB" sz="2500" dirty="0">
-                <a:latin typeface="Tahoma" panose="020B0604030504040204" pitchFamily="34" charset="0"/>
-                <a:ea typeface="Tahoma" panose="020B0604030504040204" pitchFamily="34" charset="0"/>
-                <a:cs typeface="Tahoma" panose="020B0604030504040204" pitchFamily="34" charset="0"/>
-              </a:rPr>
-              <a:t> </a:t>
-            </a:r>
-            <a:r>
-              <a:rPr lang="en-GB" sz="2500" dirty="0" err="1">
-                <a:latin typeface="Tahoma" panose="020B0604030504040204" pitchFamily="34" charset="0"/>
-                <a:ea typeface="Tahoma" panose="020B0604030504040204" pitchFamily="34" charset="0"/>
-                <a:cs typeface="Tahoma" panose="020B0604030504040204" pitchFamily="34" charset="0"/>
-              </a:rPr>
-              <a:t>odluke</a:t>
-            </a:r>
-            <a:r>
-              <a:rPr lang="en-GB" sz="2500" dirty="0">
-                <a:latin typeface="Tahoma" panose="020B0604030504040204" pitchFamily="34" charset="0"/>
-                <a:ea typeface="Tahoma" panose="020B0604030504040204" pitchFamily="34" charset="0"/>
-                <a:cs typeface="Tahoma" panose="020B0604030504040204" pitchFamily="34" charset="0"/>
-              </a:rPr>
-              <a:t> </a:t>
-            </a:r>
-            <a:r>
-              <a:rPr lang="en-GB" sz="2500" dirty="0" err="1">
-                <a:latin typeface="Tahoma" panose="020B0604030504040204" pitchFamily="34" charset="0"/>
-                <a:ea typeface="Tahoma" panose="020B0604030504040204" pitchFamily="34" charset="0"/>
-                <a:cs typeface="Tahoma" panose="020B0604030504040204" pitchFamily="34" charset="0"/>
-              </a:rPr>
-              <a:t>na</a:t>
-            </a:r>
-            <a:r>
-              <a:rPr lang="en-GB" sz="2500" dirty="0">
-                <a:latin typeface="Tahoma" panose="020B0604030504040204" pitchFamily="34" charset="0"/>
-                <a:ea typeface="Tahoma" panose="020B0604030504040204" pitchFamily="34" charset="0"/>
-                <a:cs typeface="Tahoma" panose="020B0604030504040204" pitchFamily="34" charset="0"/>
-              </a:rPr>
-              <a:t> </a:t>
-            </a:r>
-            <a:r>
-              <a:rPr lang="en-GB" sz="2500" dirty="0" err="1">
-                <a:latin typeface="Tahoma" panose="020B0604030504040204" pitchFamily="34" charset="0"/>
-                <a:ea typeface="Tahoma" panose="020B0604030504040204" pitchFamily="34" charset="0"/>
-                <a:cs typeface="Tahoma" panose="020B0604030504040204" pitchFamily="34" charset="0"/>
-              </a:rPr>
-              <a:t>temelju</a:t>
-            </a:r>
-            <a:r>
-              <a:rPr lang="en-GB" sz="2500" dirty="0">
-                <a:latin typeface="Tahoma" panose="020B0604030504040204" pitchFamily="34" charset="0"/>
-                <a:ea typeface="Tahoma" panose="020B0604030504040204" pitchFamily="34" charset="0"/>
-                <a:cs typeface="Tahoma" panose="020B0604030504040204" pitchFamily="34" charset="0"/>
-              </a:rPr>
-              <a:t> </a:t>
-            </a:r>
-            <a:r>
-              <a:rPr lang="en-GB" sz="2500" dirty="0" err="1">
-                <a:latin typeface="Tahoma" panose="020B0604030504040204" pitchFamily="34" charset="0"/>
-                <a:ea typeface="Tahoma" panose="020B0604030504040204" pitchFamily="34" charset="0"/>
-                <a:cs typeface="Tahoma" panose="020B0604030504040204" pitchFamily="34" charset="0"/>
-              </a:rPr>
-              <a:t>naučenih</a:t>
-            </a:r>
-            <a:r>
-              <a:rPr lang="en-GB" sz="2500" dirty="0">
-                <a:latin typeface="Tahoma" panose="020B0604030504040204" pitchFamily="34" charset="0"/>
-                <a:ea typeface="Tahoma" panose="020B0604030504040204" pitchFamily="34" charset="0"/>
-                <a:cs typeface="Tahoma" panose="020B0604030504040204" pitchFamily="34" charset="0"/>
-              </a:rPr>
-              <a:t> </a:t>
-            </a:r>
-            <a:r>
-              <a:rPr lang="en-GB" sz="2500" dirty="0" err="1">
-                <a:latin typeface="Tahoma" panose="020B0604030504040204" pitchFamily="34" charset="0"/>
-                <a:ea typeface="Tahoma" panose="020B0604030504040204" pitchFamily="34" charset="0"/>
-                <a:cs typeface="Tahoma" panose="020B0604030504040204" pitchFamily="34" charset="0"/>
-              </a:rPr>
-              <a:t>obrazaca</a:t>
-            </a:r>
-            <a:endParaRPr lang="hr-HR" sz="2500" dirty="0">
-              <a:latin typeface="Tahoma" panose="020B0604030504040204" pitchFamily="34" charset="0"/>
-              <a:ea typeface="Tahoma" panose="020B0604030504040204" pitchFamily="34" charset="0"/>
-              <a:cs typeface="Tahoma" panose="020B0604030504040204" pitchFamily="34" charset="0"/>
-            </a:endParaRPr>
-          </a:p>
-          <a:p>
-            <a:pPr marL="342900" indent="-342900">
-              <a:buFont typeface="Arial" panose="020B0604020202020204" pitchFamily="34" charset="0"/>
-              <a:buChar char="•"/>
-            </a:pPr>
-            <a:r>
-              <a:rPr lang="hr-HR" sz="2500" u="sng" dirty="0">
-                <a:latin typeface="Tahoma" panose="020B0604030504040204" pitchFamily="34" charset="0"/>
-                <a:ea typeface="Tahoma" panose="020B0604030504040204" pitchFamily="34" charset="0"/>
-                <a:cs typeface="Tahoma" panose="020B0604030504040204" pitchFamily="34" charset="0"/>
-              </a:rPr>
-              <a:t>N</a:t>
-            </a:r>
-            <a:r>
-              <a:rPr lang="en-GB" sz="2500" u="sng" dirty="0" err="1">
-                <a:latin typeface="Tahoma" panose="020B0604030504040204" pitchFamily="34" charset="0"/>
-                <a:ea typeface="Tahoma" panose="020B0604030504040204" pitchFamily="34" charset="0"/>
-                <a:cs typeface="Tahoma" panose="020B0604030504040204" pitchFamily="34" charset="0"/>
-              </a:rPr>
-              <a:t>adzirano</a:t>
-            </a:r>
-            <a:r>
-              <a:rPr lang="en-GB" sz="2500" u="sng" dirty="0">
-                <a:latin typeface="Tahoma" panose="020B0604030504040204" pitchFamily="34" charset="0"/>
-                <a:ea typeface="Tahoma" panose="020B0604030504040204" pitchFamily="34" charset="0"/>
-                <a:cs typeface="Tahoma" panose="020B0604030504040204" pitchFamily="34" charset="0"/>
-              </a:rPr>
-              <a:t> </a:t>
-            </a:r>
-            <a:r>
-              <a:rPr lang="en-GB" sz="2500" u="sng" dirty="0" err="1">
-                <a:latin typeface="Tahoma" panose="020B0604030504040204" pitchFamily="34" charset="0"/>
-                <a:ea typeface="Tahoma" panose="020B0604030504040204" pitchFamily="34" charset="0"/>
-                <a:cs typeface="Tahoma" panose="020B0604030504040204" pitchFamily="34" charset="0"/>
-              </a:rPr>
-              <a:t>učenje</a:t>
-            </a:r>
-            <a:r>
-              <a:rPr lang="en-GB" sz="2500" dirty="0">
-                <a:latin typeface="Tahoma" panose="020B0604030504040204" pitchFamily="34" charset="0"/>
-                <a:ea typeface="Tahoma" panose="020B0604030504040204" pitchFamily="34" charset="0"/>
-                <a:cs typeface="Tahoma" panose="020B0604030504040204" pitchFamily="34" charset="0"/>
-              </a:rPr>
-              <a:t>, </a:t>
-            </a:r>
-            <a:r>
-              <a:rPr lang="en-GB" sz="2500" dirty="0" err="1">
-                <a:latin typeface="Tahoma" panose="020B0604030504040204" pitchFamily="34" charset="0"/>
-                <a:ea typeface="Tahoma" panose="020B0604030504040204" pitchFamily="34" charset="0"/>
-                <a:cs typeface="Tahoma" panose="020B0604030504040204" pitchFamily="34" charset="0"/>
-              </a:rPr>
-              <a:t>nenadzirano</a:t>
-            </a:r>
-            <a:r>
-              <a:rPr lang="en-GB" sz="2500" dirty="0">
-                <a:latin typeface="Tahoma" panose="020B0604030504040204" pitchFamily="34" charset="0"/>
-                <a:ea typeface="Tahoma" panose="020B0604030504040204" pitchFamily="34" charset="0"/>
-                <a:cs typeface="Tahoma" panose="020B0604030504040204" pitchFamily="34" charset="0"/>
-              </a:rPr>
-              <a:t> </a:t>
-            </a:r>
-            <a:r>
-              <a:rPr lang="en-GB" sz="2500" dirty="0" err="1">
-                <a:latin typeface="Tahoma" panose="020B0604030504040204" pitchFamily="34" charset="0"/>
-                <a:ea typeface="Tahoma" panose="020B0604030504040204" pitchFamily="34" charset="0"/>
-                <a:cs typeface="Tahoma" panose="020B0604030504040204" pitchFamily="34" charset="0"/>
-              </a:rPr>
-              <a:t>učenje</a:t>
-            </a:r>
-            <a:r>
-              <a:rPr lang="en-GB" sz="2500" dirty="0">
-                <a:latin typeface="Tahoma" panose="020B0604030504040204" pitchFamily="34" charset="0"/>
-                <a:ea typeface="Tahoma" panose="020B0604030504040204" pitchFamily="34" charset="0"/>
-                <a:cs typeface="Tahoma" panose="020B0604030504040204" pitchFamily="34" charset="0"/>
-              </a:rPr>
-              <a:t> </a:t>
-            </a:r>
-            <a:r>
-              <a:rPr lang="en-GB" sz="2500" dirty="0" err="1">
-                <a:latin typeface="Tahoma" panose="020B0604030504040204" pitchFamily="34" charset="0"/>
-                <a:ea typeface="Tahoma" panose="020B0604030504040204" pitchFamily="34" charset="0"/>
-                <a:cs typeface="Tahoma" panose="020B0604030504040204" pitchFamily="34" charset="0"/>
-              </a:rPr>
-              <a:t>i</a:t>
-            </a:r>
-            <a:r>
-              <a:rPr lang="en-GB" sz="2500" dirty="0">
-                <a:latin typeface="Tahoma" panose="020B0604030504040204" pitchFamily="34" charset="0"/>
-                <a:ea typeface="Tahoma" panose="020B0604030504040204" pitchFamily="34" charset="0"/>
-                <a:cs typeface="Tahoma" panose="020B0604030504040204" pitchFamily="34" charset="0"/>
-              </a:rPr>
-              <a:t> </a:t>
-            </a:r>
-            <a:r>
-              <a:rPr lang="en-GB" sz="2500" dirty="0" err="1">
-                <a:latin typeface="Tahoma" panose="020B0604030504040204" pitchFamily="34" charset="0"/>
-                <a:ea typeface="Tahoma" panose="020B0604030504040204" pitchFamily="34" charset="0"/>
-                <a:cs typeface="Tahoma" panose="020B0604030504040204" pitchFamily="34" charset="0"/>
-              </a:rPr>
-              <a:t>učenje</a:t>
-            </a:r>
-            <a:r>
-              <a:rPr lang="en-GB" sz="2500" dirty="0">
-                <a:latin typeface="Tahoma" panose="020B0604030504040204" pitchFamily="34" charset="0"/>
-                <a:ea typeface="Tahoma" panose="020B0604030504040204" pitchFamily="34" charset="0"/>
-                <a:cs typeface="Tahoma" panose="020B0604030504040204" pitchFamily="34" charset="0"/>
-              </a:rPr>
-              <a:t> </a:t>
-            </a:r>
-            <a:r>
-              <a:rPr lang="en-GB" sz="2500" dirty="0" err="1">
-                <a:latin typeface="Tahoma" panose="020B0604030504040204" pitchFamily="34" charset="0"/>
-                <a:ea typeface="Tahoma" panose="020B0604030504040204" pitchFamily="34" charset="0"/>
-                <a:cs typeface="Tahoma" panose="020B0604030504040204" pitchFamily="34" charset="0"/>
-              </a:rPr>
-              <a:t>pojačanjem</a:t>
-            </a:r>
-            <a:r>
-              <a:rPr lang="en-GB" sz="2500" dirty="0">
-                <a:latin typeface="Tahoma" panose="020B0604030504040204" pitchFamily="34" charset="0"/>
-                <a:ea typeface="Tahoma" panose="020B0604030504040204" pitchFamily="34" charset="0"/>
-                <a:cs typeface="Tahoma" panose="020B0604030504040204" pitchFamily="34" charset="0"/>
-              </a:rPr>
-              <a:t>.</a:t>
-            </a:r>
-            <a:endParaRPr lang="hr-HR" sz="2500" dirty="0">
-              <a:latin typeface="Tahoma" panose="020B0604030504040204" pitchFamily="34" charset="0"/>
-              <a:ea typeface="Tahoma" panose="020B0604030504040204" pitchFamily="34" charset="0"/>
-              <a:cs typeface="Tahoma" panose="020B0604030504040204" pitchFamily="34" charset="0"/>
-            </a:endParaRPr>
-          </a:p>
-          <a:p>
-            <a:pPr marL="342900" indent="-342900">
-              <a:buFont typeface="Arial" panose="020B0604020202020204" pitchFamily="34" charset="0"/>
-              <a:buChar char="•"/>
-            </a:pPr>
-            <a:r>
-              <a:rPr lang="hr-HR" sz="2500" i="1" dirty="0">
-                <a:latin typeface="Tahoma" panose="020B0604030504040204" pitchFamily="34" charset="0"/>
-                <a:ea typeface="Tahoma" panose="020B0604030504040204" pitchFamily="34" charset="0"/>
-                <a:cs typeface="Tahoma" panose="020B0604030504040204" pitchFamily="34" charset="0"/>
-              </a:rPr>
-              <a:t>Stablo odluke, Stroj potpornih vektora, Slučajna šuma</a:t>
-            </a:r>
-            <a:endParaRPr lang="en-GB" sz="2500" i="1" dirty="0">
-              <a:latin typeface="Tahoma" panose="020B0604030504040204" pitchFamily="34" charset="0"/>
-              <a:ea typeface="Tahoma" panose="020B0604030504040204" pitchFamily="34" charset="0"/>
-              <a:cs typeface="Tahoma" panose="020B0604030504040204" pitchFamily="34" charset="0"/>
-            </a:endParaRPr>
-          </a:p>
-        </p:txBody>
-      </p:sp>
-      <p:sp>
-        <p:nvSpPr>
-          <p:cNvPr id="6" name="Rezervirano mjesto broja slajda 5">
-            <a:extLst>
-              <a:ext uri="{FF2B5EF4-FFF2-40B4-BE49-F238E27FC236}">
-                <a16:creationId xmlns:a16="http://schemas.microsoft.com/office/drawing/2014/main" id="{CA6DF419-8F46-C2EE-673A-8001D13D2EDE}"/>
+          <p:cNvPr id="6" name="Slide Number Placeholder 5">
+            <a:extLst>
+              <a:ext uri="{FF2B5EF4-FFF2-40B4-BE49-F238E27FC236}">
+                <a16:creationId xmlns:a16="http://schemas.microsoft.com/office/drawing/2014/main" id="{E9A8B27F-B54A-7936-9C79-17CD2C0B0AF9}"/>
               </a:ext>
             </a:extLst>
           </p:cNvPr>
@@ -18075,10 +18993,427 @@
           </a:p>
         </p:txBody>
       </p:sp>
+      <p:sp>
+        <p:nvSpPr>
+          <p:cNvPr id="7" name="Rezervirano mjesto teksta 4">
+            <a:extLst>
+              <a:ext uri="{FF2B5EF4-FFF2-40B4-BE49-F238E27FC236}">
+                <a16:creationId xmlns:a16="http://schemas.microsoft.com/office/drawing/2014/main" id="{00A5C691-DDAE-3F7E-680E-19D9393CE7A2}"/>
+              </a:ext>
+            </a:extLst>
+          </p:cNvPr>
+          <p:cNvSpPr>
+            <a:spLocks noGrp="1"/>
+          </p:cNvSpPr>
+          <p:nvPr>
+            <p:ph type="title"/>
+          </p:nvPr>
+        </p:nvSpPr>
+        <p:spPr>
+          <a:xfrm>
+            <a:off x="337571" y="376006"/>
+            <a:ext cx="8273029" cy="1217463"/>
+          </a:xfrm>
+        </p:spPr>
+        <p:txBody>
+          <a:bodyPr>
+            <a:noAutofit/>
+          </a:bodyPr>
+          <a:lstStyle/>
+          <a:p>
+            <a:r>
+              <a:rPr lang="en-GB" sz="3200" dirty="0">
+                <a:latin typeface="Tahoma" panose="020B0604030504040204" pitchFamily="34" charset="0"/>
+                <a:ea typeface="Tahoma" panose="020B0604030504040204" pitchFamily="34" charset="0"/>
+                <a:cs typeface="Tahoma" panose="020B0604030504040204" pitchFamily="34" charset="0"/>
+              </a:rPr>
+              <a:t>Alzheimer’s Disease Neuroimaging Initiative (</a:t>
+            </a:r>
+            <a:r>
+              <a:rPr lang="en-GB" sz="3200" i="1" dirty="0">
+                <a:latin typeface="Tahoma" panose="020B0604030504040204" pitchFamily="34" charset="0"/>
+                <a:ea typeface="Tahoma" panose="020B0604030504040204" pitchFamily="34" charset="0"/>
+                <a:cs typeface="Tahoma" panose="020B0604030504040204" pitchFamily="34" charset="0"/>
+              </a:rPr>
+              <a:t>ADNI</a:t>
+            </a:r>
+            <a:r>
+              <a:rPr lang="en-GB" sz="3200" dirty="0">
+                <a:latin typeface="Tahoma" panose="020B0604030504040204" pitchFamily="34" charset="0"/>
+                <a:ea typeface="Tahoma" panose="020B0604030504040204" pitchFamily="34" charset="0"/>
+                <a:cs typeface="Tahoma" panose="020B0604030504040204" pitchFamily="34" charset="0"/>
+              </a:rPr>
+              <a:t>)</a:t>
+            </a:r>
+          </a:p>
+        </p:txBody>
+      </p:sp>
+      <p:sp>
+        <p:nvSpPr>
+          <p:cNvPr id="8" name="Rezervirano mjesto teksta 5">
+            <a:extLst>
+              <a:ext uri="{FF2B5EF4-FFF2-40B4-BE49-F238E27FC236}">
+                <a16:creationId xmlns:a16="http://schemas.microsoft.com/office/drawing/2014/main" id="{4A9FDABD-6FBD-B0D3-8DB7-EF1404FB7D7D}"/>
+              </a:ext>
+            </a:extLst>
+          </p:cNvPr>
+          <p:cNvSpPr>
+            <a:spLocks noGrp="1"/>
+          </p:cNvSpPr>
+          <p:nvPr>
+            <p:ph type="body" idx="1"/>
+          </p:nvPr>
+        </p:nvSpPr>
+        <p:spPr>
+          <a:xfrm>
+            <a:off x="517885" y="1913181"/>
+            <a:ext cx="7177560" cy="3031638"/>
+          </a:xfrm>
+        </p:spPr>
+        <p:txBody>
+          <a:bodyPr>
+            <a:noAutofit/>
+          </a:bodyPr>
+          <a:lstStyle/>
+          <a:p>
+            <a:pPr marL="342900" indent="-342900">
+              <a:buFont typeface="Arial" panose="020B0604020202020204" pitchFamily="34" charset="0"/>
+              <a:buChar char="•"/>
+            </a:pPr>
+            <a:r>
+              <a:rPr lang="hr-HR" sz="2500" dirty="0">
+                <a:latin typeface="Tahoma" panose="020B0604030504040204" pitchFamily="34" charset="0"/>
+                <a:ea typeface="Tahoma" panose="020B0604030504040204" pitchFamily="34" charset="0"/>
+                <a:cs typeface="Tahoma" panose="020B0604030504040204" pitchFamily="34" charset="0"/>
+              </a:rPr>
+              <a:t>S</a:t>
+            </a:r>
+            <a:r>
+              <a:rPr lang="en-GB" sz="2500" dirty="0" err="1">
+                <a:latin typeface="Tahoma" panose="020B0604030504040204" pitchFamily="34" charset="0"/>
+                <a:ea typeface="Tahoma" panose="020B0604030504040204" pitchFamily="34" charset="0"/>
+                <a:cs typeface="Tahoma" panose="020B0604030504040204" pitchFamily="34" charset="0"/>
+              </a:rPr>
+              <a:t>tudija</a:t>
+            </a:r>
+            <a:r>
+              <a:rPr lang="en-GB" sz="2500" dirty="0">
+                <a:latin typeface="Tahoma" panose="020B0604030504040204" pitchFamily="34" charset="0"/>
+                <a:ea typeface="Tahoma" panose="020B0604030504040204" pitchFamily="34" charset="0"/>
+                <a:cs typeface="Tahoma" panose="020B0604030504040204" pitchFamily="34" charset="0"/>
+              </a:rPr>
+              <a:t> </a:t>
+            </a:r>
+            <a:r>
+              <a:rPr lang="en-GB" sz="2500" dirty="0" err="1">
+                <a:latin typeface="Tahoma" panose="020B0604030504040204" pitchFamily="34" charset="0"/>
+                <a:ea typeface="Tahoma" panose="020B0604030504040204" pitchFamily="34" charset="0"/>
+                <a:cs typeface="Tahoma" panose="020B0604030504040204" pitchFamily="34" charset="0"/>
+              </a:rPr>
+              <a:t>pokrenuta</a:t>
+            </a:r>
+            <a:r>
+              <a:rPr lang="en-GB" sz="2500" dirty="0">
+                <a:latin typeface="Tahoma" panose="020B0604030504040204" pitchFamily="34" charset="0"/>
+                <a:ea typeface="Tahoma" panose="020B0604030504040204" pitchFamily="34" charset="0"/>
+                <a:cs typeface="Tahoma" panose="020B0604030504040204" pitchFamily="34" charset="0"/>
+              </a:rPr>
+              <a:t> 2004. </a:t>
+            </a:r>
+            <a:r>
+              <a:rPr lang="en-GB" sz="2500" dirty="0" err="1">
+                <a:latin typeface="Tahoma" panose="020B0604030504040204" pitchFamily="34" charset="0"/>
+                <a:ea typeface="Tahoma" panose="020B0604030504040204" pitchFamily="34" charset="0"/>
+                <a:cs typeface="Tahoma" panose="020B0604030504040204" pitchFamily="34" charset="0"/>
+              </a:rPr>
+              <a:t>godine</a:t>
+            </a:r>
+            <a:endParaRPr lang="en-GB" sz="2500" dirty="0">
+              <a:latin typeface="Tahoma" panose="020B0604030504040204" pitchFamily="34" charset="0"/>
+              <a:ea typeface="Tahoma" panose="020B0604030504040204" pitchFamily="34" charset="0"/>
+              <a:cs typeface="Tahoma" panose="020B0604030504040204" pitchFamily="34" charset="0"/>
+            </a:endParaRPr>
+          </a:p>
+          <a:p>
+            <a:pPr marL="342900" indent="-342900">
+              <a:buFont typeface="Arial" panose="020B0604020202020204" pitchFamily="34" charset="0"/>
+              <a:buChar char="•"/>
+            </a:pPr>
+            <a:r>
+              <a:rPr lang="hr-HR" sz="2500" dirty="0">
+                <a:latin typeface="Tahoma" panose="020B0604030504040204" pitchFamily="34" charset="0"/>
+                <a:ea typeface="Tahoma" panose="020B0604030504040204" pitchFamily="34" charset="0"/>
+                <a:cs typeface="Tahoma" panose="020B0604030504040204" pitchFamily="34" charset="0"/>
+              </a:rPr>
+              <a:t>Cilj: </a:t>
+            </a:r>
+            <a:r>
+              <a:rPr lang="en-GB" sz="2500" dirty="0" err="1">
+                <a:latin typeface="Tahoma" panose="020B0604030504040204" pitchFamily="34" charset="0"/>
+                <a:ea typeface="Tahoma" panose="020B0604030504040204" pitchFamily="34" charset="0"/>
+                <a:cs typeface="Tahoma" panose="020B0604030504040204" pitchFamily="34" charset="0"/>
+              </a:rPr>
+              <a:t>razvoj</a:t>
+            </a:r>
+            <a:r>
+              <a:rPr lang="en-GB" sz="2500" dirty="0">
+                <a:latin typeface="Tahoma" panose="020B0604030504040204" pitchFamily="34" charset="0"/>
+                <a:ea typeface="Tahoma" panose="020B0604030504040204" pitchFamily="34" charset="0"/>
+                <a:cs typeface="Tahoma" panose="020B0604030504040204" pitchFamily="34" charset="0"/>
+              </a:rPr>
+              <a:t> </a:t>
+            </a:r>
+            <a:r>
+              <a:rPr lang="en-GB" sz="2500" dirty="0" err="1">
+                <a:latin typeface="Tahoma" panose="020B0604030504040204" pitchFamily="34" charset="0"/>
+                <a:ea typeface="Tahoma" panose="020B0604030504040204" pitchFamily="34" charset="0"/>
+                <a:cs typeface="Tahoma" panose="020B0604030504040204" pitchFamily="34" charset="0"/>
+              </a:rPr>
+              <a:t>biomarkera</a:t>
+            </a:r>
+            <a:r>
+              <a:rPr lang="en-GB" sz="2500" dirty="0">
+                <a:latin typeface="Tahoma" panose="020B0604030504040204" pitchFamily="34" charset="0"/>
+                <a:ea typeface="Tahoma" panose="020B0604030504040204" pitchFamily="34" charset="0"/>
+                <a:cs typeface="Tahoma" panose="020B0604030504040204" pitchFamily="34" charset="0"/>
+              </a:rPr>
+              <a:t> za </a:t>
+            </a:r>
+            <a:r>
+              <a:rPr lang="en-GB" sz="2500" dirty="0" err="1">
+                <a:latin typeface="Tahoma" panose="020B0604030504040204" pitchFamily="34" charset="0"/>
+                <a:ea typeface="Tahoma" panose="020B0604030504040204" pitchFamily="34" charset="0"/>
+                <a:cs typeface="Tahoma" panose="020B0604030504040204" pitchFamily="34" charset="0"/>
+              </a:rPr>
+              <a:t>rano</a:t>
+            </a:r>
+            <a:r>
+              <a:rPr lang="en-GB" sz="2500" dirty="0">
+                <a:latin typeface="Tahoma" panose="020B0604030504040204" pitchFamily="34" charset="0"/>
+                <a:ea typeface="Tahoma" panose="020B0604030504040204" pitchFamily="34" charset="0"/>
+                <a:cs typeface="Tahoma" panose="020B0604030504040204" pitchFamily="34" charset="0"/>
+              </a:rPr>
+              <a:t> </a:t>
+            </a:r>
+            <a:r>
+              <a:rPr lang="en-GB" sz="2500" dirty="0" err="1">
+                <a:latin typeface="Tahoma" panose="020B0604030504040204" pitchFamily="34" charset="0"/>
+                <a:ea typeface="Tahoma" panose="020B0604030504040204" pitchFamily="34" charset="0"/>
+                <a:cs typeface="Tahoma" panose="020B0604030504040204" pitchFamily="34" charset="0"/>
+              </a:rPr>
+              <a:t>otkrivanje</a:t>
+            </a:r>
+            <a:r>
+              <a:rPr lang="en-GB" sz="2500" dirty="0">
+                <a:latin typeface="Tahoma" panose="020B0604030504040204" pitchFamily="34" charset="0"/>
+                <a:ea typeface="Tahoma" panose="020B0604030504040204" pitchFamily="34" charset="0"/>
+                <a:cs typeface="Tahoma" panose="020B0604030504040204" pitchFamily="34" charset="0"/>
+              </a:rPr>
+              <a:t> </a:t>
+            </a:r>
+            <a:r>
+              <a:rPr lang="en-GB" sz="2500" dirty="0" err="1">
+                <a:latin typeface="Tahoma" panose="020B0604030504040204" pitchFamily="34" charset="0"/>
+                <a:ea typeface="Tahoma" panose="020B0604030504040204" pitchFamily="34" charset="0"/>
+                <a:cs typeface="Tahoma" panose="020B0604030504040204" pitchFamily="34" charset="0"/>
+              </a:rPr>
+              <a:t>i</a:t>
+            </a:r>
+            <a:r>
+              <a:rPr lang="en-GB" sz="2500" dirty="0">
+                <a:latin typeface="Tahoma" panose="020B0604030504040204" pitchFamily="34" charset="0"/>
+                <a:ea typeface="Tahoma" panose="020B0604030504040204" pitchFamily="34" charset="0"/>
+                <a:cs typeface="Tahoma" panose="020B0604030504040204" pitchFamily="34" charset="0"/>
+              </a:rPr>
+              <a:t> </a:t>
+            </a:r>
+            <a:r>
+              <a:rPr lang="en-GB" sz="2500" dirty="0" err="1">
+                <a:latin typeface="Tahoma" panose="020B0604030504040204" pitchFamily="34" charset="0"/>
+                <a:ea typeface="Tahoma" panose="020B0604030504040204" pitchFamily="34" charset="0"/>
+                <a:cs typeface="Tahoma" panose="020B0604030504040204" pitchFamily="34" charset="0"/>
+              </a:rPr>
+              <a:t>praćenje</a:t>
+            </a:r>
+            <a:r>
+              <a:rPr lang="en-GB" sz="2500" dirty="0">
+                <a:latin typeface="Tahoma" panose="020B0604030504040204" pitchFamily="34" charset="0"/>
+                <a:ea typeface="Tahoma" panose="020B0604030504040204" pitchFamily="34" charset="0"/>
+                <a:cs typeface="Tahoma" panose="020B0604030504040204" pitchFamily="34" charset="0"/>
+              </a:rPr>
+              <a:t> </a:t>
+            </a:r>
+            <a:r>
+              <a:rPr lang="en-GB" sz="2500" dirty="0" err="1">
+                <a:latin typeface="Tahoma" panose="020B0604030504040204" pitchFamily="34" charset="0"/>
+                <a:ea typeface="Tahoma" panose="020B0604030504040204" pitchFamily="34" charset="0"/>
+                <a:cs typeface="Tahoma" panose="020B0604030504040204" pitchFamily="34" charset="0"/>
+              </a:rPr>
+              <a:t>Alzheimerove</a:t>
+            </a:r>
+            <a:r>
+              <a:rPr lang="en-GB" sz="2500" dirty="0">
+                <a:latin typeface="Tahoma" panose="020B0604030504040204" pitchFamily="34" charset="0"/>
+                <a:ea typeface="Tahoma" panose="020B0604030504040204" pitchFamily="34" charset="0"/>
+                <a:cs typeface="Tahoma" panose="020B0604030504040204" pitchFamily="34" charset="0"/>
+              </a:rPr>
+              <a:t> bole</a:t>
+            </a:r>
+            <a:r>
+              <a:rPr lang="hr-HR" sz="2500" dirty="0">
+                <a:latin typeface="Tahoma" panose="020B0604030504040204" pitchFamily="34" charset="0"/>
+                <a:ea typeface="Tahoma" panose="020B0604030504040204" pitchFamily="34" charset="0"/>
+                <a:cs typeface="Tahoma" panose="020B0604030504040204" pitchFamily="34" charset="0"/>
+              </a:rPr>
+              <a:t>s</a:t>
+            </a:r>
+            <a:r>
+              <a:rPr lang="en-GB" sz="2500" dirty="0" err="1">
+                <a:latin typeface="Tahoma" panose="020B0604030504040204" pitchFamily="34" charset="0"/>
+                <a:ea typeface="Tahoma" panose="020B0604030504040204" pitchFamily="34" charset="0"/>
+                <a:cs typeface="Tahoma" panose="020B0604030504040204" pitchFamily="34" charset="0"/>
+              </a:rPr>
+              <a:t>ti</a:t>
+            </a:r>
+            <a:endParaRPr lang="hr-HR" sz="2500" dirty="0">
+              <a:latin typeface="Tahoma" panose="020B0604030504040204" pitchFamily="34" charset="0"/>
+              <a:ea typeface="Tahoma" panose="020B0604030504040204" pitchFamily="34" charset="0"/>
+              <a:cs typeface="Tahoma" panose="020B0604030504040204" pitchFamily="34" charset="0"/>
+            </a:endParaRPr>
+          </a:p>
+          <a:p>
+            <a:pPr marL="342900" indent="-342900">
+              <a:buFont typeface="Arial" panose="020B0604020202020204" pitchFamily="34" charset="0"/>
+              <a:buChar char="•"/>
+            </a:pPr>
+            <a:r>
+              <a:rPr lang="hr-HR" sz="2500" dirty="0">
+                <a:latin typeface="Tahoma" panose="020B0604030504040204" pitchFamily="34" charset="0"/>
+                <a:ea typeface="Tahoma" panose="020B0604030504040204" pitchFamily="34" charset="0"/>
+                <a:cs typeface="Tahoma" panose="020B0604030504040204" pitchFamily="34" charset="0"/>
+              </a:rPr>
+              <a:t>Podaci: slike mozga (MRI i PET), genetske podatke, kognitivne testove, </a:t>
+            </a:r>
+            <a:r>
+              <a:rPr lang="hr-HR" sz="2500" dirty="0" err="1">
+                <a:latin typeface="Tahoma" panose="020B0604030504040204" pitchFamily="34" charset="0"/>
+                <a:ea typeface="Tahoma" panose="020B0604030504040204" pitchFamily="34" charset="0"/>
+                <a:cs typeface="Tahoma" panose="020B0604030504040204" pitchFamily="34" charset="0"/>
+              </a:rPr>
+              <a:t>biomarkere</a:t>
+            </a:r>
+            <a:r>
+              <a:rPr lang="hr-HR" sz="2500" dirty="0">
+                <a:latin typeface="Tahoma" panose="020B0604030504040204" pitchFamily="34" charset="0"/>
+                <a:ea typeface="Tahoma" panose="020B0604030504040204" pitchFamily="34" charset="0"/>
+                <a:cs typeface="Tahoma" panose="020B0604030504040204" pitchFamily="34" charset="0"/>
+              </a:rPr>
+              <a:t> iz cerebrospinalne tekućine i krvi</a:t>
+            </a:r>
+          </a:p>
+          <a:p>
+            <a:pPr marL="342900" indent="-342900">
+              <a:buFont typeface="Arial" panose="020B0604020202020204" pitchFamily="34" charset="0"/>
+              <a:buChar char="•"/>
+            </a:pPr>
+            <a:r>
+              <a:rPr lang="hr-HR" sz="2500" dirty="0">
+                <a:latin typeface="Tahoma" panose="020B0604030504040204" pitchFamily="34" charset="0"/>
+                <a:ea typeface="Tahoma" panose="020B0604030504040204" pitchFamily="34" charset="0"/>
+                <a:cs typeface="Tahoma" panose="020B0604030504040204" pitchFamily="34" charset="0"/>
+              </a:rPr>
+              <a:t>3 dijagnostičke grupe: </a:t>
+            </a:r>
+            <a:r>
+              <a:rPr lang="hr-HR" sz="2500" b="1" dirty="0">
+                <a:latin typeface="Tahoma" panose="020B0604030504040204" pitchFamily="34" charset="0"/>
+                <a:ea typeface="Tahoma" panose="020B0604030504040204" pitchFamily="34" charset="0"/>
+                <a:cs typeface="Tahoma" panose="020B0604030504040204" pitchFamily="34" charset="0"/>
+              </a:rPr>
+              <a:t>CN, MCI, AD </a:t>
+            </a:r>
+          </a:p>
+          <a:p>
+            <a:pPr marL="342900" indent="-342900">
+              <a:buFont typeface="Arial" panose="020B0604020202020204" pitchFamily="34" charset="0"/>
+              <a:buChar char="•"/>
+            </a:pPr>
+            <a:r>
+              <a:rPr lang="en-GB" sz="2500" dirty="0" err="1">
+                <a:latin typeface="Tahoma" panose="020B0604030504040204" pitchFamily="34" charset="0"/>
+                <a:ea typeface="Tahoma" panose="020B0604030504040204" pitchFamily="34" charset="0"/>
+                <a:cs typeface="Tahoma" panose="020B0604030504040204" pitchFamily="34" charset="0"/>
+              </a:rPr>
+              <a:t>su</a:t>
+            </a:r>
+            <a:r>
+              <a:rPr lang="hr-HR" sz="2500" dirty="0">
+                <a:latin typeface="Tahoma" panose="020B0604030504040204" pitchFamily="34" charset="0"/>
+                <a:ea typeface="Tahoma" panose="020B0604030504040204" pitchFamily="34" charset="0"/>
+                <a:cs typeface="Tahoma" panose="020B0604030504040204" pitchFamily="34" charset="0"/>
+              </a:rPr>
+              <a:t>dionici</a:t>
+            </a:r>
+            <a:r>
+              <a:rPr lang="en-GB" sz="2500" dirty="0">
+                <a:latin typeface="Tahoma" panose="020B0604030504040204" pitchFamily="34" charset="0"/>
+                <a:ea typeface="Tahoma" panose="020B0604030504040204" pitchFamily="34" charset="0"/>
+                <a:cs typeface="Tahoma" panose="020B0604030504040204" pitchFamily="34" charset="0"/>
+              </a:rPr>
+              <a:t> u </a:t>
+            </a:r>
+            <a:r>
+              <a:rPr lang="en-GB" sz="2500" dirty="0" err="1">
+                <a:latin typeface="Tahoma" panose="020B0604030504040204" pitchFamily="34" charset="0"/>
+                <a:ea typeface="Tahoma" panose="020B0604030504040204" pitchFamily="34" charset="0"/>
+                <a:cs typeface="Tahoma" panose="020B0604030504040204" pitchFamily="34" charset="0"/>
+              </a:rPr>
+              <a:t>dobi</a:t>
+            </a:r>
+            <a:r>
+              <a:rPr lang="en-GB" sz="2500" dirty="0">
+                <a:latin typeface="Tahoma" panose="020B0604030504040204" pitchFamily="34" charset="0"/>
+                <a:ea typeface="Tahoma" panose="020B0604030504040204" pitchFamily="34" charset="0"/>
+                <a:cs typeface="Tahoma" panose="020B0604030504040204" pitchFamily="34" charset="0"/>
+              </a:rPr>
+              <a:t> </a:t>
+            </a:r>
+            <a:r>
+              <a:rPr lang="en-GB" sz="2500" b="1" dirty="0">
+                <a:latin typeface="Tahoma" panose="020B0604030504040204" pitchFamily="34" charset="0"/>
+                <a:ea typeface="Tahoma" panose="020B0604030504040204" pitchFamily="34" charset="0"/>
+                <a:cs typeface="Tahoma" panose="020B0604030504040204" pitchFamily="34" charset="0"/>
+              </a:rPr>
+              <a:t>od 55 do 90</a:t>
+            </a:r>
+            <a:r>
+              <a:rPr lang="hr-HR" sz="2500" b="1" dirty="0">
+                <a:latin typeface="Tahoma" panose="020B0604030504040204" pitchFamily="34" charset="0"/>
+                <a:ea typeface="Tahoma" panose="020B0604030504040204" pitchFamily="34" charset="0"/>
+                <a:cs typeface="Tahoma" panose="020B0604030504040204" pitchFamily="34" charset="0"/>
+              </a:rPr>
+              <a:t> </a:t>
+            </a:r>
+            <a:r>
+              <a:rPr lang="en-GB" sz="2500" b="1" dirty="0" err="1">
+                <a:latin typeface="Tahoma" panose="020B0604030504040204" pitchFamily="34" charset="0"/>
+                <a:ea typeface="Tahoma" panose="020B0604030504040204" pitchFamily="34" charset="0"/>
+                <a:cs typeface="Tahoma" panose="020B0604030504040204" pitchFamily="34" charset="0"/>
+              </a:rPr>
+              <a:t>godina</a:t>
+            </a:r>
+            <a:endParaRPr lang="en-GB" sz="2500" b="1" dirty="0">
+              <a:latin typeface="Tahoma" panose="020B0604030504040204" pitchFamily="34" charset="0"/>
+              <a:ea typeface="Tahoma" panose="020B0604030504040204" pitchFamily="34" charset="0"/>
+              <a:cs typeface="Tahoma" panose="020B0604030504040204" pitchFamily="34" charset="0"/>
+            </a:endParaRPr>
+          </a:p>
+        </p:txBody>
+      </p:sp>
     </p:spTree>
     <p:extLst>
       <p:ext uri="{BB962C8B-B14F-4D97-AF65-F5344CB8AC3E}">
-        <p14:creationId xmlns:p14="http://schemas.microsoft.com/office/powerpoint/2010/main" val="350901332"/>
+        <p14:creationId xmlns:p14="http://schemas.microsoft.com/office/powerpoint/2010/main" val="2188558003"/>
       </p:ext>
     </p:extLst>
   </p:cSld>
@@ -18107,168 +19442,470 @@
       </p:grpSpPr>
       <p:sp>
         <p:nvSpPr>
-          <p:cNvPr id="5" name="Rezervirano mjesto teksta 4">
-            <a:extLst>
-              <a:ext uri="{FF2B5EF4-FFF2-40B4-BE49-F238E27FC236}">
-                <a16:creationId xmlns:a16="http://schemas.microsoft.com/office/drawing/2014/main" id="{72531532-4B41-F81D-B9D8-472F90BA756E}"/>
-              </a:ext>
-            </a:extLst>
-          </p:cNvPr>
-          <p:cNvSpPr>
-            <a:spLocks noGrp="1"/>
-          </p:cNvSpPr>
-          <p:nvPr>
-            <p:ph type="body" sz="quarter" idx="23"/>
-          </p:nvPr>
-        </p:nvSpPr>
-        <p:spPr>
-          <a:xfrm>
-            <a:off x="4460240" y="521506"/>
-            <a:ext cx="7579360" cy="1073614"/>
-          </a:xfrm>
-        </p:spPr>
-        <p:txBody>
-          <a:bodyPr>
+          <p:cNvPr id="17" name="Slide Number Placeholder 16">
+            <a:extLst>
+              <a:ext uri="{FF2B5EF4-FFF2-40B4-BE49-F238E27FC236}">
+                <a16:creationId xmlns:a16="http://schemas.microsoft.com/office/drawing/2014/main" id="{FD5F19E2-80FB-0DB0-8A85-1E0C70EFC947}"/>
+              </a:ext>
+            </a:extLst>
+          </p:cNvPr>
+          <p:cNvSpPr>
+            <a:spLocks noGrp="1"/>
+          </p:cNvSpPr>
+          <p:nvPr>
+            <p:ph type="sldNum" sz="quarter" idx="12"/>
+          </p:nvPr>
+        </p:nvSpPr>
+        <p:spPr/>
+        <p:txBody>
+          <a:bodyPr/>
+          <a:lstStyle/>
+          <a:p>
+            <a:pPr rtl="0"/>
+            <a:fld id="{B5CEABB6-07DC-46E8-9B57-56EC44A396E5}" type="slidenum">
+              <a:rPr lang="en-GB" noProof="0" smtClean="0"/>
+              <a:t>6</a:t>
+            </a:fld>
+            <a:endParaRPr lang="en-GB" noProof="0"/>
+          </a:p>
+        </p:txBody>
+      </p:sp>
+      <p:sp>
+        <p:nvSpPr>
+          <p:cNvPr id="18" name="Rezervirano mjesto teksta 4">
+            <a:extLst>
+              <a:ext uri="{FF2B5EF4-FFF2-40B4-BE49-F238E27FC236}">
+                <a16:creationId xmlns:a16="http://schemas.microsoft.com/office/drawing/2014/main" id="{ECE29325-321A-6F06-800E-17ED64510431}"/>
+              </a:ext>
+            </a:extLst>
+          </p:cNvPr>
+          <p:cNvSpPr txBox="1">
+            <a:spLocks/>
+          </p:cNvSpPr>
+          <p:nvPr/>
+        </p:nvSpPr>
+        <p:spPr>
+          <a:xfrm>
+            <a:off x="1990103" y="734684"/>
+            <a:ext cx="6620497" cy="728174"/>
+          </a:xfrm>
+          <a:prstGeom prst="rect">
+            <a:avLst/>
+          </a:prstGeom>
+        </p:spPr>
+        <p:txBody>
+          <a:bodyPr vert="horz" lIns="91440" tIns="45720" rIns="91440" bIns="45720" rtlCol="0" anchor="t">
             <a:noAutofit/>
           </a:bodyPr>
-          <a:lstStyle/>
-          <a:p>
-            <a:r>
-              <a:rPr lang="en-GB" sz="3200" dirty="0">
-                <a:latin typeface="Tahoma" panose="020B0604030504040204" pitchFamily="34" charset="0"/>
-                <a:ea typeface="Tahoma" panose="020B0604030504040204" pitchFamily="34" charset="0"/>
-                <a:cs typeface="Tahoma" panose="020B0604030504040204" pitchFamily="34" charset="0"/>
-              </a:rPr>
-              <a:t>Alzheimer’s Disease Neuroimaging Initiative (</a:t>
-            </a:r>
-            <a:r>
-              <a:rPr lang="en-GB" sz="3200" i="1" dirty="0">
-                <a:latin typeface="Tahoma" panose="020B0604030504040204" pitchFamily="34" charset="0"/>
-                <a:ea typeface="Tahoma" panose="020B0604030504040204" pitchFamily="34" charset="0"/>
-                <a:cs typeface="Tahoma" panose="020B0604030504040204" pitchFamily="34" charset="0"/>
-              </a:rPr>
-              <a:t>ADNI</a:t>
-            </a:r>
-            <a:r>
-              <a:rPr lang="en-GB" sz="3200" dirty="0">
-                <a:latin typeface="Tahoma" panose="020B0604030504040204" pitchFamily="34" charset="0"/>
-                <a:ea typeface="Tahoma" panose="020B0604030504040204" pitchFamily="34" charset="0"/>
-                <a:cs typeface="Tahoma" panose="020B0604030504040204" pitchFamily="34" charset="0"/>
-              </a:rPr>
-              <a:t>)</a:t>
-            </a:r>
-          </a:p>
-        </p:txBody>
-      </p:sp>
-      <p:sp>
-        <p:nvSpPr>
-          <p:cNvPr id="6" name="Rezervirano mjesto teksta 5">
-            <a:extLst>
-              <a:ext uri="{FF2B5EF4-FFF2-40B4-BE49-F238E27FC236}">
-                <a16:creationId xmlns:a16="http://schemas.microsoft.com/office/drawing/2014/main" id="{FF6E0804-681E-5FA8-C271-D1441E4E5A9B}"/>
-              </a:ext>
-            </a:extLst>
-          </p:cNvPr>
-          <p:cNvSpPr>
-            <a:spLocks noGrp="1"/>
-          </p:cNvSpPr>
-          <p:nvPr>
-            <p:ph type="body" sz="quarter" idx="24"/>
-          </p:nvPr>
-        </p:nvSpPr>
-        <p:spPr>
-          <a:xfrm>
-            <a:off x="4043680" y="1619031"/>
-            <a:ext cx="7863840" cy="4367968"/>
-          </a:xfrm>
-        </p:spPr>
-        <p:txBody>
-          <a:bodyPr>
-            <a:noAutofit/>
-          </a:bodyPr>
-          <a:lstStyle/>
-          <a:p>
-            <a:pPr marL="342900" indent="-342900">
+          <a:lstStyle>
+            <a:lvl1pPr marL="0" indent="0" algn="ctr" defTabSz="914400" rtl="0" eaLnBrk="1" latinLnBrk="0" hangingPunct="1">
+              <a:lnSpc>
+                <a:spcPct val="90000"/>
+              </a:lnSpc>
+              <a:spcBef>
+                <a:spcPts val="1000"/>
+              </a:spcBef>
               <a:buFont typeface="Arial" panose="020B0604020202020204" pitchFamily="34" charset="0"/>
-              <a:buChar char="•"/>
-            </a:pPr>
-            <a:r>
-              <a:rPr lang="hr-HR" sz="2500" dirty="0">
-                <a:latin typeface="Tahoma" panose="020B0604030504040204" pitchFamily="34" charset="0"/>
-                <a:ea typeface="Tahoma" panose="020B0604030504040204" pitchFamily="34" charset="0"/>
-                <a:cs typeface="Tahoma" panose="020B0604030504040204" pitchFamily="34" charset="0"/>
-              </a:rPr>
-              <a:t>S</a:t>
-            </a:r>
-            <a:r>
-              <a:rPr lang="en-GB" sz="2500" dirty="0" err="1">
-                <a:latin typeface="Tahoma" panose="020B0604030504040204" pitchFamily="34" charset="0"/>
-                <a:ea typeface="Tahoma" panose="020B0604030504040204" pitchFamily="34" charset="0"/>
-                <a:cs typeface="Tahoma" panose="020B0604030504040204" pitchFamily="34" charset="0"/>
-              </a:rPr>
-              <a:t>tudija</a:t>
-            </a:r>
-            <a:r>
-              <a:rPr lang="en-GB" sz="2500" dirty="0">
-                <a:latin typeface="Tahoma" panose="020B0604030504040204" pitchFamily="34" charset="0"/>
-                <a:ea typeface="Tahoma" panose="020B0604030504040204" pitchFamily="34" charset="0"/>
-                <a:cs typeface="Tahoma" panose="020B0604030504040204" pitchFamily="34" charset="0"/>
-              </a:rPr>
-              <a:t> </a:t>
-            </a:r>
-            <a:r>
-              <a:rPr lang="en-GB" sz="2500" dirty="0" err="1">
-                <a:latin typeface="Tahoma" panose="020B0604030504040204" pitchFamily="34" charset="0"/>
-                <a:ea typeface="Tahoma" panose="020B0604030504040204" pitchFamily="34" charset="0"/>
-                <a:cs typeface="Tahoma" panose="020B0604030504040204" pitchFamily="34" charset="0"/>
-              </a:rPr>
-              <a:t>pokrenuta</a:t>
-            </a:r>
-            <a:r>
-              <a:rPr lang="en-GB" sz="2500" dirty="0">
-                <a:latin typeface="Tahoma" panose="020B0604030504040204" pitchFamily="34" charset="0"/>
-                <a:ea typeface="Tahoma" panose="020B0604030504040204" pitchFamily="34" charset="0"/>
-                <a:cs typeface="Tahoma" panose="020B0604030504040204" pitchFamily="34" charset="0"/>
-              </a:rPr>
-              <a:t> 2004. </a:t>
-            </a:r>
-            <a:r>
-              <a:rPr lang="en-GB" sz="2500" dirty="0" err="1">
-                <a:latin typeface="Tahoma" panose="020B0604030504040204" pitchFamily="34" charset="0"/>
-                <a:ea typeface="Tahoma" panose="020B0604030504040204" pitchFamily="34" charset="0"/>
-                <a:cs typeface="Tahoma" panose="020B0604030504040204" pitchFamily="34" charset="0"/>
-              </a:rPr>
-              <a:t>godine</a:t>
-            </a:r>
-            <a:endParaRPr lang="en-GB" sz="2500" dirty="0">
+              <a:buNone/>
+              <a:defRPr lang="en-US" sz="1000" kern="1200" spc="150" baseline="0" dirty="0" smtClean="0">
+                <a:solidFill>
+                  <a:schemeClr val="tx1"/>
+                </a:solidFill>
+                <a:latin typeface="+mj-lt"/>
+                <a:ea typeface="+mj-ea"/>
+                <a:cs typeface="+mj-cs"/>
+              </a:defRPr>
+            </a:lvl1pPr>
+            <a:lvl2pPr marL="457200" indent="0" algn="l" defTabSz="914400" rtl="0" eaLnBrk="1" latinLnBrk="0" hangingPunct="1">
+              <a:lnSpc>
+                <a:spcPct val="90000"/>
+              </a:lnSpc>
+              <a:spcBef>
+                <a:spcPts val="500"/>
+              </a:spcBef>
+              <a:buFont typeface="Arial" panose="020B0604020202020204" pitchFamily="34" charset="0"/>
+              <a:buNone/>
+              <a:defRPr sz="2000" b="1" kern="1200">
+                <a:solidFill>
+                  <a:schemeClr val="tx1"/>
+                </a:solidFill>
+                <a:latin typeface="+mn-lt"/>
+                <a:ea typeface="+mn-ea"/>
+                <a:cs typeface="+mn-cs"/>
+              </a:defRPr>
+            </a:lvl2pPr>
+            <a:lvl3pPr marL="914400" indent="0" algn="l" defTabSz="914400" rtl="0" eaLnBrk="1" latinLnBrk="0" hangingPunct="1">
+              <a:lnSpc>
+                <a:spcPct val="90000"/>
+              </a:lnSpc>
+              <a:spcBef>
+                <a:spcPts val="500"/>
+              </a:spcBef>
+              <a:buFont typeface="Arial" panose="020B0604020202020204" pitchFamily="34" charset="0"/>
+              <a:buNone/>
+              <a:defRPr sz="1800" b="1" kern="1200">
+                <a:solidFill>
+                  <a:schemeClr val="tx1"/>
+                </a:solidFill>
+                <a:latin typeface="+mn-lt"/>
+                <a:ea typeface="+mn-ea"/>
+                <a:cs typeface="+mn-cs"/>
+              </a:defRPr>
+            </a:lvl3pPr>
+            <a:lvl4pPr marL="1371600" indent="0" algn="l" defTabSz="914400" rtl="0" eaLnBrk="1" latinLnBrk="0" hangingPunct="1">
+              <a:lnSpc>
+                <a:spcPct val="90000"/>
+              </a:lnSpc>
+              <a:spcBef>
+                <a:spcPts val="500"/>
+              </a:spcBef>
+              <a:buFont typeface="Arial" panose="020B0604020202020204" pitchFamily="34" charset="0"/>
+              <a:buNone/>
+              <a:defRPr sz="1600" b="1" kern="1200">
+                <a:solidFill>
+                  <a:schemeClr val="tx1"/>
+                </a:solidFill>
+                <a:latin typeface="+mn-lt"/>
+                <a:ea typeface="+mn-ea"/>
+                <a:cs typeface="+mn-cs"/>
+              </a:defRPr>
+            </a:lvl4pPr>
+            <a:lvl5pPr marL="1828800" indent="0" algn="l" defTabSz="914400" rtl="0" eaLnBrk="1" latinLnBrk="0" hangingPunct="1">
+              <a:lnSpc>
+                <a:spcPct val="90000"/>
+              </a:lnSpc>
+              <a:spcBef>
+                <a:spcPts val="500"/>
+              </a:spcBef>
+              <a:buFont typeface="Arial" panose="020B0604020202020204" pitchFamily="34" charset="0"/>
+              <a:buNone/>
+              <a:defRPr sz="1600" b="1" kern="1200">
+                <a:solidFill>
+                  <a:schemeClr val="tx1"/>
+                </a:solidFill>
+                <a:latin typeface="+mn-lt"/>
+                <a:ea typeface="+mn-ea"/>
+                <a:cs typeface="+mn-cs"/>
+              </a:defRPr>
+            </a:lvl5pPr>
+            <a:lvl6pPr marL="2286000" indent="0" algn="l" defTabSz="914400" rtl="0" eaLnBrk="1" latinLnBrk="0" hangingPunct="1">
+              <a:lnSpc>
+                <a:spcPct val="90000"/>
+              </a:lnSpc>
+              <a:spcBef>
+                <a:spcPts val="500"/>
+              </a:spcBef>
+              <a:buFont typeface="Arial" panose="020B0604020202020204" pitchFamily="34" charset="0"/>
+              <a:buNone/>
+              <a:defRPr sz="1600" b="1" kern="1200">
+                <a:solidFill>
+                  <a:schemeClr val="tx1"/>
+                </a:solidFill>
+                <a:latin typeface="+mn-lt"/>
+                <a:ea typeface="+mn-ea"/>
+                <a:cs typeface="+mn-cs"/>
+              </a:defRPr>
+            </a:lvl6pPr>
+            <a:lvl7pPr marL="2743200" indent="0" algn="l" defTabSz="914400" rtl="0" eaLnBrk="1" latinLnBrk="0" hangingPunct="1">
+              <a:lnSpc>
+                <a:spcPct val="90000"/>
+              </a:lnSpc>
+              <a:spcBef>
+                <a:spcPts val="500"/>
+              </a:spcBef>
+              <a:buFont typeface="Arial" panose="020B0604020202020204" pitchFamily="34" charset="0"/>
+              <a:buNone/>
+              <a:defRPr sz="1600" b="1" kern="1200">
+                <a:solidFill>
+                  <a:schemeClr val="tx1"/>
+                </a:solidFill>
+                <a:latin typeface="+mn-lt"/>
+                <a:ea typeface="+mn-ea"/>
+                <a:cs typeface="+mn-cs"/>
+              </a:defRPr>
+            </a:lvl7pPr>
+            <a:lvl8pPr marL="3200400" indent="0" algn="l" defTabSz="914400" rtl="0" eaLnBrk="1" latinLnBrk="0" hangingPunct="1">
+              <a:lnSpc>
+                <a:spcPct val="90000"/>
+              </a:lnSpc>
+              <a:spcBef>
+                <a:spcPts val="500"/>
+              </a:spcBef>
+              <a:buFont typeface="Arial" panose="020B0604020202020204" pitchFamily="34" charset="0"/>
+              <a:buNone/>
+              <a:defRPr sz="1600" b="1" kern="1200">
+                <a:solidFill>
+                  <a:schemeClr val="tx1"/>
+                </a:solidFill>
+                <a:latin typeface="+mn-lt"/>
+                <a:ea typeface="+mn-ea"/>
+                <a:cs typeface="+mn-cs"/>
+              </a:defRPr>
+            </a:lvl8pPr>
+            <a:lvl9pPr marL="3657600" indent="0" algn="l" defTabSz="914400" rtl="0" eaLnBrk="1" latinLnBrk="0" hangingPunct="1">
+              <a:lnSpc>
+                <a:spcPct val="90000"/>
+              </a:lnSpc>
+              <a:spcBef>
+                <a:spcPts val="500"/>
+              </a:spcBef>
+              <a:buFont typeface="Arial" panose="020B0604020202020204" pitchFamily="34" charset="0"/>
+              <a:buNone/>
+              <a:defRPr sz="1600" b="1" kern="1200">
+                <a:solidFill>
+                  <a:schemeClr val="tx1"/>
+                </a:solidFill>
+                <a:latin typeface="+mn-lt"/>
+                <a:ea typeface="+mn-ea"/>
+                <a:cs typeface="+mn-cs"/>
+              </a:defRPr>
+            </a:lvl9pPr>
+          </a:lstStyle>
+          <a:p>
+            <a:r>
+              <a:rPr lang="hr-HR" sz="3000" dirty="0">
+                <a:latin typeface="Tahoma" panose="020B0604030504040204" pitchFamily="34" charset="0"/>
+                <a:ea typeface="Tahoma" panose="020B0604030504040204" pitchFamily="34" charset="0"/>
+                <a:cs typeface="Tahoma" panose="020B0604030504040204" pitchFamily="34" charset="0"/>
+              </a:rPr>
+              <a:t>ANALIZA KORIŠTENIH PODATAKA</a:t>
+            </a:r>
+            <a:endParaRPr lang="en-GB" sz="3000" dirty="0">
               <a:latin typeface="Tahoma" panose="020B0604030504040204" pitchFamily="34" charset="0"/>
               <a:ea typeface="Tahoma" panose="020B0604030504040204" pitchFamily="34" charset="0"/>
               <a:cs typeface="Tahoma" panose="020B0604030504040204" pitchFamily="34" charset="0"/>
             </a:endParaRPr>
           </a:p>
-          <a:p>
-            <a:pPr marL="342900" indent="-342900">
+        </p:txBody>
+      </p:sp>
+      <p:sp>
+        <p:nvSpPr>
+          <p:cNvPr id="19" name="Rezervirano mjesto teksta 5">
+            <a:extLst>
+              <a:ext uri="{FF2B5EF4-FFF2-40B4-BE49-F238E27FC236}">
+                <a16:creationId xmlns:a16="http://schemas.microsoft.com/office/drawing/2014/main" id="{2AC28504-A7E1-230B-0FAF-75AB71F49E32}"/>
+              </a:ext>
+            </a:extLst>
+          </p:cNvPr>
+          <p:cNvSpPr txBox="1">
+            <a:spLocks/>
+          </p:cNvSpPr>
+          <p:nvPr/>
+        </p:nvSpPr>
+        <p:spPr>
+          <a:xfrm>
+            <a:off x="369731" y="2021196"/>
+            <a:ext cx="6286123" cy="1078263"/>
+          </a:xfrm>
+          <a:prstGeom prst="rect">
+            <a:avLst/>
+          </a:prstGeom>
+        </p:spPr>
+        <p:txBody>
+          <a:bodyPr vert="horz" lIns="91440" tIns="45720" rIns="91440" bIns="45720" rtlCol="0" anchor="t">
+            <a:noAutofit/>
+          </a:bodyPr>
+          <a:lstStyle>
+            <a:lvl1pPr marL="0" indent="0" algn="ctr" defTabSz="914400" rtl="0" eaLnBrk="1" latinLnBrk="0" hangingPunct="1">
+              <a:lnSpc>
+                <a:spcPct val="90000"/>
+              </a:lnSpc>
+              <a:spcBef>
+                <a:spcPts val="1000"/>
+              </a:spcBef>
+              <a:buFont typeface="Arial" panose="020B0604020202020204" pitchFamily="34" charset="0"/>
+              <a:buNone/>
+              <a:defRPr lang="en-US" sz="1000" kern="1200" spc="150" baseline="0" dirty="0" smtClean="0">
+                <a:solidFill>
+                  <a:schemeClr val="tx1"/>
+                </a:solidFill>
+                <a:latin typeface="+mj-lt"/>
+                <a:ea typeface="+mj-ea"/>
+                <a:cs typeface="+mj-cs"/>
+              </a:defRPr>
+            </a:lvl1pPr>
+            <a:lvl2pPr marL="457200" indent="0" algn="l" defTabSz="914400" rtl="0" eaLnBrk="1" latinLnBrk="0" hangingPunct="1">
+              <a:lnSpc>
+                <a:spcPct val="90000"/>
+              </a:lnSpc>
+              <a:spcBef>
+                <a:spcPts val="500"/>
+              </a:spcBef>
+              <a:buFont typeface="Arial" panose="020B0604020202020204" pitchFamily="34" charset="0"/>
+              <a:buNone/>
+              <a:defRPr sz="2000" b="1" kern="1200">
+                <a:solidFill>
+                  <a:schemeClr val="tx1"/>
+                </a:solidFill>
+                <a:latin typeface="+mn-lt"/>
+                <a:ea typeface="+mn-ea"/>
+                <a:cs typeface="+mn-cs"/>
+              </a:defRPr>
+            </a:lvl2pPr>
+            <a:lvl3pPr marL="914400" indent="0" algn="l" defTabSz="914400" rtl="0" eaLnBrk="1" latinLnBrk="0" hangingPunct="1">
+              <a:lnSpc>
+                <a:spcPct val="90000"/>
+              </a:lnSpc>
+              <a:spcBef>
+                <a:spcPts val="500"/>
+              </a:spcBef>
+              <a:buFont typeface="Arial" panose="020B0604020202020204" pitchFamily="34" charset="0"/>
+              <a:buNone/>
+              <a:defRPr sz="1800" b="1" kern="1200">
+                <a:solidFill>
+                  <a:schemeClr val="tx1"/>
+                </a:solidFill>
+                <a:latin typeface="+mn-lt"/>
+                <a:ea typeface="+mn-ea"/>
+                <a:cs typeface="+mn-cs"/>
+              </a:defRPr>
+            </a:lvl3pPr>
+            <a:lvl4pPr marL="1371600" indent="0" algn="l" defTabSz="914400" rtl="0" eaLnBrk="1" latinLnBrk="0" hangingPunct="1">
+              <a:lnSpc>
+                <a:spcPct val="90000"/>
+              </a:lnSpc>
+              <a:spcBef>
+                <a:spcPts val="500"/>
+              </a:spcBef>
+              <a:buFont typeface="Arial" panose="020B0604020202020204" pitchFamily="34" charset="0"/>
+              <a:buNone/>
+              <a:defRPr sz="1600" b="1" kern="1200">
+                <a:solidFill>
+                  <a:schemeClr val="tx1"/>
+                </a:solidFill>
+                <a:latin typeface="+mn-lt"/>
+                <a:ea typeface="+mn-ea"/>
+                <a:cs typeface="+mn-cs"/>
+              </a:defRPr>
+            </a:lvl4pPr>
+            <a:lvl5pPr marL="1828800" indent="0" algn="l" defTabSz="914400" rtl="0" eaLnBrk="1" latinLnBrk="0" hangingPunct="1">
+              <a:lnSpc>
+                <a:spcPct val="90000"/>
+              </a:lnSpc>
+              <a:spcBef>
+                <a:spcPts val="500"/>
+              </a:spcBef>
+              <a:buFont typeface="Arial" panose="020B0604020202020204" pitchFamily="34" charset="0"/>
+              <a:buNone/>
+              <a:defRPr sz="1600" b="1" kern="1200">
+                <a:solidFill>
+                  <a:schemeClr val="tx1"/>
+                </a:solidFill>
+                <a:latin typeface="+mn-lt"/>
+                <a:ea typeface="+mn-ea"/>
+                <a:cs typeface="+mn-cs"/>
+              </a:defRPr>
+            </a:lvl5pPr>
+            <a:lvl6pPr marL="2286000" indent="0" algn="l" defTabSz="914400" rtl="0" eaLnBrk="1" latinLnBrk="0" hangingPunct="1">
+              <a:lnSpc>
+                <a:spcPct val="90000"/>
+              </a:lnSpc>
+              <a:spcBef>
+                <a:spcPts val="500"/>
+              </a:spcBef>
+              <a:buFont typeface="Arial" panose="020B0604020202020204" pitchFamily="34" charset="0"/>
+              <a:buNone/>
+              <a:defRPr sz="1600" b="1" kern="1200">
+                <a:solidFill>
+                  <a:schemeClr val="tx1"/>
+                </a:solidFill>
+                <a:latin typeface="+mn-lt"/>
+                <a:ea typeface="+mn-ea"/>
+                <a:cs typeface="+mn-cs"/>
+              </a:defRPr>
+            </a:lvl6pPr>
+            <a:lvl7pPr marL="2743200" indent="0" algn="l" defTabSz="914400" rtl="0" eaLnBrk="1" latinLnBrk="0" hangingPunct="1">
+              <a:lnSpc>
+                <a:spcPct val="90000"/>
+              </a:lnSpc>
+              <a:spcBef>
+                <a:spcPts val="500"/>
+              </a:spcBef>
+              <a:buFont typeface="Arial" panose="020B0604020202020204" pitchFamily="34" charset="0"/>
+              <a:buNone/>
+              <a:defRPr sz="1600" b="1" kern="1200">
+                <a:solidFill>
+                  <a:schemeClr val="tx1"/>
+                </a:solidFill>
+                <a:latin typeface="+mn-lt"/>
+                <a:ea typeface="+mn-ea"/>
+                <a:cs typeface="+mn-cs"/>
+              </a:defRPr>
+            </a:lvl7pPr>
+            <a:lvl8pPr marL="3200400" indent="0" algn="l" defTabSz="914400" rtl="0" eaLnBrk="1" latinLnBrk="0" hangingPunct="1">
+              <a:lnSpc>
+                <a:spcPct val="90000"/>
+              </a:lnSpc>
+              <a:spcBef>
+                <a:spcPts val="500"/>
+              </a:spcBef>
+              <a:buFont typeface="Arial" panose="020B0604020202020204" pitchFamily="34" charset="0"/>
+              <a:buNone/>
+              <a:defRPr sz="1600" b="1" kern="1200">
+                <a:solidFill>
+                  <a:schemeClr val="tx1"/>
+                </a:solidFill>
+                <a:latin typeface="+mn-lt"/>
+                <a:ea typeface="+mn-ea"/>
+                <a:cs typeface="+mn-cs"/>
+              </a:defRPr>
+            </a:lvl8pPr>
+            <a:lvl9pPr marL="3657600" indent="0" algn="l" defTabSz="914400" rtl="0" eaLnBrk="1" latinLnBrk="0" hangingPunct="1">
+              <a:lnSpc>
+                <a:spcPct val="90000"/>
+              </a:lnSpc>
+              <a:spcBef>
+                <a:spcPts val="500"/>
+              </a:spcBef>
+              <a:buFont typeface="Arial" panose="020B0604020202020204" pitchFamily="34" charset="0"/>
+              <a:buNone/>
+              <a:defRPr sz="1600" b="1" kern="1200">
+                <a:solidFill>
+                  <a:schemeClr val="tx1"/>
+                </a:solidFill>
+                <a:latin typeface="+mn-lt"/>
+                <a:ea typeface="+mn-ea"/>
+                <a:cs typeface="+mn-cs"/>
+              </a:defRPr>
+            </a:lvl9pPr>
+          </a:lstStyle>
+          <a:p>
+            <a:pPr marL="342900" indent="-342900" algn="l">
               <a:buFont typeface="Arial" panose="020B0604020202020204" pitchFamily="34" charset="0"/>
               <a:buChar char="•"/>
             </a:pPr>
             <a:r>
-              <a:rPr lang="hr-HR" sz="2500" dirty="0">
-                <a:latin typeface="Tahoma" panose="020B0604030504040204" pitchFamily="34" charset="0"/>
-                <a:ea typeface="Tahoma" panose="020B0604030504040204" pitchFamily="34" charset="0"/>
-                <a:cs typeface="Tahoma" panose="020B0604030504040204" pitchFamily="34" charset="0"/>
-              </a:rPr>
-              <a:t>Cilj: </a:t>
-            </a:r>
-            <a:r>
-              <a:rPr lang="en-GB" sz="2500" dirty="0" err="1">
-                <a:latin typeface="Tahoma" panose="020B0604030504040204" pitchFamily="34" charset="0"/>
-                <a:ea typeface="Tahoma" panose="020B0604030504040204" pitchFamily="34" charset="0"/>
-                <a:cs typeface="Tahoma" panose="020B0604030504040204" pitchFamily="34" charset="0"/>
-              </a:rPr>
-              <a:t>razvoj</a:t>
-            </a:r>
-            <a:r>
-              <a:rPr lang="en-GB" sz="2500" dirty="0">
+              <a:rPr lang="hr-HR" sz="2300" dirty="0">
+                <a:latin typeface="Tahoma" panose="020B0604030504040204" pitchFamily="34" charset="0"/>
+                <a:ea typeface="Tahoma" panose="020B0604030504040204" pitchFamily="34" charset="0"/>
+                <a:cs typeface="Tahoma" panose="020B0604030504040204" pitchFamily="34" charset="0"/>
+              </a:rPr>
+              <a:t>Ukupno </a:t>
+            </a:r>
+            <a:r>
+              <a:rPr lang="hr-HR" sz="2300" b="1" dirty="0">
+                <a:latin typeface="Tahoma" panose="020B0604030504040204" pitchFamily="34" charset="0"/>
+                <a:ea typeface="Tahoma" panose="020B0604030504040204" pitchFamily="34" charset="0"/>
+                <a:cs typeface="Tahoma" panose="020B0604030504040204" pitchFamily="34" charset="0"/>
+              </a:rPr>
+              <a:t>148 sudionika</a:t>
+            </a:r>
+          </a:p>
+          <a:p>
+            <a:pPr marL="342900" indent="-342900" algn="l">
+              <a:buFont typeface="Arial" panose="020B0604020202020204" pitchFamily="34" charset="0"/>
+              <a:buChar char="•"/>
+            </a:pPr>
+            <a:r>
+              <a:rPr lang="hr-HR" sz="2300" b="1" dirty="0" err="1">
+                <a:latin typeface="Tahoma" panose="020B0604030504040204" pitchFamily="34" charset="0"/>
+                <a:ea typeface="Tahoma" panose="020B0604030504040204" pitchFamily="34" charset="0"/>
+                <a:cs typeface="Tahoma" panose="020B0604030504040204" pitchFamily="34" charset="0"/>
+              </a:rPr>
+              <a:t>NIfTI</a:t>
+            </a:r>
+            <a:r>
+              <a:rPr lang="hr-HR" sz="2300" b="1" dirty="0">
                 <a:latin typeface="Tahoma" panose="020B0604030504040204" pitchFamily="34" charset="0"/>
                 <a:ea typeface="Tahoma" panose="020B0604030504040204" pitchFamily="34" charset="0"/>
                 <a:cs typeface="Tahoma" panose="020B0604030504040204" pitchFamily="34" charset="0"/>
@@ -18276,271 +19913,86 @@
               <a:t> </a:t>
             </a:r>
             <a:r>
-              <a:rPr lang="en-GB" sz="2500" dirty="0" err="1">
-                <a:latin typeface="Tahoma" panose="020B0604030504040204" pitchFamily="34" charset="0"/>
-                <a:ea typeface="Tahoma" panose="020B0604030504040204" pitchFamily="34" charset="0"/>
-                <a:cs typeface="Tahoma" panose="020B0604030504040204" pitchFamily="34" charset="0"/>
-              </a:rPr>
-              <a:t>biomarkera</a:t>
-            </a:r>
-            <a:r>
-              <a:rPr lang="en-GB" sz="2500" dirty="0">
-                <a:latin typeface="Tahoma" panose="020B0604030504040204" pitchFamily="34" charset="0"/>
-                <a:ea typeface="Tahoma" panose="020B0604030504040204" pitchFamily="34" charset="0"/>
-                <a:cs typeface="Tahoma" panose="020B0604030504040204" pitchFamily="34" charset="0"/>
-              </a:rPr>
-              <a:t> za </a:t>
-            </a:r>
-            <a:r>
-              <a:rPr lang="en-GB" sz="2500" dirty="0" err="1">
-                <a:latin typeface="Tahoma" panose="020B0604030504040204" pitchFamily="34" charset="0"/>
-                <a:ea typeface="Tahoma" panose="020B0604030504040204" pitchFamily="34" charset="0"/>
-                <a:cs typeface="Tahoma" panose="020B0604030504040204" pitchFamily="34" charset="0"/>
-              </a:rPr>
-              <a:t>rano</a:t>
-            </a:r>
-            <a:r>
-              <a:rPr lang="en-GB" sz="2500" dirty="0">
-                <a:latin typeface="Tahoma" panose="020B0604030504040204" pitchFamily="34" charset="0"/>
-                <a:ea typeface="Tahoma" panose="020B0604030504040204" pitchFamily="34" charset="0"/>
-                <a:cs typeface="Tahoma" panose="020B0604030504040204" pitchFamily="34" charset="0"/>
-              </a:rPr>
-              <a:t> </a:t>
-            </a:r>
-            <a:r>
-              <a:rPr lang="en-GB" sz="2500" dirty="0" err="1">
-                <a:latin typeface="Tahoma" panose="020B0604030504040204" pitchFamily="34" charset="0"/>
-                <a:ea typeface="Tahoma" panose="020B0604030504040204" pitchFamily="34" charset="0"/>
-                <a:cs typeface="Tahoma" panose="020B0604030504040204" pitchFamily="34" charset="0"/>
-              </a:rPr>
-              <a:t>otkrivanje</a:t>
-            </a:r>
-            <a:r>
-              <a:rPr lang="en-GB" sz="2500" dirty="0">
-                <a:latin typeface="Tahoma" panose="020B0604030504040204" pitchFamily="34" charset="0"/>
-                <a:ea typeface="Tahoma" panose="020B0604030504040204" pitchFamily="34" charset="0"/>
-                <a:cs typeface="Tahoma" panose="020B0604030504040204" pitchFamily="34" charset="0"/>
-              </a:rPr>
-              <a:t> </a:t>
-            </a:r>
-            <a:r>
-              <a:rPr lang="en-GB" sz="2500" dirty="0" err="1">
-                <a:latin typeface="Tahoma" panose="020B0604030504040204" pitchFamily="34" charset="0"/>
-                <a:ea typeface="Tahoma" panose="020B0604030504040204" pitchFamily="34" charset="0"/>
-                <a:cs typeface="Tahoma" panose="020B0604030504040204" pitchFamily="34" charset="0"/>
-              </a:rPr>
-              <a:t>i</a:t>
-            </a:r>
-            <a:r>
-              <a:rPr lang="en-GB" sz="2500" dirty="0">
-                <a:latin typeface="Tahoma" panose="020B0604030504040204" pitchFamily="34" charset="0"/>
-                <a:ea typeface="Tahoma" panose="020B0604030504040204" pitchFamily="34" charset="0"/>
-                <a:cs typeface="Tahoma" panose="020B0604030504040204" pitchFamily="34" charset="0"/>
-              </a:rPr>
-              <a:t> </a:t>
-            </a:r>
-            <a:r>
-              <a:rPr lang="en-GB" sz="2500" dirty="0" err="1">
-                <a:latin typeface="Tahoma" panose="020B0604030504040204" pitchFamily="34" charset="0"/>
-                <a:ea typeface="Tahoma" panose="020B0604030504040204" pitchFamily="34" charset="0"/>
-                <a:cs typeface="Tahoma" panose="020B0604030504040204" pitchFamily="34" charset="0"/>
-              </a:rPr>
-              <a:t>praćenje</a:t>
-            </a:r>
-            <a:r>
-              <a:rPr lang="en-GB" sz="2500" dirty="0">
-                <a:latin typeface="Tahoma" panose="020B0604030504040204" pitchFamily="34" charset="0"/>
-                <a:ea typeface="Tahoma" panose="020B0604030504040204" pitchFamily="34" charset="0"/>
-                <a:cs typeface="Tahoma" panose="020B0604030504040204" pitchFamily="34" charset="0"/>
-              </a:rPr>
-              <a:t> </a:t>
-            </a:r>
-            <a:r>
-              <a:rPr lang="en-GB" sz="2500" dirty="0" err="1">
-                <a:latin typeface="Tahoma" panose="020B0604030504040204" pitchFamily="34" charset="0"/>
-                <a:ea typeface="Tahoma" panose="020B0604030504040204" pitchFamily="34" charset="0"/>
-                <a:cs typeface="Tahoma" panose="020B0604030504040204" pitchFamily="34" charset="0"/>
-              </a:rPr>
-              <a:t>Alzheimerove</a:t>
-            </a:r>
-            <a:r>
-              <a:rPr lang="en-GB" sz="2500" dirty="0">
-                <a:latin typeface="Tahoma" panose="020B0604030504040204" pitchFamily="34" charset="0"/>
-                <a:ea typeface="Tahoma" panose="020B0604030504040204" pitchFamily="34" charset="0"/>
-                <a:cs typeface="Tahoma" panose="020B0604030504040204" pitchFamily="34" charset="0"/>
-              </a:rPr>
-              <a:t> bole</a:t>
-            </a:r>
-            <a:r>
-              <a:rPr lang="hr-HR" sz="2500" dirty="0">
-                <a:latin typeface="Tahoma" panose="020B0604030504040204" pitchFamily="34" charset="0"/>
-                <a:ea typeface="Tahoma" panose="020B0604030504040204" pitchFamily="34" charset="0"/>
-                <a:cs typeface="Tahoma" panose="020B0604030504040204" pitchFamily="34" charset="0"/>
-              </a:rPr>
-              <a:t>s</a:t>
-            </a:r>
-            <a:r>
-              <a:rPr lang="en-GB" sz="2500" dirty="0" err="1">
-                <a:latin typeface="Tahoma" panose="020B0604030504040204" pitchFamily="34" charset="0"/>
-                <a:ea typeface="Tahoma" panose="020B0604030504040204" pitchFamily="34" charset="0"/>
-                <a:cs typeface="Tahoma" panose="020B0604030504040204" pitchFamily="34" charset="0"/>
-              </a:rPr>
-              <a:t>ti</a:t>
-            </a:r>
-            <a:endParaRPr lang="hr-HR" sz="2500" dirty="0">
+              <a:rPr lang="hr-HR" sz="2300" dirty="0">
+                <a:latin typeface="Tahoma" panose="020B0604030504040204" pitchFamily="34" charset="0"/>
+                <a:ea typeface="Tahoma" panose="020B0604030504040204" pitchFamily="34" charset="0"/>
+                <a:cs typeface="Tahoma" panose="020B0604030504040204" pitchFamily="34" charset="0"/>
+              </a:rPr>
+              <a:t>format</a:t>
+            </a:r>
+          </a:p>
+          <a:p>
+            <a:endParaRPr lang="en-GB" sz="2500" b="1" dirty="0">
               <a:latin typeface="Tahoma" panose="020B0604030504040204" pitchFamily="34" charset="0"/>
               <a:ea typeface="Tahoma" panose="020B0604030504040204" pitchFamily="34" charset="0"/>
               <a:cs typeface="Tahoma" panose="020B0604030504040204" pitchFamily="34" charset="0"/>
             </a:endParaRPr>
           </a:p>
-          <a:p>
-            <a:pPr marL="342900" indent="-342900">
-              <a:buFont typeface="Arial" panose="020B0604020202020204" pitchFamily="34" charset="0"/>
-              <a:buChar char="•"/>
-            </a:pPr>
-            <a:r>
-              <a:rPr lang="hr-HR" sz="2500" dirty="0">
-                <a:latin typeface="Tahoma" panose="020B0604030504040204" pitchFamily="34" charset="0"/>
-                <a:ea typeface="Tahoma" panose="020B0604030504040204" pitchFamily="34" charset="0"/>
-                <a:cs typeface="Tahoma" panose="020B0604030504040204" pitchFamily="34" charset="0"/>
-              </a:rPr>
-              <a:t>Podaci: slike mozga (MRI i PET), genetske podatke, kognitivne testove, </a:t>
-            </a:r>
-            <a:r>
-              <a:rPr lang="hr-HR" sz="2500" dirty="0" err="1">
-                <a:latin typeface="Tahoma" panose="020B0604030504040204" pitchFamily="34" charset="0"/>
-                <a:ea typeface="Tahoma" panose="020B0604030504040204" pitchFamily="34" charset="0"/>
-                <a:cs typeface="Tahoma" panose="020B0604030504040204" pitchFamily="34" charset="0"/>
-              </a:rPr>
-              <a:t>biomarkere</a:t>
-            </a:r>
-            <a:r>
-              <a:rPr lang="hr-HR" sz="2500" dirty="0">
-                <a:latin typeface="Tahoma" panose="020B0604030504040204" pitchFamily="34" charset="0"/>
-                <a:ea typeface="Tahoma" panose="020B0604030504040204" pitchFamily="34" charset="0"/>
-                <a:cs typeface="Tahoma" panose="020B0604030504040204" pitchFamily="34" charset="0"/>
-              </a:rPr>
-              <a:t> iz cerebrospinalne tekućine i krvi</a:t>
-            </a:r>
-          </a:p>
-          <a:p>
-            <a:pPr marL="342900" indent="-342900">
-              <a:buFont typeface="Arial" panose="020B0604020202020204" pitchFamily="34" charset="0"/>
-              <a:buChar char="•"/>
-            </a:pPr>
-            <a:r>
-              <a:rPr lang="hr-HR" sz="2500" dirty="0">
-                <a:latin typeface="Tahoma" panose="020B0604030504040204" pitchFamily="34" charset="0"/>
-                <a:ea typeface="Tahoma" panose="020B0604030504040204" pitchFamily="34" charset="0"/>
-                <a:cs typeface="Tahoma" panose="020B0604030504040204" pitchFamily="34" charset="0"/>
-              </a:rPr>
-              <a:t>3 dijagnostičke grupe: CN, MCI, AD </a:t>
-            </a:r>
-          </a:p>
-          <a:p>
-            <a:pPr marL="342900" indent="-342900">
-              <a:buFont typeface="Arial" panose="020B0604020202020204" pitchFamily="34" charset="0"/>
-              <a:buChar char="•"/>
-            </a:pPr>
-            <a:r>
-              <a:rPr lang="en-GB" sz="2500" dirty="0" err="1">
-                <a:latin typeface="Tahoma" panose="020B0604030504040204" pitchFamily="34" charset="0"/>
-                <a:ea typeface="Tahoma" panose="020B0604030504040204" pitchFamily="34" charset="0"/>
-                <a:cs typeface="Tahoma" panose="020B0604030504040204" pitchFamily="34" charset="0"/>
-              </a:rPr>
-              <a:t>su</a:t>
-            </a:r>
-            <a:r>
-              <a:rPr lang="hr-HR" sz="2500" dirty="0">
-                <a:latin typeface="Tahoma" panose="020B0604030504040204" pitchFamily="34" charset="0"/>
-                <a:ea typeface="Tahoma" panose="020B0604030504040204" pitchFamily="34" charset="0"/>
-                <a:cs typeface="Tahoma" panose="020B0604030504040204" pitchFamily="34" charset="0"/>
-              </a:rPr>
-              <a:t>dionici</a:t>
-            </a:r>
-            <a:r>
-              <a:rPr lang="en-GB" sz="2500" dirty="0">
-                <a:latin typeface="Tahoma" panose="020B0604030504040204" pitchFamily="34" charset="0"/>
-                <a:ea typeface="Tahoma" panose="020B0604030504040204" pitchFamily="34" charset="0"/>
-                <a:cs typeface="Tahoma" panose="020B0604030504040204" pitchFamily="34" charset="0"/>
-              </a:rPr>
-              <a:t> u </a:t>
-            </a:r>
-            <a:r>
-              <a:rPr lang="en-GB" sz="2500" dirty="0" err="1">
-                <a:latin typeface="Tahoma" panose="020B0604030504040204" pitchFamily="34" charset="0"/>
-                <a:ea typeface="Tahoma" panose="020B0604030504040204" pitchFamily="34" charset="0"/>
-                <a:cs typeface="Tahoma" panose="020B0604030504040204" pitchFamily="34" charset="0"/>
-              </a:rPr>
-              <a:t>dobi</a:t>
-            </a:r>
-            <a:r>
-              <a:rPr lang="en-GB" sz="2500" dirty="0">
-                <a:latin typeface="Tahoma" panose="020B0604030504040204" pitchFamily="34" charset="0"/>
-                <a:ea typeface="Tahoma" panose="020B0604030504040204" pitchFamily="34" charset="0"/>
-                <a:cs typeface="Tahoma" panose="020B0604030504040204" pitchFamily="34" charset="0"/>
-              </a:rPr>
-              <a:t> od 55 do 90</a:t>
-            </a:r>
-            <a:r>
-              <a:rPr lang="hr-HR" sz="2500" dirty="0">
-                <a:latin typeface="Tahoma" panose="020B0604030504040204" pitchFamily="34" charset="0"/>
-                <a:ea typeface="Tahoma" panose="020B0604030504040204" pitchFamily="34" charset="0"/>
-                <a:cs typeface="Tahoma" panose="020B0604030504040204" pitchFamily="34" charset="0"/>
-              </a:rPr>
-              <a:t> </a:t>
-            </a:r>
-            <a:r>
-              <a:rPr lang="en-GB" sz="2500" dirty="0" err="1">
-                <a:latin typeface="Tahoma" panose="020B0604030504040204" pitchFamily="34" charset="0"/>
-                <a:ea typeface="Tahoma" panose="020B0604030504040204" pitchFamily="34" charset="0"/>
-                <a:cs typeface="Tahoma" panose="020B0604030504040204" pitchFamily="34" charset="0"/>
-              </a:rPr>
-              <a:t>godina</a:t>
-            </a:r>
-            <a:endParaRPr lang="en-GB" sz="2500" dirty="0">
-              <a:latin typeface="Tahoma" panose="020B0604030504040204" pitchFamily="34" charset="0"/>
-              <a:ea typeface="Tahoma" panose="020B0604030504040204" pitchFamily="34" charset="0"/>
-              <a:cs typeface="Tahoma" panose="020B0604030504040204" pitchFamily="34" charset="0"/>
-            </a:endParaRPr>
-          </a:p>
-        </p:txBody>
-      </p:sp>
-      <p:sp>
-        <p:nvSpPr>
-          <p:cNvPr id="11" name="Rezervirano mjesto broja slajda 10">
-            <a:extLst>
-              <a:ext uri="{FF2B5EF4-FFF2-40B4-BE49-F238E27FC236}">
-                <a16:creationId xmlns:a16="http://schemas.microsoft.com/office/drawing/2014/main" id="{8734877C-EB3A-DF68-6C09-4BB0C41303AF}"/>
-              </a:ext>
-            </a:extLst>
-          </p:cNvPr>
-          <p:cNvSpPr>
-            <a:spLocks noGrp="1"/>
-          </p:cNvSpPr>
-          <p:nvPr>
-            <p:ph type="sldNum" sz="quarter" idx="22"/>
-          </p:nvPr>
-        </p:nvSpPr>
-        <p:spPr/>
-        <p:txBody>
-          <a:bodyPr/>
-          <a:lstStyle/>
-          <a:p>
-            <a:pPr rtl="0"/>
-            <a:fld id="{B5CEABB6-07DC-46E8-9B57-56EC44A396E5}" type="slidenum">
-              <a:rPr lang="en-GB" noProof="0" smtClean="0"/>
-              <a:pPr rtl="0"/>
-              <a:t>6</a:t>
-            </a:fld>
-            <a:endParaRPr lang="en-GB" noProof="0" dirty="0"/>
-          </a:p>
-        </p:txBody>
-      </p:sp>
+        </p:txBody>
+      </p:sp>
+      <p:pic>
+        <p:nvPicPr>
+          <p:cNvPr id="20" name="Picture 19">
+            <a:extLst>
+              <a:ext uri="{FF2B5EF4-FFF2-40B4-BE49-F238E27FC236}">
+                <a16:creationId xmlns:a16="http://schemas.microsoft.com/office/drawing/2014/main" id="{18571AC8-A93F-4C7D-2ADE-FDC30ECFB248}"/>
+              </a:ext>
+            </a:extLst>
+          </p:cNvPr>
+          <p:cNvPicPr>
+            <a:picLocks noChangeAspect="1"/>
+          </p:cNvPicPr>
+          <p:nvPr/>
+        </p:nvPicPr>
+        <p:blipFill>
+          <a:blip r:embed="rId2"/>
+          <a:stretch>
+            <a:fillRect/>
+          </a:stretch>
+        </p:blipFill>
+        <p:spPr>
+          <a:xfrm>
+            <a:off x="579518" y="3758541"/>
+            <a:ext cx="4597981" cy="1603331"/>
+          </a:xfrm>
+          <a:prstGeom prst="rect">
+            <a:avLst/>
+          </a:prstGeom>
+        </p:spPr>
+      </p:pic>
+      <p:pic>
+        <p:nvPicPr>
+          <p:cNvPr id="21" name="Picture 20">
+            <a:extLst>
+              <a:ext uri="{FF2B5EF4-FFF2-40B4-BE49-F238E27FC236}">
+                <a16:creationId xmlns:a16="http://schemas.microsoft.com/office/drawing/2014/main" id="{F7096B74-CCB0-06F9-6212-DD06E100777B}"/>
+              </a:ext>
+            </a:extLst>
+          </p:cNvPr>
+          <p:cNvPicPr>
+            <a:picLocks noChangeAspect="1"/>
+          </p:cNvPicPr>
+          <p:nvPr/>
+        </p:nvPicPr>
+        <p:blipFill rotWithShape="1">
+          <a:blip r:embed="rId3"/>
+          <a:srcRect l="5966" t="2952" r="9180"/>
+          <a:stretch/>
+        </p:blipFill>
+        <p:spPr>
+          <a:xfrm>
+            <a:off x="5681988" y="1757853"/>
+            <a:ext cx="5760861" cy="4288649"/>
+          </a:xfrm>
+          <a:prstGeom prst="rect">
+            <a:avLst/>
+          </a:prstGeom>
+        </p:spPr>
+      </p:pic>
     </p:spTree>
     <p:extLst>
       <p:ext uri="{BB962C8B-B14F-4D97-AF65-F5344CB8AC3E}">
-        <p14:creationId xmlns:p14="http://schemas.microsoft.com/office/powerpoint/2010/main" val="1298583019"/>
+        <p14:creationId xmlns:p14="http://schemas.microsoft.com/office/powerpoint/2010/main" val="1976940828"/>
       </p:ext>
     </p:extLst>
   </p:cSld>
@@ -18572,7 +20024,7 @@
           <p:cNvPr id="2" name="Naslov 1">
             <a:extLst>
               <a:ext uri="{FF2B5EF4-FFF2-40B4-BE49-F238E27FC236}">
-                <a16:creationId xmlns:a16="http://schemas.microsoft.com/office/drawing/2014/main" id="{7712E84F-0EED-27F8-2530-3898BC03C21C}"/>
+                <a16:creationId xmlns:a16="http://schemas.microsoft.com/office/drawing/2014/main" id="{50D5155D-22D9-FD7D-BAD2-29A55EDBE3B6}"/>
               </a:ext>
             </a:extLst>
           </p:cNvPr>
@@ -18585,15 +20037,29 @@
         </p:nvSpPr>
         <p:spPr>
           <a:xfrm>
-            <a:off x="5306020" y="630521"/>
-            <a:ext cx="5431971" cy="846301"/>
-          </a:xfrm>
-        </p:spPr>
-        <p:txBody>
-          <a:bodyPr/>
+            <a:off x="644320" y="784888"/>
+            <a:ext cx="5111750" cy="693790"/>
+          </a:xfrm>
+        </p:spPr>
+        <p:txBody>
+          <a:bodyPr>
+            <a:normAutofit/>
+          </a:bodyPr>
           <a:lstStyle/>
           <a:p>
-            <a:endParaRPr lang="en-GB" dirty="0"/>
+            <a:r>
+              <a:rPr lang="hr-HR" sz="3500" dirty="0">
+                <a:latin typeface="Tahoma" panose="020B0604030504040204" pitchFamily="34" charset="0"/>
+                <a:ea typeface="Tahoma" panose="020B0604030504040204" pitchFamily="34" charset="0"/>
+                <a:cs typeface="Tahoma" panose="020B0604030504040204" pitchFamily="34" charset="0"/>
+              </a:rPr>
+              <a:t>Strojno učenje</a:t>
+            </a:r>
+            <a:endParaRPr lang="en-GB" sz="3500" dirty="0">
+              <a:latin typeface="Tahoma" panose="020B0604030504040204" pitchFamily="34" charset="0"/>
+              <a:ea typeface="Tahoma" panose="020B0604030504040204" pitchFamily="34" charset="0"/>
+              <a:cs typeface="Tahoma" panose="020B0604030504040204" pitchFamily="34" charset="0"/>
+            </a:endParaRPr>
           </a:p>
         </p:txBody>
       </p:sp>
@@ -18602,157 +20068,493 @@
           <p:cNvPr id="3" name="Rezervirano mjesto teksta 2">
             <a:extLst>
               <a:ext uri="{FF2B5EF4-FFF2-40B4-BE49-F238E27FC236}">
-                <a16:creationId xmlns:a16="http://schemas.microsoft.com/office/drawing/2014/main" id="{2A4928C4-3E84-945A-87F2-9EEB31A83943}"/>
-              </a:ext>
-            </a:extLst>
-          </p:cNvPr>
-          <p:cNvSpPr>
-            <a:spLocks noGrp="1"/>
-          </p:cNvSpPr>
-          <p:nvPr>
-            <p:ph type="body" sz="quarter" idx="13"/>
-          </p:nvPr>
-        </p:nvSpPr>
-        <p:spPr/>
-        <p:txBody>
-          <a:bodyPr/>
+                <a16:creationId xmlns:a16="http://schemas.microsoft.com/office/drawing/2014/main" id="{AF3D3C3F-086D-36C8-1837-A84CC6070DF5}"/>
+              </a:ext>
+            </a:extLst>
+          </p:cNvPr>
+          <p:cNvSpPr>
+            <a:spLocks noGrp="1"/>
+          </p:cNvSpPr>
+          <p:nvPr>
+            <p:ph type="body" idx="1"/>
+          </p:nvPr>
+        </p:nvSpPr>
+        <p:spPr>
+          <a:xfrm>
+            <a:off x="644320" y="1762971"/>
+            <a:ext cx="8229599" cy="4153259"/>
+          </a:xfrm>
+        </p:spPr>
+        <p:txBody>
+          <a:bodyPr>
+            <a:normAutofit/>
+          </a:bodyPr>
           <a:lstStyle/>
           <a:p>
-            <a:endParaRPr lang="en-GB"/>
-          </a:p>
-        </p:txBody>
-      </p:sp>
-      <p:sp>
-        <p:nvSpPr>
-          <p:cNvPr id="4" name="Rezervirano mjesto teksta 3">
-            <a:extLst>
-              <a:ext uri="{FF2B5EF4-FFF2-40B4-BE49-F238E27FC236}">
-                <a16:creationId xmlns:a16="http://schemas.microsoft.com/office/drawing/2014/main" id="{6BDD095C-B22C-CB25-7F61-F3158E07297E}"/>
-              </a:ext>
-            </a:extLst>
-          </p:cNvPr>
-          <p:cNvSpPr>
-            <a:spLocks noGrp="1"/>
-          </p:cNvSpPr>
-          <p:nvPr>
-            <p:ph type="body" sz="quarter" idx="15"/>
-          </p:nvPr>
-        </p:nvSpPr>
-        <p:spPr/>
-        <p:txBody>
-          <a:bodyPr/>
-          <a:lstStyle/>
-          <a:p>
-            <a:endParaRPr lang="en-GB"/>
-          </a:p>
-        </p:txBody>
-      </p:sp>
-      <p:sp>
-        <p:nvSpPr>
-          <p:cNvPr id="5" name="Rezervirano mjesto teksta 4">
-            <a:extLst>
-              <a:ext uri="{FF2B5EF4-FFF2-40B4-BE49-F238E27FC236}">
-                <a16:creationId xmlns:a16="http://schemas.microsoft.com/office/drawing/2014/main" id="{0D890688-863A-9E82-2285-71D1F76E1CFA}"/>
-              </a:ext>
-            </a:extLst>
-          </p:cNvPr>
-          <p:cNvSpPr>
-            <a:spLocks noGrp="1"/>
-          </p:cNvSpPr>
-          <p:nvPr>
-            <p:ph type="body" sz="quarter" idx="23"/>
-          </p:nvPr>
-        </p:nvSpPr>
-        <p:spPr/>
-        <p:txBody>
-          <a:bodyPr/>
-          <a:lstStyle/>
-          <a:p>
-            <a:endParaRPr lang="en-GB"/>
-          </a:p>
-        </p:txBody>
-      </p:sp>
-      <p:sp>
-        <p:nvSpPr>
-          <p:cNvPr id="6" name="Rezervirano mjesto teksta 5">
-            <a:extLst>
-              <a:ext uri="{FF2B5EF4-FFF2-40B4-BE49-F238E27FC236}">
-                <a16:creationId xmlns:a16="http://schemas.microsoft.com/office/drawing/2014/main" id="{4452DD2C-BD05-B48F-DF3C-66CE2CBA20A9}"/>
-              </a:ext>
-            </a:extLst>
-          </p:cNvPr>
-          <p:cNvSpPr>
-            <a:spLocks noGrp="1"/>
-          </p:cNvSpPr>
-          <p:nvPr>
-            <p:ph type="body" sz="quarter" idx="24"/>
-          </p:nvPr>
-        </p:nvSpPr>
-        <p:spPr/>
-        <p:txBody>
-          <a:bodyPr/>
-          <a:lstStyle/>
-          <a:p>
-            <a:endParaRPr lang="en-GB"/>
-          </a:p>
-        </p:txBody>
-      </p:sp>
-      <p:sp>
-        <p:nvSpPr>
-          <p:cNvPr id="7" name="Rezervirano mjesto teksta 6">
-            <a:extLst>
-              <a:ext uri="{FF2B5EF4-FFF2-40B4-BE49-F238E27FC236}">
-                <a16:creationId xmlns:a16="http://schemas.microsoft.com/office/drawing/2014/main" id="{161E4E9C-8AA4-A653-83B4-E9375AF27BF1}"/>
-              </a:ext>
-            </a:extLst>
-          </p:cNvPr>
-          <p:cNvSpPr>
-            <a:spLocks noGrp="1"/>
-          </p:cNvSpPr>
-          <p:nvPr>
-            <p:ph type="body" sz="quarter" idx="25"/>
-          </p:nvPr>
-        </p:nvSpPr>
-        <p:spPr/>
-        <p:txBody>
-          <a:bodyPr/>
-          <a:lstStyle/>
-          <a:p>
-            <a:endParaRPr lang="en-GB"/>
-          </a:p>
-        </p:txBody>
-      </p:sp>
-      <p:sp>
-        <p:nvSpPr>
-          <p:cNvPr id="8" name="Rezervirano mjesto teksta 7">
-            <a:extLst>
-              <a:ext uri="{FF2B5EF4-FFF2-40B4-BE49-F238E27FC236}">
-                <a16:creationId xmlns:a16="http://schemas.microsoft.com/office/drawing/2014/main" id="{C47C9039-078D-B54E-5414-07F47171934E}"/>
-              </a:ext>
-            </a:extLst>
-          </p:cNvPr>
-          <p:cNvSpPr>
-            <a:spLocks noGrp="1"/>
-          </p:cNvSpPr>
-          <p:nvPr>
-            <p:ph type="body" sz="quarter" idx="26"/>
-          </p:nvPr>
-        </p:nvSpPr>
-        <p:spPr/>
-        <p:txBody>
-          <a:bodyPr/>
-          <a:lstStyle/>
-          <a:p>
-            <a:endParaRPr lang="en-GB"/>
-          </a:p>
-        </p:txBody>
-      </p:sp>
-      <p:sp>
-        <p:nvSpPr>
-          <p:cNvPr id="11" name="Rezervirano mjesto broja slajda 10">
-            <a:extLst>
-              <a:ext uri="{FF2B5EF4-FFF2-40B4-BE49-F238E27FC236}">
-                <a16:creationId xmlns:a16="http://schemas.microsoft.com/office/drawing/2014/main" id="{5E2A970F-40D3-443D-35F8-7EE2CEBE0815}"/>
+            <a:pPr marL="342900" indent="-342900">
+              <a:buFont typeface="Arial" panose="020B0604020202020204" pitchFamily="34" charset="0"/>
+              <a:buChar char="•"/>
+            </a:pPr>
+            <a:r>
+              <a:rPr lang="hr-HR" sz="2500" dirty="0">
+                <a:latin typeface="Tahoma" panose="020B0604030504040204" pitchFamily="34" charset="0"/>
+                <a:ea typeface="Tahoma" panose="020B0604030504040204" pitchFamily="34" charset="0"/>
+                <a:cs typeface="Tahoma" panose="020B0604030504040204" pitchFamily="34" charset="0"/>
+              </a:rPr>
+              <a:t>G</a:t>
+            </a:r>
+            <a:r>
+              <a:rPr lang="en-GB" sz="2500" dirty="0">
+                <a:latin typeface="Tahoma" panose="020B0604030504040204" pitchFamily="34" charset="0"/>
+                <a:ea typeface="Tahoma" panose="020B0604030504040204" pitchFamily="34" charset="0"/>
+                <a:cs typeface="Tahoma" panose="020B0604030504040204" pitchFamily="34" charset="0"/>
+              </a:rPr>
+              <a:t>rana </a:t>
+            </a:r>
+            <a:r>
+              <a:rPr lang="en-GB" sz="2500" dirty="0" err="1">
+                <a:latin typeface="Tahoma" panose="020B0604030504040204" pitchFamily="34" charset="0"/>
+                <a:ea typeface="Tahoma" panose="020B0604030504040204" pitchFamily="34" charset="0"/>
+                <a:cs typeface="Tahoma" panose="020B0604030504040204" pitchFamily="34" charset="0"/>
+              </a:rPr>
+              <a:t>umjetne</a:t>
+            </a:r>
+            <a:r>
+              <a:rPr lang="en-GB" sz="2500" dirty="0">
+                <a:latin typeface="Tahoma" panose="020B0604030504040204" pitchFamily="34" charset="0"/>
+                <a:ea typeface="Tahoma" panose="020B0604030504040204" pitchFamily="34" charset="0"/>
+                <a:cs typeface="Tahoma" panose="020B0604030504040204" pitchFamily="34" charset="0"/>
+              </a:rPr>
+              <a:t> </a:t>
+            </a:r>
+            <a:r>
+              <a:rPr lang="en-GB" sz="2500" dirty="0" err="1">
+                <a:latin typeface="Tahoma" panose="020B0604030504040204" pitchFamily="34" charset="0"/>
+                <a:ea typeface="Tahoma" panose="020B0604030504040204" pitchFamily="34" charset="0"/>
+                <a:cs typeface="Tahoma" panose="020B0604030504040204" pitchFamily="34" charset="0"/>
+              </a:rPr>
+              <a:t>inteligencije</a:t>
+            </a:r>
+            <a:r>
+              <a:rPr lang="en-GB" sz="2500" dirty="0">
+                <a:latin typeface="Tahoma" panose="020B0604030504040204" pitchFamily="34" charset="0"/>
+                <a:ea typeface="Tahoma" panose="020B0604030504040204" pitchFamily="34" charset="0"/>
+                <a:cs typeface="Tahoma" panose="020B0604030504040204" pitchFamily="34" charset="0"/>
+              </a:rPr>
+              <a:t> </a:t>
+            </a:r>
+            <a:r>
+              <a:rPr lang="en-GB" sz="2500" dirty="0" err="1">
+                <a:latin typeface="Tahoma" panose="020B0604030504040204" pitchFamily="34" charset="0"/>
+                <a:ea typeface="Tahoma" panose="020B0604030504040204" pitchFamily="34" charset="0"/>
+                <a:cs typeface="Tahoma" panose="020B0604030504040204" pitchFamily="34" charset="0"/>
+              </a:rPr>
+              <a:t>koja</a:t>
+            </a:r>
+            <a:r>
+              <a:rPr lang="en-GB" sz="2500" dirty="0">
+                <a:latin typeface="Tahoma" panose="020B0604030504040204" pitchFamily="34" charset="0"/>
+                <a:ea typeface="Tahoma" panose="020B0604030504040204" pitchFamily="34" charset="0"/>
+                <a:cs typeface="Tahoma" panose="020B0604030504040204" pitchFamily="34" charset="0"/>
+              </a:rPr>
+              <a:t> se </a:t>
+            </a:r>
+            <a:r>
+              <a:rPr lang="en-GB" sz="2500" dirty="0" err="1">
+                <a:latin typeface="Tahoma" panose="020B0604030504040204" pitchFamily="34" charset="0"/>
+                <a:ea typeface="Tahoma" panose="020B0604030504040204" pitchFamily="34" charset="0"/>
+                <a:cs typeface="Tahoma" panose="020B0604030504040204" pitchFamily="34" charset="0"/>
+              </a:rPr>
+              <a:t>temelji</a:t>
+            </a:r>
+            <a:r>
+              <a:rPr lang="en-GB" sz="2500" dirty="0">
+                <a:latin typeface="Tahoma" panose="020B0604030504040204" pitchFamily="34" charset="0"/>
+                <a:ea typeface="Tahoma" panose="020B0604030504040204" pitchFamily="34" charset="0"/>
+                <a:cs typeface="Tahoma" panose="020B0604030504040204" pitchFamily="34" charset="0"/>
+              </a:rPr>
+              <a:t> </a:t>
+            </a:r>
+            <a:r>
+              <a:rPr lang="en-GB" sz="2500" dirty="0" err="1">
+                <a:latin typeface="Tahoma" panose="020B0604030504040204" pitchFamily="34" charset="0"/>
+                <a:ea typeface="Tahoma" panose="020B0604030504040204" pitchFamily="34" charset="0"/>
+                <a:cs typeface="Tahoma" panose="020B0604030504040204" pitchFamily="34" charset="0"/>
+              </a:rPr>
+              <a:t>na</a:t>
+            </a:r>
+            <a:r>
+              <a:rPr lang="en-GB" sz="2500" dirty="0">
+                <a:latin typeface="Tahoma" panose="020B0604030504040204" pitchFamily="34" charset="0"/>
+                <a:ea typeface="Tahoma" panose="020B0604030504040204" pitchFamily="34" charset="0"/>
+                <a:cs typeface="Tahoma" panose="020B0604030504040204" pitchFamily="34" charset="0"/>
+              </a:rPr>
+              <a:t> </a:t>
+            </a:r>
+            <a:r>
+              <a:rPr lang="en-GB" sz="2500" dirty="0" err="1">
+                <a:latin typeface="Tahoma" panose="020B0604030504040204" pitchFamily="34" charset="0"/>
+                <a:ea typeface="Tahoma" panose="020B0604030504040204" pitchFamily="34" charset="0"/>
+                <a:cs typeface="Tahoma" panose="020B0604030504040204" pitchFamily="34" charset="0"/>
+              </a:rPr>
+              <a:t>razvijanju</a:t>
+            </a:r>
+            <a:r>
+              <a:rPr lang="en-GB" sz="2500" dirty="0">
+                <a:latin typeface="Tahoma" panose="020B0604030504040204" pitchFamily="34" charset="0"/>
+                <a:ea typeface="Tahoma" panose="020B0604030504040204" pitchFamily="34" charset="0"/>
+                <a:cs typeface="Tahoma" panose="020B0604030504040204" pitchFamily="34" charset="0"/>
+              </a:rPr>
+              <a:t> </a:t>
+            </a:r>
+            <a:r>
+              <a:rPr lang="en-GB" sz="2500" dirty="0" err="1">
+                <a:latin typeface="Tahoma" panose="020B0604030504040204" pitchFamily="34" charset="0"/>
+                <a:ea typeface="Tahoma" panose="020B0604030504040204" pitchFamily="34" charset="0"/>
+                <a:cs typeface="Tahoma" panose="020B0604030504040204" pitchFamily="34" charset="0"/>
+              </a:rPr>
+              <a:t>algoritama</a:t>
+            </a:r>
+            <a:r>
+              <a:rPr lang="en-GB" sz="2500" dirty="0">
+                <a:latin typeface="Tahoma" panose="020B0604030504040204" pitchFamily="34" charset="0"/>
+                <a:ea typeface="Tahoma" panose="020B0604030504040204" pitchFamily="34" charset="0"/>
+                <a:cs typeface="Tahoma" panose="020B0604030504040204" pitchFamily="34" charset="0"/>
+              </a:rPr>
+              <a:t> koji </a:t>
+            </a:r>
+            <a:r>
+              <a:rPr lang="en-GB" sz="2500" dirty="0" err="1">
+                <a:latin typeface="Tahoma" panose="020B0604030504040204" pitchFamily="34" charset="0"/>
+                <a:ea typeface="Tahoma" panose="020B0604030504040204" pitchFamily="34" charset="0"/>
+                <a:cs typeface="Tahoma" panose="020B0604030504040204" pitchFamily="34" charset="0"/>
+              </a:rPr>
+              <a:t>mogu</a:t>
+            </a:r>
+            <a:r>
+              <a:rPr lang="en-GB" sz="2500" dirty="0">
+                <a:latin typeface="Tahoma" panose="020B0604030504040204" pitchFamily="34" charset="0"/>
+                <a:ea typeface="Tahoma" panose="020B0604030504040204" pitchFamily="34" charset="0"/>
+                <a:cs typeface="Tahoma" panose="020B0604030504040204" pitchFamily="34" charset="0"/>
+              </a:rPr>
+              <a:t> </a:t>
+            </a:r>
+            <a:r>
+              <a:rPr lang="en-GB" sz="2500" dirty="0" err="1">
+                <a:latin typeface="Tahoma" panose="020B0604030504040204" pitchFamily="34" charset="0"/>
+                <a:ea typeface="Tahoma" panose="020B0604030504040204" pitchFamily="34" charset="0"/>
+                <a:cs typeface="Tahoma" panose="020B0604030504040204" pitchFamily="34" charset="0"/>
+              </a:rPr>
+              <a:t>učiti</a:t>
+            </a:r>
+            <a:r>
+              <a:rPr lang="en-GB" sz="2500" dirty="0">
+                <a:latin typeface="Tahoma" panose="020B0604030504040204" pitchFamily="34" charset="0"/>
+                <a:ea typeface="Tahoma" panose="020B0604030504040204" pitchFamily="34" charset="0"/>
+                <a:cs typeface="Tahoma" panose="020B0604030504040204" pitchFamily="34" charset="0"/>
+              </a:rPr>
+              <a:t> </a:t>
+            </a:r>
+            <a:r>
+              <a:rPr lang="en-GB" sz="2500" dirty="0" err="1">
+                <a:latin typeface="Tahoma" panose="020B0604030504040204" pitchFamily="34" charset="0"/>
+                <a:ea typeface="Tahoma" panose="020B0604030504040204" pitchFamily="34" charset="0"/>
+                <a:cs typeface="Tahoma" panose="020B0604030504040204" pitchFamily="34" charset="0"/>
+              </a:rPr>
+              <a:t>iz</a:t>
+            </a:r>
+            <a:r>
+              <a:rPr lang="en-GB" sz="2500" dirty="0">
+                <a:latin typeface="Tahoma" panose="020B0604030504040204" pitchFamily="34" charset="0"/>
+                <a:ea typeface="Tahoma" panose="020B0604030504040204" pitchFamily="34" charset="0"/>
+                <a:cs typeface="Tahoma" panose="020B0604030504040204" pitchFamily="34" charset="0"/>
+              </a:rPr>
+              <a:t> </a:t>
+            </a:r>
+            <a:r>
+              <a:rPr lang="en-GB" sz="2500" dirty="0" err="1">
+                <a:latin typeface="Tahoma" panose="020B0604030504040204" pitchFamily="34" charset="0"/>
+                <a:ea typeface="Tahoma" panose="020B0604030504040204" pitchFamily="34" charset="0"/>
+                <a:cs typeface="Tahoma" panose="020B0604030504040204" pitchFamily="34" charset="0"/>
+              </a:rPr>
+              <a:t>podataka</a:t>
+            </a:r>
+            <a:r>
+              <a:rPr lang="en-GB" sz="2500" dirty="0">
+                <a:latin typeface="Tahoma" panose="020B0604030504040204" pitchFamily="34" charset="0"/>
+                <a:ea typeface="Tahoma" panose="020B0604030504040204" pitchFamily="34" charset="0"/>
+                <a:cs typeface="Tahoma" panose="020B0604030504040204" pitchFamily="34" charset="0"/>
+              </a:rPr>
+              <a:t> </a:t>
+            </a:r>
+            <a:r>
+              <a:rPr lang="en-GB" sz="2500" dirty="0" err="1">
+                <a:latin typeface="Tahoma" panose="020B0604030504040204" pitchFamily="34" charset="0"/>
+                <a:ea typeface="Tahoma" panose="020B0604030504040204" pitchFamily="34" charset="0"/>
+                <a:cs typeface="Tahoma" panose="020B0604030504040204" pitchFamily="34" charset="0"/>
+              </a:rPr>
+              <a:t>i</a:t>
+            </a:r>
+            <a:r>
+              <a:rPr lang="en-GB" sz="2500" dirty="0">
+                <a:latin typeface="Tahoma" panose="020B0604030504040204" pitchFamily="34" charset="0"/>
+                <a:ea typeface="Tahoma" panose="020B0604030504040204" pitchFamily="34" charset="0"/>
+                <a:cs typeface="Tahoma" panose="020B0604030504040204" pitchFamily="34" charset="0"/>
+              </a:rPr>
+              <a:t> </a:t>
+            </a:r>
+            <a:r>
+              <a:rPr lang="en-GB" sz="2500" dirty="0" err="1">
+                <a:latin typeface="Tahoma" panose="020B0604030504040204" pitchFamily="34" charset="0"/>
+                <a:ea typeface="Tahoma" panose="020B0604030504040204" pitchFamily="34" charset="0"/>
+                <a:cs typeface="Tahoma" panose="020B0604030504040204" pitchFamily="34" charset="0"/>
+              </a:rPr>
+              <a:t>donositi</a:t>
+            </a:r>
+            <a:r>
+              <a:rPr lang="en-GB" sz="2500" dirty="0">
+                <a:latin typeface="Tahoma" panose="020B0604030504040204" pitchFamily="34" charset="0"/>
+                <a:ea typeface="Tahoma" panose="020B0604030504040204" pitchFamily="34" charset="0"/>
+                <a:cs typeface="Tahoma" panose="020B0604030504040204" pitchFamily="34" charset="0"/>
+              </a:rPr>
+              <a:t> </a:t>
+            </a:r>
+            <a:r>
+              <a:rPr lang="en-GB" sz="2500" dirty="0" err="1">
+                <a:latin typeface="Tahoma" panose="020B0604030504040204" pitchFamily="34" charset="0"/>
+                <a:ea typeface="Tahoma" panose="020B0604030504040204" pitchFamily="34" charset="0"/>
+                <a:cs typeface="Tahoma" panose="020B0604030504040204" pitchFamily="34" charset="0"/>
+              </a:rPr>
+              <a:t>odluke</a:t>
+            </a:r>
+            <a:r>
+              <a:rPr lang="en-GB" sz="2500" dirty="0">
+                <a:latin typeface="Tahoma" panose="020B0604030504040204" pitchFamily="34" charset="0"/>
+                <a:ea typeface="Tahoma" panose="020B0604030504040204" pitchFamily="34" charset="0"/>
+                <a:cs typeface="Tahoma" panose="020B0604030504040204" pitchFamily="34" charset="0"/>
+              </a:rPr>
+              <a:t> </a:t>
+            </a:r>
+            <a:r>
+              <a:rPr lang="en-GB" sz="2500" dirty="0" err="1">
+                <a:latin typeface="Tahoma" panose="020B0604030504040204" pitchFamily="34" charset="0"/>
+                <a:ea typeface="Tahoma" panose="020B0604030504040204" pitchFamily="34" charset="0"/>
+                <a:cs typeface="Tahoma" panose="020B0604030504040204" pitchFamily="34" charset="0"/>
+              </a:rPr>
+              <a:t>na</a:t>
+            </a:r>
+            <a:r>
+              <a:rPr lang="en-GB" sz="2500" dirty="0">
+                <a:latin typeface="Tahoma" panose="020B0604030504040204" pitchFamily="34" charset="0"/>
+                <a:ea typeface="Tahoma" panose="020B0604030504040204" pitchFamily="34" charset="0"/>
+                <a:cs typeface="Tahoma" panose="020B0604030504040204" pitchFamily="34" charset="0"/>
+              </a:rPr>
+              <a:t> </a:t>
+            </a:r>
+            <a:r>
+              <a:rPr lang="en-GB" sz="2500" dirty="0" err="1">
+                <a:latin typeface="Tahoma" panose="020B0604030504040204" pitchFamily="34" charset="0"/>
+                <a:ea typeface="Tahoma" panose="020B0604030504040204" pitchFamily="34" charset="0"/>
+                <a:cs typeface="Tahoma" panose="020B0604030504040204" pitchFamily="34" charset="0"/>
+              </a:rPr>
+              <a:t>temelju</a:t>
+            </a:r>
+            <a:r>
+              <a:rPr lang="en-GB" sz="2500" dirty="0">
+                <a:latin typeface="Tahoma" panose="020B0604030504040204" pitchFamily="34" charset="0"/>
+                <a:ea typeface="Tahoma" panose="020B0604030504040204" pitchFamily="34" charset="0"/>
+                <a:cs typeface="Tahoma" panose="020B0604030504040204" pitchFamily="34" charset="0"/>
+              </a:rPr>
+              <a:t> </a:t>
+            </a:r>
+            <a:r>
+              <a:rPr lang="en-GB" sz="2500" dirty="0" err="1">
+                <a:latin typeface="Tahoma" panose="020B0604030504040204" pitchFamily="34" charset="0"/>
+                <a:ea typeface="Tahoma" panose="020B0604030504040204" pitchFamily="34" charset="0"/>
+                <a:cs typeface="Tahoma" panose="020B0604030504040204" pitchFamily="34" charset="0"/>
+              </a:rPr>
+              <a:t>naučenih</a:t>
+            </a:r>
+            <a:r>
+              <a:rPr lang="en-GB" sz="2500" dirty="0">
+                <a:latin typeface="Tahoma" panose="020B0604030504040204" pitchFamily="34" charset="0"/>
+                <a:ea typeface="Tahoma" panose="020B0604030504040204" pitchFamily="34" charset="0"/>
+                <a:cs typeface="Tahoma" panose="020B0604030504040204" pitchFamily="34" charset="0"/>
+              </a:rPr>
+              <a:t> </a:t>
+            </a:r>
+            <a:r>
+              <a:rPr lang="en-GB" sz="2500" dirty="0" err="1">
+                <a:latin typeface="Tahoma" panose="020B0604030504040204" pitchFamily="34" charset="0"/>
+                <a:ea typeface="Tahoma" panose="020B0604030504040204" pitchFamily="34" charset="0"/>
+                <a:cs typeface="Tahoma" panose="020B0604030504040204" pitchFamily="34" charset="0"/>
+              </a:rPr>
+              <a:t>obrazaca</a:t>
+            </a:r>
+            <a:endParaRPr lang="hr-HR" sz="2500" dirty="0">
+              <a:latin typeface="Tahoma" panose="020B0604030504040204" pitchFamily="34" charset="0"/>
+              <a:ea typeface="Tahoma" panose="020B0604030504040204" pitchFamily="34" charset="0"/>
+              <a:cs typeface="Tahoma" panose="020B0604030504040204" pitchFamily="34" charset="0"/>
+            </a:endParaRPr>
+          </a:p>
+          <a:p>
+            <a:pPr marL="342900" indent="-342900">
+              <a:buFont typeface="Arial" panose="020B0604020202020204" pitchFamily="34" charset="0"/>
+              <a:buChar char="•"/>
+            </a:pPr>
+            <a:r>
+              <a:rPr lang="hr-HR" sz="2500" u="sng" dirty="0">
+                <a:latin typeface="Tahoma" panose="020B0604030504040204" pitchFamily="34" charset="0"/>
+                <a:ea typeface="Tahoma" panose="020B0604030504040204" pitchFamily="34" charset="0"/>
+                <a:cs typeface="Tahoma" panose="020B0604030504040204" pitchFamily="34" charset="0"/>
+              </a:rPr>
+              <a:t>N</a:t>
+            </a:r>
+            <a:r>
+              <a:rPr lang="en-GB" sz="2500" u="sng" dirty="0" err="1">
+                <a:latin typeface="Tahoma" panose="020B0604030504040204" pitchFamily="34" charset="0"/>
+                <a:ea typeface="Tahoma" panose="020B0604030504040204" pitchFamily="34" charset="0"/>
+                <a:cs typeface="Tahoma" panose="020B0604030504040204" pitchFamily="34" charset="0"/>
+              </a:rPr>
+              <a:t>adzirano</a:t>
+            </a:r>
+            <a:r>
+              <a:rPr lang="en-GB" sz="2500" u="sng" dirty="0">
+                <a:latin typeface="Tahoma" panose="020B0604030504040204" pitchFamily="34" charset="0"/>
+                <a:ea typeface="Tahoma" panose="020B0604030504040204" pitchFamily="34" charset="0"/>
+                <a:cs typeface="Tahoma" panose="020B0604030504040204" pitchFamily="34" charset="0"/>
+              </a:rPr>
+              <a:t> </a:t>
+            </a:r>
+            <a:r>
+              <a:rPr lang="en-GB" sz="2500" u="sng" dirty="0" err="1">
+                <a:latin typeface="Tahoma" panose="020B0604030504040204" pitchFamily="34" charset="0"/>
+                <a:ea typeface="Tahoma" panose="020B0604030504040204" pitchFamily="34" charset="0"/>
+                <a:cs typeface="Tahoma" panose="020B0604030504040204" pitchFamily="34" charset="0"/>
+              </a:rPr>
+              <a:t>učenje</a:t>
+            </a:r>
+            <a:r>
+              <a:rPr lang="en-GB" sz="2500" dirty="0">
+                <a:latin typeface="Tahoma" panose="020B0604030504040204" pitchFamily="34" charset="0"/>
+                <a:ea typeface="Tahoma" panose="020B0604030504040204" pitchFamily="34" charset="0"/>
+                <a:cs typeface="Tahoma" panose="020B0604030504040204" pitchFamily="34" charset="0"/>
+              </a:rPr>
+              <a:t>, </a:t>
+            </a:r>
+            <a:r>
+              <a:rPr lang="en-GB" sz="2500" dirty="0" err="1">
+                <a:latin typeface="Tahoma" panose="020B0604030504040204" pitchFamily="34" charset="0"/>
+                <a:ea typeface="Tahoma" panose="020B0604030504040204" pitchFamily="34" charset="0"/>
+                <a:cs typeface="Tahoma" panose="020B0604030504040204" pitchFamily="34" charset="0"/>
+              </a:rPr>
+              <a:t>nenadzirano</a:t>
+            </a:r>
+            <a:r>
+              <a:rPr lang="en-GB" sz="2500" dirty="0">
+                <a:latin typeface="Tahoma" panose="020B0604030504040204" pitchFamily="34" charset="0"/>
+                <a:ea typeface="Tahoma" panose="020B0604030504040204" pitchFamily="34" charset="0"/>
+                <a:cs typeface="Tahoma" panose="020B0604030504040204" pitchFamily="34" charset="0"/>
+              </a:rPr>
+              <a:t> </a:t>
+            </a:r>
+            <a:r>
+              <a:rPr lang="en-GB" sz="2500" dirty="0" err="1">
+                <a:latin typeface="Tahoma" panose="020B0604030504040204" pitchFamily="34" charset="0"/>
+                <a:ea typeface="Tahoma" panose="020B0604030504040204" pitchFamily="34" charset="0"/>
+                <a:cs typeface="Tahoma" panose="020B0604030504040204" pitchFamily="34" charset="0"/>
+              </a:rPr>
+              <a:t>učenje</a:t>
+            </a:r>
+            <a:r>
+              <a:rPr lang="en-GB" sz="2500" dirty="0">
+                <a:latin typeface="Tahoma" panose="020B0604030504040204" pitchFamily="34" charset="0"/>
+                <a:ea typeface="Tahoma" panose="020B0604030504040204" pitchFamily="34" charset="0"/>
+                <a:cs typeface="Tahoma" panose="020B0604030504040204" pitchFamily="34" charset="0"/>
+              </a:rPr>
+              <a:t> </a:t>
+            </a:r>
+            <a:r>
+              <a:rPr lang="en-GB" sz="2500" dirty="0" err="1">
+                <a:latin typeface="Tahoma" panose="020B0604030504040204" pitchFamily="34" charset="0"/>
+                <a:ea typeface="Tahoma" panose="020B0604030504040204" pitchFamily="34" charset="0"/>
+                <a:cs typeface="Tahoma" panose="020B0604030504040204" pitchFamily="34" charset="0"/>
+              </a:rPr>
+              <a:t>i</a:t>
+            </a:r>
+            <a:r>
+              <a:rPr lang="en-GB" sz="2500" dirty="0">
+                <a:latin typeface="Tahoma" panose="020B0604030504040204" pitchFamily="34" charset="0"/>
+                <a:ea typeface="Tahoma" panose="020B0604030504040204" pitchFamily="34" charset="0"/>
+                <a:cs typeface="Tahoma" panose="020B0604030504040204" pitchFamily="34" charset="0"/>
+              </a:rPr>
+              <a:t> </a:t>
+            </a:r>
+            <a:r>
+              <a:rPr lang="en-GB" sz="2500" dirty="0" err="1">
+                <a:latin typeface="Tahoma" panose="020B0604030504040204" pitchFamily="34" charset="0"/>
+                <a:ea typeface="Tahoma" panose="020B0604030504040204" pitchFamily="34" charset="0"/>
+                <a:cs typeface="Tahoma" panose="020B0604030504040204" pitchFamily="34" charset="0"/>
+              </a:rPr>
+              <a:t>učenje</a:t>
+            </a:r>
+            <a:r>
+              <a:rPr lang="en-GB" sz="2500" dirty="0">
+                <a:latin typeface="Tahoma" panose="020B0604030504040204" pitchFamily="34" charset="0"/>
+                <a:ea typeface="Tahoma" panose="020B0604030504040204" pitchFamily="34" charset="0"/>
+                <a:cs typeface="Tahoma" panose="020B0604030504040204" pitchFamily="34" charset="0"/>
+              </a:rPr>
+              <a:t> </a:t>
+            </a:r>
+            <a:r>
+              <a:rPr lang="en-GB" sz="2500" dirty="0" err="1">
+                <a:latin typeface="Tahoma" panose="020B0604030504040204" pitchFamily="34" charset="0"/>
+                <a:ea typeface="Tahoma" panose="020B0604030504040204" pitchFamily="34" charset="0"/>
+                <a:cs typeface="Tahoma" panose="020B0604030504040204" pitchFamily="34" charset="0"/>
+              </a:rPr>
+              <a:t>pojačanjem</a:t>
+            </a:r>
+            <a:r>
+              <a:rPr lang="en-GB" sz="2500" dirty="0">
+                <a:latin typeface="Tahoma" panose="020B0604030504040204" pitchFamily="34" charset="0"/>
+                <a:ea typeface="Tahoma" panose="020B0604030504040204" pitchFamily="34" charset="0"/>
+                <a:cs typeface="Tahoma" panose="020B0604030504040204" pitchFamily="34" charset="0"/>
+              </a:rPr>
+              <a:t>.</a:t>
+            </a:r>
+            <a:endParaRPr lang="hr-HR" sz="2500" dirty="0">
+              <a:latin typeface="Tahoma" panose="020B0604030504040204" pitchFamily="34" charset="0"/>
+              <a:ea typeface="Tahoma" panose="020B0604030504040204" pitchFamily="34" charset="0"/>
+              <a:cs typeface="Tahoma" panose="020B0604030504040204" pitchFamily="34" charset="0"/>
+            </a:endParaRPr>
+          </a:p>
+          <a:p>
+            <a:pPr marL="342900" indent="-342900">
+              <a:buFont typeface="Arial" panose="020B0604020202020204" pitchFamily="34" charset="0"/>
+              <a:buChar char="•"/>
+            </a:pPr>
+            <a:r>
+              <a:rPr lang="hr-HR" sz="2500" i="1" dirty="0">
+                <a:latin typeface="Tahoma" panose="020B0604030504040204" pitchFamily="34" charset="0"/>
+                <a:ea typeface="Tahoma" panose="020B0604030504040204" pitchFamily="34" charset="0"/>
+                <a:cs typeface="Tahoma" panose="020B0604030504040204" pitchFamily="34" charset="0"/>
+              </a:rPr>
+              <a:t>Stablo odluke, Stroj potpornih vektora, Slučajna šuma</a:t>
+            </a:r>
+            <a:endParaRPr lang="en-GB" sz="2500" i="1" dirty="0">
+              <a:latin typeface="Tahoma" panose="020B0604030504040204" pitchFamily="34" charset="0"/>
+              <a:ea typeface="Tahoma" panose="020B0604030504040204" pitchFamily="34" charset="0"/>
+              <a:cs typeface="Tahoma" panose="020B0604030504040204" pitchFamily="34" charset="0"/>
+            </a:endParaRPr>
+          </a:p>
+        </p:txBody>
+      </p:sp>
+      <p:sp>
+        <p:nvSpPr>
+          <p:cNvPr id="6" name="Rezervirano mjesto broja slajda 5">
+            <a:extLst>
+              <a:ext uri="{FF2B5EF4-FFF2-40B4-BE49-F238E27FC236}">
+                <a16:creationId xmlns:a16="http://schemas.microsoft.com/office/drawing/2014/main" id="{CA6DF419-8F46-C2EE-673A-8001D13D2EDE}"/>
               </a:ext>
             </a:extLst>
           </p:cNvPr>
@@ -18780,7 +20582,7 @@
     </p:spTree>
     <p:extLst>
       <p:ext uri="{BB962C8B-B14F-4D97-AF65-F5344CB8AC3E}">
-        <p14:creationId xmlns:p14="http://schemas.microsoft.com/office/powerpoint/2010/main" val="847469180"/>
+        <p14:creationId xmlns:p14="http://schemas.microsoft.com/office/powerpoint/2010/main" val="350901332"/>
       </p:ext>
     </p:extLst>
   </p:cSld>
@@ -18809,10 +20611,10 @@
       </p:grpSpPr>
       <p:sp>
         <p:nvSpPr>
-          <p:cNvPr id="2" name="Title 1">
-            <a:extLst>
-              <a:ext uri="{FF2B5EF4-FFF2-40B4-BE49-F238E27FC236}">
-                <a16:creationId xmlns:a16="http://schemas.microsoft.com/office/drawing/2014/main" id="{38FFA191-5CCC-43CB-BD83-4F80ED362608}"/>
+          <p:cNvPr id="2" name="Naslov 1">
+            <a:extLst>
+              <a:ext uri="{FF2B5EF4-FFF2-40B4-BE49-F238E27FC236}">
+                <a16:creationId xmlns:a16="http://schemas.microsoft.com/office/drawing/2014/main" id="{55C5A04F-304D-F2A9-00A1-641B5197DFA4}"/>
               </a:ext>
             </a:extLst>
           </p:cNvPr>
@@ -18825,166 +20627,258 @@
         </p:nvSpPr>
         <p:spPr>
           <a:xfrm>
-            <a:off x="5476875" y="1671639"/>
-            <a:ext cx="5111750" cy="1204912"/>
-          </a:xfrm>
-        </p:spPr>
-        <p:txBody>
-          <a:bodyPr rtlCol="0"/>
+            <a:off x="664093" y="1688866"/>
+            <a:ext cx="8401358" cy="900113"/>
+          </a:xfrm>
+        </p:spPr>
+        <p:txBody>
+          <a:bodyPr>
+            <a:normAutofit/>
+          </a:bodyPr>
           <a:lstStyle/>
           <a:p>
+            <a:r>
+              <a:rPr lang="hr-HR" sz="2500" dirty="0">
+                <a:latin typeface="Tahoma" panose="020B0604030504040204" pitchFamily="34" charset="0"/>
+                <a:ea typeface="Tahoma" panose="020B0604030504040204" pitchFamily="34" charset="0"/>
+                <a:cs typeface="Tahoma" panose="020B0604030504040204" pitchFamily="34" charset="0"/>
+              </a:rPr>
+              <a:t>1. </a:t>
+            </a:r>
+            <a:r>
+              <a:rPr lang="en-GB" sz="2500" dirty="0" err="1">
+                <a:latin typeface="Tahoma" panose="020B0604030504040204" pitchFamily="34" charset="0"/>
+                <a:ea typeface="Tahoma" panose="020B0604030504040204" pitchFamily="34" charset="0"/>
+                <a:cs typeface="Tahoma" panose="020B0604030504040204" pitchFamily="34" charset="0"/>
+              </a:rPr>
+              <a:t>Učitavanje</a:t>
+            </a:r>
+            <a:r>
+              <a:rPr lang="en-GB" sz="2500" dirty="0">
+                <a:latin typeface="Tahoma" panose="020B0604030504040204" pitchFamily="34" charset="0"/>
+                <a:ea typeface="Tahoma" panose="020B0604030504040204" pitchFamily="34" charset="0"/>
+                <a:cs typeface="Tahoma" panose="020B0604030504040204" pitchFamily="34" charset="0"/>
+              </a:rPr>
+              <a:t> CSV </a:t>
+            </a:r>
+            <a:r>
+              <a:rPr lang="en-GB" sz="2500" dirty="0" err="1">
+                <a:latin typeface="Tahoma" panose="020B0604030504040204" pitchFamily="34" charset="0"/>
+                <a:ea typeface="Tahoma" panose="020B0604030504040204" pitchFamily="34" charset="0"/>
+                <a:cs typeface="Tahoma" panose="020B0604030504040204" pitchFamily="34" charset="0"/>
+              </a:rPr>
+              <a:t>podataka</a:t>
+            </a:r>
+            <a:r>
+              <a:rPr lang="en-GB" sz="2500" dirty="0">
+                <a:latin typeface="Tahoma" panose="020B0604030504040204" pitchFamily="34" charset="0"/>
+                <a:ea typeface="Tahoma" panose="020B0604030504040204" pitchFamily="34" charset="0"/>
+                <a:cs typeface="Tahoma" panose="020B0604030504040204" pitchFamily="34" charset="0"/>
+              </a:rPr>
+              <a:t> </a:t>
+            </a:r>
+            <a:r>
+              <a:rPr lang="en-GB" sz="2500" dirty="0" err="1">
+                <a:latin typeface="Tahoma" panose="020B0604030504040204" pitchFamily="34" charset="0"/>
+                <a:ea typeface="Tahoma" panose="020B0604030504040204" pitchFamily="34" charset="0"/>
+                <a:cs typeface="Tahoma" panose="020B0604030504040204" pitchFamily="34" charset="0"/>
+              </a:rPr>
+              <a:t>i</a:t>
+            </a:r>
+            <a:r>
+              <a:rPr lang="en-GB" sz="2500" dirty="0">
+                <a:latin typeface="Tahoma" panose="020B0604030504040204" pitchFamily="34" charset="0"/>
+                <a:ea typeface="Tahoma" panose="020B0604030504040204" pitchFamily="34" charset="0"/>
+                <a:cs typeface="Tahoma" panose="020B0604030504040204" pitchFamily="34" charset="0"/>
+              </a:rPr>
+              <a:t> </a:t>
+            </a:r>
+            <a:r>
+              <a:rPr lang="en-GB" sz="2500" dirty="0" err="1">
+                <a:latin typeface="Tahoma" panose="020B0604030504040204" pitchFamily="34" charset="0"/>
+                <a:ea typeface="Tahoma" panose="020B0604030504040204" pitchFamily="34" charset="0"/>
+                <a:cs typeface="Tahoma" panose="020B0604030504040204" pitchFamily="34" charset="0"/>
+              </a:rPr>
+              <a:t>generiranje</a:t>
+            </a:r>
+            <a:r>
+              <a:rPr lang="en-GB" sz="2500" dirty="0">
+                <a:latin typeface="Tahoma" panose="020B0604030504040204" pitchFamily="34" charset="0"/>
+                <a:ea typeface="Tahoma" panose="020B0604030504040204" pitchFamily="34" charset="0"/>
+                <a:cs typeface="Tahoma" panose="020B0604030504040204" pitchFamily="34" charset="0"/>
+              </a:rPr>
+              <a:t> </a:t>
+            </a:r>
+            <a:r>
+              <a:rPr lang="en-GB" sz="2500" dirty="0" err="1">
+                <a:latin typeface="Tahoma" panose="020B0604030504040204" pitchFamily="34" charset="0"/>
+                <a:ea typeface="Tahoma" panose="020B0604030504040204" pitchFamily="34" charset="0"/>
+                <a:cs typeface="Tahoma" panose="020B0604030504040204" pitchFamily="34" charset="0"/>
+              </a:rPr>
+              <a:t>putanja</a:t>
+            </a:r>
+            <a:r>
+              <a:rPr lang="en-GB" sz="2500" dirty="0">
+                <a:latin typeface="Tahoma" panose="020B0604030504040204" pitchFamily="34" charset="0"/>
+                <a:ea typeface="Tahoma" panose="020B0604030504040204" pitchFamily="34" charset="0"/>
+                <a:cs typeface="Tahoma" panose="020B0604030504040204" pitchFamily="34" charset="0"/>
+              </a:rPr>
+              <a:t> do </a:t>
+            </a:r>
+            <a:r>
+              <a:rPr lang="en-GB" sz="2500" dirty="0" err="1">
+                <a:latin typeface="Tahoma" panose="020B0604030504040204" pitchFamily="34" charset="0"/>
+                <a:ea typeface="Tahoma" panose="020B0604030504040204" pitchFamily="34" charset="0"/>
+                <a:cs typeface="Tahoma" panose="020B0604030504040204" pitchFamily="34" charset="0"/>
+              </a:rPr>
+              <a:t>NIfTI</a:t>
+            </a:r>
+            <a:r>
+              <a:rPr lang="en-GB" sz="2500" dirty="0">
+                <a:latin typeface="Tahoma" panose="020B0604030504040204" pitchFamily="34" charset="0"/>
+                <a:ea typeface="Tahoma" panose="020B0604030504040204" pitchFamily="34" charset="0"/>
+                <a:cs typeface="Tahoma" panose="020B0604030504040204" pitchFamily="34" charset="0"/>
+              </a:rPr>
+              <a:t> </a:t>
+            </a:r>
+            <a:r>
+              <a:rPr lang="en-GB" sz="2500" dirty="0" err="1">
+                <a:latin typeface="Tahoma" panose="020B0604030504040204" pitchFamily="34" charset="0"/>
+                <a:ea typeface="Tahoma" panose="020B0604030504040204" pitchFamily="34" charset="0"/>
+                <a:cs typeface="Tahoma" panose="020B0604030504040204" pitchFamily="34" charset="0"/>
+              </a:rPr>
+              <a:t>datoteka</a:t>
+            </a:r>
+            <a:endParaRPr lang="en-GB" sz="2500" dirty="0">
+              <a:latin typeface="Tahoma" panose="020B0604030504040204" pitchFamily="34" charset="0"/>
+              <a:ea typeface="Tahoma" panose="020B0604030504040204" pitchFamily="34" charset="0"/>
+              <a:cs typeface="Tahoma" panose="020B0604030504040204" pitchFamily="34" charset="0"/>
+            </a:endParaRPr>
+          </a:p>
+        </p:txBody>
+      </p:sp>
+      <p:sp>
+        <p:nvSpPr>
+          <p:cNvPr id="6" name="Rezervirano mjesto broja slajda 5">
+            <a:extLst>
+              <a:ext uri="{FF2B5EF4-FFF2-40B4-BE49-F238E27FC236}">
+                <a16:creationId xmlns:a16="http://schemas.microsoft.com/office/drawing/2014/main" id="{2502D3B7-3C5A-6367-A0EB-46B7F270313A}"/>
+              </a:ext>
+            </a:extLst>
+          </p:cNvPr>
+          <p:cNvSpPr>
+            <a:spLocks noGrp="1"/>
+          </p:cNvSpPr>
+          <p:nvPr>
+            <p:ph type="sldNum" sz="quarter" idx="12"/>
+          </p:nvPr>
+        </p:nvSpPr>
+        <p:spPr/>
+        <p:txBody>
+          <a:bodyPr/>
+          <a:lstStyle/>
+          <a:p>
             <a:pPr rtl="0"/>
-            <a:r>
-              <a:rPr lang="en-GB"/>
-              <a:t>SUMMARY</a:t>
-            </a:r>
-          </a:p>
-        </p:txBody>
-      </p:sp>
-      <p:sp>
-        <p:nvSpPr>
-          <p:cNvPr id="3" name="Content Placeholder 2">
-            <a:extLst>
-              <a:ext uri="{FF2B5EF4-FFF2-40B4-BE49-F238E27FC236}">
-                <a16:creationId xmlns:a16="http://schemas.microsoft.com/office/drawing/2014/main" id="{E14BBEAF-B516-45F4-9EF6-A9F65111580F}"/>
-              </a:ext>
-            </a:extLst>
-          </p:cNvPr>
-          <p:cNvSpPr>
-            <a:spLocks noGrp="1"/>
-          </p:cNvSpPr>
-          <p:nvPr>
-            <p:ph type="body" idx="1"/>
-          </p:nvPr>
-        </p:nvSpPr>
-        <p:spPr>
-          <a:xfrm>
-            <a:off x="5476875" y="3682546"/>
-            <a:ext cx="5111750" cy="1525588"/>
-          </a:xfrm>
+            <a:fld id="{B5CEABB6-07DC-46E8-9B57-56EC44A396E5}" type="slidenum">
+              <a:rPr lang="en-GB" noProof="0" smtClean="0"/>
+              <a:t>8</a:t>
+            </a:fld>
+            <a:endParaRPr lang="en-GB" noProof="0"/>
+          </a:p>
+        </p:txBody>
+      </p:sp>
+      <p:sp>
+        <p:nvSpPr>
+          <p:cNvPr id="7" name="Title 1">
+            <a:extLst>
+              <a:ext uri="{FF2B5EF4-FFF2-40B4-BE49-F238E27FC236}">
+                <a16:creationId xmlns:a16="http://schemas.microsoft.com/office/drawing/2014/main" id="{CEE1355F-A5E0-983D-CB50-4E39243DE0A1}"/>
+              </a:ext>
+            </a:extLst>
+          </p:cNvPr>
+          <p:cNvSpPr txBox="1">
+            <a:spLocks/>
+          </p:cNvSpPr>
+          <p:nvPr/>
+        </p:nvSpPr>
+        <p:spPr>
+          <a:xfrm>
+            <a:off x="664093" y="760907"/>
+            <a:ext cx="3721772" cy="557950"/>
+          </a:xfrm>
+          <a:prstGeom prst="rect">
+            <a:avLst/>
+          </a:prstGeom>
         </p:spPr>
         <p:txBody>
           <a:bodyPr vert="horz" lIns="91440" tIns="45720" rIns="91440" bIns="45720" rtlCol="0" anchor="b">
             <a:normAutofit/>
           </a:bodyPr>
-          <a:lstStyle/>
-          <a:p>
-            <a:pPr rtl="0"/>
-            <a:r>
-              <a:rPr lang="en-GB" dirty="0"/>
-              <a:t>At Contoso, we believe in giving 110%. By using our next-generation data architecture, we help organisations virtually manage agile workflows. We thrive because of our market knowledge and great team behind our product. As our CEO says, "Efficiencies will come from proactively transforming how we do business.”</a:t>
-            </a:r>
-          </a:p>
-        </p:txBody>
-      </p:sp>
-      <p:sp>
-        <p:nvSpPr>
-          <p:cNvPr id="4" name="Date Placeholder 3">
-            <a:extLst>
-              <a:ext uri="{FF2B5EF4-FFF2-40B4-BE49-F238E27FC236}">
-                <a16:creationId xmlns:a16="http://schemas.microsoft.com/office/drawing/2014/main" id="{13F8C8B5-F6EC-489B-BD0F-CD89A73CAB3A}"/>
-              </a:ext>
-            </a:extLst>
-          </p:cNvPr>
-          <p:cNvSpPr>
-            <a:spLocks noGrp="1"/>
-          </p:cNvSpPr>
-          <p:nvPr>
-            <p:ph type="dt" sz="half" idx="10"/>
-          </p:nvPr>
-        </p:nvSpPr>
-        <p:spPr>
-          <a:xfrm>
-            <a:off x="838200" y="6356350"/>
-            <a:ext cx="2743200" cy="365125"/>
-          </a:xfrm>
-        </p:spPr>
-        <p:txBody>
-          <a:bodyPr rtlCol="0"/>
-          <a:lstStyle/>
-          <a:p>
-            <a:pPr rtl="0"/>
-            <a:r>
-              <a:rPr lang="en-GB"/>
-              <a:t>20XX</a:t>
-            </a:r>
-          </a:p>
-        </p:txBody>
-      </p:sp>
-      <p:sp>
-        <p:nvSpPr>
-          <p:cNvPr id="5" name="Footer Placeholder 4">
-            <a:extLst>
-              <a:ext uri="{FF2B5EF4-FFF2-40B4-BE49-F238E27FC236}">
-                <a16:creationId xmlns:a16="http://schemas.microsoft.com/office/drawing/2014/main" id="{11AEA823-8519-4F9D-81FA-3673131076FC}"/>
-              </a:ext>
-            </a:extLst>
-          </p:cNvPr>
-          <p:cNvSpPr>
-            <a:spLocks noGrp="1"/>
-          </p:cNvSpPr>
-          <p:nvPr>
-            <p:ph type="ftr" sz="quarter" idx="11"/>
-          </p:nvPr>
-        </p:nvSpPr>
-        <p:spPr>
-          <a:xfrm>
-            <a:off x="4038600" y="6356350"/>
-            <a:ext cx="4114800" cy="365125"/>
-          </a:xfrm>
-        </p:spPr>
-        <p:txBody>
-          <a:bodyPr rtlCol="0"/>
-          <a:lstStyle/>
-          <a:p>
-            <a:pPr rtl="0"/>
-            <a:r>
-              <a:rPr lang="en-GB"/>
-              <a:t>Pitch Deck</a:t>
-            </a:r>
-          </a:p>
-        </p:txBody>
-      </p:sp>
-      <p:sp>
-        <p:nvSpPr>
-          <p:cNvPr id="6" name="Slide Number Placeholder 5">
-            <a:extLst>
-              <a:ext uri="{FF2B5EF4-FFF2-40B4-BE49-F238E27FC236}">
-                <a16:creationId xmlns:a16="http://schemas.microsoft.com/office/drawing/2014/main" id="{BAEFF51B-0E28-4171-AE7C-A31AAB42BC73}"/>
-              </a:ext>
-            </a:extLst>
-          </p:cNvPr>
-          <p:cNvSpPr>
-            <a:spLocks noGrp="1"/>
-          </p:cNvSpPr>
-          <p:nvPr>
-            <p:ph type="sldNum" sz="quarter" idx="12"/>
-          </p:nvPr>
-        </p:nvSpPr>
-        <p:spPr>
-          <a:xfrm>
-            <a:off x="8610600" y="6356350"/>
-            <a:ext cx="2743200" cy="365125"/>
-          </a:xfrm>
-        </p:spPr>
-        <p:txBody>
-          <a:bodyPr rtlCol="0"/>
-          <a:lstStyle/>
-          <a:p>
-            <a:pPr rtl="0"/>
-            <a:fld id="{B5CEABB6-07DC-46E8-9B57-56EC44A396E5}" type="slidenum">
-              <a:rPr lang="en-GB" smtClean="0"/>
-              <a:pPr rtl="0"/>
-              <a:t>8</a:t>
-            </a:fld>
-            <a:endParaRPr lang="en-GB"/>
-          </a:p>
-        </p:txBody>
-      </p:sp>
+          <a:lstStyle>
+            <a:lvl1pPr algn="l" defTabSz="914400" rtl="0" eaLnBrk="1" latinLnBrk="0" hangingPunct="1">
+              <a:lnSpc>
+                <a:spcPct val="90000"/>
+              </a:lnSpc>
+              <a:spcBef>
+                <a:spcPct val="0"/>
+              </a:spcBef>
+              <a:buNone/>
+              <a:defRPr lang="en-US" sz="2800" kern="1200" cap="all" spc="150" baseline="0" dirty="0">
+                <a:solidFill>
+                  <a:schemeClr val="tx1"/>
+                </a:solidFill>
+                <a:latin typeface="+mj-lt"/>
+                <a:ea typeface="+mj-ea"/>
+                <a:cs typeface="+mj-cs"/>
+              </a:defRPr>
+            </a:lvl1pPr>
+          </a:lstStyle>
+          <a:p>
+            <a:r>
+              <a:rPr lang="hr-HR" sz="3200" dirty="0">
+                <a:latin typeface="Tahoma" panose="020B0604030504040204" pitchFamily="34" charset="0"/>
+                <a:ea typeface="Tahoma" panose="020B0604030504040204" pitchFamily="34" charset="0"/>
+                <a:cs typeface="Tahoma" panose="020B0604030504040204" pitchFamily="34" charset="0"/>
+              </a:rPr>
+              <a:t>Implementacija</a:t>
+            </a:r>
+          </a:p>
+        </p:txBody>
+      </p:sp>
+      <p:pic>
+        <p:nvPicPr>
+          <p:cNvPr id="10" name="Slika 9">
+            <a:extLst>
+              <a:ext uri="{FF2B5EF4-FFF2-40B4-BE49-F238E27FC236}">
+                <a16:creationId xmlns:a16="http://schemas.microsoft.com/office/drawing/2014/main" id="{2A6CFD45-A2E8-6D70-3258-2D7EB24CDC87}"/>
+              </a:ext>
+            </a:extLst>
+          </p:cNvPr>
+          <p:cNvPicPr>
+            <a:picLocks noChangeAspect="1"/>
+          </p:cNvPicPr>
+          <p:nvPr/>
+        </p:nvPicPr>
+        <p:blipFill>
+          <a:blip r:embed="rId2"/>
+          <a:stretch>
+            <a:fillRect/>
+          </a:stretch>
+        </p:blipFill>
+        <p:spPr>
+          <a:xfrm>
+            <a:off x="1030939" y="2888211"/>
+            <a:ext cx="10130122" cy="2331742"/>
+          </a:xfrm>
+          <a:prstGeom prst="rect">
+            <a:avLst/>
+          </a:prstGeom>
+        </p:spPr>
+      </p:pic>
     </p:spTree>
     <p:extLst>
       <p:ext uri="{BB962C8B-B14F-4D97-AF65-F5344CB8AC3E}">
-        <p14:creationId xmlns:p14="http://schemas.microsoft.com/office/powerpoint/2010/main" val="920173932"/>
+        <p14:creationId xmlns:p14="http://schemas.microsoft.com/office/powerpoint/2010/main" val="1910841702"/>
       </p:ext>
     </p:extLst>
   </p:cSld>
@@ -19013,203 +20907,345 @@
       </p:grpSpPr>
       <p:sp>
         <p:nvSpPr>
-          <p:cNvPr id="2" name="Title 1">
-            <a:extLst>
-              <a:ext uri="{FF2B5EF4-FFF2-40B4-BE49-F238E27FC236}">
-                <a16:creationId xmlns:a16="http://schemas.microsoft.com/office/drawing/2014/main" id="{BCCAEE93-8585-46D4-A7EC-F184E317CB2E}"/>
-              </a:ext>
-            </a:extLst>
-          </p:cNvPr>
-          <p:cNvSpPr>
-            <a:spLocks noGrp="1"/>
-          </p:cNvSpPr>
-          <p:nvPr>
-            <p:ph type="ctrTitle"/>
-          </p:nvPr>
-        </p:nvSpPr>
-        <p:spPr>
-          <a:xfrm>
-            <a:off x="4267200" y="1615736"/>
-            <a:ext cx="4179570" cy="1524735"/>
-          </a:xfrm>
-        </p:spPr>
-        <p:txBody>
-          <a:bodyPr rtlCol="0"/>
+          <p:cNvPr id="6" name="Rezervirano mjesto broja slajda 5">
+            <a:extLst>
+              <a:ext uri="{FF2B5EF4-FFF2-40B4-BE49-F238E27FC236}">
+                <a16:creationId xmlns:a16="http://schemas.microsoft.com/office/drawing/2014/main" id="{83BA8515-230E-514B-3E9C-E927149A3A51}"/>
+              </a:ext>
+            </a:extLst>
+          </p:cNvPr>
+          <p:cNvSpPr>
+            <a:spLocks noGrp="1"/>
+          </p:cNvSpPr>
+          <p:nvPr>
+            <p:ph type="sldNum" sz="quarter" idx="12"/>
+          </p:nvPr>
+        </p:nvSpPr>
+        <p:spPr/>
+        <p:txBody>
+          <a:bodyPr/>
           <a:lstStyle/>
           <a:p>
             <a:pPr rtl="0"/>
-            <a:r>
-              <a:rPr lang="en-GB"/>
-              <a:t>THANK YOU</a:t>
-            </a:r>
-          </a:p>
-        </p:txBody>
-      </p:sp>
-      <p:sp>
-        <p:nvSpPr>
-          <p:cNvPr id="3" name="Content Placeholder 2">
-            <a:extLst>
-              <a:ext uri="{FF2B5EF4-FFF2-40B4-BE49-F238E27FC236}">
-                <a16:creationId xmlns:a16="http://schemas.microsoft.com/office/drawing/2014/main" id="{24AFFC60-19C3-4901-93F7-7AAF4C09F8C6}"/>
-              </a:ext>
-            </a:extLst>
-          </p:cNvPr>
-          <p:cNvSpPr>
-            <a:spLocks noGrp="1"/>
-          </p:cNvSpPr>
-          <p:nvPr>
-            <p:ph type="subTitle" idx="1"/>
-          </p:nvPr>
-        </p:nvSpPr>
-        <p:spPr>
-          <a:xfrm>
-            <a:off x="4267200" y="3238103"/>
-            <a:ext cx="4179570" cy="2004161"/>
-          </a:xfrm>
-        </p:spPr>
-        <p:txBody>
-          <a:bodyPr rtlCol="0">
+            <a:fld id="{B5CEABB6-07DC-46E8-9B57-56EC44A396E5}" type="slidenum">
+              <a:rPr lang="en-GB" noProof="0" smtClean="0"/>
+              <a:t>9</a:t>
+            </a:fld>
+            <a:endParaRPr lang="en-GB" noProof="0"/>
+          </a:p>
+        </p:txBody>
+      </p:sp>
+      <p:sp>
+        <p:nvSpPr>
+          <p:cNvPr id="7" name="Naslov 1">
+            <a:extLst>
+              <a:ext uri="{FF2B5EF4-FFF2-40B4-BE49-F238E27FC236}">
+                <a16:creationId xmlns:a16="http://schemas.microsoft.com/office/drawing/2014/main" id="{19CDA6E1-89F4-E234-2AB3-2B4675E8BB95}"/>
+              </a:ext>
+            </a:extLst>
+          </p:cNvPr>
+          <p:cNvSpPr>
+            <a:spLocks noGrp="1"/>
+          </p:cNvSpPr>
+          <p:nvPr>
+            <p:ph type="title"/>
+          </p:nvPr>
+        </p:nvSpPr>
+        <p:spPr>
+          <a:xfrm>
+            <a:off x="437951" y="319088"/>
+            <a:ext cx="8401358" cy="900113"/>
+          </a:xfrm>
+        </p:spPr>
+        <p:txBody>
+          <a:bodyPr>
             <a:normAutofit/>
           </a:bodyPr>
           <a:lstStyle/>
           <a:p>
-            <a:pPr rtl="0"/>
-            <a:r>
-              <a:rPr lang="en-GB"/>
-              <a:t>Mirjam Nilsson​</a:t>
-            </a:r>
-          </a:p>
-          <a:p>
-            <a:pPr rtl="0"/>
-            <a:r>
-              <a:rPr lang="en-GB"/>
-              <a:t>206-555-0146</a:t>
-            </a:r>
-          </a:p>
-          <a:p>
-            <a:pPr rtl="0"/>
-            <a:r>
-              <a:rPr lang="en-GB"/>
-              <a:t>mirjam@contoso.com</a:t>
-            </a:r>
-          </a:p>
-          <a:p>
-            <a:pPr rtl="0"/>
-            <a:r>
-              <a:rPr lang="en-GB"/>
-              <a:t>www.contoso.com</a:t>
-            </a:r>
-          </a:p>
-        </p:txBody>
-      </p:sp>
-      <p:sp>
-        <p:nvSpPr>
-          <p:cNvPr id="4" name="Date Placeholder 3">
-            <a:extLst>
-              <a:ext uri="{FF2B5EF4-FFF2-40B4-BE49-F238E27FC236}">
-                <a16:creationId xmlns:a16="http://schemas.microsoft.com/office/drawing/2014/main" id="{72DA7980-C870-4C9A-84FA-4120D8AF5DE8}"/>
-              </a:ext>
-            </a:extLst>
-          </p:cNvPr>
-          <p:cNvSpPr>
-            <a:spLocks noGrp="1"/>
-          </p:cNvSpPr>
-          <p:nvPr>
-            <p:ph type="dt" sz="half" idx="10"/>
-          </p:nvPr>
-        </p:nvSpPr>
-        <p:spPr>
-          <a:xfrm>
-            <a:off x="4267200" y="6356350"/>
-            <a:ext cx="1774371" cy="365125"/>
-          </a:xfrm>
-        </p:spPr>
-        <p:txBody>
-          <a:bodyPr rtlCol="0"/>
+            <a:r>
+              <a:rPr lang="hr-HR" sz="2500" dirty="0">
+                <a:latin typeface="Tahoma" panose="020B0604030504040204" pitchFamily="34" charset="0"/>
+                <a:ea typeface="Tahoma" panose="020B0604030504040204" pitchFamily="34" charset="0"/>
+                <a:cs typeface="Tahoma" panose="020B0604030504040204" pitchFamily="34" charset="0"/>
+              </a:rPr>
+              <a:t>2. Učitavanje i promjena veličine </a:t>
+            </a:r>
+            <a:r>
+              <a:rPr lang="hr-HR" sz="2500" dirty="0" err="1">
+                <a:latin typeface="Tahoma" panose="020B0604030504040204" pitchFamily="34" charset="0"/>
+                <a:ea typeface="Tahoma" panose="020B0604030504040204" pitchFamily="34" charset="0"/>
+                <a:cs typeface="Tahoma" panose="020B0604030504040204" pitchFamily="34" charset="0"/>
+              </a:rPr>
+              <a:t>NIfTI</a:t>
+            </a:r>
+            <a:r>
+              <a:rPr lang="hr-HR" sz="2500" dirty="0">
+                <a:latin typeface="Tahoma" panose="020B0604030504040204" pitchFamily="34" charset="0"/>
+                <a:ea typeface="Tahoma" panose="020B0604030504040204" pitchFamily="34" charset="0"/>
+                <a:cs typeface="Tahoma" panose="020B0604030504040204" pitchFamily="34" charset="0"/>
+              </a:rPr>
+              <a:t> slika</a:t>
+            </a:r>
+            <a:endParaRPr lang="en-GB" sz="2500" dirty="0">
+              <a:latin typeface="Tahoma" panose="020B0604030504040204" pitchFamily="34" charset="0"/>
+              <a:ea typeface="Tahoma" panose="020B0604030504040204" pitchFamily="34" charset="0"/>
+              <a:cs typeface="Tahoma" panose="020B0604030504040204" pitchFamily="34" charset="0"/>
+            </a:endParaRPr>
+          </a:p>
+        </p:txBody>
+      </p:sp>
+      <p:pic>
+        <p:nvPicPr>
+          <p:cNvPr id="9" name="Slika 8">
+            <a:extLst>
+              <a:ext uri="{FF2B5EF4-FFF2-40B4-BE49-F238E27FC236}">
+                <a16:creationId xmlns:a16="http://schemas.microsoft.com/office/drawing/2014/main" id="{CE927D98-74FD-C6F9-96C3-EB983359A476}"/>
+              </a:ext>
+            </a:extLst>
+          </p:cNvPr>
+          <p:cNvPicPr>
+            <a:picLocks noChangeAspect="1"/>
+          </p:cNvPicPr>
+          <p:nvPr/>
+        </p:nvPicPr>
+        <p:blipFill>
+          <a:blip r:embed="rId2"/>
+          <a:stretch>
+            <a:fillRect/>
+          </a:stretch>
+        </p:blipFill>
+        <p:spPr>
+          <a:xfrm>
+            <a:off x="3990973" y="1547904"/>
+            <a:ext cx="7915891" cy="4906769"/>
+          </a:xfrm>
+          <a:prstGeom prst="rect">
+            <a:avLst/>
+          </a:prstGeom>
+        </p:spPr>
+      </p:pic>
+      <p:sp>
+        <p:nvSpPr>
+          <p:cNvPr id="10" name="Text Placeholder 2">
+            <a:extLst>
+              <a:ext uri="{FF2B5EF4-FFF2-40B4-BE49-F238E27FC236}">
+                <a16:creationId xmlns:a16="http://schemas.microsoft.com/office/drawing/2014/main" id="{A28B8D5C-B5CA-6FB5-9F9D-4C36E17BC9C1}"/>
+              </a:ext>
+            </a:extLst>
+          </p:cNvPr>
+          <p:cNvSpPr>
+            <a:spLocks noGrp="1"/>
+          </p:cNvSpPr>
+          <p:nvPr>
+            <p:ph type="body" idx="1"/>
+          </p:nvPr>
+        </p:nvSpPr>
+        <p:spPr>
+          <a:xfrm>
+            <a:off x="285136" y="2198165"/>
+            <a:ext cx="3510117" cy="3003100"/>
+          </a:xfrm>
+        </p:spPr>
+        <p:txBody>
+          <a:bodyPr>
+            <a:normAutofit/>
+          </a:bodyPr>
           <a:lstStyle/>
           <a:p>
-            <a:pPr rtl="0"/>
-            <a:r>
-              <a:rPr lang="en-GB"/>
-              <a:t>20XX</a:t>
-            </a:r>
-          </a:p>
-        </p:txBody>
-      </p:sp>
-      <p:sp>
-        <p:nvSpPr>
-          <p:cNvPr id="5" name="Footer Placeholder 4">
-            <a:extLst>
-              <a:ext uri="{FF2B5EF4-FFF2-40B4-BE49-F238E27FC236}">
-                <a16:creationId xmlns:a16="http://schemas.microsoft.com/office/drawing/2014/main" id="{0DFADE42-1A3F-40C8-A071-E57644F3D843}"/>
-              </a:ext>
-            </a:extLst>
-          </p:cNvPr>
-          <p:cNvSpPr>
-            <a:spLocks noGrp="1"/>
-          </p:cNvSpPr>
-          <p:nvPr>
-            <p:ph type="ftr" sz="quarter" idx="11"/>
-          </p:nvPr>
-        </p:nvSpPr>
-        <p:spPr>
-          <a:xfrm>
-            <a:off x="6479721" y="6356350"/>
-            <a:ext cx="2661557" cy="365125"/>
-          </a:xfrm>
-        </p:spPr>
-        <p:txBody>
-          <a:bodyPr rtlCol="0"/>
-          <a:lstStyle/>
-          <a:p>
-            <a:pPr rtl="0"/>
-            <a:r>
-              <a:rPr lang="en-GB"/>
-              <a:t>Pitch Deck</a:t>
-            </a:r>
-          </a:p>
-        </p:txBody>
-      </p:sp>
-      <p:sp>
-        <p:nvSpPr>
-          <p:cNvPr id="6" name="Slide Number Placeholder 5">
-            <a:extLst>
-              <a:ext uri="{FF2B5EF4-FFF2-40B4-BE49-F238E27FC236}">
-                <a16:creationId xmlns:a16="http://schemas.microsoft.com/office/drawing/2014/main" id="{5EDCFF82-B70F-4971-9182-7C3AEA3CFD26}"/>
-              </a:ext>
-            </a:extLst>
-          </p:cNvPr>
-          <p:cNvSpPr>
-            <a:spLocks noGrp="1"/>
-          </p:cNvSpPr>
-          <p:nvPr>
-            <p:ph type="sldNum" sz="quarter" idx="12"/>
-          </p:nvPr>
-        </p:nvSpPr>
-        <p:spPr>
-          <a:xfrm>
-            <a:off x="9579428" y="6356350"/>
-            <a:ext cx="1774371" cy="365125"/>
-          </a:xfrm>
-        </p:spPr>
-        <p:txBody>
-          <a:bodyPr rtlCol="0"/>
-          <a:lstStyle/>
-          <a:p>
-            <a:pPr rtl="0"/>
-            <a:fld id="{B5CEABB6-07DC-46E8-9B57-56EC44A396E5}" type="slidenum">
-              <a:rPr lang="en-GB" smtClean="0"/>
-              <a:pPr rtl="0"/>
-              <a:t>9</a:t>
-            </a:fld>
-            <a:endParaRPr lang="en-GB"/>
+            <a:pPr marL="342900" indent="-342900">
+              <a:buFont typeface="Arial" panose="020B0604020202020204" pitchFamily="34" charset="0"/>
+              <a:buChar char="•"/>
+            </a:pPr>
+            <a:r>
+              <a:rPr lang="hr-HR" sz="2300" dirty="0" err="1">
+                <a:latin typeface="Tahoma" panose="020B0604030504040204" pitchFamily="34" charset="0"/>
+                <a:ea typeface="Tahoma" panose="020B0604030504040204" pitchFamily="34" charset="0"/>
+                <a:cs typeface="Tahoma" panose="020B0604030504040204" pitchFamily="34" charset="0"/>
+              </a:rPr>
+              <a:t>from</a:t>
+            </a:r>
+            <a:r>
+              <a:rPr lang="hr-HR" sz="2300" dirty="0">
+                <a:latin typeface="Tahoma" panose="020B0604030504040204" pitchFamily="34" charset="0"/>
+                <a:ea typeface="Tahoma" panose="020B0604030504040204" pitchFamily="34" charset="0"/>
+                <a:cs typeface="Tahoma" panose="020B0604030504040204" pitchFamily="34" charset="0"/>
+              </a:rPr>
+              <a:t> </a:t>
+            </a:r>
+            <a:r>
+              <a:rPr lang="hr-HR" sz="2300" i="1" u="sng" dirty="0" err="1">
+                <a:latin typeface="Tahoma" panose="020B0604030504040204" pitchFamily="34" charset="0"/>
+                <a:ea typeface="Tahoma" panose="020B0604030504040204" pitchFamily="34" charset="0"/>
+                <a:cs typeface="Tahoma" panose="020B0604030504040204" pitchFamily="34" charset="0"/>
+              </a:rPr>
+              <a:t>nilearn</a:t>
+            </a:r>
+            <a:r>
+              <a:rPr lang="hr-HR" sz="2300" dirty="0">
+                <a:latin typeface="Tahoma" panose="020B0604030504040204" pitchFamily="34" charset="0"/>
+                <a:ea typeface="Tahoma" panose="020B0604030504040204" pitchFamily="34" charset="0"/>
+                <a:cs typeface="Tahoma" panose="020B0604030504040204" pitchFamily="34" charset="0"/>
+              </a:rPr>
+              <a:t> import </a:t>
+            </a:r>
+            <a:r>
+              <a:rPr lang="hr-HR" sz="2300" i="1" dirty="0" err="1">
+                <a:latin typeface="Tahoma" panose="020B0604030504040204" pitchFamily="34" charset="0"/>
+                <a:ea typeface="Tahoma" panose="020B0604030504040204" pitchFamily="34" charset="0"/>
+                <a:cs typeface="Tahoma" panose="020B0604030504040204" pitchFamily="34" charset="0"/>
+              </a:rPr>
+              <a:t>image</a:t>
+            </a:r>
+            <a:endParaRPr lang="hr-HR" sz="2300" i="1" dirty="0">
+              <a:latin typeface="Tahoma" panose="020B0604030504040204" pitchFamily="34" charset="0"/>
+              <a:ea typeface="Tahoma" panose="020B0604030504040204" pitchFamily="34" charset="0"/>
+              <a:cs typeface="Tahoma" panose="020B0604030504040204" pitchFamily="34" charset="0"/>
+            </a:endParaRPr>
+          </a:p>
+          <a:p>
+            <a:pPr marL="342900" indent="-342900">
+              <a:buFont typeface="Arial" panose="020B0604020202020204" pitchFamily="34" charset="0"/>
+              <a:buChar char="•"/>
+            </a:pPr>
+            <a:r>
+              <a:rPr lang="en-GB" sz="2300" dirty="0">
+                <a:latin typeface="Tahoma" panose="020B0604030504040204" pitchFamily="34" charset="0"/>
+                <a:ea typeface="Tahoma" panose="020B0604030504040204" pitchFamily="34" charset="0"/>
+                <a:cs typeface="Tahoma" panose="020B0604030504040204" pitchFamily="34" charset="0"/>
+              </a:rPr>
+              <a:t>from </a:t>
+            </a:r>
+            <a:r>
+              <a:rPr lang="en-GB" sz="2300" i="1" u="sng" dirty="0" err="1">
+                <a:latin typeface="Tahoma" panose="020B0604030504040204" pitchFamily="34" charset="0"/>
+                <a:ea typeface="Tahoma" panose="020B0604030504040204" pitchFamily="34" charset="0"/>
+                <a:cs typeface="Tahoma" panose="020B0604030504040204" pitchFamily="34" charset="0"/>
+              </a:rPr>
+              <a:t>skimage.transform</a:t>
+            </a:r>
+            <a:r>
+              <a:rPr lang="en-GB" sz="2300" i="1" u="sng" dirty="0">
+                <a:latin typeface="Tahoma" panose="020B0604030504040204" pitchFamily="34" charset="0"/>
+                <a:ea typeface="Tahoma" panose="020B0604030504040204" pitchFamily="34" charset="0"/>
+                <a:cs typeface="Tahoma" panose="020B0604030504040204" pitchFamily="34" charset="0"/>
+              </a:rPr>
+              <a:t> </a:t>
+            </a:r>
+            <a:r>
+              <a:rPr lang="en-GB" sz="2300" dirty="0">
+                <a:latin typeface="Tahoma" panose="020B0604030504040204" pitchFamily="34" charset="0"/>
+                <a:ea typeface="Tahoma" panose="020B0604030504040204" pitchFamily="34" charset="0"/>
+                <a:cs typeface="Tahoma" panose="020B0604030504040204" pitchFamily="34" charset="0"/>
+              </a:rPr>
+              <a:t>import </a:t>
+            </a:r>
+            <a:r>
+              <a:rPr lang="en-GB" sz="2300" i="1" dirty="0">
+                <a:latin typeface="Tahoma" panose="020B0604030504040204" pitchFamily="34" charset="0"/>
+                <a:ea typeface="Tahoma" panose="020B0604030504040204" pitchFamily="34" charset="0"/>
+                <a:cs typeface="Tahoma" panose="020B0604030504040204" pitchFamily="34" charset="0"/>
+              </a:rPr>
+              <a:t>resize</a:t>
+            </a:r>
+            <a:endParaRPr lang="hr-HR" sz="2300" i="1" dirty="0">
+              <a:latin typeface="Tahoma" panose="020B0604030504040204" pitchFamily="34" charset="0"/>
+              <a:ea typeface="Tahoma" panose="020B0604030504040204" pitchFamily="34" charset="0"/>
+              <a:cs typeface="Tahoma" panose="020B0604030504040204" pitchFamily="34" charset="0"/>
+            </a:endParaRPr>
+          </a:p>
+          <a:p>
+            <a:pPr marL="342900" indent="-342900">
+              <a:buFont typeface="Arial" panose="020B0604020202020204" pitchFamily="34" charset="0"/>
+              <a:buChar char="•"/>
+            </a:pPr>
+            <a:r>
+              <a:rPr lang="hr-HR" sz="2300" i="1" dirty="0">
+                <a:latin typeface="Tahoma" panose="020B0604030504040204" pitchFamily="34" charset="0"/>
+                <a:ea typeface="Tahoma" panose="020B0604030504040204" pitchFamily="34" charset="0"/>
+                <a:cs typeface="Tahoma" panose="020B0604030504040204" pitchFamily="34" charset="0"/>
+              </a:rPr>
+              <a:t> </a:t>
+            </a:r>
+            <a:r>
+              <a:rPr lang="hr-HR" sz="2300" dirty="0">
+                <a:latin typeface="Tahoma" panose="020B0604030504040204" pitchFamily="34" charset="0"/>
+                <a:ea typeface="Tahoma" panose="020B0604030504040204" pitchFamily="34" charset="0"/>
+                <a:cs typeface="Tahoma" panose="020B0604030504040204" pitchFamily="34" charset="0"/>
+              </a:rPr>
+              <a:t>import</a:t>
+            </a:r>
+            <a:r>
+              <a:rPr lang="hr-HR" sz="2300" i="1" dirty="0">
+                <a:latin typeface="Tahoma" panose="020B0604030504040204" pitchFamily="34" charset="0"/>
+                <a:ea typeface="Tahoma" panose="020B0604030504040204" pitchFamily="34" charset="0"/>
+                <a:cs typeface="Tahoma" panose="020B0604030504040204" pitchFamily="34" charset="0"/>
+              </a:rPr>
+              <a:t> </a:t>
+            </a:r>
+            <a:r>
+              <a:rPr lang="hr-HR" sz="2300" i="1" u="sng" dirty="0" err="1">
+                <a:latin typeface="Tahoma" panose="020B0604030504040204" pitchFamily="34" charset="0"/>
+                <a:ea typeface="Tahoma" panose="020B0604030504040204" pitchFamily="34" charset="0"/>
+                <a:cs typeface="Tahoma" panose="020B0604030504040204" pitchFamily="34" charset="0"/>
+              </a:rPr>
+              <a:t>numpy</a:t>
+            </a:r>
+            <a:r>
+              <a:rPr lang="hr-HR" sz="2300" i="1" dirty="0">
+                <a:latin typeface="Tahoma" panose="020B0604030504040204" pitchFamily="34" charset="0"/>
+                <a:ea typeface="Tahoma" panose="020B0604030504040204" pitchFamily="34" charset="0"/>
+                <a:cs typeface="Tahoma" panose="020B0604030504040204" pitchFamily="34" charset="0"/>
+              </a:rPr>
+              <a:t> </a:t>
+            </a:r>
+            <a:r>
+              <a:rPr lang="hr-HR" sz="2300" dirty="0">
+                <a:latin typeface="Tahoma" panose="020B0604030504040204" pitchFamily="34" charset="0"/>
+                <a:ea typeface="Tahoma" panose="020B0604030504040204" pitchFamily="34" charset="0"/>
+                <a:cs typeface="Tahoma" panose="020B0604030504040204" pitchFamily="34" charset="0"/>
+              </a:rPr>
+              <a:t>as</a:t>
+            </a:r>
+            <a:r>
+              <a:rPr lang="hr-HR" sz="2300" i="1" dirty="0">
+                <a:latin typeface="Tahoma" panose="020B0604030504040204" pitchFamily="34" charset="0"/>
+                <a:ea typeface="Tahoma" panose="020B0604030504040204" pitchFamily="34" charset="0"/>
+                <a:cs typeface="Tahoma" panose="020B0604030504040204" pitchFamily="34" charset="0"/>
+              </a:rPr>
+              <a:t> </a:t>
+            </a:r>
+            <a:r>
+              <a:rPr lang="hr-HR" sz="2300" i="1" dirty="0" err="1">
+                <a:latin typeface="Tahoma" panose="020B0604030504040204" pitchFamily="34" charset="0"/>
+                <a:ea typeface="Tahoma" panose="020B0604030504040204" pitchFamily="34" charset="0"/>
+                <a:cs typeface="Tahoma" panose="020B0604030504040204" pitchFamily="34" charset="0"/>
+              </a:rPr>
+              <a:t>np</a:t>
+            </a:r>
+            <a:endParaRPr lang="hr-HR" sz="2300" i="1" dirty="0">
+              <a:latin typeface="Tahoma" panose="020B0604030504040204" pitchFamily="34" charset="0"/>
+              <a:ea typeface="Tahoma" panose="020B0604030504040204" pitchFamily="34" charset="0"/>
+              <a:cs typeface="Tahoma" panose="020B0604030504040204" pitchFamily="34" charset="0"/>
+            </a:endParaRPr>
+          </a:p>
+          <a:p>
+            <a:pPr marL="342900" indent="-342900">
+              <a:buFont typeface="Arial" panose="020B0604020202020204" pitchFamily="34" charset="0"/>
+              <a:buChar char="•"/>
+            </a:pPr>
+            <a:endParaRPr lang="hr-HR" sz="2300" i="1" dirty="0">
+              <a:latin typeface="Tahoma" panose="020B0604030504040204" pitchFamily="34" charset="0"/>
+              <a:ea typeface="Tahoma" panose="020B0604030504040204" pitchFamily="34" charset="0"/>
+              <a:cs typeface="Tahoma" panose="020B0604030504040204" pitchFamily="34" charset="0"/>
+            </a:endParaRPr>
           </a:p>
         </p:txBody>
       </p:sp>
     </p:spTree>
     <p:extLst>
       <p:ext uri="{BB962C8B-B14F-4D97-AF65-F5344CB8AC3E}">
-        <p14:creationId xmlns:p14="http://schemas.microsoft.com/office/powerpoint/2010/main" val="2436493926"/>
+        <p14:creationId xmlns:p14="http://schemas.microsoft.com/office/powerpoint/2010/main" val="1064756154"/>
       </p:ext>
     </p:extLst>
   </p:cSld>

--- a/prezentacija/ML_Alzheimer.pptx
+++ b/prezentacija/ML_Alzheimer.pptx
@@ -5,10 +5,10 @@
     <p:sldMasterId id="2147483666" r:id="rId4"/>
   </p:sldMasterIdLst>
   <p:notesMasterIdLst>
-    <p:notesMasterId r:id="rId22"/>
+    <p:notesMasterId r:id="rId24"/>
   </p:notesMasterIdLst>
   <p:handoutMasterIdLst>
-    <p:handoutMasterId r:id="rId23"/>
+    <p:handoutMasterId r:id="rId25"/>
   </p:handoutMasterIdLst>
   <p:sldIdLst>
     <p:sldId id="256" r:id="rId5"/>
@@ -26,8 +26,10 @@
     <p:sldId id="310" r:id="rId17"/>
     <p:sldId id="312" r:id="rId18"/>
     <p:sldId id="313" r:id="rId19"/>
-    <p:sldId id="275" r:id="rId20"/>
-    <p:sldId id="276" r:id="rId21"/>
+    <p:sldId id="314" r:id="rId20"/>
+    <p:sldId id="315" r:id="rId21"/>
+    <p:sldId id="275" r:id="rId22"/>
+    <p:sldId id="276" r:id="rId23"/>
   </p:sldIdLst>
   <p:sldSz cx="12192000" cy="6858000"/>
   <p:notesSz cx="6858000" cy="9144000"/>
@@ -256,7 +258,7 @@
             <a:pPr rtl="0"/>
             <a:fld id="{4245C065-7973-41A8-A2CC-441A8BA3384C}" type="datetime1">
               <a:rPr lang="en-GB" smtClean="0"/>
-              <a:t>09/07/2024</a:t>
+              <a:t>11/07/2024</a:t>
             </a:fld>
             <a:endParaRPr lang="en-GB"/>
           </a:p>
@@ -438,7 +440,7 @@
             <a:fld id="{A087A586-3225-45EC-B90F-43F9676D14C2}" type="datetime1">
               <a:rPr lang="en-GB" smtClean="0"/>
               <a:pPr/>
-              <a:t>09/07/2024</a:t>
+              <a:t>11/07/2024</a:t>
             </a:fld>
             <a:endParaRPr lang="en-GB" dirty="0"/>
           </a:p>
@@ -753,7 +755,7 @@
           <a:bodyPr/>
           <a:lstStyle/>
           <a:p>
-            <a:endParaRPr lang="en-GB"/>
+            <a:endParaRPr lang="en-GB" dirty="0"/>
           </a:p>
         </p:txBody>
       </p:sp>
@@ -785,6 +787,610 @@
     <p:extLst>
       <p:ext uri="{BB962C8B-B14F-4D97-AF65-F5344CB8AC3E}">
         <p14:creationId xmlns:p14="http://schemas.microsoft.com/office/powerpoint/2010/main" val="2772334024"/>
+      </p:ext>
+    </p:extLst>
+  </p:cSld>
+  <p:clrMapOvr>
+    <a:masterClrMapping/>
+  </p:clrMapOvr>
+</p:notes>
+</file>
+
+<file path=ppt/notesSlides/notesSlide10.xml><?xml version="1.0" encoding="utf-8"?>
+<p:notes xmlns:a="http://schemas.openxmlformats.org/drawingml/2006/main" xmlns:r="http://schemas.openxmlformats.org/officeDocument/2006/relationships" xmlns:p="http://schemas.openxmlformats.org/presentationml/2006/main">
+  <p:cSld>
+    <p:spTree>
+      <p:nvGrpSpPr>
+        <p:cNvPr id="1" name=""/>
+        <p:cNvGrpSpPr/>
+        <p:nvPr/>
+      </p:nvGrpSpPr>
+      <p:grpSpPr>
+        <a:xfrm>
+          <a:off x="0" y="0"/>
+          <a:ext cx="0" cy="0"/>
+          <a:chOff x="0" y="0"/>
+          <a:chExt cx="0" cy="0"/>
+        </a:xfrm>
+      </p:grpSpPr>
+      <p:sp>
+        <p:nvSpPr>
+          <p:cNvPr id="2" name="Rezervirano mjesto slike slajda 1"/>
+          <p:cNvSpPr>
+            <a:spLocks noGrp="1" noRot="1" noChangeAspect="1"/>
+          </p:cNvSpPr>
+          <p:nvPr>
+            <p:ph type="sldImg"/>
+          </p:nvPr>
+        </p:nvSpPr>
+        <p:spPr/>
+      </p:sp>
+      <p:sp>
+        <p:nvSpPr>
+          <p:cNvPr id="3" name="Rezervirano mjesto bilježaka 2"/>
+          <p:cNvSpPr>
+            <a:spLocks noGrp="1"/>
+          </p:cNvSpPr>
+          <p:nvPr>
+            <p:ph type="body" idx="1"/>
+          </p:nvPr>
+        </p:nvSpPr>
+        <p:spPr/>
+        <p:txBody>
+          <a:bodyPr/>
+          <a:lstStyle/>
+          <a:p>
+            <a:pPr>
+              <a:lnSpc>
+                <a:spcPct val="107000"/>
+              </a:lnSpc>
+              <a:spcAft>
+                <a:spcPts val="800"/>
+              </a:spcAft>
+            </a:pPr>
+            <a:r>
+              <a:rPr lang="hr-HR" sz="1200" kern="100" dirty="0">
+                <a:effectLst/>
+                <a:latin typeface="Aptos" panose="020B0004020202020204" pitchFamily="34" charset="0"/>
+                <a:ea typeface="Aptos" panose="020B0004020202020204" pitchFamily="34" charset="0"/>
+                <a:cs typeface="Times New Roman" panose="02020603050405020304" pitchFamily="18" charset="0"/>
+              </a:rPr>
+              <a:t>• fit(): Treniranje modela na podacima.</a:t>
+            </a:r>
+            <a:endParaRPr lang="en-GB" sz="1200" kern="100" dirty="0">
+              <a:effectLst/>
+              <a:latin typeface="Aptos" panose="020B0004020202020204" pitchFamily="34" charset="0"/>
+              <a:ea typeface="Aptos" panose="020B0004020202020204" pitchFamily="34" charset="0"/>
+              <a:cs typeface="Times New Roman" panose="02020603050405020304" pitchFamily="18" charset="0"/>
+            </a:endParaRPr>
+          </a:p>
+          <a:p>
+            <a:pPr>
+              <a:lnSpc>
+                <a:spcPct val="107000"/>
+              </a:lnSpc>
+              <a:spcAft>
+                <a:spcPts val="800"/>
+              </a:spcAft>
+            </a:pPr>
+            <a:r>
+              <a:rPr lang="hr-HR" sz="1200" kern="100" dirty="0">
+                <a:effectLst/>
+                <a:latin typeface="Aptos" panose="020B0004020202020204" pitchFamily="34" charset="0"/>
+                <a:ea typeface="Aptos" panose="020B0004020202020204" pitchFamily="34" charset="0"/>
+                <a:cs typeface="Times New Roman" panose="02020603050405020304" pitchFamily="18" charset="0"/>
+              </a:rPr>
+              <a:t> • </a:t>
+            </a:r>
+            <a:r>
+              <a:rPr lang="hr-HR" sz="1200" kern="100" dirty="0" err="1">
+                <a:effectLst/>
+                <a:latin typeface="Aptos" panose="020B0004020202020204" pitchFamily="34" charset="0"/>
+                <a:ea typeface="Aptos" panose="020B0004020202020204" pitchFamily="34" charset="0"/>
+                <a:cs typeface="Times New Roman" panose="02020603050405020304" pitchFamily="18" charset="0"/>
+              </a:rPr>
+              <a:t>cross_val_predict</a:t>
+            </a:r>
+            <a:r>
+              <a:rPr lang="hr-HR" sz="1200" kern="100" dirty="0">
+                <a:effectLst/>
+                <a:latin typeface="Aptos" panose="020B0004020202020204" pitchFamily="34" charset="0"/>
+                <a:ea typeface="Aptos" panose="020B0004020202020204" pitchFamily="34" charset="0"/>
+                <a:cs typeface="Times New Roman" panose="02020603050405020304" pitchFamily="18" charset="0"/>
+              </a:rPr>
+              <a:t>(): Generira predikcije koristeći unakrsnu validaciju.</a:t>
+            </a:r>
+            <a:endParaRPr lang="en-GB" sz="1200" kern="100" dirty="0">
+              <a:effectLst/>
+              <a:latin typeface="Aptos" panose="020B0004020202020204" pitchFamily="34" charset="0"/>
+              <a:ea typeface="Aptos" panose="020B0004020202020204" pitchFamily="34" charset="0"/>
+              <a:cs typeface="Times New Roman" panose="02020603050405020304" pitchFamily="18" charset="0"/>
+            </a:endParaRPr>
+          </a:p>
+          <a:p>
+            <a:pPr>
+              <a:lnSpc>
+                <a:spcPct val="107000"/>
+              </a:lnSpc>
+              <a:spcAft>
+                <a:spcPts val="800"/>
+              </a:spcAft>
+            </a:pPr>
+            <a:r>
+              <a:rPr lang="hr-HR" sz="1200" kern="100" dirty="0">
+                <a:effectLst/>
+                <a:latin typeface="Aptos" panose="020B0004020202020204" pitchFamily="34" charset="0"/>
+                <a:ea typeface="Aptos" panose="020B0004020202020204" pitchFamily="34" charset="0"/>
+                <a:cs typeface="Times New Roman" panose="02020603050405020304" pitchFamily="18" charset="0"/>
+              </a:rPr>
+              <a:t> • </a:t>
+            </a:r>
+            <a:r>
+              <a:rPr lang="hr-HR" sz="1200" kern="100" dirty="0" err="1">
+                <a:effectLst/>
+                <a:latin typeface="Aptos" panose="020B0004020202020204" pitchFamily="34" charset="0"/>
+                <a:ea typeface="Aptos" panose="020B0004020202020204" pitchFamily="34" charset="0"/>
+                <a:cs typeface="Times New Roman" panose="02020603050405020304" pitchFamily="18" charset="0"/>
+              </a:rPr>
+              <a:t>classification_report</a:t>
+            </a:r>
+            <a:r>
+              <a:rPr lang="hr-HR" sz="1200" kern="100" dirty="0">
+                <a:effectLst/>
+                <a:latin typeface="Aptos" panose="020B0004020202020204" pitchFamily="34" charset="0"/>
+                <a:ea typeface="Aptos" panose="020B0004020202020204" pitchFamily="34" charset="0"/>
+                <a:cs typeface="Times New Roman" panose="02020603050405020304" pitchFamily="18" charset="0"/>
+              </a:rPr>
+              <a:t>(): Prikazuje detaljan izvještaj klasifikacije uključujući preciznost, odziv i F1 mjeru.</a:t>
+            </a:r>
+            <a:endParaRPr lang="en-GB" sz="1200" kern="100" dirty="0">
+              <a:effectLst/>
+              <a:latin typeface="Aptos" panose="020B0004020202020204" pitchFamily="34" charset="0"/>
+              <a:ea typeface="Aptos" panose="020B0004020202020204" pitchFamily="34" charset="0"/>
+              <a:cs typeface="Times New Roman" panose="02020603050405020304" pitchFamily="18" charset="0"/>
+            </a:endParaRPr>
+          </a:p>
+          <a:p>
+            <a:pPr>
+              <a:lnSpc>
+                <a:spcPct val="107000"/>
+              </a:lnSpc>
+              <a:spcAft>
+                <a:spcPts val="800"/>
+              </a:spcAft>
+            </a:pPr>
+            <a:r>
+              <a:rPr lang="hr-HR" sz="1200" kern="100" dirty="0">
+                <a:effectLst/>
+                <a:latin typeface="Aptos" panose="020B0004020202020204" pitchFamily="34" charset="0"/>
+                <a:ea typeface="Aptos" panose="020B0004020202020204" pitchFamily="34" charset="0"/>
+                <a:cs typeface="Times New Roman" panose="02020603050405020304" pitchFamily="18" charset="0"/>
+              </a:rPr>
+              <a:t> • </a:t>
+            </a:r>
+            <a:r>
+              <a:rPr lang="hr-HR" sz="1200" kern="100" dirty="0" err="1">
+                <a:effectLst/>
+                <a:latin typeface="Aptos" panose="020B0004020202020204" pitchFamily="34" charset="0"/>
+                <a:ea typeface="Aptos" panose="020B0004020202020204" pitchFamily="34" charset="0"/>
+                <a:cs typeface="Times New Roman" panose="02020603050405020304" pitchFamily="18" charset="0"/>
+              </a:rPr>
+              <a:t>confusion_matrix</a:t>
+            </a:r>
+            <a:r>
+              <a:rPr lang="hr-HR" sz="1200" kern="100" dirty="0">
+                <a:effectLst/>
+                <a:latin typeface="Aptos" panose="020B0004020202020204" pitchFamily="34" charset="0"/>
+                <a:ea typeface="Aptos" panose="020B0004020202020204" pitchFamily="34" charset="0"/>
+                <a:cs typeface="Times New Roman" panose="02020603050405020304" pitchFamily="18" charset="0"/>
+              </a:rPr>
+              <a:t>(): Prikazuje matricu konfuzije koja prikazuje točne i netočne</a:t>
+            </a:r>
+            <a:endParaRPr lang="en-GB" sz="1200" kern="100" dirty="0">
+              <a:effectLst/>
+              <a:latin typeface="Aptos" panose="020B0004020202020204" pitchFamily="34" charset="0"/>
+              <a:ea typeface="Aptos" panose="020B0004020202020204" pitchFamily="34" charset="0"/>
+              <a:cs typeface="Times New Roman" panose="02020603050405020304" pitchFamily="18" charset="0"/>
+            </a:endParaRPr>
+          </a:p>
+          <a:p>
+            <a:pPr>
+              <a:lnSpc>
+                <a:spcPct val="107000"/>
+              </a:lnSpc>
+              <a:spcAft>
+                <a:spcPts val="800"/>
+              </a:spcAft>
+            </a:pPr>
+            <a:r>
+              <a:rPr lang="hr-HR" sz="1200" kern="100" dirty="0">
+                <a:effectLst/>
+                <a:latin typeface="Aptos" panose="020B0004020202020204" pitchFamily="34" charset="0"/>
+                <a:ea typeface="Aptos" panose="020B0004020202020204" pitchFamily="34" charset="0"/>
+                <a:cs typeface="Times New Roman" panose="02020603050405020304" pitchFamily="18" charset="0"/>
+              </a:rPr>
+              <a:t> klasifikacije.</a:t>
+            </a:r>
+            <a:endParaRPr lang="en-GB" sz="1200" kern="100" dirty="0">
+              <a:effectLst/>
+              <a:latin typeface="Aptos" panose="020B0004020202020204" pitchFamily="34" charset="0"/>
+              <a:ea typeface="Aptos" panose="020B0004020202020204" pitchFamily="34" charset="0"/>
+              <a:cs typeface="Times New Roman" panose="02020603050405020304" pitchFamily="18" charset="0"/>
+            </a:endParaRPr>
+          </a:p>
+          <a:p>
+            <a:endParaRPr lang="en-GB" dirty="0"/>
+          </a:p>
+        </p:txBody>
+      </p:sp>
+      <p:sp>
+        <p:nvSpPr>
+          <p:cNvPr id="4" name="Rezervirano mjesto broja slajda 3"/>
+          <p:cNvSpPr>
+            <a:spLocks noGrp="1"/>
+          </p:cNvSpPr>
+          <p:nvPr>
+            <p:ph type="sldNum" sz="quarter" idx="5"/>
+          </p:nvPr>
+        </p:nvSpPr>
+        <p:spPr/>
+        <p:txBody>
+          <a:bodyPr/>
+          <a:lstStyle/>
+          <a:p>
+            <a:pPr rtl="0"/>
+            <a:fld id="{D4B9A9E5-4F7F-4A7D-9DE1-899232329269}" type="slidenum">
+              <a:rPr lang="en-GB" noProof="0" smtClean="0"/>
+              <a:t>12</a:t>
+            </a:fld>
+            <a:endParaRPr lang="en-GB" noProof="0"/>
+          </a:p>
+        </p:txBody>
+      </p:sp>
+    </p:spTree>
+    <p:extLst>
+      <p:ext uri="{BB962C8B-B14F-4D97-AF65-F5344CB8AC3E}">
+        <p14:creationId xmlns:p14="http://schemas.microsoft.com/office/powerpoint/2010/main" val="3383766056"/>
+      </p:ext>
+    </p:extLst>
+  </p:cSld>
+  <p:clrMapOvr>
+    <a:masterClrMapping/>
+  </p:clrMapOvr>
+</p:notes>
+</file>
+
+<file path=ppt/notesSlides/notesSlide11.xml><?xml version="1.0" encoding="utf-8"?>
+<p:notes xmlns:a="http://schemas.openxmlformats.org/drawingml/2006/main" xmlns:r="http://schemas.openxmlformats.org/officeDocument/2006/relationships" xmlns:p="http://schemas.openxmlformats.org/presentationml/2006/main">
+  <p:cSld>
+    <p:spTree>
+      <p:nvGrpSpPr>
+        <p:cNvPr id="1" name=""/>
+        <p:cNvGrpSpPr/>
+        <p:nvPr/>
+      </p:nvGrpSpPr>
+      <p:grpSpPr>
+        <a:xfrm>
+          <a:off x="0" y="0"/>
+          <a:ext cx="0" cy="0"/>
+          <a:chOff x="0" y="0"/>
+          <a:chExt cx="0" cy="0"/>
+        </a:xfrm>
+      </p:grpSpPr>
+      <p:sp>
+        <p:nvSpPr>
+          <p:cNvPr id="2" name="Rezervirano mjesto slike slajda 1"/>
+          <p:cNvSpPr>
+            <a:spLocks noGrp="1" noRot="1" noChangeAspect="1"/>
+          </p:cNvSpPr>
+          <p:nvPr>
+            <p:ph type="sldImg"/>
+          </p:nvPr>
+        </p:nvSpPr>
+        <p:spPr/>
+      </p:sp>
+      <p:sp>
+        <p:nvSpPr>
+          <p:cNvPr id="3" name="Rezervirano mjesto bilježaka 2"/>
+          <p:cNvSpPr>
+            <a:spLocks noGrp="1"/>
+          </p:cNvSpPr>
+          <p:nvPr>
+            <p:ph type="body" idx="1"/>
+          </p:nvPr>
+        </p:nvSpPr>
+        <p:spPr/>
+        <p:txBody>
+          <a:bodyPr/>
+          <a:lstStyle/>
+          <a:p>
+            <a:endParaRPr lang="en-GB" dirty="0"/>
+          </a:p>
+        </p:txBody>
+      </p:sp>
+      <p:sp>
+        <p:nvSpPr>
+          <p:cNvPr id="4" name="Rezervirano mjesto broja slajda 3"/>
+          <p:cNvSpPr>
+            <a:spLocks noGrp="1"/>
+          </p:cNvSpPr>
+          <p:nvPr>
+            <p:ph type="sldNum" sz="quarter" idx="5"/>
+          </p:nvPr>
+        </p:nvSpPr>
+        <p:spPr/>
+        <p:txBody>
+          <a:bodyPr/>
+          <a:lstStyle/>
+          <a:p>
+            <a:pPr rtl="0"/>
+            <a:fld id="{D4B9A9E5-4F7F-4A7D-9DE1-899232329269}" type="slidenum">
+              <a:rPr lang="en-GB" noProof="0" smtClean="0"/>
+              <a:t>13</a:t>
+            </a:fld>
+            <a:endParaRPr lang="en-GB" noProof="0"/>
+          </a:p>
+        </p:txBody>
+      </p:sp>
+    </p:spTree>
+    <p:extLst>
+      <p:ext uri="{BB962C8B-B14F-4D97-AF65-F5344CB8AC3E}">
+        <p14:creationId xmlns:p14="http://schemas.microsoft.com/office/powerpoint/2010/main" val="2285196072"/>
+      </p:ext>
+    </p:extLst>
+  </p:cSld>
+  <p:clrMapOvr>
+    <a:masterClrMapping/>
+  </p:clrMapOvr>
+</p:notes>
+</file>
+
+<file path=ppt/notesSlides/notesSlide12.xml><?xml version="1.0" encoding="utf-8"?>
+<p:notes xmlns:a="http://schemas.openxmlformats.org/drawingml/2006/main" xmlns:r="http://schemas.openxmlformats.org/officeDocument/2006/relationships" xmlns:p="http://schemas.openxmlformats.org/presentationml/2006/main">
+  <p:cSld>
+    <p:spTree>
+      <p:nvGrpSpPr>
+        <p:cNvPr id="1" name=""/>
+        <p:cNvGrpSpPr/>
+        <p:nvPr/>
+      </p:nvGrpSpPr>
+      <p:grpSpPr>
+        <a:xfrm>
+          <a:off x="0" y="0"/>
+          <a:ext cx="0" cy="0"/>
+          <a:chOff x="0" y="0"/>
+          <a:chExt cx="0" cy="0"/>
+        </a:xfrm>
+      </p:grpSpPr>
+      <p:sp>
+        <p:nvSpPr>
+          <p:cNvPr id="2" name="Rezervirano mjesto slike slajda 1"/>
+          <p:cNvSpPr>
+            <a:spLocks noGrp="1" noRot="1" noChangeAspect="1"/>
+          </p:cNvSpPr>
+          <p:nvPr>
+            <p:ph type="sldImg"/>
+          </p:nvPr>
+        </p:nvSpPr>
+        <p:spPr/>
+      </p:sp>
+      <p:sp>
+        <p:nvSpPr>
+          <p:cNvPr id="3" name="Rezervirano mjesto bilježaka 2"/>
+          <p:cNvSpPr>
+            <a:spLocks noGrp="1"/>
+          </p:cNvSpPr>
+          <p:nvPr>
+            <p:ph type="body" idx="1"/>
+          </p:nvPr>
+        </p:nvSpPr>
+        <p:spPr/>
+        <p:txBody>
+          <a:bodyPr/>
+          <a:lstStyle/>
+          <a:p>
+            <a:endParaRPr lang="en-GB" dirty="0"/>
+          </a:p>
+        </p:txBody>
+      </p:sp>
+      <p:sp>
+        <p:nvSpPr>
+          <p:cNvPr id="4" name="Rezervirano mjesto broja slajda 3"/>
+          <p:cNvSpPr>
+            <a:spLocks noGrp="1"/>
+          </p:cNvSpPr>
+          <p:nvPr>
+            <p:ph type="sldNum" sz="quarter" idx="5"/>
+          </p:nvPr>
+        </p:nvSpPr>
+        <p:spPr/>
+        <p:txBody>
+          <a:bodyPr/>
+          <a:lstStyle/>
+          <a:p>
+            <a:pPr rtl="0"/>
+            <a:fld id="{D4B9A9E5-4F7F-4A7D-9DE1-899232329269}" type="slidenum">
+              <a:rPr lang="en-GB" noProof="0" smtClean="0"/>
+              <a:t>17</a:t>
+            </a:fld>
+            <a:endParaRPr lang="en-GB" noProof="0"/>
+          </a:p>
+        </p:txBody>
+      </p:sp>
+    </p:spTree>
+    <p:extLst>
+      <p:ext uri="{BB962C8B-B14F-4D97-AF65-F5344CB8AC3E}">
+        <p14:creationId xmlns:p14="http://schemas.microsoft.com/office/powerpoint/2010/main" val="79596948"/>
+      </p:ext>
+    </p:extLst>
+  </p:cSld>
+  <p:clrMapOvr>
+    <a:masterClrMapping/>
+  </p:clrMapOvr>
+</p:notes>
+</file>
+
+<file path=ppt/notesSlides/notesSlide13.xml><?xml version="1.0" encoding="utf-8"?>
+<p:notes xmlns:a="http://schemas.openxmlformats.org/drawingml/2006/main" xmlns:r="http://schemas.openxmlformats.org/officeDocument/2006/relationships" xmlns:p="http://schemas.openxmlformats.org/presentationml/2006/main">
+  <p:cSld>
+    <p:spTree>
+      <p:nvGrpSpPr>
+        <p:cNvPr id="1" name=""/>
+        <p:cNvGrpSpPr/>
+        <p:nvPr/>
+      </p:nvGrpSpPr>
+      <p:grpSpPr>
+        <a:xfrm>
+          <a:off x="0" y="0"/>
+          <a:ext cx="0" cy="0"/>
+          <a:chOff x="0" y="0"/>
+          <a:chExt cx="0" cy="0"/>
+        </a:xfrm>
+      </p:grpSpPr>
+      <p:sp>
+        <p:nvSpPr>
+          <p:cNvPr id="2" name="Slide Image Placeholder 1"/>
+          <p:cNvSpPr>
+            <a:spLocks noGrp="1" noRot="1" noChangeAspect="1"/>
+          </p:cNvSpPr>
+          <p:nvPr>
+            <p:ph type="sldImg"/>
+          </p:nvPr>
+        </p:nvSpPr>
+        <p:spPr/>
+      </p:sp>
+      <p:sp>
+        <p:nvSpPr>
+          <p:cNvPr id="3" name="Notes Placeholder 2"/>
+          <p:cNvSpPr>
+            <a:spLocks noGrp="1"/>
+          </p:cNvSpPr>
+          <p:nvPr>
+            <p:ph type="body" idx="1"/>
+          </p:nvPr>
+        </p:nvSpPr>
+        <p:spPr/>
+        <p:txBody>
+          <a:bodyPr/>
+          <a:lstStyle/>
+          <a:p>
+            <a:endParaRPr lang="en-GB"/>
+          </a:p>
+        </p:txBody>
+      </p:sp>
+      <p:sp>
+        <p:nvSpPr>
+          <p:cNvPr id="4" name="Slide Number Placeholder 3"/>
+          <p:cNvSpPr>
+            <a:spLocks noGrp="1"/>
+          </p:cNvSpPr>
+          <p:nvPr>
+            <p:ph type="sldNum" sz="quarter" idx="5"/>
+          </p:nvPr>
+        </p:nvSpPr>
+        <p:spPr/>
+        <p:txBody>
+          <a:bodyPr/>
+          <a:lstStyle/>
+          <a:p>
+            <a:pPr rtl="0"/>
+            <a:fld id="{D4B9A9E5-4F7F-4A7D-9DE1-899232329269}" type="slidenum">
+              <a:rPr lang="en-GB" smtClean="0"/>
+              <a:t>18</a:t>
+            </a:fld>
+            <a:endParaRPr lang="en-GB"/>
+          </a:p>
+        </p:txBody>
+      </p:sp>
+    </p:spTree>
+    <p:extLst>
+      <p:ext uri="{BB962C8B-B14F-4D97-AF65-F5344CB8AC3E}">
+        <p14:creationId xmlns:p14="http://schemas.microsoft.com/office/powerpoint/2010/main" val="3772094516"/>
+      </p:ext>
+    </p:extLst>
+  </p:cSld>
+  <p:clrMapOvr>
+    <a:masterClrMapping/>
+  </p:clrMapOvr>
+</p:notes>
+</file>
+
+<file path=ppt/notesSlides/notesSlide14.xml><?xml version="1.0" encoding="utf-8"?>
+<p:notes xmlns:a="http://schemas.openxmlformats.org/drawingml/2006/main" xmlns:r="http://schemas.openxmlformats.org/officeDocument/2006/relationships" xmlns:p="http://schemas.openxmlformats.org/presentationml/2006/main">
+  <p:cSld>
+    <p:spTree>
+      <p:nvGrpSpPr>
+        <p:cNvPr id="1" name=""/>
+        <p:cNvGrpSpPr/>
+        <p:nvPr/>
+      </p:nvGrpSpPr>
+      <p:grpSpPr>
+        <a:xfrm>
+          <a:off x="0" y="0"/>
+          <a:ext cx="0" cy="0"/>
+          <a:chOff x="0" y="0"/>
+          <a:chExt cx="0" cy="0"/>
+        </a:xfrm>
+      </p:grpSpPr>
+      <p:sp>
+        <p:nvSpPr>
+          <p:cNvPr id="2" name="Slide Image Placeholder 1"/>
+          <p:cNvSpPr>
+            <a:spLocks noGrp="1" noRot="1" noChangeAspect="1"/>
+          </p:cNvSpPr>
+          <p:nvPr>
+            <p:ph type="sldImg"/>
+          </p:nvPr>
+        </p:nvSpPr>
+        <p:spPr/>
+      </p:sp>
+      <p:sp>
+        <p:nvSpPr>
+          <p:cNvPr id="3" name="Notes Placeholder 2"/>
+          <p:cNvSpPr>
+            <a:spLocks noGrp="1"/>
+          </p:cNvSpPr>
+          <p:nvPr>
+            <p:ph type="body" idx="1"/>
+          </p:nvPr>
+        </p:nvSpPr>
+        <p:spPr/>
+        <p:txBody>
+          <a:bodyPr/>
+          <a:lstStyle/>
+          <a:p>
+            <a:endParaRPr lang="en-GB"/>
+          </a:p>
+        </p:txBody>
+      </p:sp>
+      <p:sp>
+        <p:nvSpPr>
+          <p:cNvPr id="4" name="Slide Number Placeholder 3"/>
+          <p:cNvSpPr>
+            <a:spLocks noGrp="1"/>
+          </p:cNvSpPr>
+          <p:nvPr>
+            <p:ph type="sldNum" sz="quarter" idx="5"/>
+          </p:nvPr>
+        </p:nvSpPr>
+        <p:spPr/>
+        <p:txBody>
+          <a:bodyPr/>
+          <a:lstStyle/>
+          <a:p>
+            <a:pPr rtl="0"/>
+            <a:fld id="{D4B9A9E5-4F7F-4A7D-9DE1-899232329269}" type="slidenum">
+              <a:rPr lang="en-GB" smtClean="0"/>
+              <a:t>19</a:t>
+            </a:fld>
+            <a:endParaRPr lang="en-GB"/>
+          </a:p>
+        </p:txBody>
+      </p:sp>
+    </p:spTree>
+    <p:extLst>
+      <p:ext uri="{BB962C8B-B14F-4D97-AF65-F5344CB8AC3E}">
+        <p14:creationId xmlns:p14="http://schemas.microsoft.com/office/powerpoint/2010/main" val="4072143245"/>
       </p:ext>
     </p:extLst>
   </p:cSld>
@@ -813,7 +1419,7 @@
       </p:grpSpPr>
       <p:sp>
         <p:nvSpPr>
-          <p:cNvPr id="2" name="Slide Image Placeholder 1"/>
+          <p:cNvPr id="2" name="Rezervirano mjesto slike slajda 1"/>
           <p:cNvSpPr>
             <a:spLocks noGrp="1" noRot="1" noChangeAspect="1"/>
           </p:cNvSpPr>
@@ -825,7 +1431,7 @@
       </p:sp>
       <p:sp>
         <p:nvSpPr>
-          <p:cNvPr id="3" name="Notes Placeholder 2"/>
+          <p:cNvPr id="3" name="Rezervirano mjesto bilježaka 2"/>
           <p:cNvSpPr>
             <a:spLocks noGrp="1"/>
           </p:cNvSpPr>
@@ -838,13 +1444,349 @@
           <a:bodyPr/>
           <a:lstStyle/>
           <a:p>
-            <a:endParaRPr lang="en-GB"/>
-          </a:p>
-        </p:txBody>
-      </p:sp>
-      <p:sp>
-        <p:nvSpPr>
-          <p:cNvPr id="4" name="Slide Number Placeholder 3"/>
+            <a:pPr>
+              <a:lnSpc>
+                <a:spcPct val="107000"/>
+              </a:lnSpc>
+              <a:spcAft>
+                <a:spcPts val="800"/>
+              </a:spcAft>
+            </a:pPr>
+            <a:r>
+              <a:rPr lang="hr-HR" sz="1800" kern="100" dirty="0">
+                <a:effectLst/>
+                <a:latin typeface="Aptos" panose="020B0004020202020204" pitchFamily="34" charset="0"/>
+                <a:ea typeface="Aptos" panose="020B0004020202020204" pitchFamily="34" charset="0"/>
+                <a:cs typeface="Times New Roman" panose="02020603050405020304" pitchFamily="18" charset="0"/>
+              </a:rPr>
+              <a:t>Alzheimerova bolest karakterizira progresivni gubitak kognitivnih funkcija. Demencija, kao rezultat AD-a uzrokuje i značajne promjene u mozgu. Jedna od glavnih karakteristika je nakupljanje beta-</a:t>
+            </a:r>
+            <a:r>
+              <a:rPr lang="hr-HR" sz="1800" kern="100" dirty="0" err="1">
+                <a:effectLst/>
+                <a:latin typeface="Aptos" panose="020B0004020202020204" pitchFamily="34" charset="0"/>
+                <a:ea typeface="Aptos" panose="020B0004020202020204" pitchFamily="34" charset="0"/>
+                <a:cs typeface="Times New Roman" panose="02020603050405020304" pitchFamily="18" charset="0"/>
+              </a:rPr>
+              <a:t>amiloidnih</a:t>
+            </a:r>
+            <a:r>
+              <a:rPr lang="hr-HR" sz="1800" kern="100" dirty="0">
+                <a:effectLst/>
+                <a:latin typeface="Aptos" panose="020B0004020202020204" pitchFamily="34" charset="0"/>
+                <a:ea typeface="Aptos" panose="020B0004020202020204" pitchFamily="34" charset="0"/>
+                <a:cs typeface="Times New Roman" panose="02020603050405020304" pitchFamily="18" charset="0"/>
+              </a:rPr>
+              <a:t> </a:t>
+            </a:r>
+            <a:r>
+              <a:rPr lang="hr-HR" sz="1800" kern="100" dirty="0" err="1">
+                <a:effectLst/>
+                <a:latin typeface="Aptos" panose="020B0004020202020204" pitchFamily="34" charset="0"/>
+                <a:ea typeface="Aptos" panose="020B0004020202020204" pitchFamily="34" charset="0"/>
+                <a:cs typeface="Times New Roman" panose="02020603050405020304" pitchFamily="18" charset="0"/>
+              </a:rPr>
+              <a:t>plakova</a:t>
+            </a:r>
+            <a:r>
+              <a:rPr lang="hr-HR" sz="1800" kern="100" dirty="0">
+                <a:effectLst/>
+                <a:latin typeface="Aptos" panose="020B0004020202020204" pitchFamily="34" charset="0"/>
+                <a:ea typeface="Aptos" panose="020B0004020202020204" pitchFamily="34" charset="0"/>
+                <a:cs typeface="Times New Roman" panose="02020603050405020304" pitchFamily="18" charset="0"/>
+              </a:rPr>
+              <a:t> izvan neurona i </a:t>
+            </a:r>
+            <a:r>
+              <a:rPr lang="hr-HR" sz="1800" kern="100" dirty="0" err="1">
+                <a:effectLst/>
+                <a:latin typeface="Aptos" panose="020B0004020202020204" pitchFamily="34" charset="0"/>
+                <a:ea typeface="Aptos" panose="020B0004020202020204" pitchFamily="34" charset="0"/>
+                <a:cs typeface="Times New Roman" panose="02020603050405020304" pitchFamily="18" charset="0"/>
+              </a:rPr>
+              <a:t>neurofibrilarnih</a:t>
+            </a:r>
+            <a:r>
+              <a:rPr lang="hr-HR" sz="1800" kern="100" dirty="0">
+                <a:effectLst/>
+                <a:latin typeface="Aptos" panose="020B0004020202020204" pitchFamily="34" charset="0"/>
+                <a:ea typeface="Aptos" panose="020B0004020202020204" pitchFamily="34" charset="0"/>
+                <a:cs typeface="Times New Roman" panose="02020603050405020304" pitchFamily="18" charset="0"/>
+              </a:rPr>
+              <a:t> čvorova unutar neurona. Oni dovode do smrti moždanih stanica i gubitka sinaptičke veze između neurona. Kao posljedica toga, dolazi do atrofije mozga, posebno u područjima koja su ključna za pamćenje, kao što je </a:t>
+            </a:r>
+            <a:r>
+              <a:rPr lang="hr-HR" sz="1800" kern="100" dirty="0" err="1">
+                <a:effectLst/>
+                <a:latin typeface="Aptos" panose="020B0004020202020204" pitchFamily="34" charset="0"/>
+                <a:ea typeface="Aptos" panose="020B0004020202020204" pitchFamily="34" charset="0"/>
+                <a:cs typeface="Times New Roman" panose="02020603050405020304" pitchFamily="18" charset="0"/>
+              </a:rPr>
+              <a:t>hipokampus</a:t>
+            </a:r>
+            <a:r>
+              <a:rPr lang="hr-HR" sz="1800" kern="100" dirty="0">
+                <a:effectLst/>
+                <a:latin typeface="Aptos" panose="020B0004020202020204" pitchFamily="34" charset="0"/>
+                <a:ea typeface="Aptos" panose="020B0004020202020204" pitchFamily="34" charset="0"/>
+                <a:cs typeface="Times New Roman" panose="02020603050405020304" pitchFamily="18" charset="0"/>
+              </a:rPr>
+              <a:t>, te u korteksu koji je odgovoran za mišljenje, planiranje i pamćenje [4].</a:t>
+            </a:r>
+            <a:endParaRPr lang="en-GB" sz="1800" kern="100" dirty="0">
+              <a:effectLst/>
+              <a:latin typeface="Aptos" panose="020B0004020202020204" pitchFamily="34" charset="0"/>
+              <a:ea typeface="Aptos" panose="020B0004020202020204" pitchFamily="34" charset="0"/>
+              <a:cs typeface="Times New Roman" panose="02020603050405020304" pitchFamily="18" charset="0"/>
+            </a:endParaRPr>
+          </a:p>
+          <a:p>
+            <a:pPr>
+              <a:lnSpc>
+                <a:spcPct val="107000"/>
+              </a:lnSpc>
+              <a:spcAft>
+                <a:spcPts val="800"/>
+              </a:spcAft>
+            </a:pPr>
+            <a:r>
+              <a:rPr lang="hr-HR" sz="1800" kern="100" dirty="0">
+                <a:effectLst/>
+                <a:latin typeface="Aptos" panose="020B0004020202020204" pitchFamily="34" charset="0"/>
+                <a:ea typeface="Aptos" panose="020B0004020202020204" pitchFamily="34" charset="0"/>
+                <a:cs typeface="Times New Roman" panose="02020603050405020304" pitchFamily="18" charset="0"/>
+              </a:rPr>
+              <a:t>Beta-</a:t>
+            </a:r>
+            <a:r>
+              <a:rPr lang="hr-HR" sz="1800" kern="100" dirty="0" err="1">
+                <a:effectLst/>
+                <a:latin typeface="Aptos" panose="020B0004020202020204" pitchFamily="34" charset="0"/>
+                <a:ea typeface="Aptos" panose="020B0004020202020204" pitchFamily="34" charset="0"/>
+                <a:cs typeface="Times New Roman" panose="02020603050405020304" pitchFamily="18" charset="0"/>
+              </a:rPr>
+              <a:t>amiloidni</a:t>
+            </a:r>
+            <a:r>
+              <a:rPr lang="hr-HR" sz="1800" kern="100" dirty="0">
+                <a:effectLst/>
+                <a:latin typeface="Aptos" panose="020B0004020202020204" pitchFamily="34" charset="0"/>
+                <a:ea typeface="Aptos" panose="020B0004020202020204" pitchFamily="34" charset="0"/>
+                <a:cs typeface="Times New Roman" panose="02020603050405020304" pitchFamily="18" charset="0"/>
+              </a:rPr>
+              <a:t> </a:t>
+            </a:r>
+            <a:r>
+              <a:rPr lang="hr-HR" sz="1800" kern="100" dirty="0" err="1">
+                <a:effectLst/>
+                <a:latin typeface="Aptos" panose="020B0004020202020204" pitchFamily="34" charset="0"/>
+                <a:ea typeface="Aptos" panose="020B0004020202020204" pitchFamily="34" charset="0"/>
+                <a:cs typeface="Times New Roman" panose="02020603050405020304" pitchFamily="18" charset="0"/>
+              </a:rPr>
+              <a:t>plakovi</a:t>
+            </a:r>
+            <a:r>
+              <a:rPr lang="hr-HR" sz="1800" kern="100" dirty="0">
+                <a:effectLst/>
+                <a:latin typeface="Aptos" panose="020B0004020202020204" pitchFamily="34" charset="0"/>
+                <a:ea typeface="Aptos" panose="020B0004020202020204" pitchFamily="34" charset="0"/>
+                <a:cs typeface="Times New Roman" panose="02020603050405020304" pitchFamily="18" charset="0"/>
+              </a:rPr>
+              <a:t>: To su abnormalne nakupine proteinskih fragmenata koji se nakupljaju između neurona. Beta-</a:t>
+            </a:r>
+            <a:r>
+              <a:rPr lang="hr-HR" sz="1800" kern="100" dirty="0" err="1">
+                <a:effectLst/>
+                <a:latin typeface="Aptos" panose="020B0004020202020204" pitchFamily="34" charset="0"/>
+                <a:ea typeface="Aptos" panose="020B0004020202020204" pitchFamily="34" charset="0"/>
+                <a:cs typeface="Times New Roman" panose="02020603050405020304" pitchFamily="18" charset="0"/>
+              </a:rPr>
+              <a:t>amiloid</a:t>
+            </a:r>
+            <a:r>
+              <a:rPr lang="hr-HR" sz="1800" kern="100" dirty="0">
+                <a:effectLst/>
+                <a:latin typeface="Aptos" panose="020B0004020202020204" pitchFamily="34" charset="0"/>
+                <a:ea typeface="Aptos" panose="020B0004020202020204" pitchFamily="34" charset="0"/>
+                <a:cs typeface="Times New Roman" panose="02020603050405020304" pitchFamily="18" charset="0"/>
+              </a:rPr>
+              <a:t> je proteinski fragment koji se odvaja od </a:t>
+            </a:r>
+            <a:r>
+              <a:rPr lang="hr-HR" sz="1800" kern="100" dirty="0" err="1">
+                <a:effectLst/>
+                <a:latin typeface="Aptos" panose="020B0004020202020204" pitchFamily="34" charset="0"/>
+                <a:ea typeface="Aptos" panose="020B0004020202020204" pitchFamily="34" charset="0"/>
+                <a:cs typeface="Times New Roman" panose="02020603050405020304" pitchFamily="18" charset="0"/>
+              </a:rPr>
+              <a:t>amiloidnog</a:t>
+            </a:r>
+            <a:r>
+              <a:rPr lang="hr-HR" sz="1800" kern="100" dirty="0">
+                <a:effectLst/>
+                <a:latin typeface="Aptos" panose="020B0004020202020204" pitchFamily="34" charset="0"/>
+                <a:ea typeface="Aptos" panose="020B0004020202020204" pitchFamily="34" charset="0"/>
+                <a:cs typeface="Times New Roman" panose="02020603050405020304" pitchFamily="18" charset="0"/>
+              </a:rPr>
+              <a:t> </a:t>
+            </a:r>
+            <a:r>
+              <a:rPr lang="hr-HR" sz="1800" kern="100" dirty="0" err="1">
+                <a:effectLst/>
+                <a:latin typeface="Aptos" panose="020B0004020202020204" pitchFamily="34" charset="0"/>
+                <a:ea typeface="Aptos" panose="020B0004020202020204" pitchFamily="34" charset="0"/>
+                <a:cs typeface="Times New Roman" panose="02020603050405020304" pitchFamily="18" charset="0"/>
+              </a:rPr>
+              <a:t>prekursorskog</a:t>
+            </a:r>
+            <a:r>
+              <a:rPr lang="hr-HR" sz="1800" kern="100" dirty="0">
+                <a:effectLst/>
+                <a:latin typeface="Aptos" panose="020B0004020202020204" pitchFamily="34" charset="0"/>
+                <a:ea typeface="Aptos" panose="020B0004020202020204" pitchFamily="34" charset="0"/>
+                <a:cs typeface="Times New Roman" panose="02020603050405020304" pitchFamily="18" charset="0"/>
+              </a:rPr>
+              <a:t> proteina (APP). U zdravom mozgu, ovi fragmenti se razgrađuju i eliminiraju. Kod Alzheimerove bolesti, oni se nakupljaju i formiraju tvrde, netopljive </a:t>
+            </a:r>
+            <a:r>
+              <a:rPr lang="hr-HR" sz="1800" kern="100" dirty="0" err="1">
+                <a:effectLst/>
+                <a:latin typeface="Aptos" panose="020B0004020202020204" pitchFamily="34" charset="0"/>
+                <a:ea typeface="Aptos" panose="020B0004020202020204" pitchFamily="34" charset="0"/>
+                <a:cs typeface="Times New Roman" panose="02020603050405020304" pitchFamily="18" charset="0"/>
+              </a:rPr>
+              <a:t>plakove</a:t>
+            </a:r>
+            <a:r>
+              <a:rPr lang="hr-HR" sz="1800" kern="100" dirty="0">
+                <a:effectLst/>
+                <a:latin typeface="Aptos" panose="020B0004020202020204" pitchFamily="34" charset="0"/>
+                <a:ea typeface="Aptos" panose="020B0004020202020204" pitchFamily="34" charset="0"/>
+                <a:cs typeface="Times New Roman" panose="02020603050405020304" pitchFamily="18" charset="0"/>
+              </a:rPr>
+              <a:t> izvan neurona.</a:t>
+            </a:r>
+            <a:endParaRPr lang="en-GB" sz="1800" kern="100" dirty="0">
+              <a:effectLst/>
+              <a:latin typeface="Aptos" panose="020B0004020202020204" pitchFamily="34" charset="0"/>
+              <a:ea typeface="Aptos" panose="020B0004020202020204" pitchFamily="34" charset="0"/>
+              <a:cs typeface="Times New Roman" panose="02020603050405020304" pitchFamily="18" charset="0"/>
+            </a:endParaRPr>
+          </a:p>
+          <a:p>
+            <a:pPr>
+              <a:lnSpc>
+                <a:spcPct val="107000"/>
+              </a:lnSpc>
+              <a:spcAft>
+                <a:spcPts val="800"/>
+              </a:spcAft>
+            </a:pPr>
+            <a:r>
+              <a:rPr lang="hr-HR" sz="1800" kern="100" dirty="0" err="1">
+                <a:effectLst/>
+                <a:latin typeface="Aptos" panose="020B0004020202020204" pitchFamily="34" charset="0"/>
+                <a:ea typeface="Aptos" panose="020B0004020202020204" pitchFamily="34" charset="0"/>
+                <a:cs typeface="Times New Roman" panose="02020603050405020304" pitchFamily="18" charset="0"/>
+              </a:rPr>
+              <a:t>Neurofibrilarni</a:t>
+            </a:r>
+            <a:r>
+              <a:rPr lang="hr-HR" sz="1800" kern="100" dirty="0">
+                <a:effectLst/>
+                <a:latin typeface="Aptos" panose="020B0004020202020204" pitchFamily="34" charset="0"/>
+                <a:ea typeface="Aptos" panose="020B0004020202020204" pitchFamily="34" charset="0"/>
+                <a:cs typeface="Times New Roman" panose="02020603050405020304" pitchFamily="18" charset="0"/>
+              </a:rPr>
+              <a:t> čvorovi: To su uvrnuta vlakna koja se nakupljaju unutar neurona. Primarno su sastavljena od proteina zvanog </a:t>
+            </a:r>
+            <a:r>
+              <a:rPr lang="hr-HR" sz="1800" kern="100" dirty="0" err="1">
+                <a:effectLst/>
+                <a:latin typeface="Aptos" panose="020B0004020202020204" pitchFamily="34" charset="0"/>
+                <a:ea typeface="Aptos" panose="020B0004020202020204" pitchFamily="34" charset="0"/>
+                <a:cs typeface="Times New Roman" panose="02020603050405020304" pitchFamily="18" charset="0"/>
+              </a:rPr>
+              <a:t>tau</a:t>
+            </a:r>
+            <a:r>
+              <a:rPr lang="hr-HR" sz="1800" kern="100" dirty="0">
+                <a:effectLst/>
+                <a:latin typeface="Aptos" panose="020B0004020202020204" pitchFamily="34" charset="0"/>
+                <a:ea typeface="Aptos" panose="020B0004020202020204" pitchFamily="34" charset="0"/>
+                <a:cs typeface="Times New Roman" panose="02020603050405020304" pitchFamily="18" charset="0"/>
+              </a:rPr>
+              <a:t>. U zdravom mozgu, </a:t>
+            </a:r>
+            <a:r>
+              <a:rPr lang="hr-HR" sz="1800" kern="100" dirty="0" err="1">
+                <a:effectLst/>
+                <a:latin typeface="Aptos" panose="020B0004020202020204" pitchFamily="34" charset="0"/>
+                <a:ea typeface="Aptos" panose="020B0004020202020204" pitchFamily="34" charset="0"/>
+                <a:cs typeface="Times New Roman" panose="02020603050405020304" pitchFamily="18" charset="0"/>
+              </a:rPr>
+              <a:t>tau</a:t>
+            </a:r>
+            <a:r>
+              <a:rPr lang="hr-HR" sz="1800" kern="100" dirty="0">
+                <a:effectLst/>
+                <a:latin typeface="Aptos" panose="020B0004020202020204" pitchFamily="34" charset="0"/>
+                <a:ea typeface="Aptos" panose="020B0004020202020204" pitchFamily="34" charset="0"/>
+                <a:cs typeface="Times New Roman" panose="02020603050405020304" pitchFamily="18" charset="0"/>
+              </a:rPr>
+              <a:t> pomaže stabilizirati </a:t>
+            </a:r>
+            <a:r>
+              <a:rPr lang="hr-HR" sz="1800" kern="100" dirty="0" err="1">
+                <a:effectLst/>
+                <a:latin typeface="Aptos" panose="020B0004020202020204" pitchFamily="34" charset="0"/>
+                <a:ea typeface="Aptos" panose="020B0004020202020204" pitchFamily="34" charset="0"/>
+                <a:cs typeface="Times New Roman" panose="02020603050405020304" pitchFamily="18" charset="0"/>
+              </a:rPr>
+              <a:t>mikrotubule</a:t>
+            </a:r>
+            <a:r>
+              <a:rPr lang="hr-HR" sz="1800" kern="100" dirty="0">
+                <a:effectLst/>
+                <a:latin typeface="Aptos" panose="020B0004020202020204" pitchFamily="34" charset="0"/>
+                <a:ea typeface="Aptos" panose="020B0004020202020204" pitchFamily="34" charset="0"/>
+                <a:cs typeface="Times New Roman" panose="02020603050405020304" pitchFamily="18" charset="0"/>
+              </a:rPr>
+              <a:t> unutar neurona. Međutim, kod Alzheimerove bolesti, </a:t>
+            </a:r>
+            <a:r>
+              <a:rPr lang="hr-HR" sz="1800" kern="100" dirty="0" err="1">
+                <a:effectLst/>
+                <a:latin typeface="Aptos" panose="020B0004020202020204" pitchFamily="34" charset="0"/>
+                <a:ea typeface="Aptos" panose="020B0004020202020204" pitchFamily="34" charset="0"/>
+                <a:cs typeface="Times New Roman" panose="02020603050405020304" pitchFamily="18" charset="0"/>
+              </a:rPr>
+              <a:t>tau</a:t>
+            </a:r>
+            <a:r>
+              <a:rPr lang="hr-HR" sz="1800" kern="100" dirty="0">
+                <a:effectLst/>
+                <a:latin typeface="Aptos" panose="020B0004020202020204" pitchFamily="34" charset="0"/>
+                <a:ea typeface="Aptos" panose="020B0004020202020204" pitchFamily="34" charset="0"/>
+                <a:cs typeface="Times New Roman" panose="02020603050405020304" pitchFamily="18" charset="0"/>
+              </a:rPr>
+              <a:t> proteini prolaze kroz kemijske promjene i postaju uvrnuti u čvorove koji ometaju normalno funkcioniranje neurona.</a:t>
+            </a:r>
+            <a:endParaRPr lang="en-GB" sz="1800" kern="100" dirty="0">
+              <a:effectLst/>
+              <a:latin typeface="Aptos" panose="020B0004020202020204" pitchFamily="34" charset="0"/>
+              <a:ea typeface="Aptos" panose="020B0004020202020204" pitchFamily="34" charset="0"/>
+              <a:cs typeface="Times New Roman" panose="02020603050405020304" pitchFamily="18" charset="0"/>
+            </a:endParaRPr>
+          </a:p>
+          <a:p>
+            <a:endParaRPr lang="en-GB" dirty="0"/>
+          </a:p>
+        </p:txBody>
+      </p:sp>
+      <p:sp>
+        <p:nvSpPr>
+          <p:cNvPr id="4" name="Rezervirano mjesto broja slajda 3"/>
           <p:cNvSpPr>
             <a:spLocks noGrp="1"/>
           </p:cNvSpPr>
@@ -859,17 +1801,17 @@
           <a:p>
             <a:pPr rtl="0"/>
             <a:fld id="{D4B9A9E5-4F7F-4A7D-9DE1-899232329269}" type="slidenum">
-              <a:rPr lang="en-GB" smtClean="0"/>
-              <a:t>16</a:t>
+              <a:rPr lang="en-GB" noProof="0" smtClean="0"/>
+              <a:t>3</a:t>
             </a:fld>
-            <a:endParaRPr lang="en-GB"/>
+            <a:endParaRPr lang="en-GB" noProof="0"/>
           </a:p>
         </p:txBody>
       </p:sp>
     </p:spTree>
     <p:extLst>
       <p:ext uri="{BB962C8B-B14F-4D97-AF65-F5344CB8AC3E}">
-        <p14:creationId xmlns:p14="http://schemas.microsoft.com/office/powerpoint/2010/main" val="3772094516"/>
+        <p14:creationId xmlns:p14="http://schemas.microsoft.com/office/powerpoint/2010/main" val="3944352370"/>
       </p:ext>
     </p:extLst>
   </p:cSld>
@@ -898,7 +1840,7 @@
       </p:grpSpPr>
       <p:sp>
         <p:nvSpPr>
-          <p:cNvPr id="2" name="Slide Image Placeholder 1"/>
+          <p:cNvPr id="2" name="Rezervirano mjesto slike slajda 1"/>
           <p:cNvSpPr>
             <a:spLocks noGrp="1" noRot="1" noChangeAspect="1"/>
           </p:cNvSpPr>
@@ -910,7 +1852,7 @@
       </p:sp>
       <p:sp>
         <p:nvSpPr>
-          <p:cNvPr id="3" name="Notes Placeholder 2"/>
+          <p:cNvPr id="3" name="Rezervirano mjesto bilježaka 2"/>
           <p:cNvSpPr>
             <a:spLocks noGrp="1"/>
           </p:cNvSpPr>
@@ -923,13 +1865,83 @@
           <a:bodyPr/>
           <a:lstStyle/>
           <a:p>
-            <a:endParaRPr lang="en-GB"/>
-          </a:p>
-        </p:txBody>
-      </p:sp>
-      <p:sp>
-        <p:nvSpPr>
-          <p:cNvPr id="4" name="Slide Number Placeholder 3"/>
+            <a:pPr marL="0" marR="0" lvl="0" indent="0" algn="l" defTabSz="914400" rtl="0" eaLnBrk="1" fontAlgn="auto" latinLnBrk="0" hangingPunct="1">
+              <a:lnSpc>
+                <a:spcPct val="100000"/>
+              </a:lnSpc>
+              <a:spcBef>
+                <a:spcPts val="0"/>
+              </a:spcBef>
+              <a:spcAft>
+                <a:spcPts val="0"/>
+              </a:spcAft>
+              <a:buClrTx/>
+              <a:buSzTx/>
+              <a:buFontTx/>
+              <a:buNone/>
+              <a:tabLst/>
+              <a:defRPr/>
+            </a:pPr>
+            <a:r>
+              <a:rPr lang="hr-HR" sz="1800" kern="100" dirty="0">
+                <a:effectLst/>
+                <a:latin typeface="Aptos" panose="020B0004020202020204" pitchFamily="34" charset="0"/>
+                <a:ea typeface="Aptos" panose="020B0004020202020204" pitchFamily="34" charset="0"/>
+                <a:cs typeface="Times New Roman" panose="02020603050405020304" pitchFamily="18" charset="0"/>
+              </a:rPr>
+              <a:t>Ovaj dio mozga sa slike se zovu lateralni </a:t>
+            </a:r>
+            <a:r>
+              <a:rPr lang="hr-HR" sz="1800" kern="100" dirty="0" err="1">
+                <a:effectLst/>
+                <a:latin typeface="Aptos" panose="020B0004020202020204" pitchFamily="34" charset="0"/>
+                <a:ea typeface="Aptos" panose="020B0004020202020204" pitchFamily="34" charset="0"/>
+                <a:cs typeface="Times New Roman" panose="02020603050405020304" pitchFamily="18" charset="0"/>
+              </a:rPr>
+              <a:t>ventrikuli</a:t>
+            </a:r>
+            <a:r>
+              <a:rPr lang="hr-HR" sz="1800" kern="100" dirty="0">
+                <a:effectLst/>
+                <a:latin typeface="Aptos" panose="020B0004020202020204" pitchFamily="34" charset="0"/>
+                <a:ea typeface="Aptos" panose="020B0004020202020204" pitchFamily="34" charset="0"/>
+                <a:cs typeface="Times New Roman" panose="02020603050405020304" pitchFamily="18" charset="0"/>
+              </a:rPr>
+              <a:t> ili bočne komore, i vidimo da su one značajno povećane kod osoba s Alzheimerovom bolesti. To je upravo zato jer se pri atrofiji mozga </a:t>
+            </a:r>
+            <a:r>
+              <a:rPr lang="hr-HR" sz="1800" kern="100" dirty="0" err="1">
+                <a:effectLst/>
+                <a:latin typeface="Aptos" panose="020B0004020202020204" pitchFamily="34" charset="0"/>
+                <a:ea typeface="Aptos" panose="020B0004020202020204" pitchFamily="34" charset="0"/>
+                <a:cs typeface="Times New Roman" panose="02020603050405020304" pitchFamily="18" charset="0"/>
+              </a:rPr>
+              <a:t>ventrikuli</a:t>
+            </a:r>
+            <a:r>
+              <a:rPr lang="hr-HR" sz="1800" kern="100" dirty="0">
+                <a:effectLst/>
+                <a:latin typeface="Aptos" panose="020B0004020202020204" pitchFamily="34" charset="0"/>
+                <a:ea typeface="Aptos" panose="020B0004020202020204" pitchFamily="34" charset="0"/>
+                <a:cs typeface="Times New Roman" panose="02020603050405020304" pitchFamily="18" charset="0"/>
+              </a:rPr>
+              <a:t> šire da popune taj prostor.</a:t>
+            </a:r>
+            <a:endParaRPr lang="en-GB" sz="1800" kern="100" dirty="0">
+              <a:effectLst/>
+              <a:latin typeface="Aptos" panose="020B0004020202020204" pitchFamily="34" charset="0"/>
+              <a:ea typeface="Aptos" panose="020B0004020202020204" pitchFamily="34" charset="0"/>
+              <a:cs typeface="Times New Roman" panose="02020603050405020304" pitchFamily="18" charset="0"/>
+            </a:endParaRPr>
+          </a:p>
+          <a:p>
+            <a:endParaRPr lang="en-GB" dirty="0"/>
+          </a:p>
+        </p:txBody>
+      </p:sp>
+      <p:sp>
+        <p:nvSpPr>
+          <p:cNvPr id="4" name="Rezervirano mjesto broja slajda 3"/>
           <p:cNvSpPr>
             <a:spLocks noGrp="1"/>
           </p:cNvSpPr>
@@ -944,17 +1956,1701 @@
           <a:p>
             <a:pPr rtl="0"/>
             <a:fld id="{D4B9A9E5-4F7F-4A7D-9DE1-899232329269}" type="slidenum">
-              <a:rPr lang="en-GB" smtClean="0"/>
-              <a:t>17</a:t>
+              <a:rPr lang="en-GB" noProof="0" smtClean="0"/>
+              <a:t>4</a:t>
             </a:fld>
-            <a:endParaRPr lang="en-GB"/>
+            <a:endParaRPr lang="en-GB" noProof="0"/>
           </a:p>
         </p:txBody>
       </p:sp>
     </p:spTree>
     <p:extLst>
       <p:ext uri="{BB962C8B-B14F-4D97-AF65-F5344CB8AC3E}">
-        <p14:creationId xmlns:p14="http://schemas.microsoft.com/office/powerpoint/2010/main" val="4072143245"/>
+        <p14:creationId xmlns:p14="http://schemas.microsoft.com/office/powerpoint/2010/main" val="1395447828"/>
+      </p:ext>
+    </p:extLst>
+  </p:cSld>
+  <p:clrMapOvr>
+    <a:masterClrMapping/>
+  </p:clrMapOvr>
+</p:notes>
+</file>
+
+<file path=ppt/notesSlides/notesSlide4.xml><?xml version="1.0" encoding="utf-8"?>
+<p:notes xmlns:a="http://schemas.openxmlformats.org/drawingml/2006/main" xmlns:r="http://schemas.openxmlformats.org/officeDocument/2006/relationships" xmlns:p="http://schemas.openxmlformats.org/presentationml/2006/main">
+  <p:cSld>
+    <p:spTree>
+      <p:nvGrpSpPr>
+        <p:cNvPr id="1" name=""/>
+        <p:cNvGrpSpPr/>
+        <p:nvPr/>
+      </p:nvGrpSpPr>
+      <p:grpSpPr>
+        <a:xfrm>
+          <a:off x="0" y="0"/>
+          <a:ext cx="0" cy="0"/>
+          <a:chOff x="0" y="0"/>
+          <a:chExt cx="0" cy="0"/>
+        </a:xfrm>
+      </p:grpSpPr>
+      <p:sp>
+        <p:nvSpPr>
+          <p:cNvPr id="2" name="Rezervirano mjesto slike slajda 1"/>
+          <p:cNvSpPr>
+            <a:spLocks noGrp="1" noRot="1" noChangeAspect="1"/>
+          </p:cNvSpPr>
+          <p:nvPr>
+            <p:ph type="sldImg"/>
+          </p:nvPr>
+        </p:nvSpPr>
+        <p:spPr/>
+      </p:sp>
+      <p:sp>
+        <p:nvSpPr>
+          <p:cNvPr id="3" name="Rezervirano mjesto bilježaka 2"/>
+          <p:cNvSpPr>
+            <a:spLocks noGrp="1"/>
+          </p:cNvSpPr>
+          <p:nvPr>
+            <p:ph type="body" idx="1"/>
+          </p:nvPr>
+        </p:nvSpPr>
+        <p:spPr/>
+        <p:txBody>
+          <a:bodyPr/>
+          <a:lstStyle/>
+          <a:p>
+            <a:pPr>
+              <a:lnSpc>
+                <a:spcPct val="107000"/>
+              </a:lnSpc>
+              <a:spcAft>
+                <a:spcPts val="800"/>
+              </a:spcAft>
+            </a:pPr>
+            <a:r>
+              <a:rPr lang="hr-HR" sz="1800" kern="100" dirty="0" err="1">
+                <a:effectLst/>
+                <a:latin typeface="Aptos" panose="020B0004020202020204" pitchFamily="34" charset="0"/>
+                <a:ea typeface="Aptos" panose="020B0004020202020204" pitchFamily="34" charset="0"/>
+                <a:cs typeface="Times New Roman" panose="02020603050405020304" pitchFamily="18" charset="0"/>
+              </a:rPr>
+              <a:t>Alzheimer’s</a:t>
+            </a:r>
+            <a:r>
+              <a:rPr lang="hr-HR" sz="1800" kern="100" dirty="0">
+                <a:effectLst/>
+                <a:latin typeface="Aptos" panose="020B0004020202020204" pitchFamily="34" charset="0"/>
+                <a:ea typeface="Aptos" panose="020B0004020202020204" pitchFamily="34" charset="0"/>
+                <a:cs typeface="Times New Roman" panose="02020603050405020304" pitchFamily="18" charset="0"/>
+              </a:rPr>
+              <a:t> </a:t>
+            </a:r>
+            <a:r>
+              <a:rPr lang="hr-HR" sz="1800" kern="100" dirty="0" err="1">
+                <a:effectLst/>
+                <a:latin typeface="Aptos" panose="020B0004020202020204" pitchFamily="34" charset="0"/>
+                <a:ea typeface="Aptos" panose="020B0004020202020204" pitchFamily="34" charset="0"/>
+                <a:cs typeface="Times New Roman" panose="02020603050405020304" pitchFamily="18" charset="0"/>
+              </a:rPr>
+              <a:t>Disease</a:t>
+            </a:r>
+            <a:r>
+              <a:rPr lang="hr-HR" sz="1800" kern="100" dirty="0">
+                <a:effectLst/>
+                <a:latin typeface="Aptos" panose="020B0004020202020204" pitchFamily="34" charset="0"/>
+                <a:ea typeface="Aptos" panose="020B0004020202020204" pitchFamily="34" charset="0"/>
+                <a:cs typeface="Times New Roman" panose="02020603050405020304" pitchFamily="18" charset="0"/>
+              </a:rPr>
+              <a:t> </a:t>
+            </a:r>
+            <a:r>
+              <a:rPr lang="hr-HR" sz="1800" kern="100" dirty="0" err="1">
+                <a:effectLst/>
+                <a:latin typeface="Aptos" panose="020B0004020202020204" pitchFamily="34" charset="0"/>
+                <a:ea typeface="Aptos" panose="020B0004020202020204" pitchFamily="34" charset="0"/>
+                <a:cs typeface="Times New Roman" panose="02020603050405020304" pitchFamily="18" charset="0"/>
+              </a:rPr>
+              <a:t>Neuroimaging</a:t>
+            </a:r>
+            <a:r>
+              <a:rPr lang="hr-HR" sz="1800" kern="100" dirty="0">
+                <a:effectLst/>
+                <a:latin typeface="Aptos" panose="020B0004020202020204" pitchFamily="34" charset="0"/>
+                <a:ea typeface="Aptos" panose="020B0004020202020204" pitchFamily="34" charset="0"/>
+                <a:cs typeface="Times New Roman" panose="02020603050405020304" pitchFamily="18" charset="0"/>
+              </a:rPr>
+              <a:t> </a:t>
+            </a:r>
+            <a:r>
+              <a:rPr lang="hr-HR" sz="1800" kern="100" dirty="0" err="1">
+                <a:effectLst/>
+                <a:latin typeface="Aptos" panose="020B0004020202020204" pitchFamily="34" charset="0"/>
+                <a:ea typeface="Aptos" panose="020B0004020202020204" pitchFamily="34" charset="0"/>
+                <a:cs typeface="Times New Roman" panose="02020603050405020304" pitchFamily="18" charset="0"/>
+              </a:rPr>
+              <a:t>Initiative</a:t>
+            </a:r>
+            <a:r>
+              <a:rPr lang="hr-HR" sz="1800" kern="100" dirty="0">
+                <a:effectLst/>
+                <a:latin typeface="Aptos" panose="020B0004020202020204" pitchFamily="34" charset="0"/>
+                <a:ea typeface="Aptos" panose="020B0004020202020204" pitchFamily="34" charset="0"/>
+                <a:cs typeface="Times New Roman" panose="02020603050405020304" pitchFamily="18" charset="0"/>
+              </a:rPr>
+              <a:t> (ADNI) je studija pokrenuta 2004. godine</a:t>
+            </a:r>
+            <a:endParaRPr lang="en-GB" sz="1800" kern="100" dirty="0">
+              <a:effectLst/>
+              <a:latin typeface="Aptos" panose="020B0004020202020204" pitchFamily="34" charset="0"/>
+              <a:ea typeface="Aptos" panose="020B0004020202020204" pitchFamily="34" charset="0"/>
+              <a:cs typeface="Times New Roman" panose="02020603050405020304" pitchFamily="18" charset="0"/>
+            </a:endParaRPr>
+          </a:p>
+          <a:p>
+            <a:pPr>
+              <a:lnSpc>
+                <a:spcPct val="107000"/>
+              </a:lnSpc>
+              <a:spcAft>
+                <a:spcPts val="800"/>
+              </a:spcAft>
+            </a:pPr>
+            <a:r>
+              <a:rPr lang="hr-HR" sz="1800" kern="100" dirty="0">
+                <a:effectLst/>
+                <a:latin typeface="Aptos" panose="020B0004020202020204" pitchFamily="34" charset="0"/>
+                <a:ea typeface="Aptos" panose="020B0004020202020204" pitchFamily="34" charset="0"/>
+                <a:cs typeface="Times New Roman" panose="02020603050405020304" pitchFamily="18" charset="0"/>
+              </a:rPr>
+              <a:t>s ciljem razvoja kliničkih, slikovnih, genetičkih i biokemijskih </a:t>
+            </a:r>
+            <a:r>
+              <a:rPr lang="hr-HR" sz="1800" kern="100" dirty="0" err="1">
+                <a:effectLst/>
+                <a:latin typeface="Aptos" panose="020B0004020202020204" pitchFamily="34" charset="0"/>
+                <a:ea typeface="Aptos" panose="020B0004020202020204" pitchFamily="34" charset="0"/>
+                <a:cs typeface="Times New Roman" panose="02020603050405020304" pitchFamily="18" charset="0"/>
+              </a:rPr>
+              <a:t>biomarkera</a:t>
+            </a:r>
+            <a:r>
+              <a:rPr lang="hr-HR" sz="1800" kern="100" dirty="0">
+                <a:effectLst/>
+                <a:latin typeface="Aptos" panose="020B0004020202020204" pitchFamily="34" charset="0"/>
+                <a:ea typeface="Aptos" panose="020B0004020202020204" pitchFamily="34" charset="0"/>
+                <a:cs typeface="Times New Roman" panose="02020603050405020304" pitchFamily="18" charset="0"/>
+              </a:rPr>
+              <a:t> za rano otkrivanje i praćenje Alzheimerove bolesti. ADNI uključuje sudionike u dobi od 55 do 90</a:t>
+            </a:r>
+            <a:endParaRPr lang="en-GB" sz="1800" kern="100" dirty="0">
+              <a:effectLst/>
+              <a:latin typeface="Aptos" panose="020B0004020202020204" pitchFamily="34" charset="0"/>
+              <a:ea typeface="Aptos" panose="020B0004020202020204" pitchFamily="34" charset="0"/>
+              <a:cs typeface="Times New Roman" panose="02020603050405020304" pitchFamily="18" charset="0"/>
+            </a:endParaRPr>
+          </a:p>
+          <a:p>
+            <a:pPr>
+              <a:lnSpc>
+                <a:spcPct val="107000"/>
+              </a:lnSpc>
+              <a:spcAft>
+                <a:spcPts val="800"/>
+              </a:spcAft>
+            </a:pPr>
+            <a:r>
+              <a:rPr lang="hr-HR" sz="1800" kern="100" dirty="0">
+                <a:effectLst/>
+                <a:latin typeface="Aptos" panose="020B0004020202020204" pitchFamily="34" charset="0"/>
+                <a:ea typeface="Aptos" panose="020B0004020202020204" pitchFamily="34" charset="0"/>
+                <a:cs typeface="Times New Roman" panose="02020603050405020304" pitchFamily="18" charset="0"/>
+              </a:rPr>
+              <a:t>godina koji su regrutirani na više od 50 lokacija u Sjedinjenim Američkim Državama i</a:t>
+            </a:r>
+            <a:endParaRPr lang="en-GB" sz="1800" kern="100" dirty="0">
+              <a:effectLst/>
+              <a:latin typeface="Aptos" panose="020B0004020202020204" pitchFamily="34" charset="0"/>
+              <a:ea typeface="Aptos" panose="020B0004020202020204" pitchFamily="34" charset="0"/>
+              <a:cs typeface="Times New Roman" panose="02020603050405020304" pitchFamily="18" charset="0"/>
+            </a:endParaRPr>
+          </a:p>
+          <a:p>
+            <a:pPr>
+              <a:lnSpc>
+                <a:spcPct val="107000"/>
+              </a:lnSpc>
+              <a:spcAft>
+                <a:spcPts val="800"/>
+              </a:spcAft>
+            </a:pPr>
+            <a:r>
+              <a:rPr lang="hr-HR" sz="1800" kern="100" dirty="0">
+                <a:effectLst/>
+                <a:latin typeface="Aptos" panose="020B0004020202020204" pitchFamily="34" charset="0"/>
+                <a:ea typeface="Aptos" panose="020B0004020202020204" pitchFamily="34" charset="0"/>
+                <a:cs typeface="Times New Roman" panose="02020603050405020304" pitchFamily="18" charset="0"/>
+              </a:rPr>
+              <a:t>Kanadi [25].</a:t>
+            </a:r>
+            <a:endParaRPr lang="en-GB" sz="1800" kern="100" dirty="0">
+              <a:effectLst/>
+              <a:latin typeface="Aptos" panose="020B0004020202020204" pitchFamily="34" charset="0"/>
+              <a:ea typeface="Aptos" panose="020B0004020202020204" pitchFamily="34" charset="0"/>
+              <a:cs typeface="Times New Roman" panose="02020603050405020304" pitchFamily="18" charset="0"/>
+            </a:endParaRPr>
+          </a:p>
+          <a:p>
+            <a:pPr>
+              <a:lnSpc>
+                <a:spcPct val="107000"/>
+              </a:lnSpc>
+              <a:spcAft>
+                <a:spcPts val="800"/>
+              </a:spcAft>
+            </a:pPr>
+            <a:r>
+              <a:rPr lang="hr-HR" sz="1800" kern="100" dirty="0">
+                <a:effectLst/>
+                <a:latin typeface="Aptos" panose="020B0004020202020204" pitchFamily="34" charset="0"/>
+                <a:ea typeface="Aptos" panose="020B0004020202020204" pitchFamily="34" charset="0"/>
+                <a:cs typeface="Times New Roman" panose="02020603050405020304" pitchFamily="18" charset="0"/>
+              </a:rPr>
+              <a:t>ADNI baza podataka prikuplja širok spektar podataka koji uključuju slike mozga</a:t>
+            </a:r>
+            <a:endParaRPr lang="en-GB" sz="1800" kern="100" dirty="0">
+              <a:effectLst/>
+              <a:latin typeface="Aptos" panose="020B0004020202020204" pitchFamily="34" charset="0"/>
+              <a:ea typeface="Aptos" panose="020B0004020202020204" pitchFamily="34" charset="0"/>
+              <a:cs typeface="Times New Roman" panose="02020603050405020304" pitchFamily="18" charset="0"/>
+            </a:endParaRPr>
+          </a:p>
+          <a:p>
+            <a:pPr>
+              <a:lnSpc>
+                <a:spcPct val="107000"/>
+              </a:lnSpc>
+              <a:spcAft>
+                <a:spcPts val="800"/>
+              </a:spcAft>
+            </a:pPr>
+            <a:r>
+              <a:rPr lang="hr-HR" sz="1800" kern="100" dirty="0">
+                <a:effectLst/>
+                <a:latin typeface="Aptos" panose="020B0004020202020204" pitchFamily="34" charset="0"/>
+                <a:ea typeface="Aptos" panose="020B0004020202020204" pitchFamily="34" charset="0"/>
+                <a:cs typeface="Times New Roman" panose="02020603050405020304" pitchFamily="18" charset="0"/>
+              </a:rPr>
+              <a:t>(MRI i PET), genetske podatke, kognitivne testove, kao i </a:t>
+            </a:r>
+            <a:r>
+              <a:rPr lang="hr-HR" sz="1800" kern="100" dirty="0" err="1">
+                <a:effectLst/>
+                <a:latin typeface="Aptos" panose="020B0004020202020204" pitchFamily="34" charset="0"/>
+                <a:ea typeface="Aptos" panose="020B0004020202020204" pitchFamily="34" charset="0"/>
+                <a:cs typeface="Times New Roman" panose="02020603050405020304" pitchFamily="18" charset="0"/>
+              </a:rPr>
+              <a:t>biomarkere</a:t>
+            </a:r>
+            <a:r>
+              <a:rPr lang="hr-HR" sz="1800" kern="100" dirty="0">
+                <a:effectLst/>
+                <a:latin typeface="Aptos" panose="020B0004020202020204" pitchFamily="34" charset="0"/>
+                <a:ea typeface="Aptos" panose="020B0004020202020204" pitchFamily="34" charset="0"/>
+                <a:cs typeface="Times New Roman" panose="02020603050405020304" pitchFamily="18" charset="0"/>
+              </a:rPr>
+              <a:t> iz cerebrospinalne</a:t>
+            </a:r>
+            <a:endParaRPr lang="en-GB" sz="1800" kern="100" dirty="0">
+              <a:effectLst/>
+              <a:latin typeface="Aptos" panose="020B0004020202020204" pitchFamily="34" charset="0"/>
+              <a:ea typeface="Aptos" panose="020B0004020202020204" pitchFamily="34" charset="0"/>
+              <a:cs typeface="Times New Roman" panose="02020603050405020304" pitchFamily="18" charset="0"/>
+            </a:endParaRPr>
+          </a:p>
+          <a:p>
+            <a:pPr>
+              <a:lnSpc>
+                <a:spcPct val="107000"/>
+              </a:lnSpc>
+              <a:spcAft>
+                <a:spcPts val="800"/>
+              </a:spcAft>
+            </a:pPr>
+            <a:r>
+              <a:rPr lang="hr-HR" sz="1800" kern="100" dirty="0">
+                <a:effectLst/>
+                <a:latin typeface="Aptos" panose="020B0004020202020204" pitchFamily="34" charset="0"/>
+                <a:ea typeface="Aptos" panose="020B0004020202020204" pitchFamily="34" charset="0"/>
+                <a:cs typeface="Times New Roman" panose="02020603050405020304" pitchFamily="18" charset="0"/>
+              </a:rPr>
+              <a:t>tekućine i krvi [25]. Ovi podaci omogućuju istraživačima proučavanje odnosa između</a:t>
+            </a:r>
+            <a:endParaRPr lang="en-GB" sz="1800" kern="100" dirty="0">
+              <a:effectLst/>
+              <a:latin typeface="Aptos" panose="020B0004020202020204" pitchFamily="34" charset="0"/>
+              <a:ea typeface="Aptos" panose="020B0004020202020204" pitchFamily="34" charset="0"/>
+              <a:cs typeface="Times New Roman" panose="02020603050405020304" pitchFamily="18" charset="0"/>
+            </a:endParaRPr>
+          </a:p>
+          <a:p>
+            <a:pPr>
+              <a:lnSpc>
+                <a:spcPct val="107000"/>
+              </a:lnSpc>
+              <a:spcAft>
+                <a:spcPts val="800"/>
+              </a:spcAft>
+            </a:pPr>
+            <a:r>
+              <a:rPr lang="hr-HR" sz="1800" kern="100" dirty="0">
+                <a:effectLst/>
+                <a:latin typeface="Aptos" panose="020B0004020202020204" pitchFamily="34" charset="0"/>
+                <a:ea typeface="Aptos" panose="020B0004020202020204" pitchFamily="34" charset="0"/>
+                <a:cs typeface="Times New Roman" panose="02020603050405020304" pitchFamily="18" charset="0"/>
+              </a:rPr>
+              <a:t>kliničkih, kognitivnih, slikovnih, genetičkih i biokemijskih karakteristika AD-a tijekom</a:t>
+            </a:r>
+            <a:endParaRPr lang="en-GB" sz="1800" kern="100" dirty="0">
+              <a:effectLst/>
+              <a:latin typeface="Aptos" panose="020B0004020202020204" pitchFamily="34" charset="0"/>
+              <a:ea typeface="Aptos" panose="020B0004020202020204" pitchFamily="34" charset="0"/>
+              <a:cs typeface="Times New Roman" panose="02020603050405020304" pitchFamily="18" charset="0"/>
+            </a:endParaRPr>
+          </a:p>
+          <a:p>
+            <a:pPr>
+              <a:lnSpc>
+                <a:spcPct val="107000"/>
+              </a:lnSpc>
+              <a:spcAft>
+                <a:spcPts val="800"/>
+              </a:spcAft>
+            </a:pPr>
+            <a:r>
+              <a:rPr lang="hr-HR" sz="1800" kern="100" dirty="0">
+                <a:effectLst/>
+                <a:latin typeface="Aptos" panose="020B0004020202020204" pitchFamily="34" charset="0"/>
+                <a:ea typeface="Aptos" panose="020B0004020202020204" pitchFamily="34" charset="0"/>
+                <a:cs typeface="Times New Roman" panose="02020603050405020304" pitchFamily="18" charset="0"/>
+              </a:rPr>
+              <a:t>evolucije bolesti.</a:t>
+            </a:r>
+            <a:endParaRPr lang="en-GB" sz="1800" kern="100" dirty="0">
+              <a:effectLst/>
+              <a:latin typeface="Aptos" panose="020B0004020202020204" pitchFamily="34" charset="0"/>
+              <a:ea typeface="Aptos" panose="020B0004020202020204" pitchFamily="34" charset="0"/>
+              <a:cs typeface="Times New Roman" panose="02020603050405020304" pitchFamily="18" charset="0"/>
+            </a:endParaRPr>
+          </a:p>
+          <a:p>
+            <a:pPr>
+              <a:lnSpc>
+                <a:spcPct val="107000"/>
+              </a:lnSpc>
+              <a:spcAft>
+                <a:spcPts val="800"/>
+              </a:spcAft>
+            </a:pPr>
+            <a:r>
+              <a:rPr lang="hr-HR" sz="1800" kern="100" dirty="0">
+                <a:effectLst/>
+                <a:latin typeface="Aptos" panose="020B0004020202020204" pitchFamily="34" charset="0"/>
+                <a:ea typeface="Aptos" panose="020B0004020202020204" pitchFamily="34" charset="0"/>
+                <a:cs typeface="Times New Roman" panose="02020603050405020304" pitchFamily="18" charset="0"/>
+              </a:rPr>
+              <a:t>Sudionici u ADNI studiji podijeljeni su u nekoliko skupina:</a:t>
+            </a:r>
+            <a:endParaRPr lang="en-GB" sz="1800" kern="100" dirty="0">
+              <a:effectLst/>
+              <a:latin typeface="Aptos" panose="020B0004020202020204" pitchFamily="34" charset="0"/>
+              <a:ea typeface="Aptos" panose="020B0004020202020204" pitchFamily="34" charset="0"/>
+              <a:cs typeface="Times New Roman" panose="02020603050405020304" pitchFamily="18" charset="0"/>
+            </a:endParaRPr>
+          </a:p>
+          <a:p>
+            <a:pPr>
+              <a:lnSpc>
+                <a:spcPct val="107000"/>
+              </a:lnSpc>
+              <a:spcAft>
+                <a:spcPts val="800"/>
+              </a:spcAft>
+            </a:pPr>
+            <a:r>
+              <a:rPr lang="hr-HR" sz="1800" kern="100" dirty="0">
+                <a:effectLst/>
+                <a:latin typeface="Aptos" panose="020B0004020202020204" pitchFamily="34" charset="0"/>
+                <a:ea typeface="Aptos" panose="020B0004020202020204" pitchFamily="34" charset="0"/>
+                <a:cs typeface="Times New Roman" panose="02020603050405020304" pitchFamily="18" charset="0"/>
+              </a:rPr>
+              <a:t>• Normalni kontrolni sudionici (CN): Osobe bez znakova depresije, blagih kognitivnih oštećenja ili demencije.</a:t>
+            </a:r>
+            <a:endParaRPr lang="en-GB" sz="1800" kern="100" dirty="0">
+              <a:effectLst/>
+              <a:latin typeface="Aptos" panose="020B0004020202020204" pitchFamily="34" charset="0"/>
+              <a:ea typeface="Aptos" panose="020B0004020202020204" pitchFamily="34" charset="0"/>
+              <a:cs typeface="Times New Roman" panose="02020603050405020304" pitchFamily="18" charset="0"/>
+            </a:endParaRPr>
+          </a:p>
+          <a:p>
+            <a:pPr>
+              <a:lnSpc>
+                <a:spcPct val="107000"/>
+              </a:lnSpc>
+              <a:spcAft>
+                <a:spcPts val="800"/>
+              </a:spcAft>
+            </a:pPr>
+            <a:r>
+              <a:rPr lang="hr-HR" sz="1800" kern="100" dirty="0">
+                <a:effectLst/>
+                <a:latin typeface="Aptos" panose="020B0004020202020204" pitchFamily="34" charset="0"/>
+                <a:ea typeface="Aptos" panose="020B0004020202020204" pitchFamily="34" charset="0"/>
+                <a:cs typeface="Times New Roman" panose="02020603050405020304" pitchFamily="18" charset="0"/>
+              </a:rPr>
+              <a:t>• Sudionici s blagim kognitivnim oštećenjem (MCI): Osobe koje pokazuju blage</a:t>
+            </a:r>
+            <a:endParaRPr lang="en-GB" sz="1800" kern="100" dirty="0">
+              <a:effectLst/>
+              <a:latin typeface="Aptos" panose="020B0004020202020204" pitchFamily="34" charset="0"/>
+              <a:ea typeface="Aptos" panose="020B0004020202020204" pitchFamily="34" charset="0"/>
+              <a:cs typeface="Times New Roman" panose="02020603050405020304" pitchFamily="18" charset="0"/>
+            </a:endParaRPr>
+          </a:p>
+          <a:p>
+            <a:pPr>
+              <a:lnSpc>
+                <a:spcPct val="107000"/>
+              </a:lnSpc>
+              <a:spcAft>
+                <a:spcPts val="800"/>
+              </a:spcAft>
+            </a:pPr>
+            <a:r>
+              <a:rPr lang="hr-HR" sz="1800" kern="100" dirty="0">
+                <a:effectLst/>
+                <a:latin typeface="Aptos" panose="020B0004020202020204" pitchFamily="34" charset="0"/>
+                <a:ea typeface="Aptos" panose="020B0004020202020204" pitchFamily="34" charset="0"/>
+                <a:cs typeface="Times New Roman" panose="02020603050405020304" pitchFamily="18" charset="0"/>
+              </a:rPr>
+              <a:t>kognitivne deficite, ali ne zadovoljavaju kriterije za dijagnozu demencije.</a:t>
+            </a:r>
+            <a:endParaRPr lang="en-GB" sz="1800" kern="100" dirty="0">
+              <a:effectLst/>
+              <a:latin typeface="Aptos" panose="020B0004020202020204" pitchFamily="34" charset="0"/>
+              <a:ea typeface="Aptos" panose="020B0004020202020204" pitchFamily="34" charset="0"/>
+              <a:cs typeface="Times New Roman" panose="02020603050405020304" pitchFamily="18" charset="0"/>
+            </a:endParaRPr>
+          </a:p>
+          <a:p>
+            <a:pPr>
+              <a:lnSpc>
+                <a:spcPct val="107000"/>
+              </a:lnSpc>
+              <a:spcAft>
+                <a:spcPts val="800"/>
+              </a:spcAft>
+            </a:pPr>
+            <a:r>
+              <a:rPr lang="hr-HR" sz="1800" kern="100" dirty="0">
+                <a:effectLst/>
+                <a:latin typeface="Aptos" panose="020B0004020202020204" pitchFamily="34" charset="0"/>
+                <a:ea typeface="Aptos" panose="020B0004020202020204" pitchFamily="34" charset="0"/>
+                <a:cs typeface="Times New Roman" panose="02020603050405020304" pitchFamily="18" charset="0"/>
+              </a:rPr>
+              <a:t>• Sudionici s Alzheimerovom bolešću (AD): Osobe s dijagnozom Alzheimerove</a:t>
+            </a:r>
+            <a:endParaRPr lang="en-GB" sz="1800" kern="100" dirty="0">
+              <a:effectLst/>
+              <a:latin typeface="Aptos" panose="020B0004020202020204" pitchFamily="34" charset="0"/>
+              <a:ea typeface="Aptos" panose="020B0004020202020204" pitchFamily="34" charset="0"/>
+              <a:cs typeface="Times New Roman" panose="02020603050405020304" pitchFamily="18" charset="0"/>
+            </a:endParaRPr>
+          </a:p>
+          <a:p>
+            <a:pPr>
+              <a:lnSpc>
+                <a:spcPct val="107000"/>
+              </a:lnSpc>
+              <a:spcAft>
+                <a:spcPts val="800"/>
+              </a:spcAft>
+            </a:pPr>
+            <a:r>
+              <a:rPr lang="hr-HR" sz="1800" kern="100" dirty="0">
+                <a:effectLst/>
+                <a:latin typeface="Aptos" panose="020B0004020202020204" pitchFamily="34" charset="0"/>
+                <a:ea typeface="Aptos" panose="020B0004020202020204" pitchFamily="34" charset="0"/>
+                <a:cs typeface="Times New Roman" panose="02020603050405020304" pitchFamily="18" charset="0"/>
+              </a:rPr>
+              <a:t>bolesti.</a:t>
+            </a:r>
+            <a:endParaRPr lang="en-GB" sz="1800" kern="100" dirty="0">
+              <a:effectLst/>
+              <a:latin typeface="Aptos" panose="020B0004020202020204" pitchFamily="34" charset="0"/>
+              <a:ea typeface="Aptos" panose="020B0004020202020204" pitchFamily="34" charset="0"/>
+              <a:cs typeface="Times New Roman" panose="02020603050405020304" pitchFamily="18" charset="0"/>
+            </a:endParaRPr>
+          </a:p>
+          <a:p>
+            <a:endParaRPr lang="en-GB" dirty="0"/>
+          </a:p>
+        </p:txBody>
+      </p:sp>
+      <p:sp>
+        <p:nvSpPr>
+          <p:cNvPr id="4" name="Rezervirano mjesto broja slajda 3"/>
+          <p:cNvSpPr>
+            <a:spLocks noGrp="1"/>
+          </p:cNvSpPr>
+          <p:nvPr>
+            <p:ph type="sldNum" sz="quarter" idx="5"/>
+          </p:nvPr>
+        </p:nvSpPr>
+        <p:spPr/>
+        <p:txBody>
+          <a:bodyPr/>
+          <a:lstStyle/>
+          <a:p>
+            <a:pPr rtl="0"/>
+            <a:fld id="{D4B9A9E5-4F7F-4A7D-9DE1-899232329269}" type="slidenum">
+              <a:rPr lang="en-GB" noProof="0" smtClean="0"/>
+              <a:t>5</a:t>
+            </a:fld>
+            <a:endParaRPr lang="en-GB" noProof="0"/>
+          </a:p>
+        </p:txBody>
+      </p:sp>
+    </p:spTree>
+    <p:extLst>
+      <p:ext uri="{BB962C8B-B14F-4D97-AF65-F5344CB8AC3E}">
+        <p14:creationId xmlns:p14="http://schemas.microsoft.com/office/powerpoint/2010/main" val="1667956270"/>
+      </p:ext>
+    </p:extLst>
+  </p:cSld>
+  <p:clrMapOvr>
+    <a:masterClrMapping/>
+  </p:clrMapOvr>
+</p:notes>
+</file>
+
+<file path=ppt/notesSlides/notesSlide5.xml><?xml version="1.0" encoding="utf-8"?>
+<p:notes xmlns:a="http://schemas.openxmlformats.org/drawingml/2006/main" xmlns:r="http://schemas.openxmlformats.org/officeDocument/2006/relationships" xmlns:p="http://schemas.openxmlformats.org/presentationml/2006/main">
+  <p:cSld>
+    <p:spTree>
+      <p:nvGrpSpPr>
+        <p:cNvPr id="1" name=""/>
+        <p:cNvGrpSpPr/>
+        <p:nvPr/>
+      </p:nvGrpSpPr>
+      <p:grpSpPr>
+        <a:xfrm>
+          <a:off x="0" y="0"/>
+          <a:ext cx="0" cy="0"/>
+          <a:chOff x="0" y="0"/>
+          <a:chExt cx="0" cy="0"/>
+        </a:xfrm>
+      </p:grpSpPr>
+      <p:sp>
+        <p:nvSpPr>
+          <p:cNvPr id="2" name="Rezervirano mjesto slike slajda 1"/>
+          <p:cNvSpPr>
+            <a:spLocks noGrp="1" noRot="1" noChangeAspect="1"/>
+          </p:cNvSpPr>
+          <p:nvPr>
+            <p:ph type="sldImg"/>
+          </p:nvPr>
+        </p:nvSpPr>
+        <p:spPr/>
+      </p:sp>
+      <p:sp>
+        <p:nvSpPr>
+          <p:cNvPr id="3" name="Rezervirano mjesto bilježaka 2"/>
+          <p:cNvSpPr>
+            <a:spLocks noGrp="1"/>
+          </p:cNvSpPr>
+          <p:nvPr>
+            <p:ph type="body" idx="1"/>
+          </p:nvPr>
+        </p:nvSpPr>
+        <p:spPr/>
+        <p:txBody>
+          <a:bodyPr/>
+          <a:lstStyle/>
+          <a:p>
+            <a:pPr marL="0" marR="0" lvl="0" indent="0" algn="l" defTabSz="914400" rtl="0" eaLnBrk="1" fontAlgn="auto" latinLnBrk="0" hangingPunct="1">
+              <a:lnSpc>
+                <a:spcPct val="100000"/>
+              </a:lnSpc>
+              <a:spcBef>
+                <a:spcPts val="0"/>
+              </a:spcBef>
+              <a:spcAft>
+                <a:spcPts val="0"/>
+              </a:spcAft>
+              <a:buClrTx/>
+              <a:buSzTx/>
+              <a:buFontTx/>
+              <a:buNone/>
+              <a:tabLst/>
+              <a:defRPr/>
+            </a:pPr>
+            <a:r>
+              <a:rPr lang="hr-HR" sz="1800" kern="100" dirty="0">
+                <a:effectLst/>
+                <a:latin typeface="Aptos" panose="020B0004020202020204" pitchFamily="34" charset="0"/>
+                <a:ea typeface="Aptos" panose="020B0004020202020204" pitchFamily="34" charset="0"/>
+                <a:cs typeface="Times New Roman" panose="02020603050405020304" pitchFamily="18" charset="0"/>
+              </a:rPr>
+              <a:t>Podaci koje sam ja preuzela s ADNI-a imali su ukupno 148 sudionika. Sve MRI slike su, kao što sam i prije spomenula u </a:t>
+            </a:r>
+            <a:r>
+              <a:rPr lang="hr-HR" sz="1800" kern="100" dirty="0" err="1">
+                <a:effectLst/>
+                <a:latin typeface="Aptos" panose="020B0004020202020204" pitchFamily="34" charset="0"/>
+                <a:ea typeface="Aptos" panose="020B0004020202020204" pitchFamily="34" charset="0"/>
+                <a:cs typeface="Times New Roman" panose="02020603050405020304" pitchFamily="18" charset="0"/>
+              </a:rPr>
+              <a:t>NIfTI</a:t>
+            </a:r>
+            <a:r>
+              <a:rPr lang="hr-HR" sz="1800" kern="100" dirty="0">
+                <a:effectLst/>
+                <a:latin typeface="Aptos" panose="020B0004020202020204" pitchFamily="34" charset="0"/>
+                <a:ea typeface="Aptos" panose="020B0004020202020204" pitchFamily="34" charset="0"/>
+                <a:cs typeface="Times New Roman" panose="02020603050405020304" pitchFamily="18" charset="0"/>
+              </a:rPr>
+              <a:t> formatu. Svaki zapis sadrži podatke o identifikacijskom broju slike, subjektu, grupi, spolu, dobi, posjeti, modalitetu i opisu MRI snimka. Tu sam i stavila Tablicu raspodjele sudionika po grupi i spolu, vidimo da je po spolu u globalu pola sudionika M, a pola Ž, ali je po svakoj grupi taj broj malo </a:t>
+            </a:r>
+            <a:r>
+              <a:rPr lang="hr-HR" sz="1800" kern="100" dirty="0" err="1">
+                <a:effectLst/>
+                <a:latin typeface="Aptos" panose="020B0004020202020204" pitchFamily="34" charset="0"/>
+                <a:ea typeface="Aptos" panose="020B0004020202020204" pitchFamily="34" charset="0"/>
+                <a:cs typeface="Times New Roman" panose="02020603050405020304" pitchFamily="18" charset="0"/>
+              </a:rPr>
+              <a:t>unejednačen</a:t>
+            </a:r>
+            <a:r>
+              <a:rPr lang="hr-HR" sz="1800" kern="100" dirty="0">
+                <a:effectLst/>
+                <a:latin typeface="Aptos" panose="020B0004020202020204" pitchFamily="34" charset="0"/>
+                <a:ea typeface="Aptos" panose="020B0004020202020204" pitchFamily="34" charset="0"/>
+                <a:cs typeface="Times New Roman" panose="02020603050405020304" pitchFamily="18" charset="0"/>
+              </a:rPr>
+              <a:t>.</a:t>
+            </a:r>
+            <a:endParaRPr lang="en-GB" sz="1800" kern="100" dirty="0">
+              <a:effectLst/>
+              <a:latin typeface="Aptos" panose="020B0004020202020204" pitchFamily="34" charset="0"/>
+              <a:ea typeface="Aptos" panose="020B0004020202020204" pitchFamily="34" charset="0"/>
+              <a:cs typeface="Times New Roman" panose="02020603050405020304" pitchFamily="18" charset="0"/>
+            </a:endParaRPr>
+          </a:p>
+          <a:p>
+            <a:endParaRPr lang="en-GB" dirty="0"/>
+          </a:p>
+        </p:txBody>
+      </p:sp>
+      <p:sp>
+        <p:nvSpPr>
+          <p:cNvPr id="4" name="Rezervirano mjesto broja slajda 3"/>
+          <p:cNvSpPr>
+            <a:spLocks noGrp="1"/>
+          </p:cNvSpPr>
+          <p:nvPr>
+            <p:ph type="sldNum" sz="quarter" idx="5"/>
+          </p:nvPr>
+        </p:nvSpPr>
+        <p:spPr/>
+        <p:txBody>
+          <a:bodyPr/>
+          <a:lstStyle/>
+          <a:p>
+            <a:pPr rtl="0"/>
+            <a:fld id="{D4B9A9E5-4F7F-4A7D-9DE1-899232329269}" type="slidenum">
+              <a:rPr lang="en-GB" noProof="0" smtClean="0"/>
+              <a:t>6</a:t>
+            </a:fld>
+            <a:endParaRPr lang="en-GB" noProof="0"/>
+          </a:p>
+        </p:txBody>
+      </p:sp>
+    </p:spTree>
+    <p:extLst>
+      <p:ext uri="{BB962C8B-B14F-4D97-AF65-F5344CB8AC3E}">
+        <p14:creationId xmlns:p14="http://schemas.microsoft.com/office/powerpoint/2010/main" val="3698569239"/>
+      </p:ext>
+    </p:extLst>
+  </p:cSld>
+  <p:clrMapOvr>
+    <a:masterClrMapping/>
+  </p:clrMapOvr>
+</p:notes>
+</file>
+
+<file path=ppt/notesSlides/notesSlide6.xml><?xml version="1.0" encoding="utf-8"?>
+<p:notes xmlns:a="http://schemas.openxmlformats.org/drawingml/2006/main" xmlns:r="http://schemas.openxmlformats.org/officeDocument/2006/relationships" xmlns:p="http://schemas.openxmlformats.org/presentationml/2006/main">
+  <p:cSld>
+    <p:spTree>
+      <p:nvGrpSpPr>
+        <p:cNvPr id="1" name=""/>
+        <p:cNvGrpSpPr/>
+        <p:nvPr/>
+      </p:nvGrpSpPr>
+      <p:grpSpPr>
+        <a:xfrm>
+          <a:off x="0" y="0"/>
+          <a:ext cx="0" cy="0"/>
+          <a:chOff x="0" y="0"/>
+          <a:chExt cx="0" cy="0"/>
+        </a:xfrm>
+      </p:grpSpPr>
+      <p:sp>
+        <p:nvSpPr>
+          <p:cNvPr id="2" name="Rezervirano mjesto slike slajda 1"/>
+          <p:cNvSpPr>
+            <a:spLocks noGrp="1" noRot="1" noChangeAspect="1"/>
+          </p:cNvSpPr>
+          <p:nvPr>
+            <p:ph type="sldImg"/>
+          </p:nvPr>
+        </p:nvSpPr>
+        <p:spPr/>
+      </p:sp>
+      <p:sp>
+        <p:nvSpPr>
+          <p:cNvPr id="3" name="Rezervirano mjesto bilježaka 2"/>
+          <p:cNvSpPr>
+            <a:spLocks noGrp="1"/>
+          </p:cNvSpPr>
+          <p:nvPr>
+            <p:ph type="body" idx="1"/>
+          </p:nvPr>
+        </p:nvSpPr>
+        <p:spPr/>
+        <p:txBody>
+          <a:bodyPr/>
+          <a:lstStyle/>
+          <a:p>
+            <a:pPr>
+              <a:lnSpc>
+                <a:spcPct val="107000"/>
+              </a:lnSpc>
+              <a:spcAft>
+                <a:spcPts val="800"/>
+              </a:spcAft>
+            </a:pPr>
+            <a:r>
+              <a:rPr lang="hr-HR" sz="1800" kern="100" dirty="0">
+                <a:effectLst/>
+                <a:latin typeface="Aptos" panose="020B0004020202020204" pitchFamily="34" charset="0"/>
+                <a:ea typeface="Aptos" panose="020B0004020202020204" pitchFamily="34" charset="0"/>
+                <a:cs typeface="Times New Roman" panose="02020603050405020304" pitchFamily="18" charset="0"/>
+              </a:rPr>
+              <a:t>Nadzirano učenje uključuje treniranje modela na označenom skupu podataka, što znači da je svaki primjer učenja uparen s izlaznom oznakom. Cilj je da model nauči mapirati ulaze na ispravan izlaz. Neki od algoritama su: </a:t>
+            </a:r>
+            <a:endParaRPr lang="en-GB" sz="1800" kern="100" dirty="0">
+              <a:effectLst/>
+              <a:latin typeface="Aptos" panose="020B0004020202020204" pitchFamily="34" charset="0"/>
+              <a:ea typeface="Aptos" panose="020B0004020202020204" pitchFamily="34" charset="0"/>
+              <a:cs typeface="Times New Roman" panose="02020603050405020304" pitchFamily="18" charset="0"/>
+            </a:endParaRPr>
+          </a:p>
+          <a:p>
+            <a:pPr>
+              <a:lnSpc>
+                <a:spcPct val="107000"/>
+              </a:lnSpc>
+              <a:spcAft>
+                <a:spcPts val="800"/>
+              </a:spcAft>
+            </a:pPr>
+            <a:r>
+              <a:rPr lang="hr-HR" sz="1800" kern="100" dirty="0">
+                <a:effectLst/>
+                <a:latin typeface="Aptos" panose="020B0004020202020204" pitchFamily="34" charset="0"/>
+                <a:ea typeface="Aptos" panose="020B0004020202020204" pitchFamily="34" charset="0"/>
+                <a:cs typeface="Times New Roman" panose="02020603050405020304" pitchFamily="18" charset="0"/>
+              </a:rPr>
+              <a:t>• Stablo odluke: tehnika temeljena na stablu u kojoj je svaki put koji započinje od korijena opisan nizom za razdvajanje podataka sve dok se ne postigne finalni ishod u listu čvora</a:t>
+            </a:r>
+            <a:endParaRPr lang="en-GB" sz="1800" kern="100" dirty="0">
+              <a:effectLst/>
+              <a:latin typeface="Aptos" panose="020B0004020202020204" pitchFamily="34" charset="0"/>
+              <a:ea typeface="Aptos" panose="020B0004020202020204" pitchFamily="34" charset="0"/>
+              <a:cs typeface="Times New Roman" panose="02020603050405020304" pitchFamily="18" charset="0"/>
+            </a:endParaRPr>
+          </a:p>
+          <a:p>
+            <a:pPr>
+              <a:lnSpc>
+                <a:spcPct val="107000"/>
+              </a:lnSpc>
+              <a:spcAft>
+                <a:spcPts val="800"/>
+              </a:spcAft>
+            </a:pPr>
+            <a:r>
+              <a:rPr lang="hr-HR" sz="1800" kern="100" dirty="0">
+                <a:effectLst/>
+                <a:latin typeface="Aptos" panose="020B0004020202020204" pitchFamily="34" charset="0"/>
+                <a:ea typeface="Aptos" panose="020B0004020202020204" pitchFamily="34" charset="0"/>
+                <a:cs typeface="Times New Roman" panose="02020603050405020304" pitchFamily="18" charset="0"/>
+              </a:rPr>
+              <a:t> • Stroj potpornih vektora: algoritam strojnog učenja koji koristi koncept </a:t>
+            </a:r>
+            <a:r>
+              <a:rPr lang="hr-HR" sz="1800" kern="100" dirty="0" err="1">
+                <a:effectLst/>
+                <a:latin typeface="Aptos" panose="020B0004020202020204" pitchFamily="34" charset="0"/>
+                <a:ea typeface="Aptos" panose="020B0004020202020204" pitchFamily="34" charset="0"/>
+                <a:cs typeface="Times New Roman" panose="02020603050405020304" pitchFamily="18" charset="0"/>
+              </a:rPr>
+              <a:t>marginizacije</a:t>
+            </a:r>
+            <a:r>
+              <a:rPr lang="hr-HR" sz="1800" kern="100" dirty="0">
+                <a:effectLst/>
+                <a:latin typeface="Aptos" panose="020B0004020202020204" pitchFamily="34" charset="0"/>
+                <a:ea typeface="Aptos" panose="020B0004020202020204" pitchFamily="34" charset="0"/>
+                <a:cs typeface="Times New Roman" panose="02020603050405020304" pitchFamily="18" charset="0"/>
+              </a:rPr>
+              <a:t> kako bi klasificirao podatke. Osnovna ideja SVM-a je pronaći </a:t>
+            </a:r>
+            <a:r>
+              <a:rPr lang="hr-HR" sz="1800" kern="100" dirty="0" err="1">
+                <a:effectLst/>
+                <a:latin typeface="Aptos" panose="020B0004020202020204" pitchFamily="34" charset="0"/>
+                <a:ea typeface="Aptos" panose="020B0004020202020204" pitchFamily="34" charset="0"/>
+                <a:cs typeface="Times New Roman" panose="02020603050405020304" pitchFamily="18" charset="0"/>
+              </a:rPr>
+              <a:t>hiperravninu</a:t>
+            </a:r>
+            <a:r>
+              <a:rPr lang="hr-HR" sz="1800" kern="100" dirty="0">
+                <a:effectLst/>
+                <a:latin typeface="Aptos" panose="020B0004020202020204" pitchFamily="34" charset="0"/>
+                <a:ea typeface="Aptos" panose="020B0004020202020204" pitchFamily="34" charset="0"/>
+                <a:cs typeface="Times New Roman" panose="02020603050405020304" pitchFamily="18" charset="0"/>
+              </a:rPr>
+              <a:t> koja najbolje razdvaja podatke u različite klase </a:t>
+            </a:r>
+            <a:endParaRPr lang="en-GB" sz="1800" kern="100" dirty="0">
+              <a:effectLst/>
+              <a:latin typeface="Aptos" panose="020B0004020202020204" pitchFamily="34" charset="0"/>
+              <a:ea typeface="Aptos" panose="020B0004020202020204" pitchFamily="34" charset="0"/>
+              <a:cs typeface="Times New Roman" panose="02020603050405020304" pitchFamily="18" charset="0"/>
+            </a:endParaRPr>
+          </a:p>
+          <a:p>
+            <a:pPr>
+              <a:lnSpc>
+                <a:spcPct val="107000"/>
+              </a:lnSpc>
+              <a:spcAft>
+                <a:spcPts val="800"/>
+              </a:spcAft>
+            </a:pPr>
+            <a:r>
+              <a:rPr lang="hr-HR" sz="1800" kern="100" dirty="0">
+                <a:effectLst/>
+                <a:latin typeface="Aptos" panose="020B0004020202020204" pitchFamily="34" charset="0"/>
+                <a:ea typeface="Aptos" panose="020B0004020202020204" pitchFamily="34" charset="0"/>
+                <a:cs typeface="Times New Roman" panose="02020603050405020304" pitchFamily="18" charset="0"/>
+              </a:rPr>
+              <a:t>• Slučajna šuma: sastoji se od velikog broja individualnih stabala odlučivanja koja djeluju kao ansambl. Svako stablo u šumi daje klasifikaciju (za klasifikacijske probleme) ili predviđanje (za regresijske probleme), a glasanje ili prosjek tih rezultata određuje konačni ishod modela.</a:t>
+            </a:r>
+            <a:endParaRPr lang="en-GB" sz="1800" kern="100" dirty="0">
+              <a:effectLst/>
+              <a:latin typeface="Aptos" panose="020B0004020202020204" pitchFamily="34" charset="0"/>
+              <a:ea typeface="Aptos" panose="020B0004020202020204" pitchFamily="34" charset="0"/>
+              <a:cs typeface="Times New Roman" panose="02020603050405020304" pitchFamily="18" charset="0"/>
+            </a:endParaRPr>
+          </a:p>
+          <a:p>
+            <a:endParaRPr lang="en-GB" dirty="0"/>
+          </a:p>
+        </p:txBody>
+      </p:sp>
+      <p:sp>
+        <p:nvSpPr>
+          <p:cNvPr id="4" name="Rezervirano mjesto broja slajda 3"/>
+          <p:cNvSpPr>
+            <a:spLocks noGrp="1"/>
+          </p:cNvSpPr>
+          <p:nvPr>
+            <p:ph type="sldNum" sz="quarter" idx="5"/>
+          </p:nvPr>
+        </p:nvSpPr>
+        <p:spPr/>
+        <p:txBody>
+          <a:bodyPr/>
+          <a:lstStyle/>
+          <a:p>
+            <a:pPr rtl="0"/>
+            <a:fld id="{D4B9A9E5-4F7F-4A7D-9DE1-899232329269}" type="slidenum">
+              <a:rPr lang="en-GB" noProof="0" smtClean="0"/>
+              <a:t>7</a:t>
+            </a:fld>
+            <a:endParaRPr lang="en-GB" noProof="0"/>
+          </a:p>
+        </p:txBody>
+      </p:sp>
+    </p:spTree>
+    <p:extLst>
+      <p:ext uri="{BB962C8B-B14F-4D97-AF65-F5344CB8AC3E}">
+        <p14:creationId xmlns:p14="http://schemas.microsoft.com/office/powerpoint/2010/main" val="1849355607"/>
+      </p:ext>
+    </p:extLst>
+  </p:cSld>
+  <p:clrMapOvr>
+    <a:masterClrMapping/>
+  </p:clrMapOvr>
+</p:notes>
+</file>
+
+<file path=ppt/notesSlides/notesSlide7.xml><?xml version="1.0" encoding="utf-8"?>
+<p:notes xmlns:a="http://schemas.openxmlformats.org/drawingml/2006/main" xmlns:r="http://schemas.openxmlformats.org/officeDocument/2006/relationships" xmlns:p="http://schemas.openxmlformats.org/presentationml/2006/main">
+  <p:cSld>
+    <p:spTree>
+      <p:nvGrpSpPr>
+        <p:cNvPr id="1" name=""/>
+        <p:cNvGrpSpPr/>
+        <p:nvPr/>
+      </p:nvGrpSpPr>
+      <p:grpSpPr>
+        <a:xfrm>
+          <a:off x="0" y="0"/>
+          <a:ext cx="0" cy="0"/>
+          <a:chOff x="0" y="0"/>
+          <a:chExt cx="0" cy="0"/>
+        </a:xfrm>
+      </p:grpSpPr>
+      <p:sp>
+        <p:nvSpPr>
+          <p:cNvPr id="2" name="Rezervirano mjesto slike slajda 1"/>
+          <p:cNvSpPr>
+            <a:spLocks noGrp="1" noRot="1" noChangeAspect="1"/>
+          </p:cNvSpPr>
+          <p:nvPr>
+            <p:ph type="sldImg"/>
+          </p:nvPr>
+        </p:nvSpPr>
+        <p:spPr/>
+      </p:sp>
+      <p:sp>
+        <p:nvSpPr>
+          <p:cNvPr id="3" name="Rezervirano mjesto bilježaka 2"/>
+          <p:cNvSpPr>
+            <a:spLocks noGrp="1"/>
+          </p:cNvSpPr>
+          <p:nvPr>
+            <p:ph type="body" idx="1"/>
+          </p:nvPr>
+        </p:nvSpPr>
+        <p:spPr/>
+        <p:txBody>
+          <a:bodyPr/>
+          <a:lstStyle/>
+          <a:p>
+            <a:pPr>
+              <a:lnSpc>
+                <a:spcPct val="107000"/>
+              </a:lnSpc>
+              <a:spcAft>
+                <a:spcPts val="800"/>
+              </a:spcAft>
+            </a:pPr>
+            <a:r>
+              <a:rPr lang="hr-HR" sz="1800" kern="100" dirty="0">
+                <a:effectLst/>
+                <a:latin typeface="Aptos" panose="020B0004020202020204" pitchFamily="34" charset="0"/>
+                <a:ea typeface="Aptos" panose="020B0004020202020204" pitchFamily="34" charset="0"/>
+                <a:cs typeface="Times New Roman" panose="02020603050405020304" pitchFamily="18" charset="0"/>
+              </a:rPr>
+              <a:t>• </a:t>
+            </a:r>
+            <a:r>
+              <a:rPr lang="hr-HR" sz="1800" kern="100" dirty="0" err="1">
+                <a:effectLst/>
+                <a:latin typeface="Aptos" panose="020B0004020202020204" pitchFamily="34" charset="0"/>
+                <a:ea typeface="Aptos" panose="020B0004020202020204" pitchFamily="34" charset="0"/>
+                <a:cs typeface="Times New Roman" panose="02020603050405020304" pitchFamily="18" charset="0"/>
+              </a:rPr>
+              <a:t>nilearn</a:t>
+            </a:r>
+            <a:r>
+              <a:rPr lang="hr-HR" sz="1800" kern="100" dirty="0">
+                <a:effectLst/>
+                <a:latin typeface="Aptos" panose="020B0004020202020204" pitchFamily="34" charset="0"/>
+                <a:ea typeface="Aptos" panose="020B0004020202020204" pitchFamily="34" charset="0"/>
+                <a:cs typeface="Times New Roman" panose="02020603050405020304" pitchFamily="18" charset="0"/>
+              </a:rPr>
+              <a:t>: Biblioteka za </a:t>
+            </a:r>
+            <a:r>
+              <a:rPr lang="hr-HR" sz="1800" kern="100" dirty="0" err="1">
+                <a:effectLst/>
+                <a:latin typeface="Aptos" panose="020B0004020202020204" pitchFamily="34" charset="0"/>
+                <a:ea typeface="Aptos" panose="020B0004020202020204" pitchFamily="34" charset="0"/>
+                <a:cs typeface="Times New Roman" panose="02020603050405020304" pitchFamily="18" charset="0"/>
+              </a:rPr>
+              <a:t>neuroznanstvene</a:t>
+            </a:r>
+            <a:r>
+              <a:rPr lang="hr-HR" sz="1800" kern="100" dirty="0">
+                <a:effectLst/>
+                <a:latin typeface="Aptos" panose="020B0004020202020204" pitchFamily="34" charset="0"/>
+                <a:ea typeface="Aptos" panose="020B0004020202020204" pitchFamily="34" charset="0"/>
+                <a:cs typeface="Times New Roman" panose="02020603050405020304" pitchFamily="18" charset="0"/>
+              </a:rPr>
+              <a:t> analize, posebno rad s </a:t>
+            </a:r>
+            <a:r>
+              <a:rPr lang="hr-HR" sz="1800" kern="100" dirty="0" err="1">
+                <a:effectLst/>
+                <a:latin typeface="Aptos" panose="020B0004020202020204" pitchFamily="34" charset="0"/>
+                <a:ea typeface="Aptos" panose="020B0004020202020204" pitchFamily="34" charset="0"/>
+                <a:cs typeface="Times New Roman" panose="02020603050405020304" pitchFamily="18" charset="0"/>
+              </a:rPr>
+              <a:t>NIfTI</a:t>
+            </a:r>
+            <a:r>
+              <a:rPr lang="hr-HR" sz="1800" kern="100" dirty="0">
+                <a:effectLst/>
+                <a:latin typeface="Aptos" panose="020B0004020202020204" pitchFamily="34" charset="0"/>
+                <a:ea typeface="Aptos" panose="020B0004020202020204" pitchFamily="34" charset="0"/>
+                <a:cs typeface="Times New Roman" panose="02020603050405020304" pitchFamily="18" charset="0"/>
+              </a:rPr>
+              <a:t> slikama.</a:t>
+            </a:r>
+            <a:endParaRPr lang="en-GB" sz="1800" kern="100" dirty="0">
+              <a:effectLst/>
+              <a:latin typeface="Aptos" panose="020B0004020202020204" pitchFamily="34" charset="0"/>
+              <a:ea typeface="Aptos" panose="020B0004020202020204" pitchFamily="34" charset="0"/>
+              <a:cs typeface="Times New Roman" panose="02020603050405020304" pitchFamily="18" charset="0"/>
+            </a:endParaRPr>
+          </a:p>
+          <a:p>
+            <a:pPr>
+              <a:lnSpc>
+                <a:spcPct val="107000"/>
+              </a:lnSpc>
+              <a:spcAft>
+                <a:spcPts val="800"/>
+              </a:spcAft>
+            </a:pPr>
+            <a:r>
+              <a:rPr lang="hr-HR" sz="1800" kern="100" dirty="0">
+                <a:effectLst/>
+                <a:latin typeface="Aptos" panose="020B0004020202020204" pitchFamily="34" charset="0"/>
+                <a:ea typeface="Aptos" panose="020B0004020202020204" pitchFamily="34" charset="0"/>
+                <a:cs typeface="Times New Roman" panose="02020603050405020304" pitchFamily="18" charset="0"/>
+              </a:rPr>
+              <a:t>• </a:t>
+            </a:r>
+            <a:r>
+              <a:rPr lang="hr-HR" sz="1800" kern="100" dirty="0" err="1">
+                <a:effectLst/>
+                <a:latin typeface="Aptos" panose="020B0004020202020204" pitchFamily="34" charset="0"/>
+                <a:ea typeface="Aptos" panose="020B0004020202020204" pitchFamily="34" charset="0"/>
+                <a:cs typeface="Times New Roman" panose="02020603050405020304" pitchFamily="18" charset="0"/>
+              </a:rPr>
+              <a:t>skimage</a:t>
+            </a:r>
+            <a:r>
+              <a:rPr lang="hr-HR" sz="1800" kern="100" dirty="0">
+                <a:effectLst/>
+                <a:latin typeface="Aptos" panose="020B0004020202020204" pitchFamily="34" charset="0"/>
+                <a:ea typeface="Aptos" panose="020B0004020202020204" pitchFamily="34" charset="0"/>
+                <a:cs typeface="Times New Roman" panose="02020603050405020304" pitchFamily="18" charset="0"/>
+              </a:rPr>
+              <a:t>: Biblioteka za obradu slika.</a:t>
+            </a:r>
+            <a:endParaRPr lang="en-GB" sz="1800" kern="100" dirty="0">
+              <a:effectLst/>
+              <a:latin typeface="Aptos" panose="020B0004020202020204" pitchFamily="34" charset="0"/>
+              <a:ea typeface="Aptos" panose="020B0004020202020204" pitchFamily="34" charset="0"/>
+              <a:cs typeface="Times New Roman" panose="02020603050405020304" pitchFamily="18" charset="0"/>
+            </a:endParaRPr>
+          </a:p>
+          <a:p>
+            <a:pPr>
+              <a:lnSpc>
+                <a:spcPct val="107000"/>
+              </a:lnSpc>
+              <a:spcAft>
+                <a:spcPts val="800"/>
+              </a:spcAft>
+            </a:pPr>
+            <a:r>
+              <a:rPr lang="hr-HR" sz="1800" kern="100" dirty="0">
+                <a:effectLst/>
+                <a:latin typeface="Aptos" panose="020B0004020202020204" pitchFamily="34" charset="0"/>
+                <a:ea typeface="Aptos" panose="020B0004020202020204" pitchFamily="34" charset="0"/>
+                <a:cs typeface="Times New Roman" panose="02020603050405020304" pitchFamily="18" charset="0"/>
+              </a:rPr>
+              <a:t>• </a:t>
+            </a:r>
+            <a:r>
+              <a:rPr lang="hr-HR" sz="1800" kern="100" dirty="0" err="1">
+                <a:effectLst/>
+                <a:latin typeface="Aptos" panose="020B0004020202020204" pitchFamily="34" charset="0"/>
+                <a:ea typeface="Aptos" panose="020B0004020202020204" pitchFamily="34" charset="0"/>
+                <a:cs typeface="Times New Roman" panose="02020603050405020304" pitchFamily="18" charset="0"/>
+              </a:rPr>
+              <a:t>numpy</a:t>
+            </a:r>
+            <a:r>
+              <a:rPr lang="hr-HR" sz="1800" kern="100" dirty="0">
+                <a:effectLst/>
+                <a:latin typeface="Aptos" panose="020B0004020202020204" pitchFamily="34" charset="0"/>
+                <a:ea typeface="Aptos" panose="020B0004020202020204" pitchFamily="34" charset="0"/>
+                <a:cs typeface="Times New Roman" panose="02020603050405020304" pitchFamily="18" charset="0"/>
+              </a:rPr>
+              <a:t>: Biblioteka za rad s numeričkim podacima.</a:t>
+            </a:r>
+            <a:endParaRPr lang="en-GB" sz="1800" kern="100" dirty="0">
+              <a:effectLst/>
+              <a:latin typeface="Aptos" panose="020B0004020202020204" pitchFamily="34" charset="0"/>
+              <a:ea typeface="Aptos" panose="020B0004020202020204" pitchFamily="34" charset="0"/>
+              <a:cs typeface="Times New Roman" panose="02020603050405020304" pitchFamily="18" charset="0"/>
+            </a:endParaRPr>
+          </a:p>
+          <a:p>
+            <a:endParaRPr lang="en-GB" dirty="0"/>
+          </a:p>
+        </p:txBody>
+      </p:sp>
+      <p:sp>
+        <p:nvSpPr>
+          <p:cNvPr id="4" name="Rezervirano mjesto broja slajda 3"/>
+          <p:cNvSpPr>
+            <a:spLocks noGrp="1"/>
+          </p:cNvSpPr>
+          <p:nvPr>
+            <p:ph type="sldNum" sz="quarter" idx="5"/>
+          </p:nvPr>
+        </p:nvSpPr>
+        <p:spPr/>
+        <p:txBody>
+          <a:bodyPr/>
+          <a:lstStyle/>
+          <a:p>
+            <a:pPr rtl="0"/>
+            <a:fld id="{D4B9A9E5-4F7F-4A7D-9DE1-899232329269}" type="slidenum">
+              <a:rPr lang="en-GB" noProof="0" smtClean="0"/>
+              <a:t>9</a:t>
+            </a:fld>
+            <a:endParaRPr lang="en-GB" noProof="0"/>
+          </a:p>
+        </p:txBody>
+      </p:sp>
+    </p:spTree>
+    <p:extLst>
+      <p:ext uri="{BB962C8B-B14F-4D97-AF65-F5344CB8AC3E}">
+        <p14:creationId xmlns:p14="http://schemas.microsoft.com/office/powerpoint/2010/main" val="2620521103"/>
+      </p:ext>
+    </p:extLst>
+  </p:cSld>
+  <p:clrMapOvr>
+    <a:masterClrMapping/>
+  </p:clrMapOvr>
+</p:notes>
+</file>
+
+<file path=ppt/notesSlides/notesSlide8.xml><?xml version="1.0" encoding="utf-8"?>
+<p:notes xmlns:a="http://schemas.openxmlformats.org/drawingml/2006/main" xmlns:r="http://schemas.openxmlformats.org/officeDocument/2006/relationships" xmlns:p="http://schemas.openxmlformats.org/presentationml/2006/main">
+  <p:cSld>
+    <p:spTree>
+      <p:nvGrpSpPr>
+        <p:cNvPr id="1" name=""/>
+        <p:cNvGrpSpPr/>
+        <p:nvPr/>
+      </p:nvGrpSpPr>
+      <p:grpSpPr>
+        <a:xfrm>
+          <a:off x="0" y="0"/>
+          <a:ext cx="0" cy="0"/>
+          <a:chOff x="0" y="0"/>
+          <a:chExt cx="0" cy="0"/>
+        </a:xfrm>
+      </p:grpSpPr>
+      <p:sp>
+        <p:nvSpPr>
+          <p:cNvPr id="2" name="Rezervirano mjesto slike slajda 1"/>
+          <p:cNvSpPr>
+            <a:spLocks noGrp="1" noRot="1" noChangeAspect="1"/>
+          </p:cNvSpPr>
+          <p:nvPr>
+            <p:ph type="sldImg"/>
+          </p:nvPr>
+        </p:nvSpPr>
+        <p:spPr/>
+      </p:sp>
+      <p:sp>
+        <p:nvSpPr>
+          <p:cNvPr id="3" name="Rezervirano mjesto bilježaka 2"/>
+          <p:cNvSpPr>
+            <a:spLocks noGrp="1"/>
+          </p:cNvSpPr>
+          <p:nvPr>
+            <p:ph type="body" idx="1"/>
+          </p:nvPr>
+        </p:nvSpPr>
+        <p:spPr/>
+        <p:txBody>
+          <a:bodyPr/>
+          <a:lstStyle/>
+          <a:p>
+            <a:pPr>
+              <a:lnSpc>
+                <a:spcPct val="107000"/>
+              </a:lnSpc>
+              <a:spcAft>
+                <a:spcPts val="800"/>
+              </a:spcAft>
+            </a:pPr>
+            <a:r>
+              <a:rPr lang="hr-HR" sz="1800" kern="100" dirty="0" err="1">
+                <a:effectLst/>
+                <a:latin typeface="Aptos" panose="020B0004020202020204" pitchFamily="34" charset="0"/>
+                <a:ea typeface="Aptos" panose="020B0004020202020204" pitchFamily="34" charset="0"/>
+                <a:cs typeface="Times New Roman" panose="02020603050405020304" pitchFamily="18" charset="0"/>
+              </a:rPr>
+              <a:t>sklearn</a:t>
+            </a:r>
+            <a:r>
+              <a:rPr lang="hr-HR" sz="1800" kern="100" dirty="0">
+                <a:effectLst/>
+                <a:latin typeface="Aptos" panose="020B0004020202020204" pitchFamily="34" charset="0"/>
+                <a:ea typeface="Aptos" panose="020B0004020202020204" pitchFamily="34" charset="0"/>
+                <a:cs typeface="Times New Roman" panose="02020603050405020304" pitchFamily="18" charset="0"/>
+              </a:rPr>
+              <a:t>: Biblioteka za strojno učenje koja sadrži alate za </a:t>
+            </a:r>
+            <a:r>
+              <a:rPr lang="hr-HR" sz="1800" kern="100" dirty="0" err="1">
+                <a:effectLst/>
+                <a:latin typeface="Aptos" panose="020B0004020202020204" pitchFamily="34" charset="0"/>
+                <a:ea typeface="Aptos" panose="020B0004020202020204" pitchFamily="34" charset="0"/>
+                <a:cs typeface="Times New Roman" panose="02020603050405020304" pitchFamily="18" charset="0"/>
+              </a:rPr>
+              <a:t>predprocesiranje</a:t>
+            </a:r>
+            <a:r>
+              <a:rPr lang="hr-HR" sz="1800" kern="100" dirty="0">
+                <a:effectLst/>
+                <a:latin typeface="Aptos" panose="020B0004020202020204" pitchFamily="34" charset="0"/>
+                <a:ea typeface="Aptos" panose="020B0004020202020204" pitchFamily="34" charset="0"/>
+                <a:cs typeface="Times New Roman" panose="02020603050405020304" pitchFamily="18" charset="0"/>
+              </a:rPr>
+              <a:t>, modeliranje i evaluaciju.</a:t>
+            </a:r>
+            <a:endParaRPr lang="en-GB" sz="1800" kern="100" dirty="0">
+              <a:effectLst/>
+              <a:latin typeface="Aptos" panose="020B0004020202020204" pitchFamily="34" charset="0"/>
+              <a:ea typeface="Aptos" panose="020B0004020202020204" pitchFamily="34" charset="0"/>
+              <a:cs typeface="Times New Roman" panose="02020603050405020304" pitchFamily="18" charset="0"/>
+            </a:endParaRPr>
+          </a:p>
+          <a:p>
+            <a:pPr>
+              <a:lnSpc>
+                <a:spcPct val="107000"/>
+              </a:lnSpc>
+              <a:spcAft>
+                <a:spcPts val="800"/>
+              </a:spcAft>
+            </a:pPr>
+            <a:r>
+              <a:rPr lang="hr-HR" sz="1800" kern="100" dirty="0">
+                <a:effectLst/>
+                <a:latin typeface="Aptos" panose="020B0004020202020204" pitchFamily="34" charset="0"/>
+                <a:ea typeface="Aptos" panose="020B0004020202020204" pitchFamily="34" charset="0"/>
+                <a:cs typeface="Times New Roman" panose="02020603050405020304" pitchFamily="18" charset="0"/>
+              </a:rPr>
+              <a:t>• </a:t>
+            </a:r>
+            <a:r>
+              <a:rPr lang="hr-HR" sz="1800" kern="100" dirty="0" err="1">
+                <a:effectLst/>
+                <a:latin typeface="Aptos" panose="020B0004020202020204" pitchFamily="34" charset="0"/>
+                <a:ea typeface="Aptos" panose="020B0004020202020204" pitchFamily="34" charset="0"/>
+                <a:cs typeface="Times New Roman" panose="02020603050405020304" pitchFamily="18" charset="0"/>
+              </a:rPr>
+              <a:t>imblearn</a:t>
+            </a:r>
+            <a:r>
+              <a:rPr lang="hr-HR" sz="1800" kern="100" dirty="0">
+                <a:effectLst/>
+                <a:latin typeface="Aptos" panose="020B0004020202020204" pitchFamily="34" charset="0"/>
+                <a:ea typeface="Aptos" panose="020B0004020202020204" pitchFamily="34" charset="0"/>
+                <a:cs typeface="Times New Roman" panose="02020603050405020304" pitchFamily="18" charset="0"/>
+              </a:rPr>
+              <a:t>: Biblioteka za rad s neuravnoteženim podacima, uključujući tehniku </a:t>
+            </a:r>
+            <a:r>
+              <a:rPr lang="hr-HR" sz="1800" kern="100" dirty="0" err="1">
+                <a:effectLst/>
+                <a:latin typeface="Aptos" panose="020B0004020202020204" pitchFamily="34" charset="0"/>
+                <a:ea typeface="Aptos" panose="020B0004020202020204" pitchFamily="34" charset="0"/>
+                <a:cs typeface="Times New Roman" panose="02020603050405020304" pitchFamily="18" charset="0"/>
+              </a:rPr>
+              <a:t>oversamplinga</a:t>
+            </a:r>
+            <a:endParaRPr lang="en-GB" sz="1800" kern="100" dirty="0">
+              <a:effectLst/>
+              <a:latin typeface="Aptos" panose="020B0004020202020204" pitchFamily="34" charset="0"/>
+              <a:ea typeface="Aptos" panose="020B0004020202020204" pitchFamily="34" charset="0"/>
+              <a:cs typeface="Times New Roman" panose="02020603050405020304" pitchFamily="18" charset="0"/>
+            </a:endParaRPr>
+          </a:p>
+          <a:p>
+            <a:pPr>
+              <a:lnSpc>
+                <a:spcPct val="107000"/>
+              </a:lnSpc>
+              <a:spcAft>
+                <a:spcPts val="800"/>
+              </a:spcAft>
+            </a:pPr>
+            <a:r>
+              <a:rPr lang="hr-HR" sz="1800" kern="100" dirty="0">
+                <a:effectLst/>
+                <a:latin typeface="Aptos" panose="020B0004020202020204" pitchFamily="34" charset="0"/>
+                <a:ea typeface="Aptos" panose="020B0004020202020204" pitchFamily="34" charset="0"/>
+                <a:cs typeface="Times New Roman" panose="02020603050405020304" pitchFamily="18" charset="0"/>
+              </a:rPr>
+              <a:t>• LabelEncoder:Konvertirakategorijskeetiketeunumeričkevrijednosti. </a:t>
+            </a:r>
+            <a:endParaRPr lang="en-GB" sz="1800" kern="100" dirty="0">
+              <a:effectLst/>
+              <a:latin typeface="Aptos" panose="020B0004020202020204" pitchFamily="34" charset="0"/>
+              <a:ea typeface="Aptos" panose="020B0004020202020204" pitchFamily="34" charset="0"/>
+              <a:cs typeface="Times New Roman" panose="02020603050405020304" pitchFamily="18" charset="0"/>
+            </a:endParaRPr>
+          </a:p>
+          <a:p>
+            <a:pPr>
+              <a:lnSpc>
+                <a:spcPct val="107000"/>
+              </a:lnSpc>
+              <a:spcAft>
+                <a:spcPts val="800"/>
+              </a:spcAft>
+            </a:pPr>
+            <a:r>
+              <a:rPr lang="hr-HR" sz="1800" kern="100" dirty="0">
+                <a:effectLst/>
+                <a:latin typeface="Aptos" panose="020B0004020202020204" pitchFamily="34" charset="0"/>
+                <a:ea typeface="Aptos" panose="020B0004020202020204" pitchFamily="34" charset="0"/>
+                <a:cs typeface="Times New Roman" panose="02020603050405020304" pitchFamily="18" charset="0"/>
+              </a:rPr>
+              <a:t>• </a:t>
+            </a:r>
+            <a:r>
+              <a:rPr lang="hr-HR" sz="1800" kern="100" dirty="0" err="1">
+                <a:effectLst/>
+                <a:latin typeface="Aptos" panose="020B0004020202020204" pitchFamily="34" charset="0"/>
+                <a:ea typeface="Aptos" panose="020B0004020202020204" pitchFamily="34" charset="0"/>
+                <a:cs typeface="Times New Roman" panose="02020603050405020304" pitchFamily="18" charset="0"/>
+              </a:rPr>
+              <a:t>reshape</a:t>
+            </a:r>
+            <a:r>
+              <a:rPr lang="hr-HR" sz="1800" kern="100" dirty="0">
+                <a:effectLst/>
+                <a:latin typeface="Aptos" panose="020B0004020202020204" pitchFamily="34" charset="0"/>
+                <a:ea typeface="Aptos" panose="020B0004020202020204" pitchFamily="34" charset="0"/>
+                <a:cs typeface="Times New Roman" panose="02020603050405020304" pitchFamily="18" charset="0"/>
+              </a:rPr>
+              <a:t>():Mijenja oblik matrice slika u vektor. </a:t>
+            </a:r>
+            <a:endParaRPr lang="en-GB" sz="1800" kern="100" dirty="0">
+              <a:effectLst/>
+              <a:latin typeface="Aptos" panose="020B0004020202020204" pitchFamily="34" charset="0"/>
+              <a:ea typeface="Aptos" panose="020B0004020202020204" pitchFamily="34" charset="0"/>
+              <a:cs typeface="Times New Roman" panose="02020603050405020304" pitchFamily="18" charset="0"/>
+            </a:endParaRPr>
+          </a:p>
+          <a:p>
+            <a:pPr>
+              <a:lnSpc>
+                <a:spcPct val="107000"/>
+              </a:lnSpc>
+              <a:spcAft>
+                <a:spcPts val="800"/>
+              </a:spcAft>
+            </a:pPr>
+            <a:r>
+              <a:rPr lang="hr-HR" sz="1800" kern="100" dirty="0">
+                <a:effectLst/>
+                <a:latin typeface="Aptos" panose="020B0004020202020204" pitchFamily="34" charset="0"/>
+                <a:ea typeface="Aptos" panose="020B0004020202020204" pitchFamily="34" charset="0"/>
+                <a:cs typeface="Times New Roman" panose="02020603050405020304" pitchFamily="18" charset="0"/>
+              </a:rPr>
+              <a:t>• </a:t>
+            </a:r>
+            <a:r>
+              <a:rPr lang="hr-HR" sz="1800" kern="100" dirty="0" err="1">
+                <a:effectLst/>
+                <a:latin typeface="Aptos" panose="020B0004020202020204" pitchFamily="34" charset="0"/>
+                <a:ea typeface="Aptos" panose="020B0004020202020204" pitchFamily="34" charset="0"/>
+                <a:cs typeface="Times New Roman" panose="02020603050405020304" pitchFamily="18" charset="0"/>
+              </a:rPr>
+              <a:t>RandomOverSampler</a:t>
+            </a:r>
+            <a:r>
+              <a:rPr lang="hr-HR" sz="1800" kern="100" dirty="0">
+                <a:effectLst/>
+                <a:latin typeface="Aptos" panose="020B0004020202020204" pitchFamily="34" charset="0"/>
+                <a:ea typeface="Aptos" panose="020B0004020202020204" pitchFamily="34" charset="0"/>
+                <a:cs typeface="Times New Roman" panose="02020603050405020304" pitchFamily="18" charset="0"/>
+              </a:rPr>
+              <a:t>: Tehnika za balansiranje klasa povećavanjem broja uzoraka  manjinskih klasa</a:t>
+            </a:r>
+            <a:endParaRPr lang="en-GB" sz="1800" kern="100" dirty="0">
+              <a:effectLst/>
+              <a:latin typeface="Aptos" panose="020B0004020202020204" pitchFamily="34" charset="0"/>
+              <a:ea typeface="Aptos" panose="020B0004020202020204" pitchFamily="34" charset="0"/>
+              <a:cs typeface="Times New Roman" panose="02020603050405020304" pitchFamily="18" charset="0"/>
+            </a:endParaRPr>
+          </a:p>
+          <a:p>
+            <a:endParaRPr lang="en-GB" dirty="0"/>
+          </a:p>
+        </p:txBody>
+      </p:sp>
+      <p:sp>
+        <p:nvSpPr>
+          <p:cNvPr id="4" name="Rezervirano mjesto broja slajda 3"/>
+          <p:cNvSpPr>
+            <a:spLocks noGrp="1"/>
+          </p:cNvSpPr>
+          <p:nvPr>
+            <p:ph type="sldNum" sz="quarter" idx="5"/>
+          </p:nvPr>
+        </p:nvSpPr>
+        <p:spPr/>
+        <p:txBody>
+          <a:bodyPr/>
+          <a:lstStyle/>
+          <a:p>
+            <a:pPr rtl="0"/>
+            <a:fld id="{D4B9A9E5-4F7F-4A7D-9DE1-899232329269}" type="slidenum">
+              <a:rPr lang="en-GB" noProof="0" smtClean="0"/>
+              <a:t>10</a:t>
+            </a:fld>
+            <a:endParaRPr lang="en-GB" noProof="0"/>
+          </a:p>
+        </p:txBody>
+      </p:sp>
+    </p:spTree>
+    <p:extLst>
+      <p:ext uri="{BB962C8B-B14F-4D97-AF65-F5344CB8AC3E}">
+        <p14:creationId xmlns:p14="http://schemas.microsoft.com/office/powerpoint/2010/main" val="2181777060"/>
+      </p:ext>
+    </p:extLst>
+  </p:cSld>
+  <p:clrMapOvr>
+    <a:masterClrMapping/>
+  </p:clrMapOvr>
+</p:notes>
+</file>
+
+<file path=ppt/notesSlides/notesSlide9.xml><?xml version="1.0" encoding="utf-8"?>
+<p:notes xmlns:a="http://schemas.openxmlformats.org/drawingml/2006/main" xmlns:r="http://schemas.openxmlformats.org/officeDocument/2006/relationships" xmlns:p="http://schemas.openxmlformats.org/presentationml/2006/main">
+  <p:cSld>
+    <p:spTree>
+      <p:nvGrpSpPr>
+        <p:cNvPr id="1" name=""/>
+        <p:cNvGrpSpPr/>
+        <p:nvPr/>
+      </p:nvGrpSpPr>
+      <p:grpSpPr>
+        <a:xfrm>
+          <a:off x="0" y="0"/>
+          <a:ext cx="0" cy="0"/>
+          <a:chOff x="0" y="0"/>
+          <a:chExt cx="0" cy="0"/>
+        </a:xfrm>
+      </p:grpSpPr>
+      <p:sp>
+        <p:nvSpPr>
+          <p:cNvPr id="2" name="Rezervirano mjesto slike slajda 1"/>
+          <p:cNvSpPr>
+            <a:spLocks noGrp="1" noRot="1" noChangeAspect="1"/>
+          </p:cNvSpPr>
+          <p:nvPr>
+            <p:ph type="sldImg"/>
+          </p:nvPr>
+        </p:nvSpPr>
+        <p:spPr/>
+      </p:sp>
+      <p:sp>
+        <p:nvSpPr>
+          <p:cNvPr id="3" name="Rezervirano mjesto bilježaka 2"/>
+          <p:cNvSpPr>
+            <a:spLocks noGrp="1"/>
+          </p:cNvSpPr>
+          <p:nvPr>
+            <p:ph type="body" idx="1"/>
+          </p:nvPr>
+        </p:nvSpPr>
+        <p:spPr/>
+        <p:txBody>
+          <a:bodyPr/>
+          <a:lstStyle/>
+          <a:p>
+            <a:pPr>
+              <a:lnSpc>
+                <a:spcPct val="107000"/>
+              </a:lnSpc>
+              <a:spcAft>
+                <a:spcPts val="800"/>
+              </a:spcAft>
+            </a:pPr>
+            <a:r>
+              <a:rPr lang="hr-HR" sz="1800" kern="100" dirty="0">
+                <a:effectLst/>
+                <a:latin typeface="Aptos" panose="020B0004020202020204" pitchFamily="34" charset="0"/>
+                <a:ea typeface="Aptos" panose="020B0004020202020204" pitchFamily="34" charset="0"/>
+                <a:cs typeface="Times New Roman" panose="02020603050405020304" pitchFamily="18" charset="0"/>
+              </a:rPr>
+              <a:t>• </a:t>
+            </a:r>
+            <a:r>
+              <a:rPr lang="hr-HR" sz="1800" kern="100" dirty="0" err="1">
+                <a:effectLst/>
+                <a:latin typeface="Aptos" panose="020B0004020202020204" pitchFamily="34" charset="0"/>
+                <a:ea typeface="Aptos" panose="020B0004020202020204" pitchFamily="34" charset="0"/>
+                <a:cs typeface="Times New Roman" panose="02020603050405020304" pitchFamily="18" charset="0"/>
+              </a:rPr>
+              <a:t>cross_val_score</a:t>
+            </a:r>
+            <a:r>
+              <a:rPr lang="hr-HR" sz="1800" kern="100" dirty="0">
+                <a:effectLst/>
+                <a:latin typeface="Aptos" panose="020B0004020202020204" pitchFamily="34" charset="0"/>
+                <a:ea typeface="Aptos" panose="020B0004020202020204" pitchFamily="34" charset="0"/>
+                <a:cs typeface="Times New Roman" panose="02020603050405020304" pitchFamily="18" charset="0"/>
+              </a:rPr>
+              <a:t>(): Evaluira model koristeći k-</a:t>
+            </a:r>
+            <a:r>
+              <a:rPr lang="hr-HR" sz="1800" kern="100" dirty="0" err="1">
+                <a:effectLst/>
+                <a:latin typeface="Aptos" panose="020B0004020202020204" pitchFamily="34" charset="0"/>
+                <a:ea typeface="Aptos" panose="020B0004020202020204" pitchFamily="34" charset="0"/>
+                <a:cs typeface="Times New Roman" panose="02020603050405020304" pitchFamily="18" charset="0"/>
+              </a:rPr>
+              <a:t>fold</a:t>
+            </a:r>
+            <a:r>
+              <a:rPr lang="hr-HR" sz="1800" kern="100" dirty="0">
+                <a:effectLst/>
+                <a:latin typeface="Aptos" panose="020B0004020202020204" pitchFamily="34" charset="0"/>
+                <a:ea typeface="Aptos" panose="020B0004020202020204" pitchFamily="34" charset="0"/>
+                <a:cs typeface="Times New Roman" panose="02020603050405020304" pitchFamily="18" charset="0"/>
+              </a:rPr>
+              <a:t> tehniku unakrsne validacije. U našoj implementaciji koristili smo k-</a:t>
+            </a:r>
+            <a:r>
+              <a:rPr lang="hr-HR" sz="1800" kern="100" dirty="0" err="1">
+                <a:effectLst/>
+                <a:latin typeface="Aptos" panose="020B0004020202020204" pitchFamily="34" charset="0"/>
+                <a:ea typeface="Aptos" panose="020B0004020202020204" pitchFamily="34" charset="0"/>
+                <a:cs typeface="Times New Roman" panose="02020603050405020304" pitchFamily="18" charset="0"/>
+              </a:rPr>
+              <a:t>fold</a:t>
+            </a:r>
+            <a:r>
+              <a:rPr lang="hr-HR" sz="1800" kern="100" dirty="0">
+                <a:effectLst/>
+                <a:latin typeface="Aptos" panose="020B0004020202020204" pitchFamily="34" charset="0"/>
+                <a:ea typeface="Aptos" panose="020B0004020202020204" pitchFamily="34" charset="0"/>
+                <a:cs typeface="Times New Roman" panose="02020603050405020304" pitchFamily="18" charset="0"/>
+              </a:rPr>
+              <a:t> unakrsnu validaciju s k=5. To znači da je cijeli skup podataka podijeljen na 5 </a:t>
+            </a:r>
+            <a:r>
+              <a:rPr lang="hr-HR" sz="1800" kern="100" dirty="0" err="1">
+                <a:effectLst/>
+                <a:latin typeface="Aptos" panose="020B0004020202020204" pitchFamily="34" charset="0"/>
+                <a:ea typeface="Aptos" panose="020B0004020202020204" pitchFamily="34" charset="0"/>
+                <a:cs typeface="Times New Roman" panose="02020603050405020304" pitchFamily="18" charset="0"/>
+              </a:rPr>
+              <a:t>podskupova</a:t>
+            </a:r>
+            <a:r>
+              <a:rPr lang="hr-HR" sz="1800" kern="100" dirty="0">
+                <a:effectLst/>
+                <a:latin typeface="Aptos" panose="020B0004020202020204" pitchFamily="34" charset="0"/>
+                <a:ea typeface="Aptos" panose="020B0004020202020204" pitchFamily="34" charset="0"/>
+                <a:cs typeface="Times New Roman" panose="02020603050405020304" pitchFamily="18" charset="0"/>
+              </a:rPr>
+              <a:t>. Model je treniran na 4 podskupa, dok je 5. podskup korišten za testiranje. Ovaj proces ponovljen je 5 puta, svaki put koristeći drugi podskup za testiranje. Konačne performanse modela izračunate su kao prosjek performansi na svih 5 iteracija.</a:t>
+            </a:r>
+            <a:endParaRPr lang="en-GB" sz="1800" kern="100" dirty="0">
+              <a:effectLst/>
+              <a:latin typeface="Aptos" panose="020B0004020202020204" pitchFamily="34" charset="0"/>
+              <a:ea typeface="Aptos" panose="020B0004020202020204" pitchFamily="34" charset="0"/>
+              <a:cs typeface="Times New Roman" panose="02020603050405020304" pitchFamily="18" charset="0"/>
+            </a:endParaRPr>
+          </a:p>
+          <a:p>
+            <a:pPr>
+              <a:lnSpc>
+                <a:spcPct val="107000"/>
+              </a:lnSpc>
+              <a:spcAft>
+                <a:spcPts val="800"/>
+              </a:spcAft>
+            </a:pPr>
+            <a:r>
+              <a:rPr lang="hr-HR" sz="1800" kern="100" dirty="0">
+                <a:effectLst/>
+                <a:latin typeface="Aptos" panose="020B0004020202020204" pitchFamily="34" charset="0"/>
+                <a:ea typeface="Aptos" panose="020B0004020202020204" pitchFamily="34" charset="0"/>
+                <a:cs typeface="Times New Roman" panose="02020603050405020304" pitchFamily="18" charset="0"/>
+              </a:rPr>
+              <a:t> </a:t>
+            </a:r>
+            <a:endParaRPr lang="en-GB" dirty="0"/>
+          </a:p>
+        </p:txBody>
+      </p:sp>
+      <p:sp>
+        <p:nvSpPr>
+          <p:cNvPr id="4" name="Rezervirano mjesto broja slajda 3"/>
+          <p:cNvSpPr>
+            <a:spLocks noGrp="1"/>
+          </p:cNvSpPr>
+          <p:nvPr>
+            <p:ph type="sldNum" sz="quarter" idx="5"/>
+          </p:nvPr>
+        </p:nvSpPr>
+        <p:spPr/>
+        <p:txBody>
+          <a:bodyPr/>
+          <a:lstStyle/>
+          <a:p>
+            <a:pPr rtl="0"/>
+            <a:fld id="{D4B9A9E5-4F7F-4A7D-9DE1-899232329269}" type="slidenum">
+              <a:rPr lang="en-GB" noProof="0" smtClean="0"/>
+              <a:t>11</a:t>
+            </a:fld>
+            <a:endParaRPr lang="en-GB" noProof="0"/>
+          </a:p>
+        </p:txBody>
+      </p:sp>
+    </p:spTree>
+    <p:extLst>
+      <p:ext uri="{BB962C8B-B14F-4D97-AF65-F5344CB8AC3E}">
+        <p14:creationId xmlns:p14="http://schemas.microsoft.com/office/powerpoint/2010/main" val="2633448775"/>
       </p:ext>
     </p:extLst>
   </p:cSld>
@@ -15997,6 +18693,18 @@
   <p:clrMapOvr>
     <a:masterClrMapping/>
   </p:clrMapOvr>
+  <mc:AlternateContent xmlns:mc="http://schemas.openxmlformats.org/markup-compatibility/2006">
+    <mc:Choice xmlns:p14="http://schemas.microsoft.com/office/powerpoint/2010/main" Requires="p14">
+      <p:transition spd="med" p14:dur="700">
+        <p:fade/>
+      </p:transition>
+    </mc:Choice>
+    <mc:Fallback>
+      <p:transition spd="med">
+        <p:fade/>
+      </p:transition>
+    </mc:Fallback>
+  </mc:AlternateContent>
 </p:sld>
 </file>
 
@@ -16122,7 +18830,7 @@
           <p:nvPr/>
         </p:nvPicPr>
         <p:blipFill>
-          <a:blip r:embed="rId2"/>
+          <a:blip r:embed="rId3"/>
           <a:stretch>
             <a:fillRect/>
           </a:stretch>
@@ -16299,7 +19007,7 @@
           <p:nvPr/>
         </p:nvPicPr>
         <p:blipFill>
-          <a:blip r:embed="rId3"/>
+          <a:blip r:embed="rId4"/>
           <a:stretch>
             <a:fillRect/>
           </a:stretch>
@@ -16324,6 +19032,18 @@
   <p:clrMapOvr>
     <a:masterClrMapping/>
   </p:clrMapOvr>
+  <mc:AlternateContent xmlns:mc="http://schemas.openxmlformats.org/markup-compatibility/2006">
+    <mc:Choice xmlns:p14="http://schemas.microsoft.com/office/powerpoint/2010/main" Requires="p14">
+      <p:transition spd="med" p14:dur="700">
+        <p:fade/>
+      </p:transition>
+    </mc:Choice>
+    <mc:Fallback>
+      <p:transition spd="med">
+        <p:fade/>
+      </p:transition>
+    </mc:Fallback>
+  </mc:AlternateContent>
 </p:sld>
 </file>
 
@@ -16433,7 +19153,7 @@
           <p:nvPr/>
         </p:nvPicPr>
         <p:blipFill rotWithShape="1">
-          <a:blip r:embed="rId2"/>
+          <a:blip r:embed="rId3"/>
           <a:srcRect l="1540" t="101" r="1299" b="-1"/>
           <a:stretch/>
         </p:blipFill>
@@ -16462,7 +19182,7 @@
           <p:nvPr/>
         </p:nvPicPr>
         <p:blipFill rotWithShape="1">
-          <a:blip r:embed="rId3"/>
+          <a:blip r:embed="rId4"/>
           <a:srcRect l="1111" r="-1112" b="21229"/>
           <a:stretch/>
         </p:blipFill>
@@ -16486,6 +19206,18 @@
   <p:clrMapOvr>
     <a:masterClrMapping/>
   </p:clrMapOvr>
+  <mc:AlternateContent xmlns:mc="http://schemas.openxmlformats.org/markup-compatibility/2006">
+    <mc:Choice xmlns:p14="http://schemas.microsoft.com/office/powerpoint/2010/main" Requires="p14">
+      <p:transition spd="med" p14:dur="700">
+        <p:fade/>
+      </p:transition>
+    </mc:Choice>
+    <mc:Fallback>
+      <p:transition spd="med">
+        <p:fade/>
+      </p:transition>
+    </mc:Fallback>
+  </mc:AlternateContent>
 </p:sld>
 </file>
 
@@ -16551,7 +19283,7 @@
           <p:nvPr/>
         </p:nvPicPr>
         <p:blipFill>
-          <a:blip r:embed="rId2"/>
+          <a:blip r:embed="rId3"/>
           <a:stretch>
             <a:fillRect/>
           </a:stretch>
@@ -16581,7 +19313,7 @@
           <p:nvPr/>
         </p:nvPicPr>
         <p:blipFill>
-          <a:blip r:embed="rId3"/>
+          <a:blip r:embed="rId4"/>
           <a:stretch>
             <a:fillRect/>
           </a:stretch>
@@ -16606,6 +19338,18 @@
   <p:clrMapOvr>
     <a:masterClrMapping/>
   </p:clrMapOvr>
+  <mc:AlternateContent xmlns:mc="http://schemas.openxmlformats.org/markup-compatibility/2006">
+    <mc:Choice xmlns:p14="http://schemas.microsoft.com/office/powerpoint/2010/main" Requires="p14">
+      <p:transition spd="med" p14:dur="700">
+        <p:fade/>
+      </p:transition>
+    </mc:Choice>
+    <mc:Fallback>
+      <p:transition spd="med">
+        <p:fade/>
+      </p:transition>
+    </mc:Fallback>
+  </mc:AlternateContent>
 </p:sld>
 </file>
 
@@ -16671,7 +19415,7 @@
           <p:nvPr/>
         </p:nvPicPr>
         <p:blipFill>
-          <a:blip r:embed="rId2"/>
+          <a:blip r:embed="rId3"/>
           <a:stretch>
             <a:fillRect/>
           </a:stretch>
@@ -16740,6 +19484,18 @@
   <p:clrMapOvr>
     <a:masterClrMapping/>
   </p:clrMapOvr>
+  <mc:AlternateContent xmlns:mc="http://schemas.openxmlformats.org/markup-compatibility/2006">
+    <mc:Choice xmlns:p14="http://schemas.microsoft.com/office/powerpoint/2010/main" Requires="p14">
+      <p:transition spd="med" p14:dur="700">
+        <p:fade/>
+      </p:transition>
+    </mc:Choice>
+    <mc:Fallback>
+      <p:transition spd="med">
+        <p:fade/>
+      </p:transition>
+    </mc:Fallback>
+  </mc:AlternateContent>
 </p:sld>
 </file>
 
@@ -16874,6 +19630,18 @@
   <p:clrMapOvr>
     <a:masterClrMapping/>
   </p:clrMapOvr>
+  <mc:AlternateContent xmlns:mc="http://schemas.openxmlformats.org/markup-compatibility/2006">
+    <mc:Choice xmlns:p14="http://schemas.microsoft.com/office/powerpoint/2010/main" Requires="p14">
+      <p:transition spd="med" p14:dur="700">
+        <p:fade/>
+      </p:transition>
+    </mc:Choice>
+    <mc:Fallback>
+      <p:transition spd="med">
+        <p:fade/>
+      </p:transition>
+    </mc:Fallback>
+  </mc:AlternateContent>
 </p:sld>
 </file>
 
@@ -17008,6 +19776,18 @@
   <p:clrMapOvr>
     <a:masterClrMapping/>
   </p:clrMapOvr>
+  <mc:AlternateContent xmlns:mc="http://schemas.openxmlformats.org/markup-compatibility/2006">
+    <mc:Choice xmlns:p14="http://schemas.microsoft.com/office/powerpoint/2010/main" Requires="p14">
+      <p:transition spd="med" p14:dur="700">
+        <p:fade/>
+      </p:transition>
+    </mc:Choice>
+    <mc:Fallback>
+      <p:transition spd="med">
+        <p:fade/>
+      </p:transition>
+    </mc:Fallback>
+  </mc:AlternateContent>
 </p:sld>
 </file>
 
@@ -17030,10 +19810,248 @@
       </p:grpSpPr>
       <p:sp>
         <p:nvSpPr>
-          <p:cNvPr id="2" name="Title 1">
-            <a:extLst>
-              <a:ext uri="{FF2B5EF4-FFF2-40B4-BE49-F238E27FC236}">
-                <a16:creationId xmlns:a16="http://schemas.microsoft.com/office/drawing/2014/main" id="{38FFA191-5CCC-43CB-BD83-4F80ED362608}"/>
+          <p:cNvPr id="17" name="Slide Number Placeholder 16">
+            <a:extLst>
+              <a:ext uri="{FF2B5EF4-FFF2-40B4-BE49-F238E27FC236}">
+                <a16:creationId xmlns:a16="http://schemas.microsoft.com/office/drawing/2014/main" id="{FD5F19E2-80FB-0DB0-8A85-1E0C70EFC947}"/>
+              </a:ext>
+            </a:extLst>
+          </p:cNvPr>
+          <p:cNvSpPr>
+            <a:spLocks noGrp="1"/>
+          </p:cNvSpPr>
+          <p:nvPr>
+            <p:ph type="sldNum" sz="quarter" idx="12"/>
+          </p:nvPr>
+        </p:nvSpPr>
+        <p:spPr/>
+        <p:txBody>
+          <a:bodyPr/>
+          <a:lstStyle/>
+          <a:p>
+            <a:pPr rtl="0"/>
+            <a:fld id="{B5CEABB6-07DC-46E8-9B57-56EC44A396E5}" type="slidenum">
+              <a:rPr lang="en-GB" noProof="0" smtClean="0"/>
+              <a:t>16</a:t>
+            </a:fld>
+            <a:endParaRPr lang="en-GB" noProof="0"/>
+          </a:p>
+        </p:txBody>
+      </p:sp>
+      <p:sp>
+        <p:nvSpPr>
+          <p:cNvPr id="18" name="Rezervirano mjesto teksta 4">
+            <a:extLst>
+              <a:ext uri="{FF2B5EF4-FFF2-40B4-BE49-F238E27FC236}">
+                <a16:creationId xmlns:a16="http://schemas.microsoft.com/office/drawing/2014/main" id="{ECE29325-321A-6F06-800E-17ED64510431}"/>
+              </a:ext>
+            </a:extLst>
+          </p:cNvPr>
+          <p:cNvSpPr txBox="1">
+            <a:spLocks/>
+          </p:cNvSpPr>
+          <p:nvPr/>
+        </p:nvSpPr>
+        <p:spPr>
+          <a:xfrm>
+            <a:off x="77497" y="581025"/>
+            <a:ext cx="3355823" cy="625475"/>
+          </a:xfrm>
+          <a:prstGeom prst="rect">
+            <a:avLst/>
+          </a:prstGeom>
+        </p:spPr>
+        <p:txBody>
+          <a:bodyPr vert="horz" lIns="91440" tIns="45720" rIns="91440" bIns="45720" rtlCol="0" anchor="t">
+            <a:noAutofit/>
+          </a:bodyPr>
+          <a:lstStyle>
+            <a:lvl1pPr marL="0" indent="0" algn="ctr" defTabSz="914400" rtl="0" eaLnBrk="1" latinLnBrk="0" hangingPunct="1">
+              <a:lnSpc>
+                <a:spcPct val="90000"/>
+              </a:lnSpc>
+              <a:spcBef>
+                <a:spcPts val="1000"/>
+              </a:spcBef>
+              <a:buFont typeface="Arial" panose="020B0604020202020204" pitchFamily="34" charset="0"/>
+              <a:buNone/>
+              <a:defRPr lang="en-US" sz="1000" kern="1200" spc="150" baseline="0" dirty="0" smtClean="0">
+                <a:solidFill>
+                  <a:schemeClr val="tx1"/>
+                </a:solidFill>
+                <a:latin typeface="+mj-lt"/>
+                <a:ea typeface="+mj-ea"/>
+                <a:cs typeface="+mj-cs"/>
+              </a:defRPr>
+            </a:lvl1pPr>
+            <a:lvl2pPr marL="457200" indent="0" algn="l" defTabSz="914400" rtl="0" eaLnBrk="1" latinLnBrk="0" hangingPunct="1">
+              <a:lnSpc>
+                <a:spcPct val="90000"/>
+              </a:lnSpc>
+              <a:spcBef>
+                <a:spcPts val="500"/>
+              </a:spcBef>
+              <a:buFont typeface="Arial" panose="020B0604020202020204" pitchFamily="34" charset="0"/>
+              <a:buNone/>
+              <a:defRPr sz="2000" b="1" kern="1200">
+                <a:solidFill>
+                  <a:schemeClr val="tx1"/>
+                </a:solidFill>
+                <a:latin typeface="+mn-lt"/>
+                <a:ea typeface="+mn-ea"/>
+                <a:cs typeface="+mn-cs"/>
+              </a:defRPr>
+            </a:lvl2pPr>
+            <a:lvl3pPr marL="914400" indent="0" algn="l" defTabSz="914400" rtl="0" eaLnBrk="1" latinLnBrk="0" hangingPunct="1">
+              <a:lnSpc>
+                <a:spcPct val="90000"/>
+              </a:lnSpc>
+              <a:spcBef>
+                <a:spcPts val="500"/>
+              </a:spcBef>
+              <a:buFont typeface="Arial" panose="020B0604020202020204" pitchFamily="34" charset="0"/>
+              <a:buNone/>
+              <a:defRPr sz="1800" b="1" kern="1200">
+                <a:solidFill>
+                  <a:schemeClr val="tx1"/>
+                </a:solidFill>
+                <a:latin typeface="+mn-lt"/>
+                <a:ea typeface="+mn-ea"/>
+                <a:cs typeface="+mn-cs"/>
+              </a:defRPr>
+            </a:lvl3pPr>
+            <a:lvl4pPr marL="1371600" indent="0" algn="l" defTabSz="914400" rtl="0" eaLnBrk="1" latinLnBrk="0" hangingPunct="1">
+              <a:lnSpc>
+                <a:spcPct val="90000"/>
+              </a:lnSpc>
+              <a:spcBef>
+                <a:spcPts val="500"/>
+              </a:spcBef>
+              <a:buFont typeface="Arial" panose="020B0604020202020204" pitchFamily="34" charset="0"/>
+              <a:buNone/>
+              <a:defRPr sz="1600" b="1" kern="1200">
+                <a:solidFill>
+                  <a:schemeClr val="tx1"/>
+                </a:solidFill>
+                <a:latin typeface="+mn-lt"/>
+                <a:ea typeface="+mn-ea"/>
+                <a:cs typeface="+mn-cs"/>
+              </a:defRPr>
+            </a:lvl4pPr>
+            <a:lvl5pPr marL="1828800" indent="0" algn="l" defTabSz="914400" rtl="0" eaLnBrk="1" latinLnBrk="0" hangingPunct="1">
+              <a:lnSpc>
+                <a:spcPct val="90000"/>
+              </a:lnSpc>
+              <a:spcBef>
+                <a:spcPts val="500"/>
+              </a:spcBef>
+              <a:buFont typeface="Arial" panose="020B0604020202020204" pitchFamily="34" charset="0"/>
+              <a:buNone/>
+              <a:defRPr sz="1600" b="1" kern="1200">
+                <a:solidFill>
+                  <a:schemeClr val="tx1"/>
+                </a:solidFill>
+                <a:latin typeface="+mn-lt"/>
+                <a:ea typeface="+mn-ea"/>
+                <a:cs typeface="+mn-cs"/>
+              </a:defRPr>
+            </a:lvl5pPr>
+            <a:lvl6pPr marL="2286000" indent="0" algn="l" defTabSz="914400" rtl="0" eaLnBrk="1" latinLnBrk="0" hangingPunct="1">
+              <a:lnSpc>
+                <a:spcPct val="90000"/>
+              </a:lnSpc>
+              <a:spcBef>
+                <a:spcPts val="500"/>
+              </a:spcBef>
+              <a:buFont typeface="Arial" panose="020B0604020202020204" pitchFamily="34" charset="0"/>
+              <a:buNone/>
+              <a:defRPr sz="1600" b="1" kern="1200">
+                <a:solidFill>
+                  <a:schemeClr val="tx1"/>
+                </a:solidFill>
+                <a:latin typeface="+mn-lt"/>
+                <a:ea typeface="+mn-ea"/>
+                <a:cs typeface="+mn-cs"/>
+              </a:defRPr>
+            </a:lvl6pPr>
+            <a:lvl7pPr marL="2743200" indent="0" algn="l" defTabSz="914400" rtl="0" eaLnBrk="1" latinLnBrk="0" hangingPunct="1">
+              <a:lnSpc>
+                <a:spcPct val="90000"/>
+              </a:lnSpc>
+              <a:spcBef>
+                <a:spcPts val="500"/>
+              </a:spcBef>
+              <a:buFont typeface="Arial" panose="020B0604020202020204" pitchFamily="34" charset="0"/>
+              <a:buNone/>
+              <a:defRPr sz="1600" b="1" kern="1200">
+                <a:solidFill>
+                  <a:schemeClr val="tx1"/>
+                </a:solidFill>
+                <a:latin typeface="+mn-lt"/>
+                <a:ea typeface="+mn-ea"/>
+                <a:cs typeface="+mn-cs"/>
+              </a:defRPr>
+            </a:lvl7pPr>
+            <a:lvl8pPr marL="3200400" indent="0" algn="l" defTabSz="914400" rtl="0" eaLnBrk="1" latinLnBrk="0" hangingPunct="1">
+              <a:lnSpc>
+                <a:spcPct val="90000"/>
+              </a:lnSpc>
+              <a:spcBef>
+                <a:spcPts val="500"/>
+              </a:spcBef>
+              <a:buFont typeface="Arial" panose="020B0604020202020204" pitchFamily="34" charset="0"/>
+              <a:buNone/>
+              <a:defRPr sz="1600" b="1" kern="1200">
+                <a:solidFill>
+                  <a:schemeClr val="tx1"/>
+                </a:solidFill>
+                <a:latin typeface="+mn-lt"/>
+                <a:ea typeface="+mn-ea"/>
+                <a:cs typeface="+mn-cs"/>
+              </a:defRPr>
+            </a:lvl8pPr>
+            <a:lvl9pPr marL="3657600" indent="0" algn="l" defTabSz="914400" rtl="0" eaLnBrk="1" latinLnBrk="0" hangingPunct="1">
+              <a:lnSpc>
+                <a:spcPct val="90000"/>
+              </a:lnSpc>
+              <a:spcBef>
+                <a:spcPts val="500"/>
+              </a:spcBef>
+              <a:buFont typeface="Arial" panose="020B0604020202020204" pitchFamily="34" charset="0"/>
+              <a:buNone/>
+              <a:defRPr sz="1600" b="1" kern="1200">
+                <a:solidFill>
+                  <a:schemeClr val="tx1"/>
+                </a:solidFill>
+                <a:latin typeface="+mn-lt"/>
+                <a:ea typeface="+mn-ea"/>
+                <a:cs typeface="+mn-cs"/>
+              </a:defRPr>
+            </a:lvl9pPr>
+          </a:lstStyle>
+          <a:p>
+            <a:r>
+              <a:rPr lang="hr-HR" sz="3500" dirty="0">
+                <a:latin typeface="Tahoma" panose="020B0604030504040204" pitchFamily="34" charset="0"/>
+                <a:ea typeface="Tahoma" panose="020B0604030504040204" pitchFamily="34" charset="0"/>
+                <a:cs typeface="Tahoma" panose="020B0604030504040204" pitchFamily="34" charset="0"/>
+              </a:rPr>
+              <a:t>REZULTATI</a:t>
+            </a:r>
+            <a:endParaRPr lang="en-GB" sz="3500" dirty="0">
+              <a:latin typeface="Tahoma" panose="020B0604030504040204" pitchFamily="34" charset="0"/>
+              <a:ea typeface="Tahoma" panose="020B0604030504040204" pitchFamily="34" charset="0"/>
+              <a:cs typeface="Tahoma" panose="020B0604030504040204" pitchFamily="34" charset="0"/>
+            </a:endParaRPr>
+          </a:p>
+        </p:txBody>
+      </p:sp>
+      <p:sp>
+        <p:nvSpPr>
+          <p:cNvPr id="7" name="Title 1">
+            <a:extLst>
+              <a:ext uri="{FF2B5EF4-FFF2-40B4-BE49-F238E27FC236}">
+                <a16:creationId xmlns:a16="http://schemas.microsoft.com/office/drawing/2014/main" id="{46D7123D-545C-A0C8-9750-D01DB70B4812}"/>
               </a:ext>
             </a:extLst>
           </p:cNvPr>
@@ -17046,172 +20064,145 @@
         </p:nvSpPr>
         <p:spPr>
           <a:xfrm>
-            <a:off x="5476875" y="1671639"/>
-            <a:ext cx="5111750" cy="1204912"/>
-          </a:xfrm>
-        </p:spPr>
-        <p:txBody>
-          <a:bodyPr rtlCol="0"/>
-          <a:lstStyle/>
-          <a:p>
-            <a:pPr rtl="0"/>
-            <a:r>
-              <a:rPr lang="en-GB"/>
-              <a:t>SUMMARY</a:t>
-            </a:r>
-          </a:p>
-        </p:txBody>
-      </p:sp>
-      <p:sp>
-        <p:nvSpPr>
-          <p:cNvPr id="3" name="Content Placeholder 2">
-            <a:extLst>
-              <a:ext uri="{FF2B5EF4-FFF2-40B4-BE49-F238E27FC236}">
-                <a16:creationId xmlns:a16="http://schemas.microsoft.com/office/drawing/2014/main" id="{E14BBEAF-B516-45F4-9EF6-A9F65111580F}"/>
-              </a:ext>
-            </a:extLst>
-          </p:cNvPr>
-          <p:cNvSpPr>
-            <a:spLocks noGrp="1"/>
-          </p:cNvSpPr>
-          <p:nvPr>
-            <p:ph type="body" idx="1"/>
-          </p:nvPr>
-        </p:nvSpPr>
-        <p:spPr>
-          <a:xfrm>
-            <a:off x="5476875" y="3682546"/>
-            <a:ext cx="5111750" cy="1525588"/>
-          </a:xfrm>
-        </p:spPr>
-        <p:txBody>
-          <a:bodyPr vert="horz" lIns="91440" tIns="45720" rIns="91440" bIns="45720" rtlCol="0" anchor="b">
+            <a:off x="266700" y="1206500"/>
+            <a:ext cx="3807325" cy="522616"/>
+          </a:xfrm>
+        </p:spPr>
+        <p:txBody>
+          <a:bodyPr rtlCol="0">
             <a:normAutofit/>
           </a:bodyPr>
           <a:lstStyle/>
           <a:p>
             <a:pPr rtl="0"/>
             <a:r>
-              <a:rPr lang="en-GB" dirty="0"/>
-              <a:t>At Contoso, we believe in giving 110%. By using our next-generation data architecture, we help organisations virtually manage agile workflows. We thrive because of our market knowledge and great team behind our product. As our CEO says, "Efficiencies will come from proactively transforming how we do business.”</a:t>
-            </a:r>
-          </a:p>
-        </p:txBody>
-      </p:sp>
-      <p:sp>
-        <p:nvSpPr>
-          <p:cNvPr id="4" name="Date Placeholder 3">
-            <a:extLst>
-              <a:ext uri="{FF2B5EF4-FFF2-40B4-BE49-F238E27FC236}">
-                <a16:creationId xmlns:a16="http://schemas.microsoft.com/office/drawing/2014/main" id="{13F8C8B5-F6EC-489B-BD0F-CD89A73CAB3A}"/>
-              </a:ext>
-            </a:extLst>
-          </p:cNvPr>
-          <p:cNvSpPr>
-            <a:spLocks noGrp="1"/>
-          </p:cNvSpPr>
-          <p:nvPr>
-            <p:ph type="dt" sz="half" idx="10"/>
-          </p:nvPr>
-        </p:nvSpPr>
-        <p:spPr>
-          <a:xfrm>
-            <a:off x="838200" y="6356350"/>
-            <a:ext cx="2743200" cy="365125"/>
-          </a:xfrm>
-        </p:spPr>
-        <p:txBody>
-          <a:bodyPr rtlCol="0"/>
-          <a:lstStyle/>
-          <a:p>
-            <a:pPr rtl="0"/>
-            <a:r>
-              <a:rPr lang="en-GB"/>
-              <a:t>20XX</a:t>
-            </a:r>
-          </a:p>
-        </p:txBody>
-      </p:sp>
-      <p:sp>
-        <p:nvSpPr>
-          <p:cNvPr id="5" name="Footer Placeholder 4">
-            <a:extLst>
-              <a:ext uri="{FF2B5EF4-FFF2-40B4-BE49-F238E27FC236}">
-                <a16:creationId xmlns:a16="http://schemas.microsoft.com/office/drawing/2014/main" id="{11AEA823-8519-4F9D-81FA-3673131076FC}"/>
-              </a:ext>
-            </a:extLst>
-          </p:cNvPr>
-          <p:cNvSpPr>
-            <a:spLocks noGrp="1"/>
-          </p:cNvSpPr>
-          <p:nvPr>
-            <p:ph type="ftr" sz="quarter" idx="11"/>
-          </p:nvPr>
-        </p:nvSpPr>
-        <p:spPr>
-          <a:xfrm>
-            <a:off x="4038600" y="6356350"/>
-            <a:ext cx="4114800" cy="365125"/>
-          </a:xfrm>
-        </p:spPr>
-        <p:txBody>
-          <a:bodyPr rtlCol="0"/>
-          <a:lstStyle/>
-          <a:p>
-            <a:pPr rtl="0"/>
-            <a:r>
-              <a:rPr lang="en-GB"/>
-              <a:t>Pitch Deck</a:t>
-            </a:r>
-          </a:p>
-        </p:txBody>
-      </p:sp>
-      <p:sp>
-        <p:nvSpPr>
-          <p:cNvPr id="6" name="Slide Number Placeholder 5">
-            <a:extLst>
-              <a:ext uri="{FF2B5EF4-FFF2-40B4-BE49-F238E27FC236}">
-                <a16:creationId xmlns:a16="http://schemas.microsoft.com/office/drawing/2014/main" id="{BAEFF51B-0E28-4171-AE7C-A31AAB42BC73}"/>
-              </a:ext>
-            </a:extLst>
-          </p:cNvPr>
-          <p:cNvSpPr>
-            <a:spLocks noGrp="1"/>
-          </p:cNvSpPr>
-          <p:nvPr>
-            <p:ph type="sldNum" sz="quarter" idx="12"/>
-          </p:nvPr>
-        </p:nvSpPr>
-        <p:spPr>
-          <a:xfrm>
-            <a:off x="8610600" y="6356350"/>
-            <a:ext cx="2743200" cy="365125"/>
-          </a:xfrm>
-        </p:spPr>
-        <p:txBody>
-          <a:bodyPr rtlCol="0"/>
-          <a:lstStyle/>
-          <a:p>
-            <a:pPr rtl="0"/>
-            <a:fld id="{B5CEABB6-07DC-46E8-9B57-56EC44A396E5}" type="slidenum">
-              <a:rPr lang="en-GB" smtClean="0"/>
-              <a:pPr rtl="0"/>
-              <a:t>16</a:t>
-            </a:fld>
-            <a:endParaRPr lang="en-GB"/>
-          </a:p>
-        </p:txBody>
-      </p:sp>
+              <a:rPr lang="hr-HR" dirty="0">
+                <a:latin typeface="Tahoma" panose="020B0604030504040204" pitchFamily="34" charset="0"/>
+                <a:ea typeface="Tahoma" panose="020B0604030504040204" pitchFamily="34" charset="0"/>
+                <a:cs typeface="Tahoma" panose="020B0604030504040204" pitchFamily="34" charset="0"/>
+              </a:rPr>
+              <a:t>Matrice zabune</a:t>
+            </a:r>
+            <a:endParaRPr lang="en-GB" dirty="0">
+              <a:latin typeface="Tahoma" panose="020B0604030504040204" pitchFamily="34" charset="0"/>
+              <a:ea typeface="Tahoma" panose="020B0604030504040204" pitchFamily="34" charset="0"/>
+              <a:cs typeface="Tahoma" panose="020B0604030504040204" pitchFamily="34" charset="0"/>
+            </a:endParaRPr>
+          </a:p>
+        </p:txBody>
+      </p:sp>
+      <p:pic>
+        <p:nvPicPr>
+          <p:cNvPr id="9" name="Picture 8">
+            <a:extLst>
+              <a:ext uri="{FF2B5EF4-FFF2-40B4-BE49-F238E27FC236}">
+                <a16:creationId xmlns:a16="http://schemas.microsoft.com/office/drawing/2014/main" id="{890DBD1B-BA71-D862-B339-D58AC5324CB1}"/>
+              </a:ext>
+            </a:extLst>
+          </p:cNvPr>
+          <p:cNvPicPr>
+            <a:picLocks noChangeAspect="1"/>
+          </p:cNvPicPr>
+          <p:nvPr/>
+        </p:nvPicPr>
+        <p:blipFill>
+          <a:blip r:embed="rId2"/>
+          <a:stretch>
+            <a:fillRect/>
+          </a:stretch>
+        </p:blipFill>
+        <p:spPr>
+          <a:xfrm>
+            <a:off x="77497" y="2111390"/>
+            <a:ext cx="4078283" cy="3814614"/>
+          </a:xfrm>
+          <a:prstGeom prst="rect">
+            <a:avLst/>
+          </a:prstGeom>
+        </p:spPr>
+      </p:pic>
+      <p:pic>
+        <p:nvPicPr>
+          <p:cNvPr id="11" name="Picture 10">
+            <a:extLst>
+              <a:ext uri="{FF2B5EF4-FFF2-40B4-BE49-F238E27FC236}">
+                <a16:creationId xmlns:a16="http://schemas.microsoft.com/office/drawing/2014/main" id="{3731F468-B7D0-C445-65E7-0B01C79CA1B5}"/>
+              </a:ext>
+            </a:extLst>
+          </p:cNvPr>
+          <p:cNvPicPr>
+            <a:picLocks noChangeAspect="1"/>
+          </p:cNvPicPr>
+          <p:nvPr/>
+        </p:nvPicPr>
+        <p:blipFill>
+          <a:blip r:embed="rId3"/>
+          <a:stretch>
+            <a:fillRect/>
+          </a:stretch>
+        </p:blipFill>
+        <p:spPr>
+          <a:xfrm>
+            <a:off x="3882181" y="2085172"/>
+            <a:ext cx="4154041" cy="3867049"/>
+          </a:xfrm>
+          <a:prstGeom prst="rect">
+            <a:avLst/>
+          </a:prstGeom>
+        </p:spPr>
+      </p:pic>
+      <p:pic>
+        <p:nvPicPr>
+          <p:cNvPr id="13" name="Picture 12">
+            <a:extLst>
+              <a:ext uri="{FF2B5EF4-FFF2-40B4-BE49-F238E27FC236}">
+                <a16:creationId xmlns:a16="http://schemas.microsoft.com/office/drawing/2014/main" id="{E2203293-ABC2-3128-F059-6CA9D4DA90EE}"/>
+              </a:ext>
+            </a:extLst>
+          </p:cNvPr>
+          <p:cNvPicPr>
+            <a:picLocks noChangeAspect="1"/>
+          </p:cNvPicPr>
+          <p:nvPr/>
+        </p:nvPicPr>
+        <p:blipFill>
+          <a:blip r:embed="rId4"/>
+          <a:stretch>
+            <a:fillRect/>
+          </a:stretch>
+        </p:blipFill>
+        <p:spPr>
+          <a:xfrm>
+            <a:off x="8010966" y="2085172"/>
+            <a:ext cx="4103536" cy="3840832"/>
+          </a:xfrm>
+          <a:prstGeom prst="rect">
+            <a:avLst/>
+          </a:prstGeom>
+        </p:spPr>
+      </p:pic>
     </p:spTree>
     <p:extLst>
       <p:ext uri="{BB962C8B-B14F-4D97-AF65-F5344CB8AC3E}">
-        <p14:creationId xmlns:p14="http://schemas.microsoft.com/office/powerpoint/2010/main" val="920173932"/>
+        <p14:creationId xmlns:p14="http://schemas.microsoft.com/office/powerpoint/2010/main" val="1490531754"/>
       </p:ext>
     </p:extLst>
   </p:cSld>
   <p:clrMapOvr>
     <a:masterClrMapping/>
   </p:clrMapOvr>
+  <mc:AlternateContent xmlns:mc="http://schemas.openxmlformats.org/markup-compatibility/2006">
+    <mc:Choice xmlns:p14="http://schemas.microsoft.com/office/powerpoint/2010/main" Requires="p14">
+      <p:transition spd="med" p14:dur="700">
+        <p:fade/>
+      </p:transition>
+    </mc:Choice>
+    <mc:Fallback>
+      <p:transition spd="med">
+        <p:fade/>
+      </p:transition>
+    </mc:Fallback>
+  </mc:AlternateContent>
 </p:sld>
 </file>
 
@@ -17234,58 +20225,364 @@
       </p:grpSpPr>
       <p:sp>
         <p:nvSpPr>
+          <p:cNvPr id="17" name="Slide Number Placeholder 16">
+            <a:extLst>
+              <a:ext uri="{FF2B5EF4-FFF2-40B4-BE49-F238E27FC236}">
+                <a16:creationId xmlns:a16="http://schemas.microsoft.com/office/drawing/2014/main" id="{FD5F19E2-80FB-0DB0-8A85-1E0C70EFC947}"/>
+              </a:ext>
+            </a:extLst>
+          </p:cNvPr>
+          <p:cNvSpPr>
+            <a:spLocks noGrp="1"/>
+          </p:cNvSpPr>
+          <p:nvPr>
+            <p:ph type="sldNum" sz="quarter" idx="12"/>
+          </p:nvPr>
+        </p:nvSpPr>
+        <p:spPr/>
+        <p:txBody>
+          <a:bodyPr/>
+          <a:lstStyle/>
+          <a:p>
+            <a:pPr rtl="0"/>
+            <a:fld id="{B5CEABB6-07DC-46E8-9B57-56EC44A396E5}" type="slidenum">
+              <a:rPr lang="en-GB" noProof="0" smtClean="0"/>
+              <a:t>17</a:t>
+            </a:fld>
+            <a:endParaRPr lang="en-GB" noProof="0"/>
+          </a:p>
+        </p:txBody>
+      </p:sp>
+      <p:sp>
+        <p:nvSpPr>
+          <p:cNvPr id="18" name="Rezervirano mjesto teksta 4">
+            <a:extLst>
+              <a:ext uri="{FF2B5EF4-FFF2-40B4-BE49-F238E27FC236}">
+                <a16:creationId xmlns:a16="http://schemas.microsoft.com/office/drawing/2014/main" id="{ECE29325-321A-6F06-800E-17ED64510431}"/>
+              </a:ext>
+            </a:extLst>
+          </p:cNvPr>
+          <p:cNvSpPr txBox="1">
+            <a:spLocks/>
+          </p:cNvSpPr>
+          <p:nvPr/>
+        </p:nvSpPr>
+        <p:spPr>
+          <a:xfrm>
+            <a:off x="352424" y="569583"/>
+            <a:ext cx="4743451" cy="563891"/>
+          </a:xfrm>
+          <a:prstGeom prst="rect">
+            <a:avLst/>
+          </a:prstGeom>
+        </p:spPr>
+        <p:txBody>
+          <a:bodyPr vert="horz" lIns="91440" tIns="45720" rIns="91440" bIns="45720" rtlCol="0" anchor="t">
+            <a:noAutofit/>
+          </a:bodyPr>
+          <a:lstStyle>
+            <a:lvl1pPr marL="0" indent="0" algn="ctr" defTabSz="914400" rtl="0" eaLnBrk="1" latinLnBrk="0" hangingPunct="1">
+              <a:lnSpc>
+                <a:spcPct val="90000"/>
+              </a:lnSpc>
+              <a:spcBef>
+                <a:spcPts val="1000"/>
+              </a:spcBef>
+              <a:buFont typeface="Arial" panose="020B0604020202020204" pitchFamily="34" charset="0"/>
+              <a:buNone/>
+              <a:defRPr lang="en-US" sz="1000" kern="1200" spc="150" baseline="0" dirty="0" smtClean="0">
+                <a:solidFill>
+                  <a:schemeClr val="tx1"/>
+                </a:solidFill>
+                <a:latin typeface="+mj-lt"/>
+                <a:ea typeface="+mj-ea"/>
+                <a:cs typeface="+mj-cs"/>
+              </a:defRPr>
+            </a:lvl1pPr>
+            <a:lvl2pPr marL="457200" indent="0" algn="l" defTabSz="914400" rtl="0" eaLnBrk="1" latinLnBrk="0" hangingPunct="1">
+              <a:lnSpc>
+                <a:spcPct val="90000"/>
+              </a:lnSpc>
+              <a:spcBef>
+                <a:spcPts val="500"/>
+              </a:spcBef>
+              <a:buFont typeface="Arial" panose="020B0604020202020204" pitchFamily="34" charset="0"/>
+              <a:buNone/>
+              <a:defRPr sz="2000" b="1" kern="1200">
+                <a:solidFill>
+                  <a:schemeClr val="tx1"/>
+                </a:solidFill>
+                <a:latin typeface="+mn-lt"/>
+                <a:ea typeface="+mn-ea"/>
+                <a:cs typeface="+mn-cs"/>
+              </a:defRPr>
+            </a:lvl2pPr>
+            <a:lvl3pPr marL="914400" indent="0" algn="l" defTabSz="914400" rtl="0" eaLnBrk="1" latinLnBrk="0" hangingPunct="1">
+              <a:lnSpc>
+                <a:spcPct val="90000"/>
+              </a:lnSpc>
+              <a:spcBef>
+                <a:spcPts val="500"/>
+              </a:spcBef>
+              <a:buFont typeface="Arial" panose="020B0604020202020204" pitchFamily="34" charset="0"/>
+              <a:buNone/>
+              <a:defRPr sz="1800" b="1" kern="1200">
+                <a:solidFill>
+                  <a:schemeClr val="tx1"/>
+                </a:solidFill>
+                <a:latin typeface="+mn-lt"/>
+                <a:ea typeface="+mn-ea"/>
+                <a:cs typeface="+mn-cs"/>
+              </a:defRPr>
+            </a:lvl3pPr>
+            <a:lvl4pPr marL="1371600" indent="0" algn="l" defTabSz="914400" rtl="0" eaLnBrk="1" latinLnBrk="0" hangingPunct="1">
+              <a:lnSpc>
+                <a:spcPct val="90000"/>
+              </a:lnSpc>
+              <a:spcBef>
+                <a:spcPts val="500"/>
+              </a:spcBef>
+              <a:buFont typeface="Arial" panose="020B0604020202020204" pitchFamily="34" charset="0"/>
+              <a:buNone/>
+              <a:defRPr sz="1600" b="1" kern="1200">
+                <a:solidFill>
+                  <a:schemeClr val="tx1"/>
+                </a:solidFill>
+                <a:latin typeface="+mn-lt"/>
+                <a:ea typeface="+mn-ea"/>
+                <a:cs typeface="+mn-cs"/>
+              </a:defRPr>
+            </a:lvl4pPr>
+            <a:lvl5pPr marL="1828800" indent="0" algn="l" defTabSz="914400" rtl="0" eaLnBrk="1" latinLnBrk="0" hangingPunct="1">
+              <a:lnSpc>
+                <a:spcPct val="90000"/>
+              </a:lnSpc>
+              <a:spcBef>
+                <a:spcPts val="500"/>
+              </a:spcBef>
+              <a:buFont typeface="Arial" panose="020B0604020202020204" pitchFamily="34" charset="0"/>
+              <a:buNone/>
+              <a:defRPr sz="1600" b="1" kern="1200">
+                <a:solidFill>
+                  <a:schemeClr val="tx1"/>
+                </a:solidFill>
+                <a:latin typeface="+mn-lt"/>
+                <a:ea typeface="+mn-ea"/>
+                <a:cs typeface="+mn-cs"/>
+              </a:defRPr>
+            </a:lvl5pPr>
+            <a:lvl6pPr marL="2286000" indent="0" algn="l" defTabSz="914400" rtl="0" eaLnBrk="1" latinLnBrk="0" hangingPunct="1">
+              <a:lnSpc>
+                <a:spcPct val="90000"/>
+              </a:lnSpc>
+              <a:spcBef>
+                <a:spcPts val="500"/>
+              </a:spcBef>
+              <a:buFont typeface="Arial" panose="020B0604020202020204" pitchFamily="34" charset="0"/>
+              <a:buNone/>
+              <a:defRPr sz="1600" b="1" kern="1200">
+                <a:solidFill>
+                  <a:schemeClr val="tx1"/>
+                </a:solidFill>
+                <a:latin typeface="+mn-lt"/>
+                <a:ea typeface="+mn-ea"/>
+                <a:cs typeface="+mn-cs"/>
+              </a:defRPr>
+            </a:lvl6pPr>
+            <a:lvl7pPr marL="2743200" indent="0" algn="l" defTabSz="914400" rtl="0" eaLnBrk="1" latinLnBrk="0" hangingPunct="1">
+              <a:lnSpc>
+                <a:spcPct val="90000"/>
+              </a:lnSpc>
+              <a:spcBef>
+                <a:spcPts val="500"/>
+              </a:spcBef>
+              <a:buFont typeface="Arial" panose="020B0604020202020204" pitchFamily="34" charset="0"/>
+              <a:buNone/>
+              <a:defRPr sz="1600" b="1" kern="1200">
+                <a:solidFill>
+                  <a:schemeClr val="tx1"/>
+                </a:solidFill>
+                <a:latin typeface="+mn-lt"/>
+                <a:ea typeface="+mn-ea"/>
+                <a:cs typeface="+mn-cs"/>
+              </a:defRPr>
+            </a:lvl7pPr>
+            <a:lvl8pPr marL="3200400" indent="0" algn="l" defTabSz="914400" rtl="0" eaLnBrk="1" latinLnBrk="0" hangingPunct="1">
+              <a:lnSpc>
+                <a:spcPct val="90000"/>
+              </a:lnSpc>
+              <a:spcBef>
+                <a:spcPts val="500"/>
+              </a:spcBef>
+              <a:buFont typeface="Arial" panose="020B0604020202020204" pitchFamily="34" charset="0"/>
+              <a:buNone/>
+              <a:defRPr sz="1600" b="1" kern="1200">
+                <a:solidFill>
+                  <a:schemeClr val="tx1"/>
+                </a:solidFill>
+                <a:latin typeface="+mn-lt"/>
+                <a:ea typeface="+mn-ea"/>
+                <a:cs typeface="+mn-cs"/>
+              </a:defRPr>
+            </a:lvl8pPr>
+            <a:lvl9pPr marL="3657600" indent="0" algn="l" defTabSz="914400" rtl="0" eaLnBrk="1" latinLnBrk="0" hangingPunct="1">
+              <a:lnSpc>
+                <a:spcPct val="90000"/>
+              </a:lnSpc>
+              <a:spcBef>
+                <a:spcPts val="500"/>
+              </a:spcBef>
+              <a:buFont typeface="Arial" panose="020B0604020202020204" pitchFamily="34" charset="0"/>
+              <a:buNone/>
+              <a:defRPr sz="1600" b="1" kern="1200">
+                <a:solidFill>
+                  <a:schemeClr val="tx1"/>
+                </a:solidFill>
+                <a:latin typeface="+mn-lt"/>
+                <a:ea typeface="+mn-ea"/>
+                <a:cs typeface="+mn-cs"/>
+              </a:defRPr>
+            </a:lvl9pPr>
+          </a:lstStyle>
+          <a:p>
+            <a:r>
+              <a:rPr lang="hr-HR" sz="3000" dirty="0">
+                <a:latin typeface="Tahoma" panose="020B0604030504040204" pitchFamily="34" charset="0"/>
+                <a:ea typeface="Tahoma" panose="020B0604030504040204" pitchFamily="34" charset="0"/>
+                <a:cs typeface="Tahoma" panose="020B0604030504040204" pitchFamily="34" charset="0"/>
+              </a:rPr>
+              <a:t>USPOREDBA REZULTATA</a:t>
+            </a:r>
+            <a:endParaRPr lang="en-GB" sz="3000" dirty="0">
+              <a:latin typeface="Tahoma" panose="020B0604030504040204" pitchFamily="34" charset="0"/>
+              <a:ea typeface="Tahoma" panose="020B0604030504040204" pitchFamily="34" charset="0"/>
+              <a:cs typeface="Tahoma" panose="020B0604030504040204" pitchFamily="34" charset="0"/>
+            </a:endParaRPr>
+          </a:p>
+        </p:txBody>
+      </p:sp>
+      <p:pic>
+        <p:nvPicPr>
+          <p:cNvPr id="3" name="Picture 2">
+            <a:extLst>
+              <a:ext uri="{FF2B5EF4-FFF2-40B4-BE49-F238E27FC236}">
+                <a16:creationId xmlns:a16="http://schemas.microsoft.com/office/drawing/2014/main" id="{4F8938F4-9CCC-226B-229A-515BE9C31E14}"/>
+              </a:ext>
+            </a:extLst>
+          </p:cNvPr>
+          <p:cNvPicPr>
+            <a:picLocks noChangeAspect="1"/>
+          </p:cNvPicPr>
+          <p:nvPr/>
+        </p:nvPicPr>
+        <p:blipFill>
+          <a:blip r:embed="rId3"/>
+          <a:stretch>
+            <a:fillRect/>
+          </a:stretch>
+        </p:blipFill>
+        <p:spPr>
+          <a:xfrm>
+            <a:off x="266700" y="1562205"/>
+            <a:ext cx="5629275" cy="4089295"/>
+          </a:xfrm>
+          <a:prstGeom prst="rect">
+            <a:avLst/>
+          </a:prstGeom>
+        </p:spPr>
+      </p:pic>
+      <p:pic>
+        <p:nvPicPr>
+          <p:cNvPr id="5" name="Picture 4">
+            <a:extLst>
+              <a:ext uri="{FF2B5EF4-FFF2-40B4-BE49-F238E27FC236}">
+                <a16:creationId xmlns:a16="http://schemas.microsoft.com/office/drawing/2014/main" id="{33CD17E4-D4FA-DE3A-9FB7-430937F0C2D8}"/>
+              </a:ext>
+            </a:extLst>
+          </p:cNvPr>
+          <p:cNvPicPr>
+            <a:picLocks noChangeAspect="1"/>
+          </p:cNvPicPr>
+          <p:nvPr/>
+        </p:nvPicPr>
+        <p:blipFill>
+          <a:blip r:embed="rId4"/>
+          <a:stretch>
+            <a:fillRect/>
+          </a:stretch>
+        </p:blipFill>
+        <p:spPr>
+          <a:xfrm>
+            <a:off x="5895975" y="1813031"/>
+            <a:ext cx="6279754" cy="4267200"/>
+          </a:xfrm>
+          <a:prstGeom prst="rect">
+            <a:avLst/>
+          </a:prstGeom>
+        </p:spPr>
+      </p:pic>
+    </p:spTree>
+    <p:extLst>
+      <p:ext uri="{BB962C8B-B14F-4D97-AF65-F5344CB8AC3E}">
+        <p14:creationId xmlns:p14="http://schemas.microsoft.com/office/powerpoint/2010/main" val="3178594429"/>
+      </p:ext>
+    </p:extLst>
+  </p:cSld>
+  <p:clrMapOvr>
+    <a:masterClrMapping/>
+  </p:clrMapOvr>
+  <mc:AlternateContent xmlns:mc="http://schemas.openxmlformats.org/markup-compatibility/2006">
+    <mc:Choice xmlns:p14="http://schemas.microsoft.com/office/powerpoint/2010/main" Requires="p14">
+      <p:transition spd="med" p14:dur="700">
+        <p:fade/>
+      </p:transition>
+    </mc:Choice>
+    <mc:Fallback>
+      <p:transition spd="med">
+        <p:fade/>
+      </p:transition>
+    </mc:Fallback>
+  </mc:AlternateContent>
+</p:sld>
+</file>
+
+<file path=ppt/slides/slide18.xml><?xml version="1.0" encoding="utf-8"?>
+<p:sld xmlns:a="http://schemas.openxmlformats.org/drawingml/2006/main" xmlns:r="http://schemas.openxmlformats.org/officeDocument/2006/relationships" xmlns:p="http://schemas.openxmlformats.org/presentationml/2006/main">
+  <p:cSld>
+    <p:spTree>
+      <p:nvGrpSpPr>
+        <p:cNvPr id="1" name=""/>
+        <p:cNvGrpSpPr/>
+        <p:nvPr/>
+      </p:nvGrpSpPr>
+      <p:grpSpPr>
+        <a:xfrm>
+          <a:off x="0" y="0"/>
+          <a:ext cx="0" cy="0"/>
+          <a:chOff x="0" y="0"/>
+          <a:chExt cx="0" cy="0"/>
+        </a:xfrm>
+      </p:grpSpPr>
+      <p:sp>
+        <p:nvSpPr>
           <p:cNvPr id="2" name="Title 1">
             <a:extLst>
               <a:ext uri="{FF2B5EF4-FFF2-40B4-BE49-F238E27FC236}">
-                <a16:creationId xmlns:a16="http://schemas.microsoft.com/office/drawing/2014/main" id="{BCCAEE93-8585-46D4-A7EC-F184E317CB2E}"/>
-              </a:ext>
-            </a:extLst>
-          </p:cNvPr>
-          <p:cNvSpPr>
-            <a:spLocks noGrp="1"/>
-          </p:cNvSpPr>
-          <p:nvPr>
-            <p:ph type="ctrTitle"/>
-          </p:nvPr>
-        </p:nvSpPr>
-        <p:spPr>
-          <a:xfrm>
-            <a:off x="4267200" y="1615736"/>
-            <a:ext cx="4179570" cy="1524735"/>
-          </a:xfrm>
-        </p:spPr>
-        <p:txBody>
-          <a:bodyPr rtlCol="0"/>
-          <a:lstStyle/>
-          <a:p>
-            <a:pPr rtl="0"/>
-            <a:r>
-              <a:rPr lang="en-GB"/>
-              <a:t>THANK YOU</a:t>
-            </a:r>
-          </a:p>
-        </p:txBody>
-      </p:sp>
-      <p:sp>
-        <p:nvSpPr>
-          <p:cNvPr id="3" name="Content Placeholder 2">
-            <a:extLst>
-              <a:ext uri="{FF2B5EF4-FFF2-40B4-BE49-F238E27FC236}">
-                <a16:creationId xmlns:a16="http://schemas.microsoft.com/office/drawing/2014/main" id="{24AFFC60-19C3-4901-93F7-7AAF4C09F8C6}"/>
-              </a:ext>
-            </a:extLst>
-          </p:cNvPr>
-          <p:cNvSpPr>
-            <a:spLocks noGrp="1"/>
-          </p:cNvSpPr>
-          <p:nvPr>
-            <p:ph type="subTitle" idx="1"/>
-          </p:nvPr>
-        </p:nvSpPr>
-        <p:spPr>
-          <a:xfrm>
-            <a:off x="4267200" y="3238103"/>
-            <a:ext cx="4179570" cy="2004161"/>
+                <a16:creationId xmlns:a16="http://schemas.microsoft.com/office/drawing/2014/main" id="{38FFA191-5CCC-43CB-BD83-4F80ED362608}"/>
+              </a:ext>
+            </a:extLst>
+          </p:cNvPr>
+          <p:cNvSpPr>
+            <a:spLocks noGrp="1"/>
+          </p:cNvSpPr>
+          <p:nvPr>
+            <p:ph type="title"/>
+          </p:nvPr>
+        </p:nvSpPr>
+        <p:spPr>
+          <a:xfrm>
+            <a:off x="5391150" y="1017586"/>
+            <a:ext cx="3219450" cy="723901"/>
           </a:xfrm>
         </p:spPr>
         <p:txBody>
@@ -17296,98 +20593,94 @@
           <a:p>
             <a:pPr rtl="0"/>
             <a:r>
-              <a:rPr lang="en-GB"/>
-              <a:t>Mirjam Nilsson​</a:t>
-            </a:r>
-          </a:p>
-          <a:p>
-            <a:pPr rtl="0"/>
-            <a:r>
-              <a:rPr lang="en-GB"/>
-              <a:t>206-555-0146</a:t>
-            </a:r>
-          </a:p>
-          <a:p>
-            <a:pPr rtl="0"/>
-            <a:r>
-              <a:rPr lang="en-GB"/>
-              <a:t>mirjam@contoso.com</a:t>
-            </a:r>
-          </a:p>
-          <a:p>
-            <a:pPr rtl="0"/>
-            <a:r>
-              <a:rPr lang="en-GB"/>
-              <a:t>www.contoso.com</a:t>
-            </a:r>
-          </a:p>
-        </p:txBody>
-      </p:sp>
-      <p:sp>
-        <p:nvSpPr>
-          <p:cNvPr id="4" name="Date Placeholder 3">
-            <a:extLst>
-              <a:ext uri="{FF2B5EF4-FFF2-40B4-BE49-F238E27FC236}">
-                <a16:creationId xmlns:a16="http://schemas.microsoft.com/office/drawing/2014/main" id="{72DA7980-C870-4C9A-84FA-4120D8AF5DE8}"/>
-              </a:ext>
-            </a:extLst>
-          </p:cNvPr>
-          <p:cNvSpPr>
-            <a:spLocks noGrp="1"/>
-          </p:cNvSpPr>
-          <p:nvPr>
-            <p:ph type="dt" sz="half" idx="10"/>
-          </p:nvPr>
-        </p:nvSpPr>
-        <p:spPr>
-          <a:xfrm>
-            <a:off x="4267200" y="6356350"/>
-            <a:ext cx="1774371" cy="365125"/>
-          </a:xfrm>
-        </p:spPr>
-        <p:txBody>
-          <a:bodyPr rtlCol="0"/>
+              <a:rPr lang="hr-HR" sz="3500" dirty="0">
+                <a:latin typeface="Tahoma" panose="020B0604030504040204" pitchFamily="34" charset="0"/>
+                <a:ea typeface="Tahoma" panose="020B0604030504040204" pitchFamily="34" charset="0"/>
+                <a:cs typeface="Tahoma" panose="020B0604030504040204" pitchFamily="34" charset="0"/>
+              </a:rPr>
+              <a:t>Zaključak</a:t>
+            </a:r>
+            <a:endParaRPr lang="en-GB" sz="3500" dirty="0">
+              <a:latin typeface="Tahoma" panose="020B0604030504040204" pitchFamily="34" charset="0"/>
+              <a:ea typeface="Tahoma" panose="020B0604030504040204" pitchFamily="34" charset="0"/>
+              <a:cs typeface="Tahoma" panose="020B0604030504040204" pitchFamily="34" charset="0"/>
+            </a:endParaRPr>
+          </a:p>
+        </p:txBody>
+      </p:sp>
+      <p:sp>
+        <p:nvSpPr>
+          <p:cNvPr id="3" name="Content Placeholder 2">
+            <a:extLst>
+              <a:ext uri="{FF2B5EF4-FFF2-40B4-BE49-F238E27FC236}">
+                <a16:creationId xmlns:a16="http://schemas.microsoft.com/office/drawing/2014/main" id="{E14BBEAF-B516-45F4-9EF6-A9F65111580F}"/>
+              </a:ext>
+            </a:extLst>
+          </p:cNvPr>
+          <p:cNvSpPr>
+            <a:spLocks noGrp="1"/>
+          </p:cNvSpPr>
+          <p:nvPr>
+            <p:ph type="body" idx="1"/>
+          </p:nvPr>
+        </p:nvSpPr>
+        <p:spPr>
+          <a:xfrm>
+            <a:off x="5276850" y="2541135"/>
+            <a:ext cx="6238875" cy="2575379"/>
+          </a:xfrm>
+        </p:spPr>
+        <p:txBody>
+          <a:bodyPr vert="horz" lIns="91440" tIns="45720" rIns="91440" bIns="45720" rtlCol="0" anchor="t">
+            <a:normAutofit/>
+          </a:bodyPr>
           <a:lstStyle/>
           <a:p>
-            <a:pPr rtl="0"/>
-            <a:r>
-              <a:rPr lang="en-GB"/>
-              <a:t>20XX</a:t>
-            </a:r>
-          </a:p>
-        </p:txBody>
-      </p:sp>
-      <p:sp>
-        <p:nvSpPr>
-          <p:cNvPr id="5" name="Footer Placeholder 4">
-            <a:extLst>
-              <a:ext uri="{FF2B5EF4-FFF2-40B4-BE49-F238E27FC236}">
-                <a16:creationId xmlns:a16="http://schemas.microsoft.com/office/drawing/2014/main" id="{0DFADE42-1A3F-40C8-A071-E57644F3D843}"/>
-              </a:ext>
-            </a:extLst>
-          </p:cNvPr>
-          <p:cNvSpPr>
-            <a:spLocks noGrp="1"/>
-          </p:cNvSpPr>
-          <p:nvPr>
-            <p:ph type="ftr" sz="quarter" idx="11"/>
-          </p:nvPr>
-        </p:nvSpPr>
-        <p:spPr>
-          <a:xfrm>
-            <a:off x="6479721" y="6356350"/>
-            <a:ext cx="2661557" cy="365125"/>
-          </a:xfrm>
-        </p:spPr>
-        <p:txBody>
-          <a:bodyPr rtlCol="0"/>
-          <a:lstStyle/>
-          <a:p>
-            <a:pPr rtl="0"/>
-            <a:r>
-              <a:rPr lang="en-GB"/>
-              <a:t>Pitch Deck</a:t>
-            </a:r>
+            <a:pPr marL="285750" indent="-285750" rtl="0">
+              <a:buFont typeface="Arial" panose="020B0604020202020204" pitchFamily="34" charset="0"/>
+              <a:buChar char="•"/>
+            </a:pPr>
+            <a:r>
+              <a:rPr lang="pl-PL" sz="2200" dirty="0">
+                <a:latin typeface="Tahoma" panose="020B0604030504040204" pitchFamily="34" charset="0"/>
+                <a:ea typeface="Tahoma" panose="020B0604030504040204" pitchFamily="34" charset="0"/>
+                <a:cs typeface="Tahoma" panose="020B0604030504040204" pitchFamily="34" charset="0"/>
+              </a:rPr>
+              <a:t>Najbolje performanse – Slučajna šuma</a:t>
+            </a:r>
+          </a:p>
+          <a:p>
+            <a:pPr marL="285750" indent="-285750" rtl="0">
+              <a:buFont typeface="Arial" panose="020B0604020202020204" pitchFamily="34" charset="0"/>
+              <a:buChar char="•"/>
+            </a:pPr>
+            <a:r>
+              <a:rPr lang="hr-HR" sz="2200" dirty="0">
+                <a:latin typeface="Tahoma" panose="020B0604030504040204" pitchFamily="34" charset="0"/>
+                <a:ea typeface="Tahoma" panose="020B0604030504040204" pitchFamily="34" charset="0"/>
+                <a:cs typeface="Tahoma" panose="020B0604030504040204" pitchFamily="34" charset="0"/>
+              </a:rPr>
+              <a:t>Klasifikacija MCI subjekata – izazov</a:t>
+            </a:r>
+          </a:p>
+          <a:p>
+            <a:pPr marL="285750" indent="-285750" rtl="0">
+              <a:buFont typeface="Arial" panose="020B0604020202020204" pitchFamily="34" charset="0"/>
+              <a:buChar char="•"/>
+            </a:pPr>
+            <a:r>
+              <a:rPr lang="hr-HR" sz="2200" dirty="0">
+                <a:latin typeface="Tahoma" panose="020B0604030504040204" pitchFamily="34" charset="0"/>
+                <a:ea typeface="Tahoma" panose="020B0604030504040204" pitchFamily="34" charset="0"/>
+                <a:cs typeface="Tahoma" panose="020B0604030504040204" pitchFamily="34" charset="0"/>
+              </a:rPr>
+              <a:t>Budući rad – naprednije tehnike</a:t>
+            </a:r>
+            <a:endParaRPr lang="en-GB" sz="2200" dirty="0">
+              <a:latin typeface="Tahoma" panose="020B0604030504040204" pitchFamily="34" charset="0"/>
+              <a:ea typeface="Tahoma" panose="020B0604030504040204" pitchFamily="34" charset="0"/>
+              <a:cs typeface="Tahoma" panose="020B0604030504040204" pitchFamily="34" charset="0"/>
+            </a:endParaRPr>
           </a:p>
         </p:txBody>
       </p:sp>
@@ -17396,7 +20689,7 @@
           <p:cNvPr id="6" name="Slide Number Placeholder 5">
             <a:extLst>
               <a:ext uri="{FF2B5EF4-FFF2-40B4-BE49-F238E27FC236}">
-                <a16:creationId xmlns:a16="http://schemas.microsoft.com/office/drawing/2014/main" id="{5EDCFF82-B70F-4971-9182-7C3AEA3CFD26}"/>
+                <a16:creationId xmlns:a16="http://schemas.microsoft.com/office/drawing/2014/main" id="{BAEFF51B-0E28-4171-AE7C-A31AAB42BC73}"/>
               </a:ext>
             </a:extLst>
           </p:cNvPr>
@@ -17409,8 +20702,8 @@
         </p:nvSpPr>
         <p:spPr>
           <a:xfrm>
-            <a:off x="9579428" y="6356350"/>
-            <a:ext cx="1774371" cy="365125"/>
+            <a:off x="8610600" y="6356350"/>
+            <a:ext cx="2743200" cy="365125"/>
           </a:xfrm>
         </p:spPr>
         <p:txBody>
@@ -17421,7 +20714,128 @@
             <a:fld id="{B5CEABB6-07DC-46E8-9B57-56EC44A396E5}" type="slidenum">
               <a:rPr lang="en-GB" smtClean="0"/>
               <a:pPr rtl="0"/>
-              <a:t>17</a:t>
+              <a:t>18</a:t>
+            </a:fld>
+            <a:endParaRPr lang="en-GB"/>
+          </a:p>
+        </p:txBody>
+      </p:sp>
+    </p:spTree>
+    <p:extLst>
+      <p:ext uri="{BB962C8B-B14F-4D97-AF65-F5344CB8AC3E}">
+        <p14:creationId xmlns:p14="http://schemas.microsoft.com/office/powerpoint/2010/main" val="920173932"/>
+      </p:ext>
+    </p:extLst>
+  </p:cSld>
+  <p:clrMapOvr>
+    <a:masterClrMapping/>
+  </p:clrMapOvr>
+  <mc:AlternateContent xmlns:mc="http://schemas.openxmlformats.org/markup-compatibility/2006">
+    <mc:Choice xmlns:p14="http://schemas.microsoft.com/office/powerpoint/2010/main" Requires="p14">
+      <p:transition spd="med" p14:dur="700">
+        <p:fade/>
+      </p:transition>
+    </mc:Choice>
+    <mc:Fallback>
+      <p:transition spd="med">
+        <p:fade/>
+      </p:transition>
+    </mc:Fallback>
+  </mc:AlternateContent>
+</p:sld>
+</file>
+
+<file path=ppt/slides/slide19.xml><?xml version="1.0" encoding="utf-8"?>
+<p:sld xmlns:a="http://schemas.openxmlformats.org/drawingml/2006/main" xmlns:r="http://schemas.openxmlformats.org/officeDocument/2006/relationships" xmlns:p="http://schemas.openxmlformats.org/presentationml/2006/main">
+  <p:cSld>
+    <p:spTree>
+      <p:nvGrpSpPr>
+        <p:cNvPr id="1" name=""/>
+        <p:cNvGrpSpPr/>
+        <p:nvPr/>
+      </p:nvGrpSpPr>
+      <p:grpSpPr>
+        <a:xfrm>
+          <a:off x="0" y="0"/>
+          <a:ext cx="0" cy="0"/>
+          <a:chOff x="0" y="0"/>
+          <a:chExt cx="0" cy="0"/>
+        </a:xfrm>
+      </p:grpSpPr>
+      <p:sp>
+        <p:nvSpPr>
+          <p:cNvPr id="2" name="Title 1">
+            <a:extLst>
+              <a:ext uri="{FF2B5EF4-FFF2-40B4-BE49-F238E27FC236}">
+                <a16:creationId xmlns:a16="http://schemas.microsoft.com/office/drawing/2014/main" id="{BCCAEE93-8585-46D4-A7EC-F184E317CB2E}"/>
+              </a:ext>
+            </a:extLst>
+          </p:cNvPr>
+          <p:cNvSpPr>
+            <a:spLocks noGrp="1"/>
+          </p:cNvSpPr>
+          <p:nvPr>
+            <p:ph type="ctrTitle"/>
+          </p:nvPr>
+        </p:nvSpPr>
+        <p:spPr>
+          <a:xfrm>
+            <a:off x="4789986" y="2590800"/>
+            <a:ext cx="4179570" cy="1016396"/>
+          </a:xfrm>
+        </p:spPr>
+        <p:txBody>
+          <a:bodyPr rtlCol="0"/>
+          <a:lstStyle/>
+          <a:p>
+            <a:pPr rtl="0"/>
+            <a:r>
+              <a:rPr lang="hr-HR" sz="3600" dirty="0">
+                <a:latin typeface="Tahoma" panose="020B0604030504040204" pitchFamily="34" charset="0"/>
+                <a:ea typeface="Tahoma" panose="020B0604030504040204" pitchFamily="34" charset="0"/>
+                <a:cs typeface="Tahoma" panose="020B0604030504040204" pitchFamily="34" charset="0"/>
+              </a:rPr>
+              <a:t>Hvala na pažnji</a:t>
+            </a:r>
+            <a:endParaRPr lang="en-GB" sz="3600" dirty="0">
+              <a:latin typeface="Tahoma" panose="020B0604030504040204" pitchFamily="34" charset="0"/>
+              <a:ea typeface="Tahoma" panose="020B0604030504040204" pitchFamily="34" charset="0"/>
+              <a:cs typeface="Tahoma" panose="020B0604030504040204" pitchFamily="34" charset="0"/>
+            </a:endParaRPr>
+          </a:p>
+        </p:txBody>
+      </p:sp>
+      <p:sp>
+        <p:nvSpPr>
+          <p:cNvPr id="6" name="Slide Number Placeholder 5">
+            <a:extLst>
+              <a:ext uri="{FF2B5EF4-FFF2-40B4-BE49-F238E27FC236}">
+                <a16:creationId xmlns:a16="http://schemas.microsoft.com/office/drawing/2014/main" id="{5EDCFF82-B70F-4971-9182-7C3AEA3CFD26}"/>
+              </a:ext>
+            </a:extLst>
+          </p:cNvPr>
+          <p:cNvSpPr>
+            <a:spLocks noGrp="1"/>
+          </p:cNvSpPr>
+          <p:nvPr>
+            <p:ph type="sldNum" sz="quarter" idx="12"/>
+          </p:nvPr>
+        </p:nvSpPr>
+        <p:spPr>
+          <a:xfrm>
+            <a:off x="9579428" y="6356350"/>
+            <a:ext cx="1774371" cy="365125"/>
+          </a:xfrm>
+        </p:spPr>
+        <p:txBody>
+          <a:bodyPr rtlCol="0"/>
+          <a:lstStyle/>
+          <a:p>
+            <a:pPr rtl="0"/>
+            <a:fld id="{B5CEABB6-07DC-46E8-9B57-56EC44A396E5}" type="slidenum">
+              <a:rPr lang="en-GB" smtClean="0"/>
+              <a:pPr rtl="0"/>
+              <a:t>19</a:t>
             </a:fld>
             <a:endParaRPr lang="en-GB"/>
           </a:p>
@@ -17437,6 +20851,18 @@
   <p:clrMapOvr>
     <a:masterClrMapping/>
   </p:clrMapOvr>
+  <mc:AlternateContent xmlns:mc="http://schemas.openxmlformats.org/markup-compatibility/2006">
+    <mc:Choice xmlns:p14="http://schemas.microsoft.com/office/powerpoint/2010/main" Requires="p14">
+      <p:transition spd="med" p14:dur="700">
+        <p:fade/>
+      </p:transition>
+    </mc:Choice>
+    <mc:Fallback>
+      <p:transition spd="med">
+        <p:fade/>
+      </p:transition>
+    </mc:Fallback>
+  </mc:AlternateContent>
 </p:sld>
 </file>
 
@@ -18117,6 +21543,18 @@
   <p:clrMapOvr>
     <a:masterClrMapping/>
   </p:clrMapOvr>
+  <mc:AlternateContent xmlns:mc="http://schemas.openxmlformats.org/markup-compatibility/2006">
+    <mc:Choice xmlns:p14="http://schemas.microsoft.com/office/powerpoint/2010/main" Requires="p14">
+      <p:transition spd="med" p14:dur="700">
+        <p:fade/>
+      </p:transition>
+    </mc:Choice>
+    <mc:Fallback>
+      <p:transition spd="med">
+        <p:fade/>
+      </p:transition>
+    </mc:Fallback>
+  </mc:AlternateContent>
 </p:sld>
 </file>
 
@@ -18532,6 +21970,18 @@
   <p:clrMapOvr>
     <a:masterClrMapping/>
   </p:clrMapOvr>
+  <mc:AlternateContent xmlns:mc="http://schemas.openxmlformats.org/markup-compatibility/2006">
+    <mc:Choice xmlns:p14="http://schemas.microsoft.com/office/powerpoint/2010/main" Requires="p14">
+      <p:transition spd="med" p14:dur="700">
+        <p:fade/>
+      </p:transition>
+    </mc:Choice>
+    <mc:Fallback>
+      <p:transition spd="med">
+        <p:fade/>
+      </p:transition>
+    </mc:Fallback>
+  </mc:AlternateContent>
 </p:sld>
 </file>
 
@@ -18693,7 +22143,7 @@
           </p:nvPr>
         </p:nvPicPr>
         <p:blipFill rotWithShape="1">
-          <a:blip r:embed="rId2"/>
+          <a:blip r:embed="rId3"/>
           <a:srcRect l="12160" t="3754" r="15269"/>
           <a:stretch/>
         </p:blipFill>
@@ -18768,7 +22218,7 @@
           </p:nvPr>
         </p:nvPicPr>
         <p:blipFill rotWithShape="1">
-          <a:blip r:embed="rId3"/>
+          <a:blip r:embed="rId4"/>
           <a:srcRect l="10799" t="3538" r="13794"/>
           <a:stretch/>
         </p:blipFill>
@@ -18843,7 +22293,7 @@
           </p:nvPr>
         </p:nvPicPr>
         <p:blipFill>
-          <a:blip r:embed="rId4"/>
+          <a:blip r:embed="rId5"/>
           <a:srcRect l="11364" r="11364"/>
           <a:stretch>
             <a:fillRect/>
@@ -18943,6 +22393,18 @@
   <p:clrMapOvr>
     <a:masterClrMapping/>
   </p:clrMapOvr>
+  <mc:AlternateContent xmlns:mc="http://schemas.openxmlformats.org/markup-compatibility/2006">
+    <mc:Choice xmlns:p14="http://schemas.microsoft.com/office/powerpoint/2010/main" Requires="p14">
+      <p:transition spd="med" p14:dur="700">
+        <p:fade/>
+      </p:transition>
+    </mc:Choice>
+    <mc:Fallback>
+      <p:transition spd="med">
+        <p:fade/>
+      </p:transition>
+    </mc:Fallback>
+  </mc:AlternateContent>
 </p:sld>
 </file>
 
@@ -19066,8 +22528,8 @@
         </p:nvSpPr>
         <p:spPr>
           <a:xfrm>
-            <a:off x="517885" y="1913181"/>
-            <a:ext cx="7177560" cy="3031638"/>
+            <a:off x="517885" y="1913180"/>
+            <a:ext cx="7177560" cy="4152339"/>
           </a:xfrm>
         </p:spPr>
         <p:txBody>
@@ -19292,7 +22754,7 @@
                 <a:ea typeface="Tahoma" panose="020B0604030504040204" pitchFamily="34" charset="0"/>
                 <a:cs typeface="Tahoma" panose="020B0604030504040204" pitchFamily="34" charset="0"/>
               </a:rPr>
-              <a:t>Podaci: slike mozga (MRI i PET), genetske podatke, kognitivne testove, </a:t>
+              <a:t>Podaci: slike mozga (MRI i PET), genetski podaci, kognitivni testovi, </a:t>
             </a:r>
             <a:r>
               <a:rPr lang="hr-HR" sz="2500" dirty="0" err="1">
@@ -19300,7 +22762,7 @@
                 <a:ea typeface="Tahoma" panose="020B0604030504040204" pitchFamily="34" charset="0"/>
                 <a:cs typeface="Tahoma" panose="020B0604030504040204" pitchFamily="34" charset="0"/>
               </a:rPr>
-              <a:t>biomarkere</a:t>
+              <a:t>biomarkeri</a:t>
             </a:r>
             <a:r>
               <a:rPr lang="hr-HR" sz="2500" dirty="0">
@@ -19317,12 +22779,52 @@
               <a:buChar char="•"/>
             </a:pPr>
             <a:r>
+              <a:rPr lang="en-GB" sz="2500" dirty="0" err="1">
+                <a:latin typeface="Tahoma" panose="020B0604030504040204" pitchFamily="34" charset="0"/>
+                <a:ea typeface="Tahoma" panose="020B0604030504040204" pitchFamily="34" charset="0"/>
+                <a:cs typeface="Tahoma" panose="020B0604030504040204" pitchFamily="34" charset="0"/>
+              </a:rPr>
+              <a:t>su</a:t>
+            </a:r>
+            <a:r>
               <a:rPr lang="hr-HR" sz="2500" dirty="0">
                 <a:latin typeface="Tahoma" panose="020B0604030504040204" pitchFamily="34" charset="0"/>
                 <a:ea typeface="Tahoma" panose="020B0604030504040204" pitchFamily="34" charset="0"/>
                 <a:cs typeface="Tahoma" panose="020B0604030504040204" pitchFamily="34" charset="0"/>
               </a:rPr>
-              <a:t>3 dijagnostičke grupe: </a:t>
+              <a:t>dionici</a:t>
+            </a:r>
+            <a:r>
+              <a:rPr lang="en-GB" sz="2500" dirty="0">
+                <a:latin typeface="Tahoma" panose="020B0604030504040204" pitchFamily="34" charset="0"/>
+                <a:ea typeface="Tahoma" panose="020B0604030504040204" pitchFamily="34" charset="0"/>
+                <a:cs typeface="Tahoma" panose="020B0604030504040204" pitchFamily="34" charset="0"/>
+              </a:rPr>
+              <a:t> u </a:t>
+            </a:r>
+            <a:r>
+              <a:rPr lang="en-GB" sz="2500" dirty="0" err="1">
+                <a:latin typeface="Tahoma" panose="020B0604030504040204" pitchFamily="34" charset="0"/>
+                <a:ea typeface="Tahoma" panose="020B0604030504040204" pitchFamily="34" charset="0"/>
+                <a:cs typeface="Tahoma" panose="020B0604030504040204" pitchFamily="34" charset="0"/>
+              </a:rPr>
+              <a:t>dobi</a:t>
+            </a:r>
+            <a:r>
+              <a:rPr lang="en-GB" sz="2500" dirty="0">
+                <a:latin typeface="Tahoma" panose="020B0604030504040204" pitchFamily="34" charset="0"/>
+                <a:ea typeface="Tahoma" panose="020B0604030504040204" pitchFamily="34" charset="0"/>
+                <a:cs typeface="Tahoma" panose="020B0604030504040204" pitchFamily="34" charset="0"/>
+              </a:rPr>
+              <a:t> </a:t>
+            </a:r>
+            <a:r>
+              <a:rPr lang="en-GB" sz="2500" b="1" dirty="0">
+                <a:latin typeface="Tahoma" panose="020B0604030504040204" pitchFamily="34" charset="0"/>
+                <a:ea typeface="Tahoma" panose="020B0604030504040204" pitchFamily="34" charset="0"/>
+                <a:cs typeface="Tahoma" panose="020B0604030504040204" pitchFamily="34" charset="0"/>
+              </a:rPr>
+              <a:t>od 55 do 90</a:t>
             </a:r>
             <a:r>
               <a:rPr lang="hr-HR" sz="2500" b="1" dirty="0">
@@ -19330,8 +22832,21 @@
                 <a:ea typeface="Tahoma" panose="020B0604030504040204" pitchFamily="34" charset="0"/>
                 <a:cs typeface="Tahoma" panose="020B0604030504040204" pitchFamily="34" charset="0"/>
               </a:rPr>
-              <a:t>CN, MCI, AD </a:t>
-            </a:r>
+              <a:t> </a:t>
+            </a:r>
+            <a:r>
+              <a:rPr lang="en-GB" sz="2500" b="1" dirty="0" err="1">
+                <a:latin typeface="Tahoma" panose="020B0604030504040204" pitchFamily="34" charset="0"/>
+                <a:ea typeface="Tahoma" panose="020B0604030504040204" pitchFamily="34" charset="0"/>
+                <a:cs typeface="Tahoma" panose="020B0604030504040204" pitchFamily="34" charset="0"/>
+              </a:rPr>
+              <a:t>godina</a:t>
+            </a:r>
+            <a:endParaRPr lang="hr-HR" sz="2500" b="1" dirty="0">
+              <a:latin typeface="Tahoma" panose="020B0604030504040204" pitchFamily="34" charset="0"/>
+              <a:ea typeface="Tahoma" panose="020B0604030504040204" pitchFamily="34" charset="0"/>
+              <a:cs typeface="Tahoma" panose="020B0604030504040204" pitchFamily="34" charset="0"/>
+            </a:endParaRPr>
           </a:p>
           <a:p>
             <a:pPr marL="342900" indent="-342900">
@@ -19339,70 +22854,14 @@
               <a:buChar char="•"/>
             </a:pPr>
             <a:r>
-              <a:rPr lang="en-GB" sz="2500" dirty="0" err="1">
-                <a:latin typeface="Tahoma" panose="020B0604030504040204" pitchFamily="34" charset="0"/>
-                <a:ea typeface="Tahoma" panose="020B0604030504040204" pitchFamily="34" charset="0"/>
-                <a:cs typeface="Tahoma" panose="020B0604030504040204" pitchFamily="34" charset="0"/>
-              </a:rPr>
-              <a:t>su</a:t>
-            </a:r>
-            <a:r>
               <a:rPr lang="hr-HR" sz="2500" dirty="0">
                 <a:latin typeface="Tahoma" panose="020B0604030504040204" pitchFamily="34" charset="0"/>
                 <a:ea typeface="Tahoma" panose="020B0604030504040204" pitchFamily="34" charset="0"/>
                 <a:cs typeface="Tahoma" panose="020B0604030504040204" pitchFamily="34" charset="0"/>
               </a:rPr>
-              <a:t>dionici</a:t>
-            </a:r>
-            <a:r>
-              <a:rPr lang="en-GB" sz="2500" dirty="0">
-                <a:latin typeface="Tahoma" panose="020B0604030504040204" pitchFamily="34" charset="0"/>
-                <a:ea typeface="Tahoma" panose="020B0604030504040204" pitchFamily="34" charset="0"/>
-                <a:cs typeface="Tahoma" panose="020B0604030504040204" pitchFamily="34" charset="0"/>
-              </a:rPr>
-              <a:t> u </a:t>
-            </a:r>
-            <a:r>
-              <a:rPr lang="en-GB" sz="2500" dirty="0" err="1">
-                <a:latin typeface="Tahoma" panose="020B0604030504040204" pitchFamily="34" charset="0"/>
-                <a:ea typeface="Tahoma" panose="020B0604030504040204" pitchFamily="34" charset="0"/>
-                <a:cs typeface="Tahoma" panose="020B0604030504040204" pitchFamily="34" charset="0"/>
-              </a:rPr>
-              <a:t>dobi</a:t>
-            </a:r>
-            <a:r>
-              <a:rPr lang="en-GB" sz="2500" dirty="0">
-                <a:latin typeface="Tahoma" panose="020B0604030504040204" pitchFamily="34" charset="0"/>
-                <a:ea typeface="Tahoma" panose="020B0604030504040204" pitchFamily="34" charset="0"/>
-                <a:cs typeface="Tahoma" panose="020B0604030504040204" pitchFamily="34" charset="0"/>
-              </a:rPr>
-              <a:t> </a:t>
-            </a:r>
-            <a:r>
-              <a:rPr lang="en-GB" sz="2500" b="1" dirty="0">
-                <a:latin typeface="Tahoma" panose="020B0604030504040204" pitchFamily="34" charset="0"/>
-                <a:ea typeface="Tahoma" panose="020B0604030504040204" pitchFamily="34" charset="0"/>
-                <a:cs typeface="Tahoma" panose="020B0604030504040204" pitchFamily="34" charset="0"/>
-              </a:rPr>
-              <a:t>od 55 do 90</a:t>
-            </a:r>
-            <a:r>
-              <a:rPr lang="hr-HR" sz="2500" b="1" dirty="0">
-                <a:latin typeface="Tahoma" panose="020B0604030504040204" pitchFamily="34" charset="0"/>
-                <a:ea typeface="Tahoma" panose="020B0604030504040204" pitchFamily="34" charset="0"/>
-                <a:cs typeface="Tahoma" panose="020B0604030504040204" pitchFamily="34" charset="0"/>
-              </a:rPr>
-              <a:t> </a:t>
-            </a:r>
-            <a:r>
-              <a:rPr lang="en-GB" sz="2500" b="1" dirty="0" err="1">
-                <a:latin typeface="Tahoma" panose="020B0604030504040204" pitchFamily="34" charset="0"/>
-                <a:ea typeface="Tahoma" panose="020B0604030504040204" pitchFamily="34" charset="0"/>
-                <a:cs typeface="Tahoma" panose="020B0604030504040204" pitchFamily="34" charset="0"/>
-              </a:rPr>
-              <a:t>godina</a:t>
-            </a:r>
-            <a:endParaRPr lang="en-GB" sz="2500" b="1" dirty="0">
+              <a:t>SAD i Kanada</a:t>
+            </a:r>
+            <a:endParaRPr lang="en-GB" sz="2500" dirty="0">
               <a:latin typeface="Tahoma" panose="020B0604030504040204" pitchFamily="34" charset="0"/>
               <a:ea typeface="Tahoma" panose="020B0604030504040204" pitchFamily="34" charset="0"/>
               <a:cs typeface="Tahoma" panose="020B0604030504040204" pitchFamily="34" charset="0"/>
@@ -19420,6 +22879,18 @@
   <p:clrMapOvr>
     <a:masterClrMapping/>
   </p:clrMapOvr>
+  <mc:AlternateContent xmlns:mc="http://schemas.openxmlformats.org/markup-compatibility/2006">
+    <mc:Choice xmlns:p14="http://schemas.microsoft.com/office/powerpoint/2010/main" Requires="p14">
+      <p:transition spd="med" p14:dur="700">
+        <p:fade/>
+      </p:transition>
+    </mc:Choice>
+    <mc:Fallback>
+      <p:transition spd="med">
+        <p:fade/>
+      </p:transition>
+    </mc:Fallback>
+  </mc:AlternateContent>
 </p:sld>
 </file>
 
@@ -19945,7 +23416,7 @@
           <p:nvPr/>
         </p:nvPicPr>
         <p:blipFill>
-          <a:blip r:embed="rId2"/>
+          <a:blip r:embed="rId3"/>
           <a:stretch>
             <a:fillRect/>
           </a:stretch>
@@ -19975,7 +23446,7 @@
           <p:nvPr/>
         </p:nvPicPr>
         <p:blipFill rotWithShape="1">
-          <a:blip r:embed="rId3"/>
+          <a:blip r:embed="rId4"/>
           <a:srcRect l="5966" t="2952" r="9180"/>
           <a:stretch/>
         </p:blipFill>
@@ -19999,6 +23470,18 @@
   <p:clrMapOvr>
     <a:masterClrMapping/>
   </p:clrMapOvr>
+  <mc:AlternateContent xmlns:mc="http://schemas.openxmlformats.org/markup-compatibility/2006">
+    <mc:Choice xmlns:p14="http://schemas.microsoft.com/office/powerpoint/2010/main" Requires="p14">
+      <p:transition spd="med" p14:dur="700">
+        <p:fade/>
+      </p:transition>
+    </mc:Choice>
+    <mc:Fallback>
+      <p:transition spd="med">
+        <p:fade/>
+      </p:transition>
+    </mc:Fallback>
+  </mc:AlternateContent>
 </p:sld>
 </file>
 
@@ -20589,6 +24072,18 @@
   <p:clrMapOvr>
     <a:masterClrMapping/>
   </p:clrMapOvr>
+  <mc:AlternateContent xmlns:mc="http://schemas.openxmlformats.org/markup-compatibility/2006">
+    <mc:Choice xmlns:p14="http://schemas.microsoft.com/office/powerpoint/2010/main" Requires="p14">
+      <p:transition spd="med" p14:dur="700">
+        <p:fade/>
+      </p:transition>
+    </mc:Choice>
+    <mc:Fallback>
+      <p:transition spd="med">
+        <p:fade/>
+      </p:transition>
+    </mc:Fallback>
+  </mc:AlternateContent>
 </p:sld>
 </file>
 
@@ -20885,6 +24380,18 @@
   <p:clrMapOvr>
     <a:masterClrMapping/>
   </p:clrMapOvr>
+  <mc:AlternateContent xmlns:mc="http://schemas.openxmlformats.org/markup-compatibility/2006">
+    <mc:Choice xmlns:p14="http://schemas.microsoft.com/office/powerpoint/2010/main" Requires="p14">
+      <p:transition spd="med" p14:dur="700">
+        <p:fade/>
+      </p:transition>
+    </mc:Choice>
+    <mc:Fallback>
+      <p:transition spd="med">
+        <p:fade/>
+      </p:transition>
+    </mc:Fallback>
+  </mc:AlternateContent>
 </p:sld>
 </file>
 
@@ -21010,14 +24517,14 @@
           <p:nvPr/>
         </p:nvPicPr>
         <p:blipFill>
-          <a:blip r:embed="rId2"/>
+          <a:blip r:embed="rId3"/>
           <a:stretch>
             <a:fillRect/>
           </a:stretch>
         </p:blipFill>
         <p:spPr>
           <a:xfrm>
-            <a:off x="3990973" y="1547904"/>
+            <a:off x="3990973" y="1449581"/>
             <a:ext cx="7915891" cy="4906769"/>
           </a:xfrm>
           <a:prstGeom prst="rect">
@@ -21252,6 +24759,18 @@
   <p:clrMapOvr>
     <a:masterClrMapping/>
   </p:clrMapOvr>
+  <mc:AlternateContent xmlns:mc="http://schemas.openxmlformats.org/markup-compatibility/2006">
+    <mc:Choice xmlns:p14="http://schemas.microsoft.com/office/powerpoint/2010/main" Requires="p14">
+      <p:transition spd="med" p14:dur="700">
+        <p:fade/>
+      </p:transition>
+    </mc:Choice>
+    <mc:Fallback>
+      <p:transition spd="med">
+        <p:fade/>
+      </p:transition>
+    </mc:Fallback>
+  </mc:AlternateContent>
 </p:sld>
 </file>
 

--- a/prezentacija/ML_Alzheimer.pptx
+++ b/prezentacija/ML_Alzheimer.pptx
@@ -24666,14 +24666,6 @@
               <a:buFont typeface="Arial" panose="020B0604020202020204" pitchFamily="34" charset="0"/>
               <a:buChar char="•"/>
             </a:pPr>
-            <a:r>
-              <a:rPr lang="hr-HR" sz="2300" i="1" dirty="0">
-                <a:latin typeface="Tahoma" panose="020B0604030504040204" pitchFamily="34" charset="0"/>
-                <a:ea typeface="Tahoma" panose="020B0604030504040204" pitchFamily="34" charset="0"/>
-                <a:cs typeface="Tahoma" panose="020B0604030504040204" pitchFamily="34" charset="0"/>
-              </a:rPr>
-              <a:t> </a:t>
-            </a:r>
             <a:r>
               <a:rPr lang="hr-HR" sz="2300" dirty="0">
                 <a:latin typeface="Tahoma" panose="020B0604030504040204" pitchFamily="34" charset="0"/>
